--- a/manuscript/img/study_design.pptx
+++ b/manuscript/img/study_design.pptx
@@ -119,7 +119,7 @@
 <file path=ppt/charts/chart1.xml><?xml version="1.0" encoding="utf-8"?>
 <c:chartSpace xmlns:c="http://schemas.openxmlformats.org/drawingml/2006/chart" xmlns:a="http://schemas.openxmlformats.org/drawingml/2006/main" xmlns:r="http://schemas.openxmlformats.org/officeDocument/2006/relationships" xmlns:c16r2="http://schemas.microsoft.com/office/drawing/2015/06/chart">
   <c:date1904 val="0"/>
-  <c:lang val="en-GB"/>
+  <c:lang val="en-US"/>
   <c:roundedCorners val="0"/>
   <mc:AlternateContent xmlns:mc="http://schemas.openxmlformats.org/markup-compatibility/2006">
     <mc:Choice xmlns:c14="http://schemas.microsoft.com/office/drawing/2007/8/2/chart" Requires="c14">
@@ -636,7 +636,7 @@
 <file path=ppt/charts/chart2.xml><?xml version="1.0" encoding="utf-8"?>
 <c:chartSpace xmlns:c="http://schemas.openxmlformats.org/drawingml/2006/chart" xmlns:a="http://schemas.openxmlformats.org/drawingml/2006/main" xmlns:r="http://schemas.openxmlformats.org/officeDocument/2006/relationships" xmlns:c16r2="http://schemas.microsoft.com/office/drawing/2015/06/chart">
   <c:date1904 val="0"/>
-  <c:lang val="en-GB"/>
+  <c:lang val="en-US"/>
   <c:roundedCorners val="0"/>
   <mc:AlternateContent xmlns:mc="http://schemas.openxmlformats.org/markup-compatibility/2006">
     <mc:Choice xmlns:c14="http://schemas.microsoft.com/office/drawing/2007/8/2/chart" Requires="c14">
@@ -1138,7 +1138,7 @@
 <file path=ppt/charts/chart3.xml><?xml version="1.0" encoding="utf-8"?>
 <c:chartSpace xmlns:c="http://schemas.openxmlformats.org/drawingml/2006/chart" xmlns:a="http://schemas.openxmlformats.org/drawingml/2006/main" xmlns:r="http://schemas.openxmlformats.org/officeDocument/2006/relationships" xmlns:c16r2="http://schemas.microsoft.com/office/drawing/2015/06/chart">
   <c:date1904 val="0"/>
-  <c:lang val="en-GB"/>
+  <c:lang val="en-US"/>
   <c:roundedCorners val="0"/>
   <mc:AlternateContent xmlns:mc="http://schemas.openxmlformats.org/markup-compatibility/2006">
     <mc:Choice xmlns:c14="http://schemas.microsoft.com/office/drawing/2007/8/2/chart" Requires="c14">
@@ -3507,7 +3507,7 @@
           <a:p>
             <a:fld id="{E4E38EDD-3C76-B444-AFF1-88DDA1DA1047}" type="datetimeFigureOut">
               <a:rPr lang="en-GB" smtClean="0"/>
-              <a:t>21/08/2024</a:t>
+              <a:t>02/11/2024</a:t>
             </a:fld>
             <a:endParaRPr lang="en-GB"/>
           </a:p>
@@ -3989,7 +3989,7 @@
           <a:p>
             <a:fld id="{32004B65-F988-A147-B5C6-3EAC0846CAA1}" type="datetimeFigureOut">
               <a:rPr lang="en-GB" smtClean="0"/>
-              <a:t>21/08/2024</a:t>
+              <a:t>02/11/2024</a:t>
             </a:fld>
             <a:endParaRPr lang="en-GB"/>
           </a:p>
@@ -4159,7 +4159,7 @@
           <a:p>
             <a:fld id="{32004B65-F988-A147-B5C6-3EAC0846CAA1}" type="datetimeFigureOut">
               <a:rPr lang="en-GB" smtClean="0"/>
-              <a:t>21/08/2024</a:t>
+              <a:t>02/11/2024</a:t>
             </a:fld>
             <a:endParaRPr lang="en-GB"/>
           </a:p>
@@ -4339,7 +4339,7 @@
           <a:p>
             <a:fld id="{32004B65-F988-A147-B5C6-3EAC0846CAA1}" type="datetimeFigureOut">
               <a:rPr lang="en-GB" smtClean="0"/>
-              <a:t>21/08/2024</a:t>
+              <a:t>02/11/2024</a:t>
             </a:fld>
             <a:endParaRPr lang="en-GB"/>
           </a:p>
@@ -4509,7 +4509,7 @@
           <a:p>
             <a:fld id="{32004B65-F988-A147-B5C6-3EAC0846CAA1}" type="datetimeFigureOut">
               <a:rPr lang="en-GB" smtClean="0"/>
-              <a:t>21/08/2024</a:t>
+              <a:t>02/11/2024</a:t>
             </a:fld>
             <a:endParaRPr lang="en-GB"/>
           </a:p>
@@ -4755,7 +4755,7 @@
           <a:p>
             <a:fld id="{32004B65-F988-A147-B5C6-3EAC0846CAA1}" type="datetimeFigureOut">
               <a:rPr lang="en-GB" smtClean="0"/>
-              <a:t>21/08/2024</a:t>
+              <a:t>02/11/2024</a:t>
             </a:fld>
             <a:endParaRPr lang="en-GB"/>
           </a:p>
@@ -4987,7 +4987,7 @@
           <a:p>
             <a:fld id="{32004B65-F988-A147-B5C6-3EAC0846CAA1}" type="datetimeFigureOut">
               <a:rPr lang="en-GB" smtClean="0"/>
-              <a:t>21/08/2024</a:t>
+              <a:t>02/11/2024</a:t>
             </a:fld>
             <a:endParaRPr lang="en-GB"/>
           </a:p>
@@ -5354,7 +5354,7 @@
           <a:p>
             <a:fld id="{32004B65-F988-A147-B5C6-3EAC0846CAA1}" type="datetimeFigureOut">
               <a:rPr lang="en-GB" smtClean="0"/>
-              <a:t>21/08/2024</a:t>
+              <a:t>02/11/2024</a:t>
             </a:fld>
             <a:endParaRPr lang="en-GB"/>
           </a:p>
@@ -5472,7 +5472,7 @@
           <a:p>
             <a:fld id="{32004B65-F988-A147-B5C6-3EAC0846CAA1}" type="datetimeFigureOut">
               <a:rPr lang="en-GB" smtClean="0"/>
-              <a:t>21/08/2024</a:t>
+              <a:t>02/11/2024</a:t>
             </a:fld>
             <a:endParaRPr lang="en-GB"/>
           </a:p>
@@ -5567,7 +5567,7 @@
           <a:p>
             <a:fld id="{32004B65-F988-A147-B5C6-3EAC0846CAA1}" type="datetimeFigureOut">
               <a:rPr lang="en-GB" smtClean="0"/>
-              <a:t>21/08/2024</a:t>
+              <a:t>02/11/2024</a:t>
             </a:fld>
             <a:endParaRPr lang="en-GB"/>
           </a:p>
@@ -5844,7 +5844,7 @@
           <a:p>
             <a:fld id="{32004B65-F988-A147-B5C6-3EAC0846CAA1}" type="datetimeFigureOut">
               <a:rPr lang="en-GB" smtClean="0"/>
-              <a:t>21/08/2024</a:t>
+              <a:t>02/11/2024</a:t>
             </a:fld>
             <a:endParaRPr lang="en-GB"/>
           </a:p>
@@ -6101,7 +6101,7 @@
           <a:p>
             <a:fld id="{32004B65-F988-A147-B5C6-3EAC0846CAA1}" type="datetimeFigureOut">
               <a:rPr lang="en-GB" smtClean="0"/>
-              <a:t>21/08/2024</a:t>
+              <a:t>02/11/2024</a:t>
             </a:fld>
             <a:endParaRPr lang="en-GB"/>
           </a:p>
@@ -6314,7 +6314,7 @@
           <a:p>
             <a:fld id="{32004B65-F988-A147-B5C6-3EAC0846CAA1}" type="datetimeFigureOut">
               <a:rPr lang="en-GB" smtClean="0"/>
-              <a:t>21/08/2024</a:t>
+              <a:t>02/11/2024</a:t>
             </a:fld>
             <a:endParaRPr lang="en-GB"/>
           </a:p>
@@ -6727,121 +6727,111 @@
           <a:chExt cx="0" cy="0"/>
         </a:xfrm>
       </p:grpSpPr>
-      <p:grpSp>
-        <p:nvGrpSpPr>
-          <p:cNvPr id="70" name="Group 69">
+      <p:pic>
+        <p:nvPicPr>
+          <p:cNvPr id="83" name="Picture 82" descr="A colorful splattered paint&#10;&#10;Description automatically generated">
             <a:extLst>
               <a:ext uri="{FF2B5EF4-FFF2-40B4-BE49-F238E27FC236}">
-                <a16:creationId xmlns:a16="http://schemas.microsoft.com/office/drawing/2014/main" id="{FF6DC217-D946-68A3-70D9-809E9B34AF7D}"/>
+                <a16:creationId xmlns:a16="http://schemas.microsoft.com/office/drawing/2014/main" id="{1EE67E03-DF56-209F-E718-3BB48721AC8C}"/>
               </a:ext>
             </a:extLst>
           </p:cNvPr>
-          <p:cNvGrpSpPr/>
+          <p:cNvPicPr>
+            <a:picLocks noChangeAspect="1"/>
+          </p:cNvPicPr>
           <p:nvPr/>
-        </p:nvGrpSpPr>
-        <p:grpSpPr>
+        </p:nvPicPr>
+        <p:blipFill>
+          <a:blip r:embed="rId3"/>
+          <a:srcRect l="15552" t="4108" r="16538" b="3236"/>
+          <a:stretch/>
+        </p:blipFill>
+        <p:spPr>
           <a:xfrm>
-            <a:off x="1468250" y="1597870"/>
-            <a:ext cx="4224931" cy="708686"/>
-            <a:chOff x="1468250" y="1466197"/>
-            <a:chExt cx="4224931" cy="708686"/>
+            <a:off x="8837840" y="489316"/>
+            <a:ext cx="1242646" cy="1260609"/>
           </a:xfrm>
-        </p:grpSpPr>
-        <p:pic>
-          <p:nvPicPr>
-            <p:cNvPr id="1028" name="Picture 4" descr="GenCC genes with classifications">
-              <a:extLst>
-                <a:ext uri="{FF2B5EF4-FFF2-40B4-BE49-F238E27FC236}">
-                  <a16:creationId xmlns:a16="http://schemas.microsoft.com/office/drawing/2014/main" id="{9D5F110B-72FA-C9C5-FD3C-B4C6057706AC}"/>
-                </a:ext>
-              </a:extLst>
-            </p:cNvPr>
-            <p:cNvPicPr>
-              <a:picLocks noChangeAspect="1" noChangeArrowheads="1"/>
-            </p:cNvPicPr>
-            <p:nvPr/>
-          </p:nvPicPr>
-          <p:blipFill>
-            <a:blip r:embed="rId3">
-              <a:extLst>
-                <a:ext uri="{28A0092B-C50C-407E-A947-70E740481C1C}">
-                  <a14:useLocalDpi xmlns:a14="http://schemas.microsoft.com/office/drawing/2010/main" val="0"/>
-                </a:ext>
-              </a:extLst>
-            </a:blip>
-            <a:srcRect/>
-            <a:stretch>
-              <a:fillRect/>
-            </a:stretch>
-          </p:blipFill>
-          <p:spPr bwMode="auto">
-            <a:xfrm>
-              <a:off x="3688500" y="1466197"/>
-              <a:ext cx="2004681" cy="708686"/>
-            </a:xfrm>
-            <a:prstGeom prst="rect">
-              <a:avLst/>
-            </a:prstGeom>
-            <a:noFill/>
+          <a:prstGeom prst="rect">
+            <a:avLst/>
+          </a:prstGeom>
+        </p:spPr>
+      </p:pic>
+      <p:pic>
+        <p:nvPicPr>
+          <p:cNvPr id="85" name="Picture 84" descr="A close up of a flower&#10;&#10;Description automatically generated">
             <a:extLst>
-              <a:ext uri="{909E8E84-426E-40DD-AFC4-6F175D3DCCD1}">
-                <a14:hiddenFill xmlns:a14="http://schemas.microsoft.com/office/drawing/2010/main">
-                  <a:solidFill>
-                    <a:srgbClr val="FFFFFF"/>
-                  </a:solidFill>
-                </a14:hiddenFill>
+              <a:ext uri="{FF2B5EF4-FFF2-40B4-BE49-F238E27FC236}">
+                <a16:creationId xmlns:a16="http://schemas.microsoft.com/office/drawing/2014/main" id="{BAC871B6-47DC-294A-D692-C681FF68D195}"/>
               </a:ext>
             </a:extLst>
-          </p:spPr>
-        </p:pic>
-        <p:pic>
-          <p:nvPicPr>
-            <p:cNvPr id="1026" name="Picture 2" descr="GitHub - obophenotype/human-phenotype-ontology: Ontology for the  description of human clinical features">
-              <a:extLst>
-                <a:ext uri="{FF2B5EF4-FFF2-40B4-BE49-F238E27FC236}">
-                  <a16:creationId xmlns:a16="http://schemas.microsoft.com/office/drawing/2014/main" id="{AC06F885-7439-0DF5-82D6-2A4D2E4E627F}"/>
-                </a:ext>
-              </a:extLst>
-            </p:cNvPr>
-            <p:cNvPicPr>
-              <a:picLocks noChangeAspect="1" noChangeArrowheads="1"/>
-            </p:cNvPicPr>
-            <p:nvPr/>
-          </p:nvPicPr>
-          <p:blipFill>
-            <a:blip r:embed="rId4">
-              <a:extLst>
-                <a:ext uri="{28A0092B-C50C-407E-A947-70E740481C1C}">
-                  <a14:useLocalDpi xmlns:a14="http://schemas.microsoft.com/office/drawing/2010/main" val="0"/>
-                </a:ext>
-              </a:extLst>
-            </a:blip>
-            <a:srcRect/>
-            <a:stretch>
-              <a:fillRect/>
-            </a:stretch>
-          </p:blipFill>
-          <p:spPr bwMode="auto">
-            <a:xfrm>
-              <a:off x="1468250" y="1492628"/>
-              <a:ext cx="1749852" cy="656878"/>
-            </a:xfrm>
-            <a:prstGeom prst="rect">
-              <a:avLst/>
-            </a:prstGeom>
-            <a:noFill/>
+          </p:cNvPr>
+          <p:cNvPicPr>
+            <a:picLocks noChangeAspect="1"/>
+          </p:cNvPicPr>
+          <p:nvPr/>
+        </p:nvPicPr>
+        <p:blipFill>
+          <a:blip r:embed="rId4"/>
+          <a:srcRect l="16254" t="7460" r="15837" b="6987"/>
+          <a:stretch/>
+        </p:blipFill>
+        <p:spPr>
+          <a:xfrm>
+            <a:off x="7035164" y="559651"/>
+            <a:ext cx="1242646" cy="1163958"/>
+          </a:xfrm>
+          <a:prstGeom prst="rect">
+            <a:avLst/>
+          </a:prstGeom>
+        </p:spPr>
+      </p:pic>
+      <p:pic>
+        <p:nvPicPr>
+          <p:cNvPr id="1028" name="Picture 4" descr="GenCC genes with classifications">
             <a:extLst>
-              <a:ext uri="{909E8E84-426E-40DD-AFC4-6F175D3DCCD1}">
-                <a14:hiddenFill xmlns:a14="http://schemas.microsoft.com/office/drawing/2010/main">
-                  <a:solidFill>
-                    <a:srgbClr val="FFFFFF"/>
-                  </a:solidFill>
-                </a14:hiddenFill>
+              <a:ext uri="{FF2B5EF4-FFF2-40B4-BE49-F238E27FC236}">
+                <a16:creationId xmlns:a16="http://schemas.microsoft.com/office/drawing/2014/main" id="{9D5F110B-72FA-C9C5-FD3C-B4C6057706AC}"/>
               </a:ext>
             </a:extLst>
-          </p:spPr>
-        </p:pic>
-      </p:grpSp>
+          </p:cNvPr>
+          <p:cNvPicPr>
+            <a:picLocks noChangeAspect="1" noChangeArrowheads="1"/>
+          </p:cNvPicPr>
+          <p:nvPr/>
+        </p:nvPicPr>
+        <p:blipFill>
+          <a:blip r:embed="rId5">
+            <a:extLst>
+              <a:ext uri="{28A0092B-C50C-407E-A947-70E740481C1C}">
+                <a14:useLocalDpi xmlns:a14="http://schemas.microsoft.com/office/drawing/2010/main" val="0"/>
+              </a:ext>
+            </a:extLst>
+          </a:blip>
+          <a:srcRect/>
+          <a:stretch>
+            <a:fillRect/>
+          </a:stretch>
+        </p:blipFill>
+        <p:spPr bwMode="auto">
+          <a:xfrm>
+            <a:off x="3688500" y="177306"/>
+            <a:ext cx="2004681" cy="708686"/>
+          </a:xfrm>
+          <a:prstGeom prst="rect">
+            <a:avLst/>
+          </a:prstGeom>
+          <a:noFill/>
+          <a:extLst>
+            <a:ext uri="{909E8E84-426E-40DD-AFC4-6F175D3DCCD1}">
+              <a14:hiddenFill xmlns:a14="http://schemas.microsoft.com/office/drawing/2010/main">
+                <a:solidFill>
+                  <a:srgbClr val="FFFFFF"/>
+                </a:solidFill>
+              </a14:hiddenFill>
+            </a:ext>
+          </a:extLst>
+        </p:spPr>
+      </p:pic>
       <p:sp>
         <p:nvSpPr>
           <p:cNvPr id="30" name="Rounded Rectangle 29">
@@ -6856,8 +6846,8 @@
         </p:nvSpPr>
         <p:spPr>
           <a:xfrm>
-            <a:off x="183644" y="889462"/>
-            <a:ext cx="5594577" cy="3642436"/>
+            <a:off x="1368061" y="65995"/>
+            <a:ext cx="4410159" cy="5306827"/>
           </a:xfrm>
           <a:prstGeom prst="roundRect">
             <a:avLst>
@@ -6903,64 +6893,6 @@
           </a:p>
         </p:txBody>
       </p:sp>
-      <p:pic>
-        <p:nvPicPr>
-          <p:cNvPr id="83" name="Picture 82" descr="A colorful splattered paint&#10;&#10;Description automatically generated">
-            <a:extLst>
-              <a:ext uri="{FF2B5EF4-FFF2-40B4-BE49-F238E27FC236}">
-                <a16:creationId xmlns:a16="http://schemas.microsoft.com/office/drawing/2014/main" id="{1EE67E03-DF56-209F-E718-3BB48721AC8C}"/>
-              </a:ext>
-            </a:extLst>
-          </p:cNvPr>
-          <p:cNvPicPr>
-            <a:picLocks noChangeAspect="1"/>
-          </p:cNvPicPr>
-          <p:nvPr/>
-        </p:nvPicPr>
-        <p:blipFill>
-          <a:blip r:embed="rId5"/>
-          <a:srcRect l="15552" t="4108" r="16538" b="3236"/>
-          <a:stretch/>
-        </p:blipFill>
-        <p:spPr>
-          <a:xfrm>
-            <a:off x="8089704" y="1324246"/>
-            <a:ext cx="1242646" cy="1260609"/>
-          </a:xfrm>
-          <a:prstGeom prst="rect">
-            <a:avLst/>
-          </a:prstGeom>
-        </p:spPr>
-      </p:pic>
-      <p:pic>
-        <p:nvPicPr>
-          <p:cNvPr id="85" name="Picture 84" descr="A close up of a flower&#10;&#10;Description automatically generated">
-            <a:extLst>
-              <a:ext uri="{FF2B5EF4-FFF2-40B4-BE49-F238E27FC236}">
-                <a16:creationId xmlns:a16="http://schemas.microsoft.com/office/drawing/2014/main" id="{BAC871B6-47DC-294A-D692-C681FF68D195}"/>
-              </a:ext>
-            </a:extLst>
-          </p:cNvPr>
-          <p:cNvPicPr>
-            <a:picLocks noChangeAspect="1"/>
-          </p:cNvPicPr>
-          <p:nvPr/>
-        </p:nvPicPr>
-        <p:blipFill>
-          <a:blip r:embed="rId6"/>
-          <a:srcRect l="16254" t="7460" r="15837" b="6987"/>
-          <a:stretch/>
-        </p:blipFill>
-        <p:spPr>
-          <a:xfrm>
-            <a:off x="6495378" y="1394581"/>
-            <a:ext cx="1242646" cy="1163958"/>
-          </a:xfrm>
-          <a:prstGeom prst="rect">
-            <a:avLst/>
-          </a:prstGeom>
-        </p:spPr>
-      </p:pic>
       <p:sp>
         <p:nvSpPr>
           <p:cNvPr id="31" name="Rounded Rectangle 30">
@@ -6975,8 +6907,8 @@
         </p:nvSpPr>
         <p:spPr>
           <a:xfrm>
-            <a:off x="6367505" y="920321"/>
-            <a:ext cx="5594577" cy="3642436"/>
+            <a:off x="6367506" y="65995"/>
+            <a:ext cx="4419258" cy="5337686"/>
           </a:xfrm>
           <a:prstGeom prst="roundRect">
             <a:avLst>
@@ -7022,6 +6954,53 @@
           </a:p>
         </p:txBody>
       </p:sp>
+      <p:pic>
+        <p:nvPicPr>
+          <p:cNvPr id="1026" name="Picture 2" descr="GitHub - obophenotype/human-phenotype-ontology: Ontology for the  description of human clinical features">
+            <a:extLst>
+              <a:ext uri="{FF2B5EF4-FFF2-40B4-BE49-F238E27FC236}">
+                <a16:creationId xmlns:a16="http://schemas.microsoft.com/office/drawing/2014/main" id="{AC06F885-7439-0DF5-82D6-2A4D2E4E627F}"/>
+              </a:ext>
+            </a:extLst>
+          </p:cNvPr>
+          <p:cNvPicPr>
+            <a:picLocks noChangeAspect="1" noChangeArrowheads="1"/>
+          </p:cNvPicPr>
+          <p:nvPr/>
+        </p:nvPicPr>
+        <p:blipFill>
+          <a:blip r:embed="rId6">
+            <a:extLst>
+              <a:ext uri="{28A0092B-C50C-407E-A947-70E740481C1C}">
+                <a14:useLocalDpi xmlns:a14="http://schemas.microsoft.com/office/drawing/2010/main" val="0"/>
+              </a:ext>
+            </a:extLst>
+          </a:blip>
+          <a:srcRect/>
+          <a:stretch>
+            <a:fillRect/>
+          </a:stretch>
+        </p:blipFill>
+        <p:spPr bwMode="auto">
+          <a:xfrm>
+            <a:off x="1468250" y="203737"/>
+            <a:ext cx="1749852" cy="656878"/>
+          </a:xfrm>
+          <a:prstGeom prst="rect">
+            <a:avLst/>
+          </a:prstGeom>
+          <a:noFill/>
+          <a:extLst>
+            <a:ext uri="{909E8E84-426E-40DD-AFC4-6F175D3DCCD1}">
+              <a14:hiddenFill xmlns:a14="http://schemas.microsoft.com/office/drawing/2010/main">
+                <a:solidFill>
+                  <a:srgbClr val="FFFFFF"/>
+                </a:solidFill>
+              </a14:hiddenFill>
+            </a:ext>
+          </a:extLst>
+        </p:spPr>
+      </p:pic>
       <p:sp>
         <p:nvSpPr>
           <p:cNvPr id="81" name="TextBox 80">
@@ -7036,7 +7015,7 @@
         </p:nvSpPr>
         <p:spPr>
           <a:xfrm>
-            <a:off x="1626182" y="1649420"/>
+            <a:off x="1626182" y="228856"/>
             <a:ext cx="3643640" cy="707886"/>
           </a:xfrm>
           <a:prstGeom prst="rect">
@@ -7076,7 +7055,7 @@
         </p:nvGrpSpPr>
         <p:grpSpPr>
           <a:xfrm flipH="1">
-            <a:off x="2501782" y="3732862"/>
+            <a:off x="2501782" y="4573786"/>
             <a:ext cx="8058356" cy="1796552"/>
             <a:chOff x="2485569" y="3726376"/>
             <a:chExt cx="8058356" cy="1796552"/>
@@ -8001,13 +7980,13 @@
           <p:nvPr>
             <p:extLst>
               <p:ext uri="{D42A27DB-BD31-4B8C-83A1-F6EECF244321}">
-                <p14:modId xmlns:p14="http://schemas.microsoft.com/office/powerpoint/2010/main" val="3831258498"/>
+                <p14:modId xmlns:p14="http://schemas.microsoft.com/office/powerpoint/2010/main" val="3339245625"/>
               </p:ext>
             </p:extLst>
           </p:nvPr>
         </p:nvGraphicFramePr>
         <p:xfrm>
-          <a:off x="6356431" y="3020429"/>
+          <a:off x="6356431" y="3861353"/>
           <a:ext cx="4321027" cy="1554480"/>
         </p:xfrm>
         <a:graphic>
@@ -8545,13 +8524,13 @@
           <p:nvPr>
             <p:extLst>
               <p:ext uri="{D42A27DB-BD31-4B8C-83A1-F6EECF244321}">
-                <p14:modId xmlns:p14="http://schemas.microsoft.com/office/powerpoint/2010/main" val="4152612349"/>
+                <p14:modId xmlns:p14="http://schemas.microsoft.com/office/powerpoint/2010/main" val="3717833126"/>
               </p:ext>
             </p:extLst>
           </p:nvPr>
         </p:nvGraphicFramePr>
         <p:xfrm>
-          <a:off x="1468251" y="3020429"/>
+          <a:off x="1468251" y="3861353"/>
           <a:ext cx="4321027" cy="1554480"/>
         </p:xfrm>
         <a:graphic>
@@ -9089,13 +9068,13 @@
           <p:nvPr>
             <p:extLst>
               <p:ext uri="{D42A27DB-BD31-4B8C-83A1-F6EECF244321}">
-                <p14:modId xmlns:p14="http://schemas.microsoft.com/office/powerpoint/2010/main" val="764980387"/>
+                <p14:modId xmlns:p14="http://schemas.microsoft.com/office/powerpoint/2010/main" val="1221877660"/>
               </p:ext>
             </p:extLst>
           </p:nvPr>
         </p:nvGraphicFramePr>
         <p:xfrm>
-          <a:off x="4510706" y="7648970"/>
+          <a:off x="4510706" y="9068629"/>
           <a:ext cx="3909041" cy="3017520"/>
         </p:xfrm>
         <a:graphic>
@@ -9141,7 +9120,7 @@
                   </a:extLst>
                 </a:gridCol>
               </a:tblGrid>
-              <a:tr h="240129">
+              <a:tr h="232896">
                 <a:tc>
                   <a:txBody>
                     <a:bodyPr/>
@@ -9304,7 +9283,7 @@
                   </a:ext>
                 </a:extLst>
               </a:tr>
-              <a:tr h="240129">
+              <a:tr h="232896">
                 <a:tc>
                   <a:txBody>
                     <a:bodyPr/>
@@ -9416,7 +9395,7 @@
                   </a:ext>
                 </a:extLst>
               </a:tr>
-              <a:tr h="240129">
+              <a:tr h="232896">
                 <a:tc>
                   <a:txBody>
                     <a:bodyPr/>
@@ -9528,7 +9507,7 @@
                   </a:ext>
                 </a:extLst>
               </a:tr>
-              <a:tr h="240129">
+              <a:tr h="232896">
                 <a:tc>
                   <a:txBody>
                     <a:bodyPr/>
@@ -9640,7 +9619,7 @@
                   </a:ext>
                 </a:extLst>
               </a:tr>
-              <a:tr h="240129">
+              <a:tr h="232896">
                 <a:tc>
                   <a:txBody>
                     <a:bodyPr/>
@@ -9752,7 +9731,7 @@
                   </a:ext>
                 </a:extLst>
               </a:tr>
-              <a:tr h="240129">
+              <a:tr h="232896">
                 <a:tc>
                   <a:txBody>
                     <a:bodyPr/>
@@ -9864,7 +9843,7 @@
                   </a:ext>
                 </a:extLst>
               </a:tr>
-              <a:tr h="240129">
+              <a:tr h="232896">
                 <a:tc>
                   <a:txBody>
                     <a:bodyPr/>
@@ -9976,7 +9955,7 @@
                   </a:ext>
                 </a:extLst>
               </a:tr>
-              <a:tr h="240129">
+              <a:tr h="232896">
                 <a:tc>
                   <a:txBody>
                     <a:bodyPr/>
@@ -10105,7 +10084,7 @@
                   </a:ext>
                 </a:extLst>
               </a:tr>
-              <a:tr h="240129">
+              <a:tr h="232896">
                 <a:tc>
                   <a:txBody>
                     <a:bodyPr/>
@@ -10217,7 +10196,7 @@
                   </a:ext>
                 </a:extLst>
               </a:tr>
-              <a:tr h="240129">
+              <a:tr h="232896">
                 <a:tc>
                   <a:txBody>
                     <a:bodyPr/>
@@ -10329,7 +10308,7 @@
                   </a:ext>
                 </a:extLst>
               </a:tr>
-              <a:tr h="240129">
+              <a:tr h="232896">
                 <a:tc>
                   <a:txBody>
                     <a:bodyPr/>
@@ -10459,7 +10438,7 @@
         </p:nvSpPr>
         <p:spPr>
           <a:xfrm>
-            <a:off x="1468250" y="2797809"/>
+            <a:off x="1468250" y="3638733"/>
             <a:ext cx="4321027" cy="222620"/>
           </a:xfrm>
           <a:prstGeom prst="roundRect">
@@ -10512,7 +10491,7 @@
         </p:nvSpPr>
         <p:spPr>
           <a:xfrm>
-            <a:off x="6356431" y="2798870"/>
+            <a:off x="6356431" y="3639794"/>
             <a:ext cx="4321027" cy="222620"/>
           </a:xfrm>
           <a:prstGeom prst="roundRect">
@@ -10565,7 +10544,7 @@
         </p:nvSpPr>
         <p:spPr>
           <a:xfrm>
-            <a:off x="4511918" y="7420918"/>
+            <a:off x="4511918" y="8840577"/>
             <a:ext cx="3907828" cy="234621"/>
           </a:xfrm>
           <a:prstGeom prst="roundRect">
@@ -10626,7 +10605,7 @@
         </p:nvSpPr>
         <p:spPr>
           <a:xfrm>
-            <a:off x="5769678" y="1654110"/>
+            <a:off x="6402064" y="819180"/>
             <a:ext cx="4321686" cy="707886"/>
           </a:xfrm>
           <a:prstGeom prst="rect">
@@ -10652,111 +10631,90 @@
           </a:p>
         </p:txBody>
       </p:sp>
-      <p:grpSp>
-        <p:nvGrpSpPr>
-          <p:cNvPr id="71" name="Group 70">
+      <p:sp>
+        <p:nvSpPr>
+          <p:cNvPr id="87" name="TextBox 86">
             <a:extLst>
               <a:ext uri="{FF2B5EF4-FFF2-40B4-BE49-F238E27FC236}">
-                <a16:creationId xmlns:a16="http://schemas.microsoft.com/office/drawing/2014/main" id="{778031EB-5E07-2B19-9CEA-A460E8DF377E}"/>
+                <a16:creationId xmlns:a16="http://schemas.microsoft.com/office/drawing/2014/main" id="{DE59E0FB-6CAB-1C0F-5EB0-7A62AD62E210}"/>
               </a:ext>
             </a:extLst>
           </p:cNvPr>
-          <p:cNvGrpSpPr/>
+          <p:cNvSpPr txBox="1"/>
           <p:nvPr/>
-        </p:nvGrpSpPr>
-        <p:grpSpPr>
+        </p:nvSpPr>
+        <p:spPr>
           <a:xfrm>
-            <a:off x="6115393" y="1040562"/>
-            <a:ext cx="3642397" cy="276999"/>
-            <a:chOff x="6115393" y="1040562"/>
-            <a:chExt cx="3642397" cy="276999"/>
+            <a:off x="6666754" y="205632"/>
+            <a:ext cx="1934135" cy="276999"/>
           </a:xfrm>
-        </p:grpSpPr>
-        <p:sp>
-          <p:nvSpPr>
-            <p:cNvPr id="87" name="TextBox 86">
-              <a:extLst>
-                <a:ext uri="{FF2B5EF4-FFF2-40B4-BE49-F238E27FC236}">
-                  <a16:creationId xmlns:a16="http://schemas.microsoft.com/office/drawing/2014/main" id="{DE59E0FB-6CAB-1C0F-5EB0-7A62AD62E210}"/>
-                </a:ext>
-              </a:extLst>
-            </p:cNvPr>
-            <p:cNvSpPr txBox="1"/>
-            <p:nvPr/>
-          </p:nvSpPr>
-          <p:spPr>
-            <a:xfrm>
-              <a:off x="6115393" y="1040562"/>
-              <a:ext cx="1934135" cy="276999"/>
-            </a:xfrm>
-            <a:prstGeom prst="rect">
-              <a:avLst/>
-            </a:prstGeom>
-            <a:noFill/>
-          </p:spPr>
-          <p:txBody>
-            <a:bodyPr wrap="square" rtlCol="0">
-              <a:spAutoFit/>
-            </a:bodyPr>
-            <a:lstStyle/>
-            <a:p>
-              <a:pPr algn="ctr"/>
-              <a:r>
-                <a:rPr lang="en-GB" sz="1200" dirty="0">
-                  <a:solidFill>
-                    <a:schemeClr val="accent4">
-                      <a:lumMod val="75000"/>
-                    </a:schemeClr>
-                  </a:solidFill>
-                </a:rPr>
-                <a:t>Descartes Human</a:t>
-              </a:r>
-            </a:p>
-          </p:txBody>
-        </p:sp>
-        <p:sp>
-          <p:nvSpPr>
-            <p:cNvPr id="88" name="TextBox 87">
-              <a:extLst>
-                <a:ext uri="{FF2B5EF4-FFF2-40B4-BE49-F238E27FC236}">
-                  <a16:creationId xmlns:a16="http://schemas.microsoft.com/office/drawing/2014/main" id="{36F4ECE7-6261-73C7-1C01-845DEFDCCE3C}"/>
-                </a:ext>
-              </a:extLst>
-            </p:cNvPr>
-            <p:cNvSpPr txBox="1"/>
-            <p:nvPr/>
-          </p:nvSpPr>
-          <p:spPr>
-            <a:xfrm>
-              <a:off x="7954586" y="1040562"/>
-              <a:ext cx="1803204" cy="276999"/>
-            </a:xfrm>
-            <a:prstGeom prst="rect">
-              <a:avLst/>
-            </a:prstGeom>
-            <a:noFill/>
-          </p:spPr>
-          <p:txBody>
-            <a:bodyPr wrap="square" rtlCol="0">
-              <a:spAutoFit/>
-            </a:bodyPr>
-            <a:lstStyle/>
-            <a:p>
-              <a:pPr algn="ctr"/>
-              <a:r>
-                <a:rPr lang="en-GB" sz="1200" dirty="0">
-                  <a:solidFill>
-                    <a:schemeClr val="accent4">
-                      <a:lumMod val="75000"/>
-                    </a:schemeClr>
-                  </a:solidFill>
-                </a:rPr>
-                <a:t>Human Cell Landscape</a:t>
-              </a:r>
-            </a:p>
-          </p:txBody>
-        </p:sp>
-      </p:grpSp>
+          <a:prstGeom prst="rect">
+            <a:avLst/>
+          </a:prstGeom>
+          <a:noFill/>
+        </p:spPr>
+        <p:txBody>
+          <a:bodyPr wrap="square" rtlCol="0">
+            <a:spAutoFit/>
+          </a:bodyPr>
+          <a:lstStyle/>
+          <a:p>
+            <a:pPr algn="ctr"/>
+            <a:r>
+              <a:rPr lang="en-GB" sz="1200" dirty="0">
+                <a:solidFill>
+                  <a:schemeClr val="accent4">
+                    <a:lumMod val="75000"/>
+                  </a:schemeClr>
+                </a:solidFill>
+              </a:rPr>
+              <a:t>Descartes Human</a:t>
+            </a:r>
+          </a:p>
+        </p:txBody>
+      </p:sp>
+      <p:sp>
+        <p:nvSpPr>
+          <p:cNvPr id="88" name="TextBox 87">
+            <a:extLst>
+              <a:ext uri="{FF2B5EF4-FFF2-40B4-BE49-F238E27FC236}">
+                <a16:creationId xmlns:a16="http://schemas.microsoft.com/office/drawing/2014/main" id="{36F4ECE7-6261-73C7-1C01-845DEFDCCE3C}"/>
+              </a:ext>
+            </a:extLst>
+          </p:cNvPr>
+          <p:cNvSpPr txBox="1"/>
+          <p:nvPr/>
+        </p:nvSpPr>
+        <p:spPr>
+          <a:xfrm>
+            <a:off x="8552252" y="205632"/>
+            <a:ext cx="1803204" cy="276999"/>
+          </a:xfrm>
+          <a:prstGeom prst="rect">
+            <a:avLst/>
+          </a:prstGeom>
+          <a:noFill/>
+        </p:spPr>
+        <p:txBody>
+          <a:bodyPr wrap="square" rtlCol="0">
+            <a:spAutoFit/>
+          </a:bodyPr>
+          <a:lstStyle/>
+          <a:p>
+            <a:pPr algn="ctr"/>
+            <a:r>
+              <a:rPr lang="en-GB" sz="1200" dirty="0">
+                <a:solidFill>
+                  <a:schemeClr val="accent4">
+                    <a:lumMod val="75000"/>
+                  </a:schemeClr>
+                </a:solidFill>
+              </a:rPr>
+              <a:t>Human Cell Landscape</a:t>
+            </a:r>
+          </a:p>
+        </p:txBody>
+      </p:sp>
       <p:grpSp>
         <p:nvGrpSpPr>
           <p:cNvPr id="1054" name="Group 1053">
@@ -10771,7 +10729,7 @@
         </p:nvGrpSpPr>
         <p:grpSpPr>
           <a:xfrm>
-            <a:off x="2485569" y="3726376"/>
+            <a:off x="2485569" y="4567300"/>
             <a:ext cx="8058356" cy="1796552"/>
             <a:chOff x="2485569" y="3726376"/>
             <a:chExt cx="8058356" cy="1796552"/>
@@ -11671,8 +11629,8 @@
         </p:nvSpPr>
         <p:spPr>
           <a:xfrm>
-            <a:off x="6177398" y="6590913"/>
-            <a:ext cx="643093" cy="823519"/>
+            <a:off x="6286282" y="8040365"/>
+            <a:ext cx="489356" cy="823519"/>
           </a:xfrm>
           <a:prstGeom prst="downArrow">
             <a:avLst/>
@@ -11738,8 +11696,8 @@
         </p:nvSpPr>
         <p:spPr>
           <a:xfrm>
-            <a:off x="4388988" y="5221134"/>
-            <a:ext cx="4135118" cy="1626075"/>
+            <a:off x="2790331" y="6166370"/>
+            <a:ext cx="7288660" cy="2318649"/>
           </a:xfrm>
           <a:prstGeom prst="roundRect">
             <a:avLst/>
@@ -11799,7 +11757,7 @@
         </p:nvSpPr>
         <p:spPr>
           <a:xfrm>
-            <a:off x="1468250" y="3484712"/>
+            <a:off x="1468250" y="4325636"/>
             <a:ext cx="1749852" cy="272073"/>
           </a:xfrm>
           <a:prstGeom prst="rect">
@@ -11855,14 +11813,14 @@
           <p:nvPr>
             <p:extLst>
               <p:ext uri="{D42A27DB-BD31-4B8C-83A1-F6EECF244321}">
-                <p14:modId xmlns:p14="http://schemas.microsoft.com/office/powerpoint/2010/main" val="3620243648"/>
+                <p14:modId xmlns:p14="http://schemas.microsoft.com/office/powerpoint/2010/main" val="462632121"/>
               </p:ext>
             </p:extLst>
           </p:nvPr>
         </p:nvGraphicFramePr>
         <p:xfrm>
-          <a:off x="239271" y="1624301"/>
-          <a:ext cx="1100518" cy="1384257"/>
+          <a:off x="1496982" y="1456432"/>
+          <a:ext cx="2473964" cy="1947485"/>
         </p:xfrm>
         <a:graphic>
           <a:graphicData uri="http://schemas.openxmlformats.org/drawingml/2006/table">
@@ -11871,42 +11829,42 @@
                 <a:tableStyleId>{5C22544A-7EE6-4342-B048-85BDC9FD1C3A}</a:tableStyleId>
               </a:tblPr>
               <a:tblGrid>
-                <a:gridCol w="358150">
+                <a:gridCol w="805121">
                   <a:extLst>
                     <a:ext uri="{9D8B030D-6E8A-4147-A177-3AD203B41FA5}">
                       <a16:colId xmlns:a16="http://schemas.microsoft.com/office/drawing/2014/main" val="15701762"/>
                     </a:ext>
                   </a:extLst>
                 </a:gridCol>
-                <a:gridCol w="194968">
+                <a:gridCol w="438288">
                   <a:extLst>
                     <a:ext uri="{9D8B030D-6E8A-4147-A177-3AD203B41FA5}">
                       <a16:colId xmlns:a16="http://schemas.microsoft.com/office/drawing/2014/main" val="4058947241"/>
                     </a:ext>
                   </a:extLst>
                 </a:gridCol>
-                <a:gridCol w="72400">
+                <a:gridCol w="162756">
                   <a:extLst>
                     <a:ext uri="{9D8B030D-6E8A-4147-A177-3AD203B41FA5}">
                       <a16:colId xmlns:a16="http://schemas.microsoft.com/office/drawing/2014/main" val="1907273803"/>
                     </a:ext>
                   </a:extLst>
                 </a:gridCol>
-                <a:gridCol w="168275">
+                <a:gridCol w="378281">
                   <a:extLst>
                     <a:ext uri="{9D8B030D-6E8A-4147-A177-3AD203B41FA5}">
                       <a16:colId xmlns:a16="http://schemas.microsoft.com/office/drawing/2014/main" val="2496770281"/>
                     </a:ext>
                   </a:extLst>
                 </a:gridCol>
-                <a:gridCol w="94625">
+                <a:gridCol w="212717">
                   <a:extLst>
                     <a:ext uri="{9D8B030D-6E8A-4147-A177-3AD203B41FA5}">
                       <a16:colId xmlns:a16="http://schemas.microsoft.com/office/drawing/2014/main" val="907788337"/>
                     </a:ext>
                   </a:extLst>
                 </a:gridCol>
-                <a:gridCol w="212100">
+                <a:gridCol w="476801">
                   <a:extLst>
                     <a:ext uri="{9D8B030D-6E8A-4147-A177-3AD203B41FA5}">
                       <a16:colId xmlns:a16="http://schemas.microsoft.com/office/drawing/2014/main" val="1237036412"/>
@@ -11914,7 +11872,7 @@
                   </a:extLst>
                 </a:gridCol>
               </a:tblGrid>
-              <a:tr h="0">
+              <a:tr h="232904">
                 <a:tc>
                   <a:txBody>
                     <a:bodyPr/>
@@ -11922,12 +11880,12 @@
                     <a:p>
                       <a:pPr algn="l" fontAlgn="t"/>
                       <a:r>
-                        <a:rPr lang="en-GB" sz="1800" u="none" strike="noStrike" dirty="0">
+                        <a:rPr lang="en-GB" sz="900" u="none" strike="noStrike" dirty="0">
                           <a:effectLst/>
                         </a:rPr>
                         <a:t> </a:t>
                       </a:r>
-                      <a:endParaRPr lang="en-GB" sz="1800" b="0" i="0" u="none" strike="noStrike" dirty="0">
+                      <a:endParaRPr lang="en-GB" sz="900" b="0" i="0" u="none" strike="noStrike" dirty="0">
                         <a:solidFill>
                           <a:srgbClr val="000000"/>
                         </a:solidFill>
@@ -11990,12 +11948,12 @@
                     <a:p>
                       <a:pPr algn="l" rtl="0" fontAlgn="ctr"/>
                       <a:r>
-                        <a:rPr lang="en-GB" sz="500" u="none" strike="noStrike" dirty="0">
+                        <a:rPr lang="en-GB" sz="900" u="none" strike="noStrike" dirty="0">
                           <a:effectLst/>
                         </a:rPr>
                         <a:t>Weight</a:t>
                       </a:r>
-                      <a:endParaRPr lang="en-GB" sz="500" b="1" i="0" u="none" strike="noStrike" dirty="0">
+                      <a:endParaRPr lang="en-GB" sz="900" b="1" i="0" u="none" strike="noStrike" dirty="0">
                         <a:solidFill>
                           <a:srgbClr val="FFFFFF"/>
                         </a:solidFill>
@@ -12112,12 +12070,12 @@
                     <a:p>
                       <a:pPr algn="l" rtl="0" fontAlgn="ctr"/>
                       <a:r>
-                        <a:rPr lang="en-GB" sz="500" u="none" strike="noStrike" dirty="0">
+                        <a:rPr lang="en-GB" sz="900" u="none" strike="noStrike" dirty="0">
                           <a:effectLst/>
                         </a:rPr>
                         <a:t>Studies</a:t>
                       </a:r>
-                      <a:endParaRPr lang="en-GB" sz="500" b="1" i="0" u="none" strike="noStrike" dirty="0">
+                      <a:endParaRPr lang="en-GB" sz="900" b="1" i="0" u="none" strike="noStrike" dirty="0">
                         <a:solidFill>
                           <a:srgbClr val="FFFFFF"/>
                         </a:solidFill>
@@ -12234,12 +12192,12 @@
                     <a:p>
                       <a:pPr algn="l" rtl="0" fontAlgn="ctr"/>
                       <a:r>
-                        <a:rPr lang="en-GB" sz="500" u="none" strike="noStrike" dirty="0">
+                        <a:rPr lang="en-GB" sz="900" u="none" strike="noStrike" dirty="0">
                           <a:effectLst/>
                         </a:rPr>
                         <a:t>Score</a:t>
                       </a:r>
-                      <a:endParaRPr lang="en-GB" sz="500" b="1" i="0" u="none" strike="noStrike" dirty="0">
+                      <a:endParaRPr lang="en-GB" sz="900" b="1" i="0" u="none" strike="noStrike" dirty="0">
                         <a:solidFill>
                           <a:srgbClr val="FFFFFF"/>
                         </a:solidFill>
@@ -12301,7 +12259,7 @@
                   </a:ext>
                 </a:extLst>
               </a:tr>
-              <a:tr h="122268">
+              <a:tr h="232904">
                 <a:tc>
                   <a:txBody>
                     <a:bodyPr/>
@@ -12309,12 +12267,12 @@
                     <a:p>
                       <a:pPr algn="l" rtl="0" fontAlgn="ctr"/>
                       <a:r>
-                        <a:rPr lang="en-GB" sz="500" u="none" strike="noStrike" dirty="0">
+                        <a:rPr lang="en-GB" sz="900" u="none" strike="noStrike" dirty="0">
                           <a:effectLst/>
                         </a:rPr>
                         <a:t>No Known</a:t>
                       </a:r>
-                      <a:endParaRPr lang="en-GB" sz="500" b="1" i="0" u="none" strike="noStrike" dirty="0">
+                      <a:endParaRPr lang="en-GB" sz="900" b="1" i="0" u="none" strike="noStrike" dirty="0">
                         <a:solidFill>
                           <a:srgbClr val="FFFFFF"/>
                         </a:solidFill>
@@ -12377,7 +12335,7 @@
                     <a:p>
                       <a:pPr algn="l" rtl="0" fontAlgn="ctr"/>
                       <a:r>
-                        <a:rPr lang="en-GB" sz="500" u="none" strike="noStrike" dirty="0">
+                        <a:rPr lang="en-GB" sz="900" u="none" strike="noStrike" dirty="0">
                           <a:solidFill>
                             <a:schemeClr val="tx1">
                               <a:lumMod val="50000"/>
@@ -12387,7 +12345,7 @@
                         </a:rPr>
                         <a:t>0</a:t>
                       </a:r>
-                      <a:endParaRPr lang="en-GB" sz="500" b="0" i="0" u="none" strike="noStrike" dirty="0">
+                      <a:endParaRPr lang="en-GB" sz="900" b="0" i="0" u="none" strike="noStrike" dirty="0">
                         <a:solidFill>
                           <a:schemeClr val="tx1">
                             <a:lumMod val="50000"/>
@@ -12451,7 +12409,7 @@
                     <a:p>
                       <a:pPr algn="l" rtl="0" fontAlgn="ctr"/>
                       <a:r>
-                        <a:rPr lang="en-GB" sz="500" b="0" i="0" u="none" strike="noStrike" dirty="0">
+                        <a:rPr lang="en-GB" sz="900" b="0" i="0" u="none" strike="noStrike" dirty="0">
                           <a:solidFill>
                             <a:schemeClr val="tx1">
                               <a:lumMod val="50000"/>
@@ -12515,7 +12473,7 @@
                     <a:p>
                       <a:pPr algn="l" rtl="0" fontAlgn="ctr"/>
                       <a:r>
-                        <a:rPr lang="en-GB" sz="500" u="none" strike="noStrike" dirty="0">
+                        <a:rPr lang="en-GB" sz="900" u="none" strike="noStrike" dirty="0">
                           <a:solidFill>
                             <a:schemeClr val="tx1">
                               <a:lumMod val="50000"/>
@@ -12525,7 +12483,7 @@
                         </a:rPr>
                         <a:t>0</a:t>
                       </a:r>
-                      <a:endParaRPr lang="en-GB" sz="500" b="0" i="0" u="none" strike="noStrike" dirty="0">
+                      <a:endParaRPr lang="en-GB" sz="900" b="0" i="0" u="none" strike="noStrike" dirty="0">
                         <a:solidFill>
                           <a:schemeClr val="tx1">
                             <a:lumMod val="50000"/>
@@ -12587,7 +12545,7 @@
                     <a:p>
                       <a:pPr algn="l" rtl="0" fontAlgn="ctr"/>
                       <a:r>
-                        <a:rPr lang="en-GB" sz="500" b="0" i="0" u="none" strike="noStrike" dirty="0">
+                        <a:rPr lang="en-GB" sz="900" b="0" i="0" u="none" strike="noStrike" dirty="0">
                           <a:solidFill>
                             <a:schemeClr val="tx1">
                               <a:lumMod val="50000"/>
@@ -12651,7 +12609,7 @@
                     <a:p>
                       <a:pPr algn="l" rtl="0" fontAlgn="ctr"/>
                       <a:r>
-                        <a:rPr lang="en-GB" sz="500" u="none" strike="noStrike">
+                        <a:rPr lang="en-GB" sz="900" u="none" strike="noStrike">
                           <a:solidFill>
                             <a:schemeClr val="tx1">
                               <a:lumMod val="50000"/>
@@ -12661,7 +12619,7 @@
                         </a:rPr>
                         <a:t>0</a:t>
                       </a:r>
-                      <a:endParaRPr lang="en-GB" sz="500" b="0" i="0" u="none" strike="noStrike">
+                      <a:endParaRPr lang="en-GB" sz="900" b="0" i="0" u="none" strike="noStrike">
                         <a:solidFill>
                           <a:schemeClr val="tx1">
                             <a:lumMod val="50000"/>
@@ -12722,7 +12680,7 @@
                   </a:ext>
                 </a:extLst>
               </a:tr>
-              <a:tr h="122268">
+              <a:tr h="156593">
                 <a:tc>
                   <a:txBody>
                     <a:bodyPr/>
@@ -12730,12 +12688,12 @@
                     <a:p>
                       <a:pPr algn="l" rtl="0" fontAlgn="ctr"/>
                       <a:r>
-                        <a:rPr lang="en-GB" sz="500" u="none" strike="noStrike" dirty="0">
+                        <a:rPr lang="en-GB" sz="900" u="none" strike="noStrike" dirty="0">
                           <a:effectLst/>
                         </a:rPr>
                         <a:t>Refuted</a:t>
                       </a:r>
-                      <a:endParaRPr lang="en-GB" sz="500" b="1" i="0" u="none" strike="noStrike" dirty="0">
+                      <a:endParaRPr lang="en-GB" sz="900" b="1" i="0" u="none" strike="noStrike" dirty="0">
                         <a:solidFill>
                           <a:srgbClr val="FFFFFF"/>
                         </a:solidFill>
@@ -12798,7 +12756,7 @@
                     <a:p>
                       <a:pPr algn="l" rtl="0" fontAlgn="ctr"/>
                       <a:r>
-                        <a:rPr lang="en-GB" sz="500" u="none" strike="noStrike" dirty="0">
+                        <a:rPr lang="en-GB" sz="900" u="none" strike="noStrike" dirty="0">
                           <a:solidFill>
                             <a:schemeClr val="tx1">
                               <a:lumMod val="50000"/>
@@ -12808,7 +12766,7 @@
                         </a:rPr>
                         <a:t>0</a:t>
                       </a:r>
-                      <a:endParaRPr lang="en-GB" sz="500" b="0" i="0" u="none" strike="noStrike" dirty="0">
+                      <a:endParaRPr lang="en-GB" sz="900" b="0" i="0" u="none" strike="noStrike" dirty="0">
                         <a:solidFill>
                           <a:schemeClr val="tx1">
                             <a:lumMod val="50000"/>
@@ -12870,7 +12828,7 @@
                     <a:p>
                       <a:pPr algn="l" rtl="0" fontAlgn="ctr"/>
                       <a:r>
-                        <a:rPr lang="en-GB" sz="500" b="0" i="0" u="none" strike="noStrike" dirty="0">
+                        <a:rPr lang="en-GB" sz="900" b="0" i="0" u="none" strike="noStrike" dirty="0">
                           <a:solidFill>
                             <a:schemeClr val="tx1">
                               <a:lumMod val="50000"/>
@@ -12932,7 +12890,7 @@
                     <a:p>
                       <a:pPr algn="l" rtl="0" fontAlgn="ctr"/>
                       <a:r>
-                        <a:rPr lang="en-GB" sz="500" u="none" strike="noStrike" dirty="0">
+                        <a:rPr lang="en-GB" sz="900" u="none" strike="noStrike" dirty="0">
                           <a:solidFill>
                             <a:schemeClr val="tx1">
                               <a:lumMod val="50000"/>
@@ -12942,7 +12900,7 @@
                         </a:rPr>
                         <a:t>0</a:t>
                       </a:r>
-                      <a:endParaRPr lang="en-GB" sz="500" b="0" i="0" u="none" strike="noStrike" dirty="0">
+                      <a:endParaRPr lang="en-GB" sz="900" b="0" i="0" u="none" strike="noStrike" dirty="0">
                         <a:solidFill>
                           <a:schemeClr val="tx1">
                             <a:lumMod val="50000"/>
@@ -13002,7 +12960,7 @@
                     <a:p>
                       <a:pPr algn="l" rtl="0" fontAlgn="ctr"/>
                       <a:r>
-                        <a:rPr lang="en-GB" sz="500" b="0" i="0" u="none" strike="noStrike" dirty="0">
+                        <a:rPr lang="en-GB" sz="900" b="0" i="0" u="none" strike="noStrike" dirty="0">
                           <a:solidFill>
                             <a:schemeClr val="tx1">
                               <a:lumMod val="50000"/>
@@ -13064,7 +13022,7 @@
                     <a:p>
                       <a:pPr algn="l" rtl="0" fontAlgn="ctr"/>
                       <a:r>
-                        <a:rPr lang="en-GB" sz="500" u="none" strike="noStrike" dirty="0">
+                        <a:rPr lang="en-GB" sz="900" u="none" strike="noStrike" dirty="0">
                           <a:solidFill>
                             <a:schemeClr val="tx1">
                               <a:lumMod val="50000"/>
@@ -13074,7 +13032,7 @@
                         </a:rPr>
                         <a:t>0</a:t>
                       </a:r>
-                      <a:endParaRPr lang="en-GB" sz="500" b="0" i="0" u="none" strike="noStrike" dirty="0">
+                      <a:endParaRPr lang="en-GB" sz="900" b="0" i="0" u="none" strike="noStrike" dirty="0">
                         <a:solidFill>
                           <a:schemeClr val="tx1">
                             <a:lumMod val="50000"/>
@@ -13133,7 +13091,7 @@
                   </a:ext>
                 </a:extLst>
               </a:tr>
-              <a:tr h="122268">
+              <a:tr h="156593">
                 <a:tc>
                   <a:txBody>
                     <a:bodyPr/>
@@ -13141,12 +13099,12 @@
                     <a:p>
                       <a:pPr algn="l" rtl="0" fontAlgn="ctr"/>
                       <a:r>
-                        <a:rPr lang="en-GB" sz="500" u="none" strike="noStrike" dirty="0">
+                        <a:rPr lang="en-GB" sz="900" u="none" strike="noStrike" dirty="0">
                           <a:effectLst/>
                         </a:rPr>
                         <a:t>Disputed</a:t>
                       </a:r>
-                      <a:endParaRPr lang="en-GB" sz="500" b="1" i="0" u="none" strike="noStrike" dirty="0">
+                      <a:endParaRPr lang="en-GB" sz="900" b="1" i="0" u="none" strike="noStrike" dirty="0">
                         <a:solidFill>
                           <a:srgbClr val="FFFFFF"/>
                         </a:solidFill>
@@ -13209,7 +13167,7 @@
                     <a:p>
                       <a:pPr algn="l" rtl="0" fontAlgn="ctr"/>
                       <a:r>
-                        <a:rPr lang="en-GB" sz="500" u="none" strike="noStrike" dirty="0">
+                        <a:rPr lang="en-GB" sz="900" u="none" strike="noStrike" dirty="0">
                           <a:solidFill>
                             <a:schemeClr val="tx1">
                               <a:lumMod val="50000"/>
@@ -13219,7 +13177,7 @@
                         </a:rPr>
                         <a:t>1</a:t>
                       </a:r>
-                      <a:endParaRPr lang="en-GB" sz="500" b="0" i="0" u="none" strike="noStrike" dirty="0">
+                      <a:endParaRPr lang="en-GB" sz="900" b="0" i="0" u="none" strike="noStrike" dirty="0">
                         <a:solidFill>
                           <a:schemeClr val="tx1">
                             <a:lumMod val="50000"/>
@@ -13284,7 +13242,7 @@
                     <a:p>
                       <a:pPr algn="l" rtl="0" fontAlgn="ctr"/>
                       <a:r>
-                        <a:rPr lang="en-GB" sz="500" b="0" i="0" u="none" strike="noStrike" dirty="0">
+                        <a:rPr lang="en-GB" sz="900" b="0" i="0" u="none" strike="noStrike" dirty="0">
                           <a:solidFill>
                             <a:schemeClr val="tx1">
                               <a:lumMod val="50000"/>
@@ -13346,7 +13304,7 @@
                     <a:p>
                       <a:pPr algn="l" rtl="0" fontAlgn="ctr"/>
                       <a:r>
-                        <a:rPr lang="en-GB" sz="500" u="none" strike="noStrike" dirty="0">
+                        <a:rPr lang="en-GB" sz="900" u="none" strike="noStrike" dirty="0">
                           <a:solidFill>
                             <a:schemeClr val="tx1">
                               <a:lumMod val="50000"/>
@@ -13356,7 +13314,7 @@
                         </a:rPr>
                         <a:t>1</a:t>
                       </a:r>
-                      <a:endParaRPr lang="en-GB" sz="500" b="0" i="0" u="none" strike="noStrike" dirty="0">
+                      <a:endParaRPr lang="en-GB" sz="900" b="0" i="0" u="none" strike="noStrike" dirty="0">
                         <a:solidFill>
                           <a:schemeClr val="tx1">
                             <a:lumMod val="50000"/>
@@ -13416,7 +13374,7 @@
                     <a:p>
                       <a:pPr algn="l" rtl="0" fontAlgn="ctr"/>
                       <a:r>
-                        <a:rPr lang="en-GB" sz="500" b="0" i="0" u="none" strike="noStrike" dirty="0">
+                        <a:rPr lang="en-GB" sz="900" b="0" i="0" u="none" strike="noStrike" dirty="0">
                           <a:solidFill>
                             <a:schemeClr val="tx1">
                               <a:lumMod val="50000"/>
@@ -13478,7 +13436,7 @@
                     <a:p>
                       <a:pPr algn="l" rtl="0" fontAlgn="ctr"/>
                       <a:r>
-                        <a:rPr lang="en-GB" sz="500" u="none" strike="noStrike" dirty="0">
+                        <a:rPr lang="en-GB" sz="900" u="none" strike="noStrike" dirty="0">
                           <a:solidFill>
                             <a:schemeClr val="tx1">
                               <a:lumMod val="50000"/>
@@ -13488,7 +13446,7 @@
                         </a:rPr>
                         <a:t>1</a:t>
                       </a:r>
-                      <a:endParaRPr lang="en-GB" sz="500" b="0" i="0" u="none" strike="noStrike" dirty="0">
+                      <a:endParaRPr lang="en-GB" sz="900" b="0" i="0" u="none" strike="noStrike" dirty="0">
                         <a:solidFill>
                           <a:schemeClr val="tx1">
                             <a:lumMod val="50000"/>
@@ -13547,7 +13505,7 @@
                   </a:ext>
                 </a:extLst>
               </a:tr>
-              <a:tr h="122268">
+              <a:tr h="156593">
                 <a:tc>
                   <a:txBody>
                     <a:bodyPr/>
@@ -13555,12 +13513,12 @@
                     <a:p>
                       <a:pPr algn="l" rtl="0" fontAlgn="ctr"/>
                       <a:r>
-                        <a:rPr lang="en-GB" sz="500" u="none" strike="noStrike" dirty="0">
+                        <a:rPr lang="en-GB" sz="900" u="none" strike="noStrike" dirty="0">
                           <a:effectLst/>
                         </a:rPr>
                         <a:t>Limited</a:t>
                       </a:r>
-                      <a:endParaRPr lang="en-GB" sz="500" b="1" i="0" u="none" strike="noStrike" dirty="0">
+                      <a:endParaRPr lang="en-GB" sz="900" b="1" i="0" u="none" strike="noStrike" dirty="0">
                         <a:solidFill>
                           <a:srgbClr val="FFFFFF"/>
                         </a:solidFill>
@@ -13623,7 +13581,7 @@
                     <a:p>
                       <a:pPr algn="l" rtl="0" fontAlgn="ctr"/>
                       <a:r>
-                        <a:rPr lang="en-GB" sz="500" u="none" strike="noStrike" dirty="0">
+                        <a:rPr lang="en-GB" sz="900" u="none" strike="noStrike" dirty="0">
                           <a:solidFill>
                             <a:schemeClr val="tx1">
                               <a:lumMod val="50000"/>
@@ -13633,7 +13591,7 @@
                         </a:rPr>
                         <a:t>2</a:t>
                       </a:r>
-                      <a:endParaRPr lang="en-GB" sz="500" b="0" i="0" u="none" strike="noStrike" dirty="0">
+                      <a:endParaRPr lang="en-GB" sz="900" b="0" i="0" u="none" strike="noStrike" dirty="0">
                         <a:solidFill>
                           <a:schemeClr val="tx1">
                             <a:lumMod val="50000"/>
@@ -13698,7 +13656,7 @@
                     <a:p>
                       <a:pPr algn="l" rtl="0" fontAlgn="ctr"/>
                       <a:r>
-                        <a:rPr lang="en-GB" sz="500" b="0" i="0" u="none" strike="noStrike" dirty="0">
+                        <a:rPr lang="en-GB" sz="900" b="0" i="0" u="none" strike="noStrike" dirty="0">
                           <a:solidFill>
                             <a:schemeClr val="tx1">
                               <a:lumMod val="50000"/>
@@ -13760,7 +13718,7 @@
                     <a:p>
                       <a:pPr algn="l" rtl="0" fontAlgn="ctr"/>
                       <a:r>
-                        <a:rPr lang="en-GB" sz="500" u="none" strike="noStrike" dirty="0">
+                        <a:rPr lang="en-GB" sz="900" u="none" strike="noStrike" dirty="0">
                           <a:solidFill>
                             <a:schemeClr val="tx1">
                               <a:lumMod val="50000"/>
@@ -13770,7 +13728,7 @@
                         </a:rPr>
                         <a:t>0</a:t>
                       </a:r>
-                      <a:endParaRPr lang="en-GB" sz="500" b="0" i="0" u="none" strike="noStrike" dirty="0">
+                      <a:endParaRPr lang="en-GB" sz="900" b="0" i="0" u="none" strike="noStrike" dirty="0">
                         <a:solidFill>
                           <a:schemeClr val="tx1">
                             <a:lumMod val="50000"/>
@@ -13830,7 +13788,7 @@
                     <a:p>
                       <a:pPr algn="l" rtl="0" fontAlgn="ctr"/>
                       <a:r>
-                        <a:rPr lang="en-GB" sz="500" b="0" i="0" u="none" strike="noStrike" dirty="0">
+                        <a:rPr lang="en-GB" sz="900" b="0" i="0" u="none" strike="noStrike" dirty="0">
                           <a:solidFill>
                             <a:schemeClr val="tx1">
                               <a:lumMod val="50000"/>
@@ -13892,7 +13850,7 @@
                     <a:p>
                       <a:pPr algn="l" rtl="0" fontAlgn="ctr"/>
                       <a:r>
-                        <a:rPr lang="en-GB" sz="500" u="none" strike="noStrike" dirty="0">
+                        <a:rPr lang="en-GB" sz="900" u="none" strike="noStrike" dirty="0">
                           <a:solidFill>
                             <a:schemeClr val="tx1">
                               <a:lumMod val="50000"/>
@@ -13902,7 +13860,7 @@
                         </a:rPr>
                         <a:t>0</a:t>
                       </a:r>
-                      <a:endParaRPr lang="en-GB" sz="500" b="0" i="0" u="none" strike="noStrike" dirty="0">
+                      <a:endParaRPr lang="en-GB" sz="900" b="0" i="0" u="none" strike="noStrike" dirty="0">
                         <a:solidFill>
                           <a:schemeClr val="tx1">
                             <a:lumMod val="50000"/>
@@ -13961,7 +13919,7 @@
                   </a:ext>
                 </a:extLst>
               </a:tr>
-              <a:tr h="122268">
+              <a:tr h="232904">
                 <a:tc>
                   <a:txBody>
                     <a:bodyPr/>
@@ -13969,12 +13927,12 @@
                     <a:p>
                       <a:pPr algn="l" rtl="0" fontAlgn="ctr"/>
                       <a:r>
-                        <a:rPr lang="en-GB" sz="500" u="none" strike="noStrike" dirty="0">
+                        <a:rPr lang="en-GB" sz="900" u="none" strike="noStrike" dirty="0">
                           <a:effectLst/>
                         </a:rPr>
                         <a:t>Supportive</a:t>
                       </a:r>
-                      <a:endParaRPr lang="en-GB" sz="500" b="1" i="0" u="none" strike="noStrike" dirty="0">
+                      <a:endParaRPr lang="en-GB" sz="900" b="1" i="0" u="none" strike="noStrike" dirty="0">
                         <a:solidFill>
                           <a:srgbClr val="FFFFFF"/>
                         </a:solidFill>
@@ -14037,7 +13995,7 @@
                     <a:p>
                       <a:pPr algn="l" rtl="0" fontAlgn="ctr"/>
                       <a:r>
-                        <a:rPr lang="en-GB" sz="500" u="none" strike="noStrike" dirty="0">
+                        <a:rPr lang="en-GB" sz="900" u="none" strike="noStrike" dirty="0">
                           <a:solidFill>
                             <a:schemeClr val="tx1">
                               <a:lumMod val="50000"/>
@@ -14047,7 +14005,7 @@
                         </a:rPr>
                         <a:t>3</a:t>
                       </a:r>
-                      <a:endParaRPr lang="en-GB" sz="500" b="0" i="0" u="none" strike="noStrike" dirty="0">
+                      <a:endParaRPr lang="en-GB" sz="900" b="0" i="0" u="none" strike="noStrike" dirty="0">
                         <a:solidFill>
                           <a:schemeClr val="tx1">
                             <a:lumMod val="50000"/>
@@ -14112,7 +14070,7 @@
                     <a:p>
                       <a:pPr algn="l" rtl="0" fontAlgn="ctr"/>
                       <a:r>
-                        <a:rPr lang="en-GB" sz="500" b="0" i="0" u="none" strike="noStrike" dirty="0">
+                        <a:rPr lang="en-GB" sz="900" b="0" i="0" u="none" strike="noStrike" dirty="0">
                           <a:solidFill>
                             <a:schemeClr val="tx1">
                               <a:lumMod val="50000"/>
@@ -14174,7 +14132,7 @@
                     <a:p>
                       <a:pPr algn="l" rtl="0" fontAlgn="ctr"/>
                       <a:r>
-                        <a:rPr lang="en-GB" sz="500" u="none" strike="noStrike" dirty="0">
+                        <a:rPr lang="en-GB" sz="900" u="none" strike="noStrike" dirty="0">
                           <a:solidFill>
                             <a:schemeClr val="tx1">
                               <a:lumMod val="50000"/>
@@ -14184,7 +14142,7 @@
                         </a:rPr>
                         <a:t>2</a:t>
                       </a:r>
-                      <a:endParaRPr lang="en-GB" sz="500" b="0" i="0" u="none" strike="noStrike" dirty="0">
+                      <a:endParaRPr lang="en-GB" sz="900" b="0" i="0" u="none" strike="noStrike" dirty="0">
                         <a:solidFill>
                           <a:schemeClr val="tx1">
                             <a:lumMod val="50000"/>
@@ -14244,7 +14202,7 @@
                     <a:p>
                       <a:pPr algn="l" rtl="0" fontAlgn="ctr"/>
                       <a:r>
-                        <a:rPr lang="en-GB" sz="500" b="0" i="0" u="none" strike="noStrike" dirty="0">
+                        <a:rPr lang="en-GB" sz="900" b="0" i="0" u="none" strike="noStrike" dirty="0">
                           <a:solidFill>
                             <a:schemeClr val="tx1">
                               <a:lumMod val="50000"/>
@@ -14306,7 +14264,7 @@
                     <a:p>
                       <a:pPr algn="l" rtl="0" fontAlgn="ctr"/>
                       <a:r>
-                        <a:rPr lang="en-GB" sz="500" u="none" strike="noStrike" dirty="0">
+                        <a:rPr lang="en-GB" sz="900" u="none" strike="noStrike" dirty="0">
                           <a:solidFill>
                             <a:schemeClr val="tx1">
                               <a:lumMod val="50000"/>
@@ -14316,7 +14274,7 @@
                         </a:rPr>
                         <a:t>6</a:t>
                       </a:r>
-                      <a:endParaRPr lang="en-GB" sz="500" b="0" i="0" u="none" strike="noStrike" dirty="0">
+                      <a:endParaRPr lang="en-GB" sz="900" b="0" i="0" u="none" strike="noStrike" dirty="0">
                         <a:solidFill>
                           <a:schemeClr val="tx1">
                             <a:lumMod val="50000"/>
@@ -14375,7 +14333,7 @@
                   </a:ext>
                 </a:extLst>
               </a:tr>
-              <a:tr h="122268">
+              <a:tr h="232904">
                 <a:tc>
                   <a:txBody>
                     <a:bodyPr/>
@@ -14383,12 +14341,12 @@
                     <a:p>
                       <a:pPr algn="l" rtl="0" fontAlgn="ctr"/>
                       <a:r>
-                        <a:rPr lang="en-GB" sz="500" u="none" strike="noStrike" dirty="0">
+                        <a:rPr lang="en-GB" sz="900" u="none" strike="noStrike" dirty="0">
                           <a:effectLst/>
                         </a:rPr>
                         <a:t>Moderate</a:t>
                       </a:r>
-                      <a:endParaRPr lang="en-GB" sz="500" b="1" i="0" u="none" strike="noStrike" dirty="0">
+                      <a:endParaRPr lang="en-GB" sz="900" b="1" i="0" u="none" strike="noStrike" dirty="0">
                         <a:solidFill>
                           <a:srgbClr val="FFFFFF"/>
                         </a:solidFill>
@@ -14451,7 +14409,7 @@
                     <a:p>
                       <a:pPr algn="l" rtl="0" fontAlgn="ctr"/>
                       <a:r>
-                        <a:rPr lang="en-GB" sz="500" u="none" strike="noStrike" dirty="0">
+                        <a:rPr lang="en-GB" sz="900" u="none" strike="noStrike" dirty="0">
                           <a:solidFill>
                             <a:schemeClr val="tx1"/>
                           </a:solidFill>
@@ -14459,7 +14417,7 @@
                         </a:rPr>
                         <a:t>4</a:t>
                       </a:r>
-                      <a:endParaRPr lang="en-GB" sz="500" b="0" i="0" u="none" strike="noStrike" dirty="0">
+                      <a:endParaRPr lang="en-GB" sz="900" b="0" i="0" u="none" strike="noStrike" dirty="0">
                         <a:solidFill>
                           <a:schemeClr val="tx1"/>
                         </a:solidFill>
@@ -14521,7 +14479,7 @@
                     <a:p>
                       <a:pPr algn="l" rtl="0" fontAlgn="ctr"/>
                       <a:r>
-                        <a:rPr lang="en-GB" sz="500" b="0" i="0" u="none" strike="noStrike" dirty="0">
+                        <a:rPr lang="en-GB" sz="900" b="0" i="0" u="none" strike="noStrike" dirty="0">
                           <a:solidFill>
                             <a:schemeClr val="tx1">
                               <a:lumMod val="50000"/>
@@ -14583,7 +14541,7 @@
                     <a:p>
                       <a:pPr algn="l" rtl="0" fontAlgn="ctr"/>
                       <a:r>
-                        <a:rPr lang="en-GB" sz="500" u="none" strike="noStrike" dirty="0">
+                        <a:rPr lang="en-GB" sz="900" u="none" strike="noStrike" dirty="0">
                           <a:solidFill>
                             <a:schemeClr val="tx1">
                               <a:lumMod val="50000"/>
@@ -14593,7 +14551,7 @@
                         </a:rPr>
                         <a:t>1</a:t>
                       </a:r>
-                      <a:endParaRPr lang="en-GB" sz="500" b="0" i="0" u="none" strike="noStrike" dirty="0">
+                      <a:endParaRPr lang="en-GB" sz="900" b="0" i="0" u="none" strike="noStrike" dirty="0">
                         <a:solidFill>
                           <a:schemeClr val="tx1">
                             <a:lumMod val="50000"/>
@@ -14653,7 +14611,7 @@
                     <a:p>
                       <a:pPr algn="l" rtl="0" fontAlgn="ctr"/>
                       <a:r>
-                        <a:rPr lang="en-GB" sz="500" b="0" i="0" u="none" strike="noStrike" dirty="0">
+                        <a:rPr lang="en-GB" sz="900" b="0" i="0" u="none" strike="noStrike" dirty="0">
                           <a:solidFill>
                             <a:schemeClr val="tx1">
                               <a:lumMod val="50000"/>
@@ -14715,7 +14673,7 @@
                     <a:p>
                       <a:pPr algn="l" rtl="0" fontAlgn="ctr"/>
                       <a:r>
-                        <a:rPr lang="en-GB" sz="500" u="none" strike="noStrike" dirty="0">
+                        <a:rPr lang="en-GB" sz="900" u="none" strike="noStrike" dirty="0">
                           <a:solidFill>
                             <a:schemeClr val="tx1">
                               <a:lumMod val="50000"/>
@@ -14725,7 +14683,7 @@
                         </a:rPr>
                         <a:t>4</a:t>
                       </a:r>
-                      <a:endParaRPr lang="en-GB" sz="500" b="0" i="0" u="none" strike="noStrike" dirty="0">
+                      <a:endParaRPr lang="en-GB" sz="900" b="0" i="0" u="none" strike="noStrike" dirty="0">
                         <a:solidFill>
                           <a:schemeClr val="tx1">
                             <a:lumMod val="50000"/>
@@ -14784,7 +14742,7 @@
                   </a:ext>
                 </a:extLst>
               </a:tr>
-              <a:tr h="122268">
+              <a:tr h="156593">
                 <a:tc>
                   <a:txBody>
                     <a:bodyPr/>
@@ -14792,12 +14750,12 @@
                     <a:p>
                       <a:pPr algn="l" rtl="0" fontAlgn="ctr"/>
                       <a:r>
-                        <a:rPr lang="en-GB" sz="500" u="none" strike="noStrike" dirty="0">
+                        <a:rPr lang="en-GB" sz="900" u="none" strike="noStrike" dirty="0">
                           <a:effectLst/>
                         </a:rPr>
                         <a:t>Strong</a:t>
                       </a:r>
-                      <a:endParaRPr lang="en-GB" sz="500" b="1" i="0" u="none" strike="noStrike" dirty="0">
+                      <a:endParaRPr lang="en-GB" sz="900" b="1" i="0" u="none" strike="noStrike" dirty="0">
                         <a:solidFill>
                           <a:srgbClr val="FFFFFF"/>
                         </a:solidFill>
@@ -14860,7 +14818,7 @@
                     <a:p>
                       <a:pPr algn="l" rtl="0" fontAlgn="ctr"/>
                       <a:r>
-                        <a:rPr lang="en-GB" sz="500" u="none" strike="noStrike" dirty="0">
+                        <a:rPr lang="en-GB" sz="900" u="none" strike="noStrike" dirty="0">
                           <a:solidFill>
                             <a:schemeClr val="tx1"/>
                           </a:solidFill>
@@ -14868,7 +14826,7 @@
                         </a:rPr>
                         <a:t>5</a:t>
                       </a:r>
-                      <a:endParaRPr lang="en-GB" sz="500" b="0" i="0" u="none" strike="noStrike" dirty="0">
+                      <a:endParaRPr lang="en-GB" sz="900" b="0" i="0" u="none" strike="noStrike" dirty="0">
                         <a:solidFill>
                           <a:schemeClr val="tx1"/>
                         </a:solidFill>
@@ -14930,7 +14888,7 @@
                     <a:p>
                       <a:pPr algn="l" rtl="0" fontAlgn="ctr"/>
                       <a:r>
-                        <a:rPr lang="en-GB" sz="500" b="0" i="0" u="none" strike="noStrike" dirty="0">
+                        <a:rPr lang="en-GB" sz="900" b="0" i="0" u="none" strike="noStrike" dirty="0">
                           <a:solidFill>
                             <a:schemeClr val="tx1">
                               <a:lumMod val="50000"/>
@@ -14992,7 +14950,7 @@
                     <a:p>
                       <a:pPr algn="l" rtl="0" fontAlgn="ctr"/>
                       <a:r>
-                        <a:rPr lang="en-GB" sz="500" u="none" strike="noStrike" dirty="0">
+                        <a:rPr lang="en-GB" sz="900" u="none" strike="noStrike" dirty="0">
                           <a:solidFill>
                             <a:schemeClr val="tx1">
                               <a:lumMod val="50000"/>
@@ -15002,7 +14960,7 @@
                         </a:rPr>
                         <a:t>3</a:t>
                       </a:r>
-                      <a:endParaRPr lang="en-GB" sz="500" b="0" i="0" u="none" strike="noStrike" dirty="0">
+                      <a:endParaRPr lang="en-GB" sz="900" b="0" i="0" u="none" strike="noStrike" dirty="0">
                         <a:solidFill>
                           <a:schemeClr val="tx1">
                             <a:lumMod val="50000"/>
@@ -15062,7 +15020,7 @@
                     <a:p>
                       <a:pPr algn="l" rtl="0" fontAlgn="ctr"/>
                       <a:r>
-                        <a:rPr lang="en-GB" sz="500" b="0" i="0" u="none" strike="noStrike" dirty="0">
+                        <a:rPr lang="en-GB" sz="900" b="0" i="0" u="none" strike="noStrike" dirty="0">
                           <a:solidFill>
                             <a:schemeClr val="tx1">
                               <a:lumMod val="50000"/>
@@ -15124,7 +15082,7 @@
                     <a:p>
                       <a:pPr algn="l" rtl="0" fontAlgn="ctr"/>
                       <a:r>
-                        <a:rPr lang="en-GB" sz="500" u="none" strike="noStrike" dirty="0">
+                        <a:rPr lang="en-GB" sz="900" u="none" strike="noStrike" dirty="0">
                           <a:solidFill>
                             <a:schemeClr val="tx1">
                               <a:lumMod val="50000"/>
@@ -15134,7 +15092,7 @@
                         </a:rPr>
                         <a:t>15</a:t>
                       </a:r>
-                      <a:endParaRPr lang="en-GB" sz="500" b="0" i="0" u="none" strike="noStrike" dirty="0">
+                      <a:endParaRPr lang="en-GB" sz="900" b="0" i="0" u="none" strike="noStrike" dirty="0">
                         <a:solidFill>
                           <a:schemeClr val="tx1">
                             <a:lumMod val="50000"/>
@@ -15193,7 +15151,7 @@
                   </a:ext>
                 </a:extLst>
               </a:tr>
-              <a:tr h="122268">
+              <a:tr h="232904">
                 <a:tc>
                   <a:txBody>
                     <a:bodyPr/>
@@ -15201,12 +15159,12 @@
                     <a:p>
                       <a:pPr algn="l" rtl="0" fontAlgn="ctr"/>
                       <a:r>
-                        <a:rPr lang="en-GB" sz="500" u="none" strike="noStrike" dirty="0">
+                        <a:rPr lang="en-GB" sz="900" u="none" strike="noStrike" dirty="0">
                           <a:effectLst/>
                         </a:rPr>
                         <a:t>Definitive</a:t>
                       </a:r>
-                      <a:endParaRPr lang="en-GB" sz="500" b="1" i="0" u="none" strike="noStrike" dirty="0">
+                      <a:endParaRPr lang="en-GB" sz="900" b="1" i="0" u="none" strike="noStrike" dirty="0">
                         <a:solidFill>
                           <a:srgbClr val="FFFFFF"/>
                         </a:solidFill>
@@ -15269,7 +15227,7 @@
                     <a:p>
                       <a:pPr algn="l" rtl="0" fontAlgn="ctr"/>
                       <a:r>
-                        <a:rPr lang="en-GB" sz="500" u="none" strike="noStrike" dirty="0">
+                        <a:rPr lang="en-GB" sz="900" u="none" strike="noStrike" dirty="0">
                           <a:solidFill>
                             <a:schemeClr val="tx1"/>
                           </a:solidFill>
@@ -15277,7 +15235,7 @@
                         </a:rPr>
                         <a:t>6</a:t>
                       </a:r>
-                      <a:endParaRPr lang="en-GB" sz="500" b="0" i="0" u="none" strike="noStrike" dirty="0">
+                      <a:endParaRPr lang="en-GB" sz="900" b="0" i="0" u="none" strike="noStrike" dirty="0">
                         <a:solidFill>
                           <a:schemeClr val="tx1"/>
                         </a:solidFill>
@@ -15337,7 +15295,7 @@
                     <a:p>
                       <a:pPr algn="l" rtl="0" fontAlgn="ctr"/>
                       <a:r>
-                        <a:rPr lang="en-GB" sz="500" b="0" i="0" u="none" strike="noStrike" dirty="0">
+                        <a:rPr lang="en-GB" sz="900" b="0" i="0" u="none" strike="noStrike" dirty="0">
                           <a:solidFill>
                             <a:schemeClr val="tx1">
                               <a:lumMod val="50000"/>
@@ -15399,7 +15357,7 @@
                     <a:p>
                       <a:pPr algn="l" rtl="0" fontAlgn="ctr"/>
                       <a:r>
-                        <a:rPr lang="en-GB" sz="500" u="none" strike="noStrike" dirty="0">
+                        <a:rPr lang="en-GB" sz="900" u="none" strike="noStrike" dirty="0">
                           <a:solidFill>
                             <a:schemeClr val="tx1">
                               <a:lumMod val="50000"/>
@@ -15409,7 +15367,7 @@
                         </a:rPr>
                         <a:t>1</a:t>
                       </a:r>
-                      <a:endParaRPr lang="en-GB" sz="500" b="0" i="0" u="none" strike="noStrike" dirty="0">
+                      <a:endParaRPr lang="en-GB" sz="900" b="0" i="0" u="none" strike="noStrike" dirty="0">
                         <a:solidFill>
                           <a:schemeClr val="tx1">
                             <a:lumMod val="50000"/>
@@ -15469,7 +15427,7 @@
                     <a:p>
                       <a:pPr algn="l" rtl="0" fontAlgn="ctr"/>
                       <a:r>
-                        <a:rPr lang="en-GB" sz="500" b="0" i="0" u="none" strike="noStrike" dirty="0">
+                        <a:rPr lang="en-GB" sz="900" b="0" i="0" u="none" strike="noStrike" dirty="0">
                           <a:solidFill>
                             <a:schemeClr val="tx1">
                               <a:lumMod val="50000"/>
@@ -15531,7 +15489,7 @@
                     <a:p>
                       <a:pPr algn="l" rtl="0" fontAlgn="ctr"/>
                       <a:r>
-                        <a:rPr lang="en-GB" sz="500" b="0" i="0" u="none" strike="noStrike" dirty="0">
+                        <a:rPr lang="en-GB" sz="900" b="0" i="0" u="none" strike="noStrike" dirty="0">
                           <a:solidFill>
                             <a:schemeClr val="tx1">
                               <a:lumMod val="50000"/>
@@ -15592,7 +15550,7 @@
                   </a:ext>
                 </a:extLst>
               </a:tr>
-              <a:tr h="122268">
+              <a:tr h="156593">
                 <a:tc>
                   <a:txBody>
                     <a:bodyPr/>
@@ -15600,7 +15558,7 @@
                     <a:p>
                       <a:pPr algn="l" rtl="0" fontAlgn="ctr"/>
                       <a:r>
-                        <a:rPr lang="en-GB" sz="500" u="none" strike="noStrike" dirty="0">
+                        <a:rPr lang="en-GB" sz="900" u="none" strike="noStrike" dirty="0">
                           <a:solidFill>
                             <a:schemeClr val="bg1"/>
                           </a:solidFill>
@@ -15608,7 +15566,7 @@
                         </a:rPr>
                         <a:t>Total</a:t>
                       </a:r>
-                      <a:endParaRPr lang="en-GB" sz="500" b="1" i="0" u="none" strike="noStrike" dirty="0">
+                      <a:endParaRPr lang="en-GB" sz="900" b="1" i="0" u="none" strike="noStrike" dirty="0">
                         <a:solidFill>
                           <a:schemeClr val="bg1"/>
                         </a:solidFill>
@@ -15674,13 +15632,13 @@
                     <a:p>
                       <a:pPr algn="l" fontAlgn="t"/>
                       <a:r>
-                        <a:rPr lang="en-GB" sz="500" u="none" strike="noStrike" dirty="0">
+                        <a:rPr lang="en-GB" sz="900" u="none" strike="noStrike" dirty="0">
                           <a:effectLst/>
                           <a:latin typeface="+mn-lt"/>
                         </a:rPr>
                         <a:t> </a:t>
                       </a:r>
-                      <a:endParaRPr lang="en-GB" sz="500" b="0" i="0" u="none" strike="noStrike" dirty="0">
+                      <a:endParaRPr lang="en-GB" sz="900" b="0" i="0" u="none" strike="noStrike" dirty="0">
                         <a:solidFill>
                           <a:srgbClr val="000000"/>
                         </a:solidFill>
@@ -15739,7 +15697,7 @@
                     <a:lstStyle/>
                     <a:p>
                       <a:pPr algn="l" fontAlgn="t"/>
-                      <a:endParaRPr lang="en-GB" sz="500" b="0" i="0" u="none" strike="noStrike" dirty="0">
+                      <a:endParaRPr lang="en-GB" sz="900" b="0" i="0" u="none" strike="noStrike" dirty="0">
                         <a:solidFill>
                           <a:srgbClr val="000000"/>
                         </a:solidFill>
@@ -15797,13 +15755,13 @@
                     <a:p>
                       <a:pPr algn="l" fontAlgn="t"/>
                       <a:r>
-                        <a:rPr lang="en-GB" sz="500" u="none" strike="noStrike" dirty="0">
+                        <a:rPr lang="en-GB" sz="900" u="none" strike="noStrike" dirty="0">
                           <a:effectLst/>
                           <a:latin typeface="+mn-lt"/>
                         </a:rPr>
                         <a:t> </a:t>
                       </a:r>
-                      <a:endParaRPr lang="en-GB" sz="500" b="0" i="0" u="none" strike="noStrike" dirty="0">
+                      <a:endParaRPr lang="en-GB" sz="900" b="0" i="0" u="none" strike="noStrike" dirty="0">
                         <a:solidFill>
                           <a:srgbClr val="000000"/>
                         </a:solidFill>
@@ -15877,7 +15835,7 @@
                         <a:defRPr/>
                       </a:pPr>
                       <a:r>
-                        <a:rPr lang="en-GB" sz="500" b="0" i="0" u="none" strike="noStrike" dirty="0">
+                        <a:rPr lang="en-GB" sz="900" b="0" i="0" u="none" strike="noStrike" dirty="0">
                           <a:solidFill>
                             <a:schemeClr val="tx1">
                               <a:lumMod val="50000"/>
@@ -15939,13 +15897,13 @@
                     <a:p>
                       <a:pPr algn="l" rtl="0" fontAlgn="ctr"/>
                       <a:r>
-                        <a:rPr lang="en-GB" sz="500" u="none" strike="noStrike" dirty="0">
+                        <a:rPr lang="en-GB" sz="900" u="none" strike="noStrike" dirty="0">
                           <a:effectLst/>
                           <a:latin typeface="+mn-lt"/>
                         </a:rPr>
                         <a:t>32</a:t>
                       </a:r>
-                      <a:endParaRPr lang="en-GB" sz="500" b="1" i="0" u="none" strike="noStrike" dirty="0">
+                      <a:endParaRPr lang="en-GB" sz="900" b="1" i="0" u="none" strike="noStrike" dirty="0">
                         <a:solidFill>
                           <a:srgbClr val="FFFFFF"/>
                         </a:solidFill>
@@ -16020,7 +15978,7 @@
         </p:nvSpPr>
         <p:spPr>
           <a:xfrm>
-            <a:off x="8135108" y="5961843"/>
+            <a:off x="9459184" y="7157322"/>
             <a:ext cx="381836" cy="369332"/>
           </a:xfrm>
           <a:prstGeom prst="rect">
@@ -16061,8 +16019,8 @@
         </p:nvSpPr>
         <p:spPr>
           <a:xfrm>
-            <a:off x="239272" y="1417278"/>
-            <a:ext cx="1100518" cy="222620"/>
+            <a:off x="1496982" y="1222923"/>
+            <a:ext cx="2481742" cy="222620"/>
           </a:xfrm>
           <a:prstGeom prst="roundRect">
             <a:avLst/>
@@ -16088,7 +16046,7 @@
           <a:p>
             <a:pPr algn="ctr"/>
             <a:r>
-              <a:rPr lang="en-GB" sz="600" dirty="0">
+              <a:rPr lang="en-GB" sz="900" dirty="0">
                 <a:solidFill>
                   <a:schemeClr val="accent1">
                     <a:lumMod val="75000"/>
@@ -16098,7 +16056,7 @@
               <a:t>Evidence for </a:t>
             </a:r>
             <a:r>
-              <a:rPr lang="en-GB" sz="600" b="1" dirty="0">
+              <a:rPr lang="en-GB" sz="900" b="1" dirty="0">
                 <a:solidFill>
                   <a:schemeClr val="accent1">
                     <a:lumMod val="75000"/>
@@ -16108,7 +16066,7 @@
               <a:t>Gene 1</a:t>
             </a:r>
             <a:r>
-              <a:rPr lang="en-GB" sz="600" dirty="0">
+              <a:rPr lang="en-GB" sz="900" dirty="0">
                 <a:solidFill>
                   <a:schemeClr val="accent1">
                     <a:lumMod val="75000"/>
@@ -16118,7 +16076,7 @@
               <a:t> causing </a:t>
             </a:r>
             <a:r>
-              <a:rPr lang="en-GB" sz="600" b="1" dirty="0">
+              <a:rPr lang="en-GB" sz="900" b="1" dirty="0">
                 <a:solidFill>
                   <a:schemeClr val="accent1">
                     <a:lumMod val="75000"/>
@@ -16147,12 +16105,15 @@
           <p:nvPr/>
         </p:nvCxnSpPr>
         <p:spPr>
-          <a:xfrm rot="16200000" flipH="1">
-            <a:off x="1021096" y="3173595"/>
-            <a:ext cx="608544" cy="285763"/>
+          <a:xfrm rot="5400000">
+            <a:off x="2062428" y="2804420"/>
+            <a:ext cx="1063075" cy="2251430"/>
           </a:xfrm>
-          <a:prstGeom prst="bentConnector2">
-            <a:avLst/>
+          <a:prstGeom prst="bentConnector4">
+            <a:avLst>
+              <a:gd name="adj1" fmla="val 11913"/>
+              <a:gd name="adj2" fmla="val 107350"/>
+            </a:avLst>
           </a:prstGeom>
           <a:ln>
             <a:solidFill>
@@ -16194,14 +16155,14 @@
           <p:nvPr>
             <p:extLst>
               <p:ext uri="{D42A27DB-BD31-4B8C-83A1-F6EECF244321}">
-                <p14:modId xmlns:p14="http://schemas.microsoft.com/office/powerpoint/2010/main" val="2846821267"/>
+                <p14:modId xmlns:p14="http://schemas.microsoft.com/office/powerpoint/2010/main" val="1075576443"/>
               </p:ext>
             </p:extLst>
           </p:nvPr>
         </p:nvGraphicFramePr>
         <p:xfrm>
-          <a:off x="9576682" y="1643274"/>
-          <a:ext cx="2313414" cy="914400"/>
+          <a:off x="6479076" y="2098527"/>
+          <a:ext cx="3452058" cy="1280160"/>
         </p:xfrm>
         <a:graphic>
           <a:graphicData uri="http://schemas.openxmlformats.org/drawingml/2006/table">
@@ -16210,42 +16171,42 @@
                 <a:tableStyleId>{00A15C55-8517-42AA-B614-E9B94910E393}</a:tableStyleId>
               </a:tblPr>
               <a:tblGrid>
-                <a:gridCol w="425896">
+                <a:gridCol w="635519">
                   <a:extLst>
                     <a:ext uri="{9D8B030D-6E8A-4147-A177-3AD203B41FA5}">
                       <a16:colId xmlns:a16="http://schemas.microsoft.com/office/drawing/2014/main" val="1666150210"/>
                     </a:ext>
                   </a:extLst>
                 </a:gridCol>
-                <a:gridCol w="347540">
+                <a:gridCol w="518596">
                   <a:extLst>
                     <a:ext uri="{9D8B030D-6E8A-4147-A177-3AD203B41FA5}">
                       <a16:colId xmlns:a16="http://schemas.microsoft.com/office/drawing/2014/main" val="645246616"/>
                     </a:ext>
                   </a:extLst>
                 </a:gridCol>
-                <a:gridCol w="347540">
+                <a:gridCol w="518596">
                   <a:extLst>
                     <a:ext uri="{9D8B030D-6E8A-4147-A177-3AD203B41FA5}">
                       <a16:colId xmlns:a16="http://schemas.microsoft.com/office/drawing/2014/main" val="357973742"/>
                     </a:ext>
                   </a:extLst>
                 </a:gridCol>
-                <a:gridCol w="347540">
+                <a:gridCol w="518596">
                   <a:extLst>
                     <a:ext uri="{9D8B030D-6E8A-4147-A177-3AD203B41FA5}">
                       <a16:colId xmlns:a16="http://schemas.microsoft.com/office/drawing/2014/main" val="1702401980"/>
                     </a:ext>
                   </a:extLst>
                 </a:gridCol>
-                <a:gridCol w="342930">
+                <a:gridCol w="511717">
                   <a:extLst>
                     <a:ext uri="{9D8B030D-6E8A-4147-A177-3AD203B41FA5}">
                       <a16:colId xmlns:a16="http://schemas.microsoft.com/office/drawing/2014/main" val="3092555947"/>
                     </a:ext>
                   </a:extLst>
                 </a:gridCol>
-                <a:gridCol w="501968">
+                <a:gridCol w="749034">
                   <a:extLst>
                     <a:ext uri="{9D8B030D-6E8A-4147-A177-3AD203B41FA5}">
                       <a16:colId xmlns:a16="http://schemas.microsoft.com/office/drawing/2014/main" val="1138272950"/>
@@ -16253,13 +16214,13 @@
                   </a:extLst>
                 </a:gridCol>
               </a:tblGrid>
-              <a:tr h="211408">
-                <a:tc>
-                  <a:txBody>
-                    <a:bodyPr/>
-                    <a:lstStyle/>
-                    <a:p>
-                      <a:endParaRPr lang="en-GB" sz="500" dirty="0"/>
+              <a:tr h="0">
+                <a:tc>
+                  <a:txBody>
+                    <a:bodyPr/>
+                    <a:lstStyle/>
+                    <a:p>
+                      <a:endParaRPr lang="en-GB" sz="900" dirty="0"/>
                     </a:p>
                   </a:txBody>
                   <a:tcPr/>
@@ -16287,12 +16248,12 @@
                         <a:defRPr/>
                       </a:pPr>
                       <a:r>
-                        <a:rPr lang="en-GB" sz="500" dirty="0"/>
+                        <a:rPr lang="en-GB" sz="900" dirty="0"/>
                         <a:t>Cell 1</a:t>
                       </a:r>
                     </a:p>
                     <a:p>
-                      <a:endParaRPr lang="en-GB" sz="500" dirty="0"/>
+                      <a:endParaRPr lang="en-GB" sz="900" dirty="0"/>
                     </a:p>
                   </a:txBody>
                   <a:tcPr/>
@@ -16303,7 +16264,7 @@
                     <a:lstStyle/>
                     <a:p>
                       <a:r>
-                        <a:rPr lang="en-GB" sz="500" dirty="0"/>
+                        <a:rPr lang="en-GB" sz="900" dirty="0"/>
                         <a:t>Cell 2</a:t>
                       </a:r>
                     </a:p>
@@ -16316,7 +16277,7 @@
                     <a:lstStyle/>
                     <a:p>
                       <a:r>
-                        <a:rPr lang="en-GB" sz="500" dirty="0"/>
+                        <a:rPr lang="en-GB" sz="900" dirty="0"/>
                         <a:t>Cell 3</a:t>
                       </a:r>
                     </a:p>
@@ -16339,7 +16300,7 @@
                     <a:lstStyle/>
                     <a:p>
                       <a:r>
-                        <a:rPr lang="en-GB" sz="500" dirty="0">
+                        <a:rPr lang="en-GB" sz="900" dirty="0">
                           <a:solidFill>
                             <a:schemeClr val="tx1">
                               <a:lumMod val="50000"/>
@@ -16398,7 +16359,7 @@
                     <a:lstStyle/>
                     <a:p>
                       <a:r>
-                        <a:rPr lang="en-GB" sz="500" dirty="0">
+                        <a:rPr lang="en-GB" sz="900" dirty="0">
                           <a:solidFill>
                             <a:schemeClr val="bg1"/>
                           </a:solidFill>
@@ -16455,14 +16416,14 @@
                   </a:ext>
                 </a:extLst>
               </a:tr>
-              <a:tr h="140938">
-                <a:tc>
-                  <a:txBody>
-                    <a:bodyPr/>
-                    <a:lstStyle/>
-                    <a:p>
-                      <a:r>
-                        <a:rPr lang="en-GB" sz="500" dirty="0"/>
+              <a:tr h="177507">
+                <a:tc>
+                  <a:txBody>
+                    <a:bodyPr/>
+                    <a:lstStyle/>
+                    <a:p>
+                      <a:r>
+                        <a:rPr lang="en-GB" sz="900" dirty="0"/>
                         <a:t>Gene 1</a:t>
                       </a:r>
                     </a:p>
@@ -16475,7 +16436,7 @@
                     <a:lstStyle/>
                     <a:p>
                       <a:r>
-                        <a:rPr lang="en-GB" sz="500" dirty="0">
+                        <a:rPr lang="en-GB" sz="900" dirty="0">
                           <a:solidFill>
                             <a:schemeClr val="tx1">
                               <a:lumMod val="50000"/>
@@ -16498,7 +16459,7 @@
                     <a:lstStyle/>
                     <a:p>
                       <a:r>
-                        <a:rPr lang="en-GB" sz="500" dirty="0">
+                        <a:rPr lang="en-GB" sz="900" dirty="0">
                           <a:solidFill>
                             <a:schemeClr val="tx1">
                               <a:lumMod val="50000"/>
@@ -16521,7 +16482,7 @@
                     <a:lstStyle/>
                     <a:p>
                       <a:r>
-                        <a:rPr lang="en-GB" sz="500" dirty="0">
+                        <a:rPr lang="en-GB" sz="900" dirty="0">
                           <a:solidFill>
                             <a:schemeClr val="tx1">
                               <a:lumMod val="50000"/>
@@ -16544,7 +16505,7 @@
                     <a:lstStyle/>
                     <a:p>
                       <a:r>
-                        <a:rPr lang="en-GB" sz="500" b="0" dirty="0">
+                        <a:rPr lang="en-GB" sz="900" b="0" dirty="0">
                           <a:solidFill>
                             <a:schemeClr val="tx1">
                               <a:lumMod val="50000"/>
@@ -16576,7 +16537,7 @@
                     <a:lstStyle/>
                     <a:p>
                       <a:r>
-                        <a:rPr lang="en-GB" sz="500" b="0" dirty="0">
+                        <a:rPr lang="en-GB" sz="900" b="0" dirty="0">
                           <a:solidFill>
                             <a:schemeClr val="bg1"/>
                           </a:solidFill>
@@ -16606,14 +16567,14 @@
                   </a:ext>
                 </a:extLst>
               </a:tr>
-              <a:tr h="140938">
-                <a:tc>
-                  <a:txBody>
-                    <a:bodyPr/>
-                    <a:lstStyle/>
-                    <a:p>
-                      <a:r>
-                        <a:rPr lang="en-GB" sz="500" dirty="0"/>
+              <a:tr h="177507">
+                <a:tc>
+                  <a:txBody>
+                    <a:bodyPr/>
+                    <a:lstStyle/>
+                    <a:p>
+                      <a:r>
+                        <a:rPr lang="en-GB" sz="900" dirty="0"/>
                         <a:t>Gene 2</a:t>
                       </a:r>
                     </a:p>
@@ -16626,7 +16587,7 @@
                     <a:lstStyle/>
                     <a:p>
                       <a:r>
-                        <a:rPr lang="en-GB" sz="500" dirty="0">
+                        <a:rPr lang="en-GB" sz="900" dirty="0">
                           <a:solidFill>
                             <a:schemeClr val="tx1">
                               <a:lumMod val="50000"/>
@@ -16649,7 +16610,7 @@
                     <a:lstStyle/>
                     <a:p>
                       <a:r>
-                        <a:rPr lang="en-GB" sz="500" dirty="0">
+                        <a:rPr lang="en-GB" sz="900" dirty="0">
                           <a:solidFill>
                             <a:schemeClr val="tx1">
                               <a:lumMod val="50000"/>
@@ -16672,7 +16633,7 @@
                     <a:lstStyle/>
                     <a:p>
                       <a:r>
-                        <a:rPr lang="en-GB" sz="500" dirty="0">
+                        <a:rPr lang="en-GB" sz="900" dirty="0">
                           <a:solidFill>
                             <a:schemeClr val="tx1">
                               <a:lumMod val="50000"/>
@@ -16695,7 +16656,7 @@
                     <a:lstStyle/>
                     <a:p>
                       <a:r>
-                        <a:rPr lang="en-GB" sz="500" b="0" dirty="0">
+                        <a:rPr lang="en-GB" sz="900" b="0" dirty="0">
                           <a:solidFill>
                             <a:schemeClr val="tx1">
                               <a:lumMod val="50000"/>
@@ -16718,7 +16679,7 @@
                     <a:lstStyle/>
                     <a:p>
                       <a:r>
-                        <a:rPr lang="en-GB" sz="500" b="0" dirty="0">
+                        <a:rPr lang="en-GB" sz="900" b="0" dirty="0">
                           <a:solidFill>
                             <a:schemeClr val="bg1"/>
                           </a:solidFill>
@@ -16739,14 +16700,14 @@
                   </a:ext>
                 </a:extLst>
               </a:tr>
-              <a:tr h="140938">
-                <a:tc>
-                  <a:txBody>
-                    <a:bodyPr/>
-                    <a:lstStyle/>
-                    <a:p>
-                      <a:r>
-                        <a:rPr lang="en-GB" sz="500" dirty="0"/>
+              <a:tr h="177507">
+                <a:tc>
+                  <a:txBody>
+                    <a:bodyPr/>
+                    <a:lstStyle/>
+                    <a:p>
+                      <a:r>
+                        <a:rPr lang="en-GB" sz="900" dirty="0"/>
                         <a:t>Gene 3</a:t>
                       </a:r>
                     </a:p>
@@ -16759,7 +16720,7 @@
                     <a:lstStyle/>
                     <a:p>
                       <a:r>
-                        <a:rPr lang="en-GB" sz="500" dirty="0">
+                        <a:rPr lang="en-GB" sz="900" dirty="0">
                           <a:solidFill>
                             <a:schemeClr val="tx1">
                               <a:lumMod val="50000"/>
@@ -16782,7 +16743,7 @@
                     <a:lstStyle/>
                     <a:p>
                       <a:r>
-                        <a:rPr lang="en-GB" sz="500" dirty="0">
+                        <a:rPr lang="en-GB" sz="900" dirty="0">
                           <a:solidFill>
                             <a:schemeClr val="tx1">
                               <a:lumMod val="50000"/>
@@ -16805,7 +16766,7 @@
                     <a:lstStyle/>
                     <a:p>
                       <a:r>
-                        <a:rPr lang="en-GB" sz="500" dirty="0">
+                        <a:rPr lang="en-GB" sz="900" dirty="0">
                           <a:solidFill>
                             <a:schemeClr val="tx1">
                               <a:lumMod val="50000"/>
@@ -16828,7 +16789,7 @@
                     <a:lstStyle/>
                     <a:p>
                       <a:r>
-                        <a:rPr lang="en-GB" sz="500" b="0" dirty="0">
+                        <a:rPr lang="en-GB" sz="900" b="0" dirty="0">
                           <a:solidFill>
                             <a:schemeClr val="tx1">
                               <a:lumMod val="50000"/>
@@ -16851,7 +16812,7 @@
                     <a:lstStyle/>
                     <a:p>
                       <a:r>
-                        <a:rPr lang="en-GB" sz="500" b="0" dirty="0">
+                        <a:rPr lang="en-GB" sz="900" b="0" dirty="0">
                           <a:solidFill>
                             <a:schemeClr val="bg1"/>
                           </a:solidFill>
@@ -16872,14 +16833,14 @@
                   </a:ext>
                 </a:extLst>
               </a:tr>
-              <a:tr h="140938">
-                <a:tc>
-                  <a:txBody>
-                    <a:bodyPr/>
-                    <a:lstStyle/>
-                    <a:p>
-                      <a:r>
-                        <a:rPr lang="en-GB" sz="500" dirty="0"/>
+              <a:tr h="177507">
+                <a:tc>
+                  <a:txBody>
+                    <a:bodyPr/>
+                    <a:lstStyle/>
+                    <a:p>
+                      <a:r>
+                        <a:rPr lang="en-GB" sz="900" dirty="0"/>
                         <a:t>…</a:t>
                       </a:r>
                     </a:p>
@@ -16892,7 +16853,7 @@
                     <a:lstStyle/>
                     <a:p>
                       <a:r>
-                        <a:rPr lang="en-GB" sz="500" dirty="0">
+                        <a:rPr lang="en-GB" sz="900" dirty="0">
                           <a:solidFill>
                             <a:schemeClr val="tx1">
                               <a:lumMod val="50000"/>
@@ -16915,7 +16876,7 @@
                     <a:lstStyle/>
                     <a:p>
                       <a:r>
-                        <a:rPr lang="en-GB" sz="500" dirty="0">
+                        <a:rPr lang="en-GB" sz="900" dirty="0">
                           <a:solidFill>
                             <a:schemeClr val="tx1">
                               <a:lumMod val="50000"/>
@@ -16938,7 +16899,7 @@
                     <a:lstStyle/>
                     <a:p>
                       <a:r>
-                        <a:rPr lang="en-GB" sz="500" dirty="0">
+                        <a:rPr lang="en-GB" sz="900" dirty="0">
                           <a:solidFill>
                             <a:schemeClr val="tx1">
                               <a:lumMod val="50000"/>
@@ -16961,7 +16922,7 @@
                     <a:lstStyle/>
                     <a:p>
                       <a:r>
-                        <a:rPr lang="en-GB" sz="500" b="0" dirty="0">
+                        <a:rPr lang="en-GB" sz="900" b="0" dirty="0">
                           <a:solidFill>
                             <a:schemeClr val="tx1">
                               <a:lumMod val="50000"/>
@@ -16984,7 +16945,7 @@
                     <a:lstStyle/>
                     <a:p>
                       <a:r>
-                        <a:rPr lang="en-GB" sz="500" b="0" dirty="0">
+                        <a:rPr lang="en-GB" sz="900" b="0" dirty="0">
                           <a:solidFill>
                             <a:schemeClr val="bg1"/>
                           </a:solidFill>
@@ -17023,10 +16984,10 @@
         </p:nvGrpSpPr>
         <p:grpSpPr>
           <a:xfrm>
-            <a:off x="1009781" y="1934472"/>
-            <a:ext cx="363880" cy="1077733"/>
-            <a:chOff x="1009781" y="1934472"/>
-            <a:chExt cx="363880" cy="1077733"/>
+            <a:off x="3485658" y="1687207"/>
+            <a:ext cx="493066" cy="1711391"/>
+            <a:chOff x="1009780" y="1934472"/>
+            <a:chExt cx="363881" cy="1077733"/>
           </a:xfrm>
         </p:grpSpPr>
         <p:sp>
@@ -17043,8 +17004,8 @@
           </p:nvSpPr>
           <p:spPr>
             <a:xfrm>
-              <a:off x="1014111" y="2886297"/>
-              <a:ext cx="336752" cy="125908"/>
+              <a:off x="1014111" y="2902248"/>
+              <a:ext cx="336752" cy="109957"/>
             </a:xfrm>
             <a:prstGeom prst="rect">
               <a:avLst/>
@@ -17102,10 +17063,10 @@
           </p:nvGrpSpPr>
           <p:grpSpPr>
             <a:xfrm>
-              <a:off x="1009781" y="1934472"/>
-              <a:ext cx="363880" cy="957342"/>
-              <a:chOff x="979260" y="2439348"/>
-              <a:chExt cx="363880" cy="957342"/>
+              <a:off x="1009780" y="1934472"/>
+              <a:ext cx="363881" cy="957342"/>
+              <a:chOff x="979259" y="2439348"/>
+              <a:chExt cx="363881" cy="957342"/>
             </a:xfrm>
           </p:grpSpPr>
           <p:sp>
@@ -17122,8 +17083,8 @@
             </p:nvSpPr>
             <p:spPr>
               <a:xfrm>
-                <a:off x="979260" y="2439348"/>
-                <a:ext cx="298403" cy="957340"/>
+                <a:off x="979259" y="2439348"/>
+                <a:ext cx="336751" cy="957340"/>
               </a:xfrm>
               <a:prstGeom prst="rect">
                 <a:avLst/>
@@ -17220,7 +17181,7 @@
         </p:nvSpPr>
         <p:spPr>
           <a:xfrm>
-            <a:off x="9164793" y="3459309"/>
+            <a:off x="9164793" y="4300233"/>
             <a:ext cx="1082583" cy="1103448"/>
           </a:xfrm>
           <a:prstGeom prst="rect">
@@ -17275,8 +17236,8 @@
         </p:nvSpPr>
         <p:spPr>
           <a:xfrm>
-            <a:off x="11388090" y="1884427"/>
-            <a:ext cx="502006" cy="673248"/>
+            <a:off x="9183662" y="2486223"/>
+            <a:ext cx="502006" cy="912682"/>
           </a:xfrm>
           <a:prstGeom prst="rect">
             <a:avLst/>
@@ -17337,12 +17298,15 @@
           <p:nvPr/>
         </p:nvCxnSpPr>
         <p:spPr>
-          <a:xfrm rot="5400000">
-            <a:off x="10216556" y="2588496"/>
-            <a:ext cx="1453358" cy="1391717"/>
+          <a:xfrm rot="16200000" flipH="1">
+            <a:off x="9114494" y="3719075"/>
+            <a:ext cx="1453052" cy="812711"/>
           </a:xfrm>
-          <a:prstGeom prst="bentConnector2">
-            <a:avLst/>
+          <a:prstGeom prst="bentConnector4">
+            <a:avLst>
+              <a:gd name="adj1" fmla="val 10196"/>
+              <a:gd name="adj2" fmla="val 175349"/>
+            </a:avLst>
           </a:prstGeom>
           <a:ln>
             <a:solidFill>
@@ -17391,8 +17355,8 @@
         </p:blipFill>
         <p:spPr>
           <a:xfrm>
-            <a:off x="4538521" y="5589227"/>
-            <a:ext cx="3666584" cy="1180856"/>
+            <a:off x="3311191" y="6510477"/>
+            <a:ext cx="6090479" cy="1961493"/>
           </a:xfrm>
           <a:prstGeom prst="rect">
             <a:avLst/>
@@ -17413,8 +17377,8 @@
         </p:nvSpPr>
         <p:spPr>
           <a:xfrm>
-            <a:off x="9584462" y="1417278"/>
-            <a:ext cx="2305634" cy="222620"/>
+            <a:off x="6479073" y="1872531"/>
+            <a:ext cx="3463135" cy="222620"/>
           </a:xfrm>
           <a:prstGeom prst="roundRect">
             <a:avLst/>
@@ -17445,7 +17409,7 @@
           <a:p>
             <a:pPr algn="ctr"/>
             <a:r>
-              <a:rPr lang="en-GB" sz="600" dirty="0">
+              <a:rPr lang="en-GB" sz="900" dirty="0">
                 <a:solidFill>
                   <a:schemeClr val="accent4">
                     <a:lumMod val="75000"/>
@@ -17455,7 +17419,7 @@
               <a:t>Gene expression specificity in </a:t>
             </a:r>
             <a:r>
-              <a:rPr lang="en-GB" sz="600" b="1" dirty="0">
+              <a:rPr lang="en-GB" sz="900" b="1" dirty="0">
                 <a:solidFill>
                   <a:schemeClr val="accent4">
                     <a:lumMod val="75000"/>

--- a/manuscript/img/study_design.pptx
+++ b/manuscript/img/study_design.pptx
@@ -5,11 +5,12 @@
     <p:sldMasterId id="2147483684" r:id="rId1"/>
   </p:sldMasterIdLst>
   <p:notesMasterIdLst>
-    <p:notesMasterId r:id="rId4"/>
+    <p:notesMasterId r:id="rId5"/>
   </p:notesMasterIdLst>
   <p:sldIdLst>
     <p:sldId id="256" r:id="rId2"/>
-    <p:sldId id="257" r:id="rId3"/>
+    <p:sldId id="258" r:id="rId3"/>
+    <p:sldId id="257" r:id="rId4"/>
   </p:sldIdLst>
   <p:sldSz cx="12192000" cy="12193588"/>
   <p:notesSz cx="6858000" cy="9144000"/>
@@ -198,7 +199,7 @@
               <a:cs typeface="+mn-cs"/>
             </a:defRPr>
           </a:pPr>
-          <a:endParaRPr lang="en-US"/>
+          <a:endParaRPr lang="en-GB"/>
         </a:p>
       </c:txPr>
     </c:title>
@@ -715,7 +716,7 @@
               <a:cs typeface="+mn-cs"/>
             </a:defRPr>
           </a:pPr>
-          <a:endParaRPr lang="en-US"/>
+          <a:endParaRPr lang="en-GB"/>
         </a:p>
       </c:txPr>
     </c:title>
@@ -1217,7 +1218,7 @@
               <a:cs typeface="+mn-cs"/>
             </a:defRPr>
           </a:pPr>
-          <a:endParaRPr lang="en-US"/>
+          <a:endParaRPr lang="en-GB"/>
         </a:p>
       </c:txPr>
     </c:title>
@@ -3425,6 +3426,3287 @@
 </cs:chartStyle>
 </file>
 
+<file path=ppt/diagrams/colors1.xml><?xml version="1.0" encoding="utf-8"?>
+<dgm:colorsDef xmlns:dgm="http://schemas.openxmlformats.org/drawingml/2006/diagram" xmlns:a="http://schemas.openxmlformats.org/drawingml/2006/main" uniqueId="urn:microsoft.com/office/officeart/2005/8/colors/accent4_1">
+  <dgm:title val=""/>
+  <dgm:desc val=""/>
+  <dgm:catLst>
+    <dgm:cat type="accent4" pri="11100"/>
+  </dgm:catLst>
+  <dgm:styleLbl name="node0">
+    <dgm:fillClrLst meth="repeat">
+      <a:schemeClr val="lt1"/>
+    </dgm:fillClrLst>
+    <dgm:linClrLst meth="repeat">
+      <a:schemeClr val="accent4">
+        <a:shade val="80000"/>
+      </a:schemeClr>
+    </dgm:linClrLst>
+    <dgm:effectClrLst/>
+    <dgm:txLinClrLst/>
+    <dgm:txFillClrLst meth="repeat">
+      <a:schemeClr val="dk1"/>
+    </dgm:txFillClrLst>
+    <dgm:txEffectClrLst/>
+  </dgm:styleLbl>
+  <dgm:styleLbl name="node1">
+    <dgm:fillClrLst meth="repeat">
+      <a:schemeClr val="lt1"/>
+    </dgm:fillClrLst>
+    <dgm:linClrLst meth="repeat">
+      <a:schemeClr val="accent4">
+        <a:shade val="80000"/>
+      </a:schemeClr>
+    </dgm:linClrLst>
+    <dgm:effectClrLst/>
+    <dgm:txLinClrLst/>
+    <dgm:txFillClrLst meth="repeat">
+      <a:schemeClr val="dk1"/>
+    </dgm:txFillClrLst>
+    <dgm:txEffectClrLst/>
+  </dgm:styleLbl>
+  <dgm:styleLbl name="alignNode1">
+    <dgm:fillClrLst meth="repeat">
+      <a:schemeClr val="lt1"/>
+    </dgm:fillClrLst>
+    <dgm:linClrLst meth="repeat">
+      <a:schemeClr val="accent4">
+        <a:shade val="80000"/>
+      </a:schemeClr>
+    </dgm:linClrLst>
+    <dgm:effectClrLst/>
+    <dgm:txLinClrLst/>
+    <dgm:txFillClrLst meth="repeat">
+      <a:schemeClr val="dk1"/>
+    </dgm:txFillClrLst>
+    <dgm:txEffectClrLst/>
+  </dgm:styleLbl>
+  <dgm:styleLbl name="lnNode1">
+    <dgm:fillClrLst meth="repeat">
+      <a:schemeClr val="lt1"/>
+    </dgm:fillClrLst>
+    <dgm:linClrLst meth="repeat">
+      <a:schemeClr val="accent4">
+        <a:shade val="80000"/>
+      </a:schemeClr>
+    </dgm:linClrLst>
+    <dgm:effectClrLst/>
+    <dgm:txLinClrLst/>
+    <dgm:txFillClrLst meth="repeat">
+      <a:schemeClr val="dk1"/>
+    </dgm:txFillClrLst>
+    <dgm:txEffectClrLst/>
+  </dgm:styleLbl>
+  <dgm:styleLbl name="vennNode1">
+    <dgm:fillClrLst meth="repeat">
+      <a:schemeClr val="lt1">
+        <a:alpha val="50000"/>
+      </a:schemeClr>
+    </dgm:fillClrLst>
+    <dgm:linClrLst meth="repeat">
+      <a:schemeClr val="accent4">
+        <a:shade val="80000"/>
+      </a:schemeClr>
+    </dgm:linClrLst>
+    <dgm:effectClrLst/>
+    <dgm:txLinClrLst/>
+    <dgm:txFillClrLst/>
+    <dgm:txEffectClrLst/>
+  </dgm:styleLbl>
+  <dgm:styleLbl name="node2">
+    <dgm:fillClrLst meth="repeat">
+      <a:schemeClr val="lt1"/>
+    </dgm:fillClrLst>
+    <dgm:linClrLst meth="repeat">
+      <a:schemeClr val="accent4">
+        <a:shade val="80000"/>
+      </a:schemeClr>
+    </dgm:linClrLst>
+    <dgm:effectClrLst/>
+    <dgm:txLinClrLst/>
+    <dgm:txFillClrLst meth="repeat">
+      <a:schemeClr val="dk1"/>
+    </dgm:txFillClrLst>
+    <dgm:txEffectClrLst/>
+  </dgm:styleLbl>
+  <dgm:styleLbl name="node3">
+    <dgm:fillClrLst meth="repeat">
+      <a:schemeClr val="lt1"/>
+    </dgm:fillClrLst>
+    <dgm:linClrLst meth="repeat">
+      <a:schemeClr val="accent4">
+        <a:shade val="80000"/>
+      </a:schemeClr>
+    </dgm:linClrLst>
+    <dgm:effectClrLst/>
+    <dgm:txLinClrLst/>
+    <dgm:txFillClrLst meth="repeat">
+      <a:schemeClr val="dk1"/>
+    </dgm:txFillClrLst>
+    <dgm:txEffectClrLst/>
+  </dgm:styleLbl>
+  <dgm:styleLbl name="node4">
+    <dgm:fillClrLst meth="repeat">
+      <a:schemeClr val="lt1"/>
+    </dgm:fillClrLst>
+    <dgm:linClrLst meth="repeat">
+      <a:schemeClr val="accent4">
+        <a:shade val="80000"/>
+      </a:schemeClr>
+    </dgm:linClrLst>
+    <dgm:effectClrLst/>
+    <dgm:txLinClrLst/>
+    <dgm:txFillClrLst meth="repeat">
+      <a:schemeClr val="dk1"/>
+    </dgm:txFillClrLst>
+    <dgm:txEffectClrLst/>
+  </dgm:styleLbl>
+  <dgm:styleLbl name="fgImgPlace1">
+    <dgm:fillClrLst meth="repeat">
+      <a:schemeClr val="accent4">
+        <a:tint val="40000"/>
+      </a:schemeClr>
+    </dgm:fillClrLst>
+    <dgm:linClrLst meth="repeat">
+      <a:schemeClr val="accent4">
+        <a:shade val="80000"/>
+      </a:schemeClr>
+    </dgm:linClrLst>
+    <dgm:effectClrLst/>
+    <dgm:txLinClrLst/>
+    <dgm:txFillClrLst meth="repeat">
+      <a:schemeClr val="lt1"/>
+    </dgm:txFillClrLst>
+    <dgm:txEffectClrLst/>
+  </dgm:styleLbl>
+  <dgm:styleLbl name="alignImgPlace1">
+    <dgm:fillClrLst meth="repeat">
+      <a:schemeClr val="accent4">
+        <a:tint val="40000"/>
+      </a:schemeClr>
+    </dgm:fillClrLst>
+    <dgm:linClrLst meth="repeat">
+      <a:schemeClr val="accent4">
+        <a:shade val="80000"/>
+      </a:schemeClr>
+    </dgm:linClrLst>
+    <dgm:effectClrLst/>
+    <dgm:txLinClrLst/>
+    <dgm:txFillClrLst meth="repeat">
+      <a:schemeClr val="lt1"/>
+    </dgm:txFillClrLst>
+    <dgm:txEffectClrLst/>
+  </dgm:styleLbl>
+  <dgm:styleLbl name="bgImgPlace1">
+    <dgm:fillClrLst meth="repeat">
+      <a:schemeClr val="accent4">
+        <a:tint val="40000"/>
+      </a:schemeClr>
+    </dgm:fillClrLst>
+    <dgm:linClrLst meth="repeat">
+      <a:schemeClr val="accent4">
+        <a:shade val="80000"/>
+      </a:schemeClr>
+    </dgm:linClrLst>
+    <dgm:effectClrLst/>
+    <dgm:txLinClrLst/>
+    <dgm:txFillClrLst meth="repeat">
+      <a:schemeClr val="lt1"/>
+    </dgm:txFillClrLst>
+    <dgm:txEffectClrLst/>
+  </dgm:styleLbl>
+  <dgm:styleLbl name="sibTrans2D1">
+    <dgm:fillClrLst meth="repeat">
+      <a:schemeClr val="accent4">
+        <a:tint val="60000"/>
+      </a:schemeClr>
+    </dgm:fillClrLst>
+    <dgm:linClrLst meth="repeat">
+      <a:schemeClr val="accent4">
+        <a:tint val="60000"/>
+      </a:schemeClr>
+    </dgm:linClrLst>
+    <dgm:effectClrLst/>
+    <dgm:txLinClrLst/>
+    <dgm:txFillClrLst meth="repeat">
+      <a:schemeClr val="dk1"/>
+    </dgm:txFillClrLst>
+    <dgm:txEffectClrLst/>
+  </dgm:styleLbl>
+  <dgm:styleLbl name="fgSibTrans2D1">
+    <dgm:fillClrLst meth="repeat">
+      <a:schemeClr val="accent4">
+        <a:tint val="60000"/>
+      </a:schemeClr>
+    </dgm:fillClrLst>
+    <dgm:linClrLst meth="repeat">
+      <a:schemeClr val="accent4">
+        <a:tint val="60000"/>
+      </a:schemeClr>
+    </dgm:linClrLst>
+    <dgm:effectClrLst/>
+    <dgm:txLinClrLst/>
+    <dgm:txFillClrLst meth="repeat">
+      <a:schemeClr val="dk1"/>
+    </dgm:txFillClrLst>
+    <dgm:txEffectClrLst/>
+  </dgm:styleLbl>
+  <dgm:styleLbl name="bgSibTrans2D1">
+    <dgm:fillClrLst meth="repeat">
+      <a:schemeClr val="accent4">
+        <a:tint val="60000"/>
+      </a:schemeClr>
+    </dgm:fillClrLst>
+    <dgm:linClrLst meth="repeat">
+      <a:schemeClr val="accent4">
+        <a:tint val="60000"/>
+      </a:schemeClr>
+    </dgm:linClrLst>
+    <dgm:effectClrLst/>
+    <dgm:txLinClrLst/>
+    <dgm:txFillClrLst meth="repeat">
+      <a:schemeClr val="dk1"/>
+    </dgm:txFillClrLst>
+    <dgm:txEffectClrLst/>
+  </dgm:styleLbl>
+  <dgm:styleLbl name="sibTrans1D1">
+    <dgm:fillClrLst meth="repeat">
+      <a:schemeClr val="accent4"/>
+    </dgm:fillClrLst>
+    <dgm:linClrLst meth="repeat">
+      <a:schemeClr val="accent4"/>
+    </dgm:linClrLst>
+    <dgm:effectClrLst/>
+    <dgm:txLinClrLst/>
+    <dgm:txFillClrLst meth="repeat">
+      <a:schemeClr val="tx1"/>
+    </dgm:txFillClrLst>
+    <dgm:txEffectClrLst/>
+  </dgm:styleLbl>
+  <dgm:styleLbl name="callout">
+    <dgm:fillClrLst meth="repeat">
+      <a:schemeClr val="accent4"/>
+    </dgm:fillClrLst>
+    <dgm:linClrLst meth="repeat">
+      <a:schemeClr val="accent4"/>
+    </dgm:linClrLst>
+    <dgm:effectClrLst/>
+    <dgm:txLinClrLst/>
+    <dgm:txFillClrLst meth="repeat">
+      <a:schemeClr val="tx1"/>
+    </dgm:txFillClrLst>
+    <dgm:txEffectClrLst/>
+  </dgm:styleLbl>
+  <dgm:styleLbl name="asst0">
+    <dgm:fillClrLst meth="repeat">
+      <a:schemeClr val="lt1"/>
+    </dgm:fillClrLst>
+    <dgm:linClrLst meth="repeat">
+      <a:schemeClr val="accent4">
+        <a:shade val="80000"/>
+      </a:schemeClr>
+    </dgm:linClrLst>
+    <dgm:effectClrLst/>
+    <dgm:txLinClrLst/>
+    <dgm:txFillClrLst meth="repeat">
+      <a:schemeClr val="dk1"/>
+    </dgm:txFillClrLst>
+    <dgm:txEffectClrLst/>
+  </dgm:styleLbl>
+  <dgm:styleLbl name="asst1">
+    <dgm:fillClrLst meth="repeat">
+      <a:schemeClr val="lt1"/>
+    </dgm:fillClrLst>
+    <dgm:linClrLst meth="repeat">
+      <a:schemeClr val="accent4">
+        <a:shade val="80000"/>
+      </a:schemeClr>
+    </dgm:linClrLst>
+    <dgm:effectClrLst/>
+    <dgm:txLinClrLst/>
+    <dgm:txFillClrLst meth="repeat">
+      <a:schemeClr val="dk1"/>
+    </dgm:txFillClrLst>
+    <dgm:txEffectClrLst/>
+  </dgm:styleLbl>
+  <dgm:styleLbl name="asst2">
+    <dgm:fillClrLst meth="repeat">
+      <a:schemeClr val="lt1"/>
+    </dgm:fillClrLst>
+    <dgm:linClrLst meth="repeat">
+      <a:schemeClr val="accent4">
+        <a:shade val="80000"/>
+      </a:schemeClr>
+    </dgm:linClrLst>
+    <dgm:effectClrLst/>
+    <dgm:txLinClrLst/>
+    <dgm:txFillClrLst meth="repeat">
+      <a:schemeClr val="dk1"/>
+    </dgm:txFillClrLst>
+    <dgm:txEffectClrLst/>
+  </dgm:styleLbl>
+  <dgm:styleLbl name="asst3">
+    <dgm:fillClrLst meth="repeat">
+      <a:schemeClr val="lt1"/>
+    </dgm:fillClrLst>
+    <dgm:linClrLst meth="repeat">
+      <a:schemeClr val="accent4">
+        <a:shade val="80000"/>
+      </a:schemeClr>
+    </dgm:linClrLst>
+    <dgm:effectClrLst/>
+    <dgm:txLinClrLst/>
+    <dgm:txFillClrLst meth="repeat">
+      <a:schemeClr val="dk1"/>
+    </dgm:txFillClrLst>
+    <dgm:txEffectClrLst/>
+  </dgm:styleLbl>
+  <dgm:styleLbl name="asst4">
+    <dgm:fillClrLst meth="repeat">
+      <a:schemeClr val="lt1"/>
+    </dgm:fillClrLst>
+    <dgm:linClrLst meth="repeat">
+      <a:schemeClr val="accent4">
+        <a:shade val="80000"/>
+      </a:schemeClr>
+    </dgm:linClrLst>
+    <dgm:effectClrLst/>
+    <dgm:txLinClrLst/>
+    <dgm:txFillClrLst meth="repeat">
+      <a:schemeClr val="dk1"/>
+    </dgm:txFillClrLst>
+    <dgm:txEffectClrLst/>
+  </dgm:styleLbl>
+  <dgm:styleLbl name="parChTrans2D1">
+    <dgm:fillClrLst meth="repeat">
+      <a:schemeClr val="accent4">
+        <a:tint val="60000"/>
+      </a:schemeClr>
+    </dgm:fillClrLst>
+    <dgm:linClrLst meth="repeat">
+      <a:schemeClr val="accent4">
+        <a:tint val="60000"/>
+      </a:schemeClr>
+    </dgm:linClrLst>
+    <dgm:effectClrLst/>
+    <dgm:txLinClrLst/>
+    <dgm:txFillClrLst/>
+    <dgm:txEffectClrLst/>
+  </dgm:styleLbl>
+  <dgm:styleLbl name="parChTrans2D2">
+    <dgm:fillClrLst meth="repeat">
+      <a:schemeClr val="accent4"/>
+    </dgm:fillClrLst>
+    <dgm:linClrLst meth="repeat">
+      <a:schemeClr val="accent4"/>
+    </dgm:linClrLst>
+    <dgm:effectClrLst/>
+    <dgm:txLinClrLst/>
+    <dgm:txFillClrLst/>
+    <dgm:txEffectClrLst/>
+  </dgm:styleLbl>
+  <dgm:styleLbl name="parChTrans2D3">
+    <dgm:fillClrLst meth="repeat">
+      <a:schemeClr val="accent4"/>
+    </dgm:fillClrLst>
+    <dgm:linClrLst meth="repeat">
+      <a:schemeClr val="accent4"/>
+    </dgm:linClrLst>
+    <dgm:effectClrLst/>
+    <dgm:txLinClrLst/>
+    <dgm:txFillClrLst/>
+    <dgm:txEffectClrLst/>
+  </dgm:styleLbl>
+  <dgm:styleLbl name="parChTrans2D4">
+    <dgm:fillClrLst meth="repeat">
+      <a:schemeClr val="accent4"/>
+    </dgm:fillClrLst>
+    <dgm:linClrLst meth="repeat">
+      <a:schemeClr val="accent4"/>
+    </dgm:linClrLst>
+    <dgm:effectClrLst/>
+    <dgm:txLinClrLst/>
+    <dgm:txFillClrLst meth="repeat">
+      <a:schemeClr val="lt1"/>
+    </dgm:txFillClrLst>
+    <dgm:txEffectClrLst/>
+  </dgm:styleLbl>
+  <dgm:styleLbl name="parChTrans1D1">
+    <dgm:fillClrLst meth="repeat">
+      <a:schemeClr val="accent4"/>
+    </dgm:fillClrLst>
+    <dgm:linClrLst meth="repeat">
+      <a:schemeClr val="accent4">
+        <a:shade val="60000"/>
+      </a:schemeClr>
+    </dgm:linClrLst>
+    <dgm:effectClrLst/>
+    <dgm:txLinClrLst/>
+    <dgm:txFillClrLst meth="repeat">
+      <a:schemeClr val="tx1"/>
+    </dgm:txFillClrLst>
+    <dgm:txEffectClrLst/>
+  </dgm:styleLbl>
+  <dgm:styleLbl name="parChTrans1D2">
+    <dgm:fillClrLst meth="repeat">
+      <a:schemeClr val="accent4"/>
+    </dgm:fillClrLst>
+    <dgm:linClrLst meth="repeat">
+      <a:schemeClr val="accent4">
+        <a:shade val="60000"/>
+      </a:schemeClr>
+    </dgm:linClrLst>
+    <dgm:effectClrLst/>
+    <dgm:txLinClrLst/>
+    <dgm:txFillClrLst meth="repeat">
+      <a:schemeClr val="tx1"/>
+    </dgm:txFillClrLst>
+    <dgm:txEffectClrLst/>
+  </dgm:styleLbl>
+  <dgm:styleLbl name="parChTrans1D3">
+    <dgm:fillClrLst meth="repeat">
+      <a:schemeClr val="accent4"/>
+    </dgm:fillClrLst>
+    <dgm:linClrLst meth="repeat">
+      <a:schemeClr val="accent4">
+        <a:shade val="80000"/>
+      </a:schemeClr>
+    </dgm:linClrLst>
+    <dgm:effectClrLst/>
+    <dgm:txLinClrLst/>
+    <dgm:txFillClrLst meth="repeat">
+      <a:schemeClr val="tx1"/>
+    </dgm:txFillClrLst>
+    <dgm:txEffectClrLst/>
+  </dgm:styleLbl>
+  <dgm:styleLbl name="parChTrans1D4">
+    <dgm:fillClrLst meth="repeat">
+      <a:schemeClr val="accent4"/>
+    </dgm:fillClrLst>
+    <dgm:linClrLst meth="repeat">
+      <a:schemeClr val="accent4">
+        <a:shade val="80000"/>
+      </a:schemeClr>
+    </dgm:linClrLst>
+    <dgm:effectClrLst/>
+    <dgm:txLinClrLst/>
+    <dgm:txFillClrLst meth="repeat">
+      <a:schemeClr val="tx1"/>
+    </dgm:txFillClrLst>
+    <dgm:txEffectClrLst/>
+  </dgm:styleLbl>
+  <dgm:styleLbl name="fgAcc1">
+    <dgm:fillClrLst meth="repeat">
+      <a:schemeClr val="accent4">
+        <a:alpha val="90000"/>
+        <a:tint val="40000"/>
+      </a:schemeClr>
+    </dgm:fillClrLst>
+    <dgm:linClrLst meth="repeat">
+      <a:schemeClr val="accent4"/>
+    </dgm:linClrLst>
+    <dgm:effectClrLst/>
+    <dgm:txLinClrLst/>
+    <dgm:txFillClrLst meth="repeat">
+      <a:schemeClr val="dk1"/>
+    </dgm:txFillClrLst>
+    <dgm:txEffectClrLst/>
+  </dgm:styleLbl>
+  <dgm:styleLbl name="conFgAcc1">
+    <dgm:fillClrLst meth="repeat">
+      <a:schemeClr val="accent4">
+        <a:alpha val="90000"/>
+        <a:tint val="40000"/>
+      </a:schemeClr>
+    </dgm:fillClrLst>
+    <dgm:linClrLst meth="repeat">
+      <a:schemeClr val="accent4"/>
+    </dgm:linClrLst>
+    <dgm:effectClrLst/>
+    <dgm:txLinClrLst/>
+    <dgm:txFillClrLst meth="repeat">
+      <a:schemeClr val="dk1"/>
+    </dgm:txFillClrLst>
+    <dgm:txEffectClrLst/>
+  </dgm:styleLbl>
+  <dgm:styleLbl name="alignAcc1">
+    <dgm:fillClrLst meth="repeat">
+      <a:schemeClr val="accent4">
+        <a:alpha val="90000"/>
+        <a:tint val="40000"/>
+      </a:schemeClr>
+    </dgm:fillClrLst>
+    <dgm:linClrLst meth="repeat">
+      <a:schemeClr val="accent4"/>
+    </dgm:linClrLst>
+    <dgm:effectClrLst/>
+    <dgm:txLinClrLst/>
+    <dgm:txFillClrLst meth="repeat">
+      <a:schemeClr val="dk1"/>
+    </dgm:txFillClrLst>
+    <dgm:txEffectClrLst/>
+  </dgm:styleLbl>
+  <dgm:styleLbl name="trAlignAcc1">
+    <dgm:fillClrLst meth="repeat">
+      <a:schemeClr val="accent4">
+        <a:alpha val="40000"/>
+        <a:tint val="40000"/>
+      </a:schemeClr>
+    </dgm:fillClrLst>
+    <dgm:linClrLst meth="repeat">
+      <a:schemeClr val="accent4"/>
+    </dgm:linClrLst>
+    <dgm:effectClrLst/>
+    <dgm:txLinClrLst/>
+    <dgm:txFillClrLst meth="repeat">
+      <a:schemeClr val="dk1"/>
+    </dgm:txFillClrLst>
+    <dgm:txEffectClrLst/>
+  </dgm:styleLbl>
+  <dgm:styleLbl name="bgAcc1">
+    <dgm:fillClrLst meth="repeat">
+      <a:schemeClr val="accent4">
+        <a:alpha val="90000"/>
+        <a:tint val="40000"/>
+      </a:schemeClr>
+    </dgm:fillClrLst>
+    <dgm:linClrLst meth="repeat">
+      <a:schemeClr val="accent4"/>
+    </dgm:linClrLst>
+    <dgm:effectClrLst/>
+    <dgm:txLinClrLst/>
+    <dgm:txFillClrLst meth="repeat">
+      <a:schemeClr val="dk1"/>
+    </dgm:txFillClrLst>
+    <dgm:txEffectClrLst/>
+  </dgm:styleLbl>
+  <dgm:styleLbl name="solidFgAcc1">
+    <dgm:fillClrLst meth="repeat">
+      <a:schemeClr val="lt1"/>
+    </dgm:fillClrLst>
+    <dgm:linClrLst meth="repeat">
+      <a:schemeClr val="accent4"/>
+    </dgm:linClrLst>
+    <dgm:effectClrLst/>
+    <dgm:txLinClrLst/>
+    <dgm:txFillClrLst meth="repeat">
+      <a:schemeClr val="dk1"/>
+    </dgm:txFillClrLst>
+    <dgm:txEffectClrLst/>
+  </dgm:styleLbl>
+  <dgm:styleLbl name="solidAlignAcc1">
+    <dgm:fillClrLst meth="repeat">
+      <a:schemeClr val="lt1"/>
+    </dgm:fillClrLst>
+    <dgm:linClrLst meth="repeat">
+      <a:schemeClr val="accent4"/>
+    </dgm:linClrLst>
+    <dgm:effectClrLst/>
+    <dgm:txLinClrLst/>
+    <dgm:txFillClrLst meth="repeat">
+      <a:schemeClr val="dk1"/>
+    </dgm:txFillClrLst>
+    <dgm:txEffectClrLst/>
+  </dgm:styleLbl>
+  <dgm:styleLbl name="solidBgAcc1">
+    <dgm:fillClrLst meth="repeat">
+      <a:schemeClr val="lt1"/>
+    </dgm:fillClrLst>
+    <dgm:linClrLst meth="repeat">
+      <a:schemeClr val="accent4"/>
+    </dgm:linClrLst>
+    <dgm:effectClrLst/>
+    <dgm:txLinClrLst/>
+    <dgm:txFillClrLst meth="repeat">
+      <a:schemeClr val="dk1"/>
+    </dgm:txFillClrLst>
+    <dgm:txEffectClrLst/>
+  </dgm:styleLbl>
+  <dgm:styleLbl name="fgAccFollowNode1">
+    <dgm:fillClrLst meth="repeat">
+      <a:schemeClr val="lt1">
+        <a:alpha val="90000"/>
+        <a:tint val="40000"/>
+      </a:schemeClr>
+    </dgm:fillClrLst>
+    <dgm:linClrLst meth="repeat">
+      <a:schemeClr val="accent4">
+        <a:alpha val="90000"/>
+      </a:schemeClr>
+    </dgm:linClrLst>
+    <dgm:effectClrLst/>
+    <dgm:txLinClrLst/>
+    <dgm:txFillClrLst meth="repeat">
+      <a:schemeClr val="dk1"/>
+    </dgm:txFillClrLst>
+    <dgm:txEffectClrLst/>
+  </dgm:styleLbl>
+  <dgm:styleLbl name="alignAccFollowNode1">
+    <dgm:fillClrLst meth="repeat">
+      <a:schemeClr val="lt1">
+        <a:alpha val="90000"/>
+        <a:tint val="40000"/>
+      </a:schemeClr>
+    </dgm:fillClrLst>
+    <dgm:linClrLst meth="repeat">
+      <a:schemeClr val="accent4">
+        <a:alpha val="90000"/>
+      </a:schemeClr>
+    </dgm:linClrLst>
+    <dgm:effectClrLst/>
+    <dgm:txLinClrLst/>
+    <dgm:txFillClrLst meth="repeat">
+      <a:schemeClr val="dk1"/>
+    </dgm:txFillClrLst>
+    <dgm:txEffectClrLst/>
+  </dgm:styleLbl>
+  <dgm:styleLbl name="bgAccFollowNode1">
+    <dgm:fillClrLst meth="repeat">
+      <a:schemeClr val="lt1">
+        <a:alpha val="90000"/>
+        <a:tint val="40000"/>
+      </a:schemeClr>
+    </dgm:fillClrLst>
+    <dgm:linClrLst meth="repeat">
+      <a:schemeClr val="accent4">
+        <a:alpha val="90000"/>
+      </a:schemeClr>
+    </dgm:linClrLst>
+    <dgm:effectClrLst/>
+    <dgm:txLinClrLst/>
+    <dgm:txFillClrLst meth="repeat">
+      <a:schemeClr val="dk1"/>
+    </dgm:txFillClrLst>
+    <dgm:txEffectClrLst/>
+  </dgm:styleLbl>
+  <dgm:styleLbl name="fgAcc0">
+    <dgm:fillClrLst meth="repeat">
+      <a:schemeClr val="accent4">
+        <a:alpha val="90000"/>
+        <a:tint val="40000"/>
+      </a:schemeClr>
+    </dgm:fillClrLst>
+    <dgm:linClrLst meth="repeat">
+      <a:schemeClr val="accent4"/>
+    </dgm:linClrLst>
+    <dgm:effectClrLst/>
+    <dgm:txLinClrLst/>
+    <dgm:txFillClrLst meth="repeat">
+      <a:schemeClr val="dk1"/>
+    </dgm:txFillClrLst>
+    <dgm:txEffectClrLst/>
+  </dgm:styleLbl>
+  <dgm:styleLbl name="fgAcc2">
+    <dgm:fillClrLst meth="repeat">
+      <a:schemeClr val="accent4">
+        <a:alpha val="90000"/>
+        <a:tint val="40000"/>
+      </a:schemeClr>
+    </dgm:fillClrLst>
+    <dgm:linClrLst meth="repeat">
+      <a:schemeClr val="accent4"/>
+    </dgm:linClrLst>
+    <dgm:effectClrLst/>
+    <dgm:txLinClrLst/>
+    <dgm:txFillClrLst meth="repeat">
+      <a:schemeClr val="dk1"/>
+    </dgm:txFillClrLst>
+    <dgm:txEffectClrLst/>
+  </dgm:styleLbl>
+  <dgm:styleLbl name="fgAcc3">
+    <dgm:fillClrLst meth="repeat">
+      <a:schemeClr val="accent4">
+        <a:alpha val="90000"/>
+        <a:tint val="40000"/>
+      </a:schemeClr>
+    </dgm:fillClrLst>
+    <dgm:linClrLst meth="repeat">
+      <a:schemeClr val="accent4"/>
+    </dgm:linClrLst>
+    <dgm:effectClrLst/>
+    <dgm:txLinClrLst/>
+    <dgm:txFillClrLst meth="repeat">
+      <a:schemeClr val="dk1"/>
+    </dgm:txFillClrLst>
+    <dgm:txEffectClrLst/>
+  </dgm:styleLbl>
+  <dgm:styleLbl name="fgAcc4">
+    <dgm:fillClrLst meth="repeat">
+      <a:schemeClr val="accent4">
+        <a:alpha val="90000"/>
+        <a:tint val="40000"/>
+      </a:schemeClr>
+    </dgm:fillClrLst>
+    <dgm:linClrLst meth="repeat">
+      <a:schemeClr val="accent4"/>
+    </dgm:linClrLst>
+    <dgm:effectClrLst/>
+    <dgm:txLinClrLst/>
+    <dgm:txFillClrLst meth="repeat">
+      <a:schemeClr val="dk1"/>
+    </dgm:txFillClrLst>
+    <dgm:txEffectClrLst/>
+  </dgm:styleLbl>
+  <dgm:styleLbl name="bgShp">
+    <dgm:fillClrLst meth="repeat">
+      <a:schemeClr val="accent4">
+        <a:tint val="40000"/>
+      </a:schemeClr>
+    </dgm:fillClrLst>
+    <dgm:linClrLst meth="repeat">
+      <a:schemeClr val="accent4"/>
+    </dgm:linClrLst>
+    <dgm:effectClrLst/>
+    <dgm:txLinClrLst/>
+    <dgm:txFillClrLst meth="repeat">
+      <a:schemeClr val="dk1"/>
+    </dgm:txFillClrLst>
+    <dgm:txEffectClrLst/>
+  </dgm:styleLbl>
+  <dgm:styleLbl name="dkBgShp">
+    <dgm:fillClrLst meth="repeat">
+      <a:schemeClr val="accent4">
+        <a:shade val="80000"/>
+      </a:schemeClr>
+    </dgm:fillClrLst>
+    <dgm:linClrLst meth="repeat">
+      <a:schemeClr val="accent4"/>
+    </dgm:linClrLst>
+    <dgm:effectClrLst/>
+    <dgm:txLinClrLst/>
+    <dgm:txFillClrLst meth="repeat">
+      <a:schemeClr val="lt1"/>
+    </dgm:txFillClrLst>
+    <dgm:txEffectClrLst/>
+  </dgm:styleLbl>
+  <dgm:styleLbl name="trBgShp">
+    <dgm:fillClrLst meth="repeat">
+      <a:schemeClr val="accent4">
+        <a:tint val="50000"/>
+        <a:alpha val="40000"/>
+      </a:schemeClr>
+    </dgm:fillClrLst>
+    <dgm:linClrLst meth="repeat">
+      <a:schemeClr val="accent4"/>
+    </dgm:linClrLst>
+    <dgm:effectClrLst/>
+    <dgm:txLinClrLst/>
+    <dgm:txFillClrLst meth="repeat">
+      <a:schemeClr val="lt1"/>
+    </dgm:txFillClrLst>
+    <dgm:txEffectClrLst/>
+  </dgm:styleLbl>
+  <dgm:styleLbl name="fgShp">
+    <dgm:fillClrLst meth="repeat">
+      <a:schemeClr val="accent4">
+        <a:tint val="60000"/>
+      </a:schemeClr>
+    </dgm:fillClrLst>
+    <dgm:linClrLst meth="repeat">
+      <a:schemeClr val="lt1"/>
+    </dgm:linClrLst>
+    <dgm:effectClrLst/>
+    <dgm:txLinClrLst/>
+    <dgm:txFillClrLst meth="repeat">
+      <a:schemeClr val="dk1"/>
+    </dgm:txFillClrLst>
+    <dgm:txEffectClrLst/>
+  </dgm:styleLbl>
+  <dgm:styleLbl name="revTx">
+    <dgm:fillClrLst meth="repeat">
+      <a:schemeClr val="lt1">
+        <a:alpha val="0"/>
+      </a:schemeClr>
+    </dgm:fillClrLst>
+    <dgm:linClrLst meth="repeat">
+      <a:schemeClr val="dk1">
+        <a:alpha val="0"/>
+      </a:schemeClr>
+    </dgm:linClrLst>
+    <dgm:effectClrLst/>
+    <dgm:txLinClrLst/>
+    <dgm:txFillClrLst meth="repeat">
+      <a:schemeClr val="tx1"/>
+    </dgm:txFillClrLst>
+    <dgm:txEffectClrLst/>
+  </dgm:styleLbl>
+</dgm:colorsDef>
+</file>
+
+<file path=ppt/diagrams/data1.xml><?xml version="1.0" encoding="utf-8"?>
+<dgm:dataModel xmlns:dgm="http://schemas.openxmlformats.org/drawingml/2006/diagram" xmlns:a="http://schemas.openxmlformats.org/drawingml/2006/main">
+  <dgm:ptLst>
+    <dgm:pt modelId="{F4A62909-5A44-8243-B7C4-BE4EE1451780}" type="doc">
+      <dgm:prSet loTypeId="urn:microsoft.com/office/officeart/2005/8/layout/vList4" loCatId="process" qsTypeId="urn:microsoft.com/office/officeart/2005/8/quickstyle/simple1" qsCatId="simple" csTypeId="urn:microsoft.com/office/officeart/2005/8/colors/accent4_1" csCatId="accent4" phldr="1"/>
+      <dgm:spPr/>
+      <dgm:t>
+        <a:bodyPr/>
+        <a:lstStyle/>
+        <a:p>
+          <a:endParaRPr lang="en-GB"/>
+        </a:p>
+      </dgm:t>
+    </dgm:pt>
+    <dgm:pt modelId="{C22D06FD-6855-A84A-A3E0-AB9B2FAE9301}">
+      <dgm:prSet/>
+      <dgm:spPr/>
+      <dgm:t>
+        <a:bodyPr/>
+        <a:lstStyle/>
+        <a:p>
+          <a:pPr>
+            <a:buNone/>
+          </a:pPr>
+          <a:r>
+            <a:rPr lang="en-GB" dirty="0">
+              <a:latin typeface="Avenir Book" panose="02000503020000020003" pitchFamily="2" charset="0"/>
+            </a:rPr>
+            <a:t>Patient Care</a:t>
+          </a:r>
+        </a:p>
+      </dgm:t>
+    </dgm:pt>
+    <dgm:pt modelId="{9E72C863-6B4B-8346-BD09-73850C11AA4C}" type="parTrans" cxnId="{7EEC7238-91D6-4B41-B8B6-CCBF3AAF538D}">
+      <dgm:prSet/>
+      <dgm:spPr/>
+      <dgm:t>
+        <a:bodyPr/>
+        <a:lstStyle/>
+        <a:p>
+          <a:endParaRPr lang="en-GB">
+            <a:latin typeface="Avenir Book" panose="02000503020000020003" pitchFamily="2" charset="0"/>
+          </a:endParaRPr>
+        </a:p>
+      </dgm:t>
+    </dgm:pt>
+    <dgm:pt modelId="{671D8B5C-4084-8C43-BEE4-0302C1FB19BD}" type="sibTrans" cxnId="{7EEC7238-91D6-4B41-B8B6-CCBF3AAF538D}">
+      <dgm:prSet/>
+      <dgm:spPr/>
+      <dgm:t>
+        <a:bodyPr/>
+        <a:lstStyle/>
+        <a:p>
+          <a:endParaRPr lang="en-GB">
+            <a:latin typeface="Avenir Book" panose="02000503020000020003" pitchFamily="2" charset="0"/>
+          </a:endParaRPr>
+        </a:p>
+      </dgm:t>
+    </dgm:pt>
+    <dgm:pt modelId="{D70DDDD0-979B-6D45-A912-F09C0304E5C1}">
+      <dgm:prSet/>
+      <dgm:spPr/>
+      <dgm:t>
+        <a:bodyPr/>
+        <a:lstStyle/>
+        <a:p>
+          <a:pPr>
+            <a:buNone/>
+          </a:pPr>
+          <a:r>
+            <a:rPr lang="en-GB" dirty="0">
+              <a:latin typeface="Avenir Book" panose="02000503020000020003" pitchFamily="2" charset="0"/>
+            </a:rPr>
+            <a:t>Therapeutics Development</a:t>
+          </a:r>
+        </a:p>
+      </dgm:t>
+    </dgm:pt>
+    <dgm:pt modelId="{C5F8115F-18B7-964C-9DC6-334BBDBE8BB1}" type="parTrans" cxnId="{9B22292C-0675-754A-B3BF-F55344627EEF}">
+      <dgm:prSet/>
+      <dgm:spPr/>
+      <dgm:t>
+        <a:bodyPr/>
+        <a:lstStyle/>
+        <a:p>
+          <a:endParaRPr lang="en-GB">
+            <a:latin typeface="Avenir Book" panose="02000503020000020003" pitchFamily="2" charset="0"/>
+          </a:endParaRPr>
+        </a:p>
+      </dgm:t>
+    </dgm:pt>
+    <dgm:pt modelId="{73DE7A80-23F4-E748-BAD1-441A69A8DEA8}" type="sibTrans" cxnId="{9B22292C-0675-754A-B3BF-F55344627EEF}">
+      <dgm:prSet/>
+      <dgm:spPr/>
+      <dgm:t>
+        <a:bodyPr/>
+        <a:lstStyle/>
+        <a:p>
+          <a:endParaRPr lang="en-GB">
+            <a:latin typeface="Avenir Book" panose="02000503020000020003" pitchFamily="2" charset="0"/>
+          </a:endParaRPr>
+        </a:p>
+      </dgm:t>
+    </dgm:pt>
+    <dgm:pt modelId="{104DCDA1-7AB1-D247-B424-B1A6DD73B203}">
+      <dgm:prSet/>
+      <dgm:spPr/>
+      <dgm:t>
+        <a:bodyPr/>
+        <a:lstStyle/>
+        <a:p>
+          <a:pPr>
+            <a:buFont typeface="Wingdings" pitchFamily="2" charset="2"/>
+            <a:buChar char="§"/>
+          </a:pPr>
+          <a:r>
+            <a:rPr lang="en-GB" dirty="0">
+              <a:latin typeface="Avenir Book" panose="02000503020000020003" pitchFamily="2" charset="0"/>
+            </a:rPr>
+            <a:t>Diagnosis</a:t>
+          </a:r>
+        </a:p>
+      </dgm:t>
+    </dgm:pt>
+    <dgm:pt modelId="{110C7BCA-3657-044A-AB5B-EF928641F79F}" type="parTrans" cxnId="{4187567E-1AF8-C04A-B127-D0DF93A8B3F4}">
+      <dgm:prSet/>
+      <dgm:spPr/>
+      <dgm:t>
+        <a:bodyPr/>
+        <a:lstStyle/>
+        <a:p>
+          <a:endParaRPr lang="en-GB">
+            <a:latin typeface="Avenir Book" panose="02000503020000020003" pitchFamily="2" charset="0"/>
+          </a:endParaRPr>
+        </a:p>
+      </dgm:t>
+    </dgm:pt>
+    <dgm:pt modelId="{3B613EB6-79A6-FD45-B0E7-670984A636D1}" type="sibTrans" cxnId="{4187567E-1AF8-C04A-B127-D0DF93A8B3F4}">
+      <dgm:prSet/>
+      <dgm:spPr/>
+      <dgm:t>
+        <a:bodyPr/>
+        <a:lstStyle/>
+        <a:p>
+          <a:endParaRPr lang="en-GB">
+            <a:latin typeface="Avenir Book" panose="02000503020000020003" pitchFamily="2" charset="0"/>
+          </a:endParaRPr>
+        </a:p>
+      </dgm:t>
+    </dgm:pt>
+    <dgm:pt modelId="{0B46D0A6-053F-7A4A-AD36-0FA843469EED}">
+      <dgm:prSet/>
+      <dgm:spPr/>
+      <dgm:t>
+        <a:bodyPr/>
+        <a:lstStyle/>
+        <a:p>
+          <a:pPr>
+            <a:buFont typeface="Wingdings" pitchFamily="2" charset="2"/>
+            <a:buChar char="§"/>
+          </a:pPr>
+          <a:r>
+            <a:rPr lang="en-GB" dirty="0">
+              <a:latin typeface="Avenir Book" panose="02000503020000020003" pitchFamily="2" charset="0"/>
+            </a:rPr>
+            <a:t>Prognosis</a:t>
+          </a:r>
+        </a:p>
+      </dgm:t>
+    </dgm:pt>
+    <dgm:pt modelId="{137852D0-7CE1-B34C-93E0-25DF8E92612B}" type="parTrans" cxnId="{D41FC491-75AC-7044-98A6-E76745256600}">
+      <dgm:prSet/>
+      <dgm:spPr/>
+      <dgm:t>
+        <a:bodyPr/>
+        <a:lstStyle/>
+        <a:p>
+          <a:endParaRPr lang="en-GB">
+            <a:latin typeface="Avenir Book" panose="02000503020000020003" pitchFamily="2" charset="0"/>
+          </a:endParaRPr>
+        </a:p>
+      </dgm:t>
+    </dgm:pt>
+    <dgm:pt modelId="{146D721F-2690-8648-B48C-1210F75C78A8}" type="sibTrans" cxnId="{D41FC491-75AC-7044-98A6-E76745256600}">
+      <dgm:prSet/>
+      <dgm:spPr/>
+      <dgm:t>
+        <a:bodyPr/>
+        <a:lstStyle/>
+        <a:p>
+          <a:endParaRPr lang="en-GB">
+            <a:latin typeface="Avenir Book" panose="02000503020000020003" pitchFamily="2" charset="0"/>
+          </a:endParaRPr>
+        </a:p>
+      </dgm:t>
+    </dgm:pt>
+    <dgm:pt modelId="{839A0CEA-95C2-5E4A-BD57-CE0D15EE4097}">
+      <dgm:prSet/>
+      <dgm:spPr/>
+      <dgm:t>
+        <a:bodyPr/>
+        <a:lstStyle/>
+        <a:p>
+          <a:pPr>
+            <a:buFont typeface="Wingdings" pitchFamily="2" charset="2"/>
+            <a:buChar char="§"/>
+          </a:pPr>
+          <a:r>
+            <a:rPr lang="en-GB" dirty="0">
+              <a:latin typeface="Avenir Book" panose="02000503020000020003" pitchFamily="2" charset="0"/>
+            </a:rPr>
+            <a:t>Treatment</a:t>
+          </a:r>
+        </a:p>
+      </dgm:t>
+    </dgm:pt>
+    <dgm:pt modelId="{BA598679-D54D-B040-994C-3916951DBB15}" type="parTrans" cxnId="{070379FC-1011-C146-BDD3-4E469D456AFC}">
+      <dgm:prSet/>
+      <dgm:spPr/>
+      <dgm:t>
+        <a:bodyPr/>
+        <a:lstStyle/>
+        <a:p>
+          <a:endParaRPr lang="en-GB">
+            <a:latin typeface="Avenir Book" panose="02000503020000020003" pitchFamily="2" charset="0"/>
+          </a:endParaRPr>
+        </a:p>
+      </dgm:t>
+    </dgm:pt>
+    <dgm:pt modelId="{F30927A0-9189-0C49-BD5F-DF30CB9273F1}" type="sibTrans" cxnId="{070379FC-1011-C146-BDD3-4E469D456AFC}">
+      <dgm:prSet/>
+      <dgm:spPr/>
+      <dgm:t>
+        <a:bodyPr/>
+        <a:lstStyle/>
+        <a:p>
+          <a:endParaRPr lang="en-GB">
+            <a:latin typeface="Avenir Book" panose="02000503020000020003" pitchFamily="2" charset="0"/>
+          </a:endParaRPr>
+        </a:p>
+      </dgm:t>
+    </dgm:pt>
+    <dgm:pt modelId="{E7A58A7C-B431-2544-9F59-02E113196A48}">
+      <dgm:prSet/>
+      <dgm:spPr/>
+      <dgm:t>
+        <a:bodyPr/>
+        <a:lstStyle/>
+        <a:p>
+          <a:pPr>
+            <a:buNone/>
+          </a:pPr>
+          <a:r>
+            <a:rPr lang="en-GB" dirty="0">
+              <a:latin typeface="Avenir Book" panose="02000503020000020003" pitchFamily="2" charset="0"/>
+            </a:rPr>
+            <a:t>Biological Discovery</a:t>
+          </a:r>
+        </a:p>
+      </dgm:t>
+    </dgm:pt>
+    <dgm:pt modelId="{EE296347-FB25-3044-8947-0B4665448D2F}" type="parTrans" cxnId="{CF768D80-26F1-7444-8D84-C1C3515AB8F3}">
+      <dgm:prSet/>
+      <dgm:spPr/>
+      <dgm:t>
+        <a:bodyPr/>
+        <a:lstStyle/>
+        <a:p>
+          <a:endParaRPr lang="en-GB">
+            <a:latin typeface="Avenir Book" panose="02000503020000020003" pitchFamily="2" charset="0"/>
+          </a:endParaRPr>
+        </a:p>
+      </dgm:t>
+    </dgm:pt>
+    <dgm:pt modelId="{815B767A-0733-5348-93EB-6953DCB90C5B}" type="sibTrans" cxnId="{CF768D80-26F1-7444-8D84-C1C3515AB8F3}">
+      <dgm:prSet/>
+      <dgm:spPr/>
+      <dgm:t>
+        <a:bodyPr/>
+        <a:lstStyle/>
+        <a:p>
+          <a:endParaRPr lang="en-GB">
+            <a:latin typeface="Avenir Book" panose="02000503020000020003" pitchFamily="2" charset="0"/>
+          </a:endParaRPr>
+        </a:p>
+      </dgm:t>
+    </dgm:pt>
+    <dgm:pt modelId="{4AA1EAF5-8451-764E-9B2F-88EB37175113}">
+      <dgm:prSet/>
+      <dgm:spPr/>
+      <dgm:t>
+        <a:bodyPr/>
+        <a:lstStyle/>
+        <a:p>
+          <a:pPr>
+            <a:buFont typeface="Wingdings" pitchFamily="2" charset="2"/>
+            <a:buChar char="§"/>
+          </a:pPr>
+          <a:r>
+            <a:rPr lang="en-GB" dirty="0">
+              <a:latin typeface="Avenir Book" panose="02000503020000020003" pitchFamily="2" charset="0"/>
+            </a:rPr>
+            <a:t>Multi-scale disease mechanisms</a:t>
+          </a:r>
+        </a:p>
+      </dgm:t>
+    </dgm:pt>
+    <dgm:pt modelId="{ECB2C306-6BEC-F648-B500-E9076554AB98}" type="parTrans" cxnId="{246CE2AA-A5F7-724D-8EFD-E94755C90D5D}">
+      <dgm:prSet/>
+      <dgm:spPr/>
+      <dgm:t>
+        <a:bodyPr/>
+        <a:lstStyle/>
+        <a:p>
+          <a:endParaRPr lang="en-GB">
+            <a:latin typeface="Avenir Book" panose="02000503020000020003" pitchFamily="2" charset="0"/>
+          </a:endParaRPr>
+        </a:p>
+      </dgm:t>
+    </dgm:pt>
+    <dgm:pt modelId="{70E46564-8CB4-0E47-AC40-736727CDF1DA}" type="sibTrans" cxnId="{246CE2AA-A5F7-724D-8EFD-E94755C90D5D}">
+      <dgm:prSet/>
+      <dgm:spPr/>
+      <dgm:t>
+        <a:bodyPr/>
+        <a:lstStyle/>
+        <a:p>
+          <a:endParaRPr lang="en-GB">
+            <a:latin typeface="Avenir Book" panose="02000503020000020003" pitchFamily="2" charset="0"/>
+          </a:endParaRPr>
+        </a:p>
+      </dgm:t>
+    </dgm:pt>
+    <dgm:pt modelId="{CF58A487-DAB3-3C42-B755-1DA5E58F7660}">
+      <dgm:prSet/>
+      <dgm:spPr/>
+      <dgm:t>
+        <a:bodyPr/>
+        <a:lstStyle/>
+        <a:p>
+          <a:pPr>
+            <a:buFont typeface="Wingdings" pitchFamily="2" charset="2"/>
+            <a:buChar char="§"/>
+          </a:pPr>
+          <a:r>
+            <a:rPr lang="en-GB" dirty="0">
+              <a:latin typeface="Avenir Book" panose="02000503020000020003" pitchFamily="2" charset="0"/>
+            </a:rPr>
+            <a:t>Models</a:t>
+          </a:r>
+        </a:p>
+      </dgm:t>
+    </dgm:pt>
+    <dgm:pt modelId="{08AF2577-0A76-7340-9DEF-872AB0ED5551}" type="parTrans" cxnId="{F9AACB7E-765E-E943-BFA5-7AAB714643BB}">
+      <dgm:prSet/>
+      <dgm:spPr/>
+      <dgm:t>
+        <a:bodyPr/>
+        <a:lstStyle/>
+        <a:p>
+          <a:endParaRPr lang="en-GB">
+            <a:latin typeface="Avenir Book" panose="02000503020000020003" pitchFamily="2" charset="0"/>
+          </a:endParaRPr>
+        </a:p>
+      </dgm:t>
+    </dgm:pt>
+    <dgm:pt modelId="{10FC5677-651E-C944-A5C9-F7CDC321A275}" type="sibTrans" cxnId="{F9AACB7E-765E-E943-BFA5-7AAB714643BB}">
+      <dgm:prSet/>
+      <dgm:spPr/>
+      <dgm:t>
+        <a:bodyPr/>
+        <a:lstStyle/>
+        <a:p>
+          <a:endParaRPr lang="en-GB">
+            <a:latin typeface="Avenir Book" panose="02000503020000020003" pitchFamily="2" charset="0"/>
+          </a:endParaRPr>
+        </a:p>
+      </dgm:t>
+    </dgm:pt>
+    <dgm:pt modelId="{65F67FFD-0600-CD44-BD71-E894AA576F87}">
+      <dgm:prSet/>
+      <dgm:spPr/>
+      <dgm:t>
+        <a:bodyPr/>
+        <a:lstStyle/>
+        <a:p>
+          <a:pPr>
+            <a:buFont typeface="Wingdings" pitchFamily="2" charset="2"/>
+            <a:buChar char="§"/>
+          </a:pPr>
+          <a:r>
+            <a:rPr lang="en-GB" dirty="0">
+              <a:latin typeface="Avenir Book" panose="02000503020000020003" pitchFamily="2" charset="0"/>
+            </a:rPr>
+            <a:t>Targets</a:t>
+          </a:r>
+        </a:p>
+      </dgm:t>
+    </dgm:pt>
+    <dgm:pt modelId="{75F028A1-A8F0-5149-BB56-F5403CD49252}" type="parTrans" cxnId="{2D52311D-9AD1-6046-8204-19AFB6BBDCEF}">
+      <dgm:prSet/>
+      <dgm:spPr/>
+      <dgm:t>
+        <a:bodyPr/>
+        <a:lstStyle/>
+        <a:p>
+          <a:endParaRPr lang="en-GB">
+            <a:latin typeface="Avenir Book" panose="02000503020000020003" pitchFamily="2" charset="0"/>
+          </a:endParaRPr>
+        </a:p>
+      </dgm:t>
+    </dgm:pt>
+    <dgm:pt modelId="{FFAB726E-5715-C64A-853E-CA578F2F11AD}" type="sibTrans" cxnId="{2D52311D-9AD1-6046-8204-19AFB6BBDCEF}">
+      <dgm:prSet/>
+      <dgm:spPr/>
+      <dgm:t>
+        <a:bodyPr/>
+        <a:lstStyle/>
+        <a:p>
+          <a:endParaRPr lang="en-GB">
+            <a:latin typeface="Avenir Book" panose="02000503020000020003" pitchFamily="2" charset="0"/>
+          </a:endParaRPr>
+        </a:p>
+      </dgm:t>
+    </dgm:pt>
+    <dgm:pt modelId="{9F6EDCE8-71FB-E343-959A-B9AD7D8BC42F}">
+      <dgm:prSet/>
+      <dgm:spPr/>
+      <dgm:t>
+        <a:bodyPr/>
+        <a:lstStyle/>
+        <a:p>
+          <a:pPr>
+            <a:buFont typeface="Wingdings" pitchFamily="2" charset="2"/>
+            <a:buChar char="§"/>
+          </a:pPr>
+          <a:r>
+            <a:rPr lang="en-GB" dirty="0">
+              <a:latin typeface="Avenir Book" panose="02000503020000020003" pitchFamily="2" charset="0"/>
+            </a:rPr>
+            <a:t>Vectors</a:t>
+          </a:r>
+        </a:p>
+      </dgm:t>
+    </dgm:pt>
+    <dgm:pt modelId="{FE26591A-5BCD-4E40-8E0F-60D1746181FD}" type="parTrans" cxnId="{3DB7792A-601C-4645-9C11-35623EF89E60}">
+      <dgm:prSet/>
+      <dgm:spPr/>
+      <dgm:t>
+        <a:bodyPr/>
+        <a:lstStyle/>
+        <a:p>
+          <a:endParaRPr lang="en-GB">
+            <a:latin typeface="Avenir Book" panose="02000503020000020003" pitchFamily="2" charset="0"/>
+          </a:endParaRPr>
+        </a:p>
+      </dgm:t>
+    </dgm:pt>
+    <dgm:pt modelId="{E59B7E25-8C93-574A-BBD6-13AF9B213BC4}" type="sibTrans" cxnId="{3DB7792A-601C-4645-9C11-35623EF89E60}">
+      <dgm:prSet/>
+      <dgm:spPr/>
+      <dgm:t>
+        <a:bodyPr/>
+        <a:lstStyle/>
+        <a:p>
+          <a:endParaRPr lang="en-GB">
+            <a:latin typeface="Avenir Book" panose="02000503020000020003" pitchFamily="2" charset="0"/>
+          </a:endParaRPr>
+        </a:p>
+      </dgm:t>
+    </dgm:pt>
+    <dgm:pt modelId="{4001C7C7-54EE-734E-8DFB-9478146E206B}" type="pres">
+      <dgm:prSet presAssocID="{F4A62909-5A44-8243-B7C4-BE4EE1451780}" presName="linear" presStyleCnt="0">
+        <dgm:presLayoutVars>
+          <dgm:dir/>
+          <dgm:resizeHandles val="exact"/>
+        </dgm:presLayoutVars>
+      </dgm:prSet>
+      <dgm:spPr/>
+    </dgm:pt>
+    <dgm:pt modelId="{2589CB56-F3AF-924A-AD06-FE83A00BD3EE}" type="pres">
+      <dgm:prSet presAssocID="{E7A58A7C-B431-2544-9F59-02E113196A48}" presName="comp" presStyleCnt="0"/>
+      <dgm:spPr/>
+    </dgm:pt>
+    <dgm:pt modelId="{CBC1E0B3-390E-D04C-B647-E413FA66043B}" type="pres">
+      <dgm:prSet presAssocID="{E7A58A7C-B431-2544-9F59-02E113196A48}" presName="box" presStyleLbl="node1" presStyleIdx="0" presStyleCnt="3" custLinFactNeighborX="-39641" custLinFactNeighborY="-15926"/>
+      <dgm:spPr/>
+    </dgm:pt>
+    <dgm:pt modelId="{0D508B86-A98B-3346-899B-74F85B99D220}" type="pres">
+      <dgm:prSet presAssocID="{E7A58A7C-B431-2544-9F59-02E113196A48}" presName="img" presStyleLbl="fgImgPlace1" presStyleIdx="0" presStyleCnt="3"/>
+      <dgm:spPr>
+        <a:blipFill rotWithShape="1">
+          <a:blip xmlns:r="http://schemas.openxmlformats.org/officeDocument/2006/relationships" r:embed="rId1">
+            <a:extLst>
+              <a:ext uri="{96DAC541-7B7A-43D3-8B79-37D633B846F1}">
+                <asvg:svgBlip xmlns:asvg="http://schemas.microsoft.com/office/drawing/2016/SVG/main" r:embed="rId2"/>
+              </a:ext>
+            </a:extLst>
+          </a:blip>
+          <a:srcRect/>
+          <a:stretch>
+            <a:fillRect l="-5000" r="-5000"/>
+          </a:stretch>
+        </a:blipFill>
+      </dgm:spPr>
+    </dgm:pt>
+    <dgm:pt modelId="{1D880D35-D66C-B045-9D96-D50551D0D5D7}" type="pres">
+      <dgm:prSet presAssocID="{E7A58A7C-B431-2544-9F59-02E113196A48}" presName="text" presStyleLbl="node1" presStyleIdx="0" presStyleCnt="3">
+        <dgm:presLayoutVars>
+          <dgm:bulletEnabled val="1"/>
+        </dgm:presLayoutVars>
+      </dgm:prSet>
+      <dgm:spPr/>
+    </dgm:pt>
+    <dgm:pt modelId="{B401EE3D-1564-0945-8F80-25E9AB4C5AD2}" type="pres">
+      <dgm:prSet presAssocID="{815B767A-0733-5348-93EB-6953DCB90C5B}" presName="spacer" presStyleCnt="0"/>
+      <dgm:spPr/>
+    </dgm:pt>
+    <dgm:pt modelId="{CBDAA162-3946-2041-93AC-B4B21347DC18}" type="pres">
+      <dgm:prSet presAssocID="{C22D06FD-6855-A84A-A3E0-AB9B2FAE9301}" presName="comp" presStyleCnt="0"/>
+      <dgm:spPr/>
+    </dgm:pt>
+    <dgm:pt modelId="{DFC95321-2F38-6E43-BEBB-173E6CA322B8}" type="pres">
+      <dgm:prSet presAssocID="{C22D06FD-6855-A84A-A3E0-AB9B2FAE9301}" presName="box" presStyleLbl="node1" presStyleIdx="1" presStyleCnt="3"/>
+      <dgm:spPr/>
+    </dgm:pt>
+    <dgm:pt modelId="{0069738F-51FF-1941-920D-258B74D0B09F}" type="pres">
+      <dgm:prSet presAssocID="{C22D06FD-6855-A84A-A3E0-AB9B2FAE9301}" presName="img" presStyleLbl="fgImgPlace1" presStyleIdx="1" presStyleCnt="3"/>
+      <dgm:spPr>
+        <a:blipFill rotWithShape="1">
+          <a:blip xmlns:r="http://schemas.openxmlformats.org/officeDocument/2006/relationships" r:embed="rId3">
+            <a:extLst>
+              <a:ext uri="{96DAC541-7B7A-43D3-8B79-37D633B846F1}">
+                <asvg:svgBlip xmlns:asvg="http://schemas.microsoft.com/office/drawing/2016/SVG/main" r:embed="rId4"/>
+              </a:ext>
+            </a:extLst>
+          </a:blip>
+          <a:srcRect/>
+          <a:stretch>
+            <a:fillRect l="-5000" r="-5000"/>
+          </a:stretch>
+        </a:blipFill>
+      </dgm:spPr>
+    </dgm:pt>
+    <dgm:pt modelId="{2BB21928-6BA4-B249-B19C-506E6195EAF7}" type="pres">
+      <dgm:prSet presAssocID="{C22D06FD-6855-A84A-A3E0-AB9B2FAE9301}" presName="text" presStyleLbl="node1" presStyleIdx="1" presStyleCnt="3">
+        <dgm:presLayoutVars>
+          <dgm:bulletEnabled val="1"/>
+        </dgm:presLayoutVars>
+      </dgm:prSet>
+      <dgm:spPr/>
+    </dgm:pt>
+    <dgm:pt modelId="{34558DD2-B83C-3249-82D2-22DEA79E779A}" type="pres">
+      <dgm:prSet presAssocID="{671D8B5C-4084-8C43-BEE4-0302C1FB19BD}" presName="spacer" presStyleCnt="0"/>
+      <dgm:spPr/>
+    </dgm:pt>
+    <dgm:pt modelId="{A36E0FC6-16F6-074C-B12E-667D24703528}" type="pres">
+      <dgm:prSet presAssocID="{D70DDDD0-979B-6D45-A912-F09C0304E5C1}" presName="comp" presStyleCnt="0"/>
+      <dgm:spPr/>
+    </dgm:pt>
+    <dgm:pt modelId="{0F8D4D10-07E8-7F4E-8212-B57334DD1280}" type="pres">
+      <dgm:prSet presAssocID="{D70DDDD0-979B-6D45-A912-F09C0304E5C1}" presName="box" presStyleLbl="node1" presStyleIdx="2" presStyleCnt="3"/>
+      <dgm:spPr/>
+    </dgm:pt>
+    <dgm:pt modelId="{AFB52685-1EA9-114A-8C0A-C40B610D9008}" type="pres">
+      <dgm:prSet presAssocID="{D70DDDD0-979B-6D45-A912-F09C0304E5C1}" presName="img" presStyleLbl="fgImgPlace1" presStyleIdx="2" presStyleCnt="3"/>
+      <dgm:spPr>
+        <a:blipFill rotWithShape="1">
+          <a:blip xmlns:r="http://schemas.openxmlformats.org/officeDocument/2006/relationships" r:embed="rId5">
+            <a:extLst>
+              <a:ext uri="{96DAC541-7B7A-43D3-8B79-37D633B846F1}">
+                <asvg:svgBlip xmlns:asvg="http://schemas.microsoft.com/office/drawing/2016/SVG/main" r:embed="rId6"/>
+              </a:ext>
+            </a:extLst>
+          </a:blip>
+          <a:srcRect/>
+          <a:stretch>
+            <a:fillRect l="-5000" r="-5000"/>
+          </a:stretch>
+        </a:blipFill>
+      </dgm:spPr>
+    </dgm:pt>
+    <dgm:pt modelId="{741735A7-9B58-D646-BFBB-7285D8D84D5A}" type="pres">
+      <dgm:prSet presAssocID="{D70DDDD0-979B-6D45-A912-F09C0304E5C1}" presName="text" presStyleLbl="node1" presStyleIdx="2" presStyleCnt="3">
+        <dgm:presLayoutVars>
+          <dgm:bulletEnabled val="1"/>
+        </dgm:presLayoutVars>
+      </dgm:prSet>
+      <dgm:spPr/>
+    </dgm:pt>
+  </dgm:ptLst>
+  <dgm:cxnLst>
+    <dgm:cxn modelId="{2D52311D-9AD1-6046-8204-19AFB6BBDCEF}" srcId="{D70DDDD0-979B-6D45-A912-F09C0304E5C1}" destId="{65F67FFD-0600-CD44-BD71-E894AA576F87}" srcOrd="0" destOrd="0" parTransId="{75F028A1-A8F0-5149-BB56-F5403CD49252}" sibTransId="{FFAB726E-5715-C64A-853E-CA578F2F11AD}"/>
+    <dgm:cxn modelId="{64207025-9AB5-7946-ACEC-4C8C5B4579B1}" type="presOf" srcId="{4AA1EAF5-8451-764E-9B2F-88EB37175113}" destId="{CBC1E0B3-390E-D04C-B647-E413FA66043B}" srcOrd="0" destOrd="1" presId="urn:microsoft.com/office/officeart/2005/8/layout/vList4"/>
+    <dgm:cxn modelId="{3DB7792A-601C-4645-9C11-35623EF89E60}" srcId="{D70DDDD0-979B-6D45-A912-F09C0304E5C1}" destId="{9F6EDCE8-71FB-E343-959A-B9AD7D8BC42F}" srcOrd="1" destOrd="0" parTransId="{FE26591A-5BCD-4E40-8E0F-60D1746181FD}" sibTransId="{E59B7E25-8C93-574A-BBD6-13AF9B213BC4}"/>
+    <dgm:cxn modelId="{9B22292C-0675-754A-B3BF-F55344627EEF}" srcId="{F4A62909-5A44-8243-B7C4-BE4EE1451780}" destId="{D70DDDD0-979B-6D45-A912-F09C0304E5C1}" srcOrd="2" destOrd="0" parTransId="{C5F8115F-18B7-964C-9DC6-334BBDBE8BB1}" sibTransId="{73DE7A80-23F4-E748-BAD1-441A69A8DEA8}"/>
+    <dgm:cxn modelId="{44A90F34-2D78-AC4C-AA64-9BAD34FB7D95}" type="presOf" srcId="{C22D06FD-6855-A84A-A3E0-AB9B2FAE9301}" destId="{2BB21928-6BA4-B249-B19C-506E6195EAF7}" srcOrd="1" destOrd="0" presId="urn:microsoft.com/office/officeart/2005/8/layout/vList4"/>
+    <dgm:cxn modelId="{7EEC7238-91D6-4B41-B8B6-CCBF3AAF538D}" srcId="{F4A62909-5A44-8243-B7C4-BE4EE1451780}" destId="{C22D06FD-6855-A84A-A3E0-AB9B2FAE9301}" srcOrd="1" destOrd="0" parTransId="{9E72C863-6B4B-8346-BD09-73850C11AA4C}" sibTransId="{671D8B5C-4084-8C43-BEE4-0302C1FB19BD}"/>
+    <dgm:cxn modelId="{D967564C-E184-3B4D-BED0-C9D2870B96BE}" type="presOf" srcId="{0B46D0A6-053F-7A4A-AD36-0FA843469EED}" destId="{DFC95321-2F38-6E43-BEBB-173E6CA322B8}" srcOrd="0" destOrd="2" presId="urn:microsoft.com/office/officeart/2005/8/layout/vList4"/>
+    <dgm:cxn modelId="{0A8FE54C-A317-644E-A098-0392D101607B}" type="presOf" srcId="{E7A58A7C-B431-2544-9F59-02E113196A48}" destId="{CBC1E0B3-390E-D04C-B647-E413FA66043B}" srcOrd="0" destOrd="0" presId="urn:microsoft.com/office/officeart/2005/8/layout/vList4"/>
+    <dgm:cxn modelId="{7C943F67-A617-9148-BF65-73DFBD7CDFC8}" type="presOf" srcId="{CF58A487-DAB3-3C42-B755-1DA5E58F7660}" destId="{0F8D4D10-07E8-7F4E-8212-B57334DD1280}" srcOrd="0" destOrd="3" presId="urn:microsoft.com/office/officeart/2005/8/layout/vList4"/>
+    <dgm:cxn modelId="{7963C26A-2158-7E43-82F3-522E7E24CE1C}" type="presOf" srcId="{9F6EDCE8-71FB-E343-959A-B9AD7D8BC42F}" destId="{0F8D4D10-07E8-7F4E-8212-B57334DD1280}" srcOrd="0" destOrd="2" presId="urn:microsoft.com/office/officeart/2005/8/layout/vList4"/>
+    <dgm:cxn modelId="{CDE0AA70-C6C7-344D-8664-24D4CD153741}" type="presOf" srcId="{104DCDA1-7AB1-D247-B424-B1A6DD73B203}" destId="{DFC95321-2F38-6E43-BEBB-173E6CA322B8}" srcOrd="0" destOrd="1" presId="urn:microsoft.com/office/officeart/2005/8/layout/vList4"/>
+    <dgm:cxn modelId="{AB6DE379-FDB4-234E-B879-7082289B51BD}" type="presOf" srcId="{65F67FFD-0600-CD44-BD71-E894AA576F87}" destId="{0F8D4D10-07E8-7F4E-8212-B57334DD1280}" srcOrd="0" destOrd="1" presId="urn:microsoft.com/office/officeart/2005/8/layout/vList4"/>
+    <dgm:cxn modelId="{4187567E-1AF8-C04A-B127-D0DF93A8B3F4}" srcId="{C22D06FD-6855-A84A-A3E0-AB9B2FAE9301}" destId="{104DCDA1-7AB1-D247-B424-B1A6DD73B203}" srcOrd="0" destOrd="0" parTransId="{110C7BCA-3657-044A-AB5B-EF928641F79F}" sibTransId="{3B613EB6-79A6-FD45-B0E7-670984A636D1}"/>
+    <dgm:cxn modelId="{F9AACB7E-765E-E943-BFA5-7AAB714643BB}" srcId="{D70DDDD0-979B-6D45-A912-F09C0304E5C1}" destId="{CF58A487-DAB3-3C42-B755-1DA5E58F7660}" srcOrd="2" destOrd="0" parTransId="{08AF2577-0A76-7340-9DEF-872AB0ED5551}" sibTransId="{10FC5677-651E-C944-A5C9-F7CDC321A275}"/>
+    <dgm:cxn modelId="{CF768D80-26F1-7444-8D84-C1C3515AB8F3}" srcId="{F4A62909-5A44-8243-B7C4-BE4EE1451780}" destId="{E7A58A7C-B431-2544-9F59-02E113196A48}" srcOrd="0" destOrd="0" parTransId="{EE296347-FB25-3044-8947-0B4665448D2F}" sibTransId="{815B767A-0733-5348-93EB-6953DCB90C5B}"/>
+    <dgm:cxn modelId="{51E7CA84-8C1D-6D45-88BC-AF88AE029C25}" type="presOf" srcId="{D70DDDD0-979B-6D45-A912-F09C0304E5C1}" destId="{0F8D4D10-07E8-7F4E-8212-B57334DD1280}" srcOrd="0" destOrd="0" presId="urn:microsoft.com/office/officeart/2005/8/layout/vList4"/>
+    <dgm:cxn modelId="{BEB61D85-D2C4-454C-AD19-5AC9E93A2B15}" type="presOf" srcId="{104DCDA1-7AB1-D247-B424-B1A6DD73B203}" destId="{2BB21928-6BA4-B249-B19C-506E6195EAF7}" srcOrd="1" destOrd="1" presId="urn:microsoft.com/office/officeart/2005/8/layout/vList4"/>
+    <dgm:cxn modelId="{D41FC491-75AC-7044-98A6-E76745256600}" srcId="{C22D06FD-6855-A84A-A3E0-AB9B2FAE9301}" destId="{0B46D0A6-053F-7A4A-AD36-0FA843469EED}" srcOrd="1" destOrd="0" parTransId="{137852D0-7CE1-B34C-93E0-25DF8E92612B}" sibTransId="{146D721F-2690-8648-B48C-1210F75C78A8}"/>
+    <dgm:cxn modelId="{0B891D92-FB95-114F-B425-4176E6056B0F}" type="presOf" srcId="{D70DDDD0-979B-6D45-A912-F09C0304E5C1}" destId="{741735A7-9B58-D646-BFBB-7285D8D84D5A}" srcOrd="1" destOrd="0" presId="urn:microsoft.com/office/officeart/2005/8/layout/vList4"/>
+    <dgm:cxn modelId="{EC59DF9C-D45B-CD43-8E08-A87680A50C72}" type="presOf" srcId="{839A0CEA-95C2-5E4A-BD57-CE0D15EE4097}" destId="{DFC95321-2F38-6E43-BEBB-173E6CA322B8}" srcOrd="0" destOrd="3" presId="urn:microsoft.com/office/officeart/2005/8/layout/vList4"/>
+    <dgm:cxn modelId="{626874A4-A0BD-7A49-B59C-98A569C08B9E}" type="presOf" srcId="{65F67FFD-0600-CD44-BD71-E894AA576F87}" destId="{741735A7-9B58-D646-BFBB-7285D8D84D5A}" srcOrd="1" destOrd="1" presId="urn:microsoft.com/office/officeart/2005/8/layout/vList4"/>
+    <dgm:cxn modelId="{246CE2AA-A5F7-724D-8EFD-E94755C90D5D}" srcId="{E7A58A7C-B431-2544-9F59-02E113196A48}" destId="{4AA1EAF5-8451-764E-9B2F-88EB37175113}" srcOrd="0" destOrd="0" parTransId="{ECB2C306-6BEC-F648-B500-E9076554AB98}" sibTransId="{70E46564-8CB4-0E47-AC40-736727CDF1DA}"/>
+    <dgm:cxn modelId="{411E4FB9-6AE0-3F40-8C0B-6DD9AC964937}" type="presOf" srcId="{839A0CEA-95C2-5E4A-BD57-CE0D15EE4097}" destId="{2BB21928-6BA4-B249-B19C-506E6195EAF7}" srcOrd="1" destOrd="3" presId="urn:microsoft.com/office/officeart/2005/8/layout/vList4"/>
+    <dgm:cxn modelId="{401A4FC8-76CF-774A-B8C8-CB92E6B1A74B}" type="presOf" srcId="{C22D06FD-6855-A84A-A3E0-AB9B2FAE9301}" destId="{DFC95321-2F38-6E43-BEBB-173E6CA322B8}" srcOrd="0" destOrd="0" presId="urn:microsoft.com/office/officeart/2005/8/layout/vList4"/>
+    <dgm:cxn modelId="{DAF4A2C8-94A8-A146-A884-A2026D041362}" type="presOf" srcId="{0B46D0A6-053F-7A4A-AD36-0FA843469EED}" destId="{2BB21928-6BA4-B249-B19C-506E6195EAF7}" srcOrd="1" destOrd="2" presId="urn:microsoft.com/office/officeart/2005/8/layout/vList4"/>
+    <dgm:cxn modelId="{35937ED9-BFAD-CD44-861A-809B06E74C08}" type="presOf" srcId="{CF58A487-DAB3-3C42-B755-1DA5E58F7660}" destId="{741735A7-9B58-D646-BFBB-7285D8D84D5A}" srcOrd="1" destOrd="3" presId="urn:microsoft.com/office/officeart/2005/8/layout/vList4"/>
+    <dgm:cxn modelId="{0D6A06E9-6CDD-D544-8861-CD8A219CACD5}" type="presOf" srcId="{F4A62909-5A44-8243-B7C4-BE4EE1451780}" destId="{4001C7C7-54EE-734E-8DFB-9478146E206B}" srcOrd="0" destOrd="0" presId="urn:microsoft.com/office/officeart/2005/8/layout/vList4"/>
+    <dgm:cxn modelId="{180A2CF8-2544-F749-A484-33303EA2D584}" type="presOf" srcId="{4AA1EAF5-8451-764E-9B2F-88EB37175113}" destId="{1D880D35-D66C-B045-9D96-D50551D0D5D7}" srcOrd="1" destOrd="1" presId="urn:microsoft.com/office/officeart/2005/8/layout/vList4"/>
+    <dgm:cxn modelId="{BD4B1FFA-C2A2-BB41-8273-C48A20E3B931}" type="presOf" srcId="{9F6EDCE8-71FB-E343-959A-B9AD7D8BC42F}" destId="{741735A7-9B58-D646-BFBB-7285D8D84D5A}" srcOrd="1" destOrd="2" presId="urn:microsoft.com/office/officeart/2005/8/layout/vList4"/>
+    <dgm:cxn modelId="{5E30AEFB-DCE6-6940-918E-E5C8C896D781}" type="presOf" srcId="{E7A58A7C-B431-2544-9F59-02E113196A48}" destId="{1D880D35-D66C-B045-9D96-D50551D0D5D7}" srcOrd="1" destOrd="0" presId="urn:microsoft.com/office/officeart/2005/8/layout/vList4"/>
+    <dgm:cxn modelId="{070379FC-1011-C146-BDD3-4E469D456AFC}" srcId="{C22D06FD-6855-A84A-A3E0-AB9B2FAE9301}" destId="{839A0CEA-95C2-5E4A-BD57-CE0D15EE4097}" srcOrd="2" destOrd="0" parTransId="{BA598679-D54D-B040-994C-3916951DBB15}" sibTransId="{F30927A0-9189-0C49-BD5F-DF30CB9273F1}"/>
+    <dgm:cxn modelId="{689CE762-0D00-8348-A060-3EF9E7D611B0}" type="presParOf" srcId="{4001C7C7-54EE-734E-8DFB-9478146E206B}" destId="{2589CB56-F3AF-924A-AD06-FE83A00BD3EE}" srcOrd="0" destOrd="0" presId="urn:microsoft.com/office/officeart/2005/8/layout/vList4"/>
+    <dgm:cxn modelId="{E226C299-4D12-2E4A-988B-4ABA149005BC}" type="presParOf" srcId="{2589CB56-F3AF-924A-AD06-FE83A00BD3EE}" destId="{CBC1E0B3-390E-D04C-B647-E413FA66043B}" srcOrd="0" destOrd="0" presId="urn:microsoft.com/office/officeart/2005/8/layout/vList4"/>
+    <dgm:cxn modelId="{F51DBF72-880C-DF4C-A27F-1718E4AE58F2}" type="presParOf" srcId="{2589CB56-F3AF-924A-AD06-FE83A00BD3EE}" destId="{0D508B86-A98B-3346-899B-74F85B99D220}" srcOrd="1" destOrd="0" presId="urn:microsoft.com/office/officeart/2005/8/layout/vList4"/>
+    <dgm:cxn modelId="{81F5AF3D-B314-6B47-8F77-3AAF93C482F3}" type="presParOf" srcId="{2589CB56-F3AF-924A-AD06-FE83A00BD3EE}" destId="{1D880D35-D66C-B045-9D96-D50551D0D5D7}" srcOrd="2" destOrd="0" presId="urn:microsoft.com/office/officeart/2005/8/layout/vList4"/>
+    <dgm:cxn modelId="{FC452A8B-BC80-CC40-8D89-D8ED040C5D93}" type="presParOf" srcId="{4001C7C7-54EE-734E-8DFB-9478146E206B}" destId="{B401EE3D-1564-0945-8F80-25E9AB4C5AD2}" srcOrd="1" destOrd="0" presId="urn:microsoft.com/office/officeart/2005/8/layout/vList4"/>
+    <dgm:cxn modelId="{594EE2DF-FEC5-A944-8428-66D46D264426}" type="presParOf" srcId="{4001C7C7-54EE-734E-8DFB-9478146E206B}" destId="{CBDAA162-3946-2041-93AC-B4B21347DC18}" srcOrd="2" destOrd="0" presId="urn:microsoft.com/office/officeart/2005/8/layout/vList4"/>
+    <dgm:cxn modelId="{D2B50BDC-6428-344E-8372-6869AD580F9D}" type="presParOf" srcId="{CBDAA162-3946-2041-93AC-B4B21347DC18}" destId="{DFC95321-2F38-6E43-BEBB-173E6CA322B8}" srcOrd="0" destOrd="0" presId="urn:microsoft.com/office/officeart/2005/8/layout/vList4"/>
+    <dgm:cxn modelId="{7D23A8E5-1635-654D-B3A3-1EDD2FB027AF}" type="presParOf" srcId="{CBDAA162-3946-2041-93AC-B4B21347DC18}" destId="{0069738F-51FF-1941-920D-258B74D0B09F}" srcOrd="1" destOrd="0" presId="urn:microsoft.com/office/officeart/2005/8/layout/vList4"/>
+    <dgm:cxn modelId="{8B4716E9-137B-0C48-8027-1012B64F6EC4}" type="presParOf" srcId="{CBDAA162-3946-2041-93AC-B4B21347DC18}" destId="{2BB21928-6BA4-B249-B19C-506E6195EAF7}" srcOrd="2" destOrd="0" presId="urn:microsoft.com/office/officeart/2005/8/layout/vList4"/>
+    <dgm:cxn modelId="{68B06199-A5D2-5A4C-ADBD-39DF851F10E8}" type="presParOf" srcId="{4001C7C7-54EE-734E-8DFB-9478146E206B}" destId="{34558DD2-B83C-3249-82D2-22DEA79E779A}" srcOrd="3" destOrd="0" presId="urn:microsoft.com/office/officeart/2005/8/layout/vList4"/>
+    <dgm:cxn modelId="{17482BD6-222C-6A4A-A17D-8DF756B1C5BF}" type="presParOf" srcId="{4001C7C7-54EE-734E-8DFB-9478146E206B}" destId="{A36E0FC6-16F6-074C-B12E-667D24703528}" srcOrd="4" destOrd="0" presId="urn:microsoft.com/office/officeart/2005/8/layout/vList4"/>
+    <dgm:cxn modelId="{4C604694-4B16-E745-A24F-4DC2B5332184}" type="presParOf" srcId="{A36E0FC6-16F6-074C-B12E-667D24703528}" destId="{0F8D4D10-07E8-7F4E-8212-B57334DD1280}" srcOrd="0" destOrd="0" presId="urn:microsoft.com/office/officeart/2005/8/layout/vList4"/>
+    <dgm:cxn modelId="{65B801A9-61E8-6F4C-8830-25DAE7B75464}" type="presParOf" srcId="{A36E0FC6-16F6-074C-B12E-667D24703528}" destId="{AFB52685-1EA9-114A-8C0A-C40B610D9008}" srcOrd="1" destOrd="0" presId="urn:microsoft.com/office/officeart/2005/8/layout/vList4"/>
+    <dgm:cxn modelId="{5E75486E-A5C1-2B41-A762-34ACD379C651}" type="presParOf" srcId="{A36E0FC6-16F6-074C-B12E-667D24703528}" destId="{741735A7-9B58-D646-BFBB-7285D8D84D5A}" srcOrd="2" destOrd="0" presId="urn:microsoft.com/office/officeart/2005/8/layout/vList4"/>
+  </dgm:cxnLst>
+  <dgm:bg>
+    <a:noFill/>
+    <a:effectLst>
+      <a:outerShdw blurRad="50800" dist="38100" dir="2700000" algn="tl" rotWithShape="0">
+        <a:prstClr val="black">
+          <a:alpha val="40000"/>
+        </a:prstClr>
+      </a:outerShdw>
+    </a:effectLst>
+  </dgm:bg>
+  <dgm:whole/>
+  <dgm:extLst>
+    <a:ext uri="http://schemas.microsoft.com/office/drawing/2008/diagram">
+      <dsp:dataModelExt xmlns:dsp="http://schemas.microsoft.com/office/drawing/2008/diagram" relId="rId13" minVer="http://schemas.openxmlformats.org/drawingml/2006/diagram"/>
+    </a:ext>
+  </dgm:extLst>
+</dgm:dataModel>
+</file>
+
+<file path=ppt/diagrams/drawing1.xml><?xml version="1.0" encoding="utf-8"?>
+<dsp:drawing xmlns:dgm="http://schemas.openxmlformats.org/drawingml/2006/diagram" xmlns:dsp="http://schemas.microsoft.com/office/drawing/2008/diagram" xmlns:a="http://schemas.openxmlformats.org/drawingml/2006/main">
+  <dsp:spTree>
+    <dsp:nvGrpSpPr>
+      <dsp:cNvPr id="0" name=""/>
+      <dsp:cNvGrpSpPr/>
+    </dsp:nvGrpSpPr>
+    <dsp:grpSpPr/>
+    <dsp:sp modelId="{CBC1E0B3-390E-D04C-B647-E413FA66043B}">
+      <dsp:nvSpPr>
+        <dsp:cNvPr id="0" name=""/>
+        <dsp:cNvSpPr/>
+      </dsp:nvSpPr>
+      <dsp:spPr>
+        <a:xfrm>
+          <a:off x="0" y="0"/>
+          <a:ext cx="3405618" cy="956430"/>
+        </a:xfrm>
+        <a:prstGeom prst="roundRect">
+          <a:avLst>
+            <a:gd name="adj" fmla="val 10000"/>
+          </a:avLst>
+        </a:prstGeom>
+        <a:solidFill>
+          <a:schemeClr val="lt1">
+            <a:hueOff val="0"/>
+            <a:satOff val="0"/>
+            <a:lumOff val="0"/>
+            <a:alphaOff val="0"/>
+          </a:schemeClr>
+        </a:solidFill>
+        <a:ln w="19050" cap="flat" cmpd="sng" algn="ctr">
+          <a:solidFill>
+            <a:schemeClr val="accent4">
+              <a:shade val="80000"/>
+              <a:hueOff val="0"/>
+              <a:satOff val="0"/>
+              <a:lumOff val="0"/>
+              <a:alphaOff val="0"/>
+            </a:schemeClr>
+          </a:solidFill>
+          <a:prstDash val="solid"/>
+          <a:miter lim="800000"/>
+        </a:ln>
+        <a:effectLst/>
+      </dsp:spPr>
+      <dsp:style>
+        <a:lnRef idx="2">
+          <a:scrgbClr r="0" g="0" b="0"/>
+        </a:lnRef>
+        <a:fillRef idx="1">
+          <a:scrgbClr r="0" g="0" b="0"/>
+        </a:fillRef>
+        <a:effectRef idx="0">
+          <a:scrgbClr r="0" g="0" b="0"/>
+        </a:effectRef>
+        <a:fontRef idx="minor">
+          <a:schemeClr val="lt1"/>
+        </a:fontRef>
+      </dsp:style>
+      <dsp:txBody>
+        <a:bodyPr spcFirstLastPara="0" vert="horz" wrap="square" lIns="49530" tIns="49530" rIns="49530" bIns="49530" numCol="1" spcCol="1270" anchor="t" anchorCtr="0">
+          <a:noAutofit/>
+        </a:bodyPr>
+        <a:lstStyle/>
+        <a:p>
+          <a:pPr marL="0" lvl="0" indent="0" algn="l" defTabSz="577850">
+            <a:lnSpc>
+              <a:spcPct val="90000"/>
+            </a:lnSpc>
+            <a:spcBef>
+              <a:spcPct val="0"/>
+            </a:spcBef>
+            <a:spcAft>
+              <a:spcPct val="35000"/>
+            </a:spcAft>
+            <a:buNone/>
+          </a:pPr>
+          <a:r>
+            <a:rPr lang="en-GB" sz="1300" kern="1200" dirty="0">
+              <a:latin typeface="Avenir Book" panose="02000503020000020003" pitchFamily="2" charset="0"/>
+            </a:rPr>
+            <a:t>Biological Discovery</a:t>
+          </a:r>
+        </a:p>
+        <a:p>
+          <a:pPr marL="57150" lvl="1" indent="-57150" algn="l" defTabSz="444500">
+            <a:lnSpc>
+              <a:spcPct val="90000"/>
+            </a:lnSpc>
+            <a:spcBef>
+              <a:spcPct val="0"/>
+            </a:spcBef>
+            <a:spcAft>
+              <a:spcPct val="15000"/>
+            </a:spcAft>
+            <a:buFont typeface="Wingdings" pitchFamily="2" charset="2"/>
+            <a:buChar char="§"/>
+          </a:pPr>
+          <a:r>
+            <a:rPr lang="en-GB" sz="1000" kern="1200" dirty="0">
+              <a:latin typeface="Avenir Book" panose="02000503020000020003" pitchFamily="2" charset="0"/>
+            </a:rPr>
+            <a:t>Multi-scale disease mechanisms</a:t>
+          </a:r>
+        </a:p>
+      </dsp:txBody>
+      <dsp:txXfrm>
+        <a:off x="776766" y="0"/>
+        <a:ext cx="2628851" cy="956430"/>
+      </dsp:txXfrm>
+    </dsp:sp>
+    <dsp:sp modelId="{0D508B86-A98B-3346-899B-74F85B99D220}">
+      <dsp:nvSpPr>
+        <dsp:cNvPr id="0" name=""/>
+        <dsp:cNvSpPr/>
+      </dsp:nvSpPr>
+      <dsp:spPr>
+        <a:xfrm>
+          <a:off x="95643" y="95643"/>
+          <a:ext cx="681123" cy="765144"/>
+        </a:xfrm>
+        <a:prstGeom prst="roundRect">
+          <a:avLst>
+            <a:gd name="adj" fmla="val 10000"/>
+          </a:avLst>
+        </a:prstGeom>
+        <a:blipFill rotWithShape="1">
+          <a:blip xmlns:r="http://schemas.openxmlformats.org/officeDocument/2006/relationships" r:embed="rId1">
+            <a:extLst>
+              <a:ext uri="{96DAC541-7B7A-43D3-8B79-37D633B846F1}">
+                <asvg:svgBlip xmlns:asvg="http://schemas.microsoft.com/office/drawing/2016/SVG/main" r:embed="rId2"/>
+              </a:ext>
+            </a:extLst>
+          </a:blip>
+          <a:srcRect/>
+          <a:stretch>
+            <a:fillRect l="-5000" r="-5000"/>
+          </a:stretch>
+        </a:blipFill>
+        <a:ln w="19050" cap="flat" cmpd="sng" algn="ctr">
+          <a:solidFill>
+            <a:schemeClr val="accent4">
+              <a:shade val="80000"/>
+              <a:hueOff val="0"/>
+              <a:satOff val="0"/>
+              <a:lumOff val="0"/>
+              <a:alphaOff val="0"/>
+            </a:schemeClr>
+          </a:solidFill>
+          <a:prstDash val="solid"/>
+          <a:miter lim="800000"/>
+        </a:ln>
+        <a:effectLst/>
+      </dsp:spPr>
+      <dsp:style>
+        <a:lnRef idx="2">
+          <a:scrgbClr r="0" g="0" b="0"/>
+        </a:lnRef>
+        <a:fillRef idx="1">
+          <a:scrgbClr r="0" g="0" b="0"/>
+        </a:fillRef>
+        <a:effectRef idx="0">
+          <a:scrgbClr r="0" g="0" b="0"/>
+        </a:effectRef>
+        <a:fontRef idx="minor"/>
+      </dsp:style>
+    </dsp:sp>
+    <dsp:sp modelId="{DFC95321-2F38-6E43-BEBB-173E6CA322B8}">
+      <dsp:nvSpPr>
+        <dsp:cNvPr id="0" name=""/>
+        <dsp:cNvSpPr/>
+      </dsp:nvSpPr>
+      <dsp:spPr>
+        <a:xfrm>
+          <a:off x="0" y="1052073"/>
+          <a:ext cx="3405618" cy="956430"/>
+        </a:xfrm>
+        <a:prstGeom prst="roundRect">
+          <a:avLst>
+            <a:gd name="adj" fmla="val 10000"/>
+          </a:avLst>
+        </a:prstGeom>
+        <a:solidFill>
+          <a:schemeClr val="lt1">
+            <a:hueOff val="0"/>
+            <a:satOff val="0"/>
+            <a:lumOff val="0"/>
+            <a:alphaOff val="0"/>
+          </a:schemeClr>
+        </a:solidFill>
+        <a:ln w="19050" cap="flat" cmpd="sng" algn="ctr">
+          <a:solidFill>
+            <a:schemeClr val="accent4">
+              <a:shade val="80000"/>
+              <a:hueOff val="0"/>
+              <a:satOff val="0"/>
+              <a:lumOff val="0"/>
+              <a:alphaOff val="0"/>
+            </a:schemeClr>
+          </a:solidFill>
+          <a:prstDash val="solid"/>
+          <a:miter lim="800000"/>
+        </a:ln>
+        <a:effectLst/>
+      </dsp:spPr>
+      <dsp:style>
+        <a:lnRef idx="2">
+          <a:scrgbClr r="0" g="0" b="0"/>
+        </a:lnRef>
+        <a:fillRef idx="1">
+          <a:scrgbClr r="0" g="0" b="0"/>
+        </a:fillRef>
+        <a:effectRef idx="0">
+          <a:scrgbClr r="0" g="0" b="0"/>
+        </a:effectRef>
+        <a:fontRef idx="minor">
+          <a:schemeClr val="lt1"/>
+        </a:fontRef>
+      </dsp:style>
+      <dsp:txBody>
+        <a:bodyPr spcFirstLastPara="0" vert="horz" wrap="square" lIns="49530" tIns="49530" rIns="49530" bIns="49530" numCol="1" spcCol="1270" anchor="t" anchorCtr="0">
+          <a:noAutofit/>
+        </a:bodyPr>
+        <a:lstStyle/>
+        <a:p>
+          <a:pPr marL="0" lvl="0" indent="0" algn="l" defTabSz="577850">
+            <a:lnSpc>
+              <a:spcPct val="90000"/>
+            </a:lnSpc>
+            <a:spcBef>
+              <a:spcPct val="0"/>
+            </a:spcBef>
+            <a:spcAft>
+              <a:spcPct val="35000"/>
+            </a:spcAft>
+            <a:buNone/>
+          </a:pPr>
+          <a:r>
+            <a:rPr lang="en-GB" sz="1300" kern="1200" dirty="0">
+              <a:latin typeface="Avenir Book" panose="02000503020000020003" pitchFamily="2" charset="0"/>
+            </a:rPr>
+            <a:t>Patient Care</a:t>
+          </a:r>
+        </a:p>
+        <a:p>
+          <a:pPr marL="57150" lvl="1" indent="-57150" algn="l" defTabSz="444500">
+            <a:lnSpc>
+              <a:spcPct val="90000"/>
+            </a:lnSpc>
+            <a:spcBef>
+              <a:spcPct val="0"/>
+            </a:spcBef>
+            <a:spcAft>
+              <a:spcPct val="15000"/>
+            </a:spcAft>
+            <a:buFont typeface="Wingdings" pitchFamily="2" charset="2"/>
+            <a:buChar char="§"/>
+          </a:pPr>
+          <a:r>
+            <a:rPr lang="en-GB" sz="1000" kern="1200" dirty="0">
+              <a:latin typeface="Avenir Book" panose="02000503020000020003" pitchFamily="2" charset="0"/>
+            </a:rPr>
+            <a:t>Diagnosis</a:t>
+          </a:r>
+        </a:p>
+        <a:p>
+          <a:pPr marL="57150" lvl="1" indent="-57150" algn="l" defTabSz="444500">
+            <a:lnSpc>
+              <a:spcPct val="90000"/>
+            </a:lnSpc>
+            <a:spcBef>
+              <a:spcPct val="0"/>
+            </a:spcBef>
+            <a:spcAft>
+              <a:spcPct val="15000"/>
+            </a:spcAft>
+            <a:buFont typeface="Wingdings" pitchFamily="2" charset="2"/>
+            <a:buChar char="§"/>
+          </a:pPr>
+          <a:r>
+            <a:rPr lang="en-GB" sz="1000" kern="1200" dirty="0">
+              <a:latin typeface="Avenir Book" panose="02000503020000020003" pitchFamily="2" charset="0"/>
+            </a:rPr>
+            <a:t>Prognosis</a:t>
+          </a:r>
+        </a:p>
+        <a:p>
+          <a:pPr marL="57150" lvl="1" indent="-57150" algn="l" defTabSz="444500">
+            <a:lnSpc>
+              <a:spcPct val="90000"/>
+            </a:lnSpc>
+            <a:spcBef>
+              <a:spcPct val="0"/>
+            </a:spcBef>
+            <a:spcAft>
+              <a:spcPct val="15000"/>
+            </a:spcAft>
+            <a:buFont typeface="Wingdings" pitchFamily="2" charset="2"/>
+            <a:buChar char="§"/>
+          </a:pPr>
+          <a:r>
+            <a:rPr lang="en-GB" sz="1000" kern="1200" dirty="0">
+              <a:latin typeface="Avenir Book" panose="02000503020000020003" pitchFamily="2" charset="0"/>
+            </a:rPr>
+            <a:t>Treatment</a:t>
+          </a:r>
+        </a:p>
+      </dsp:txBody>
+      <dsp:txXfrm>
+        <a:off x="776766" y="1052073"/>
+        <a:ext cx="2628851" cy="956430"/>
+      </dsp:txXfrm>
+    </dsp:sp>
+    <dsp:sp modelId="{0069738F-51FF-1941-920D-258B74D0B09F}">
+      <dsp:nvSpPr>
+        <dsp:cNvPr id="0" name=""/>
+        <dsp:cNvSpPr/>
+      </dsp:nvSpPr>
+      <dsp:spPr>
+        <a:xfrm>
+          <a:off x="95643" y="1147716"/>
+          <a:ext cx="681123" cy="765144"/>
+        </a:xfrm>
+        <a:prstGeom prst="roundRect">
+          <a:avLst>
+            <a:gd name="adj" fmla="val 10000"/>
+          </a:avLst>
+        </a:prstGeom>
+        <a:blipFill rotWithShape="1">
+          <a:blip xmlns:r="http://schemas.openxmlformats.org/officeDocument/2006/relationships" r:embed="rId3">
+            <a:extLst>
+              <a:ext uri="{96DAC541-7B7A-43D3-8B79-37D633B846F1}">
+                <asvg:svgBlip xmlns:asvg="http://schemas.microsoft.com/office/drawing/2016/SVG/main" r:embed="rId4"/>
+              </a:ext>
+            </a:extLst>
+          </a:blip>
+          <a:srcRect/>
+          <a:stretch>
+            <a:fillRect l="-5000" r="-5000"/>
+          </a:stretch>
+        </a:blipFill>
+        <a:ln w="19050" cap="flat" cmpd="sng" algn="ctr">
+          <a:solidFill>
+            <a:schemeClr val="accent4">
+              <a:shade val="80000"/>
+              <a:hueOff val="0"/>
+              <a:satOff val="0"/>
+              <a:lumOff val="0"/>
+              <a:alphaOff val="0"/>
+            </a:schemeClr>
+          </a:solidFill>
+          <a:prstDash val="solid"/>
+          <a:miter lim="800000"/>
+        </a:ln>
+        <a:effectLst/>
+      </dsp:spPr>
+      <dsp:style>
+        <a:lnRef idx="2">
+          <a:scrgbClr r="0" g="0" b="0"/>
+        </a:lnRef>
+        <a:fillRef idx="1">
+          <a:scrgbClr r="0" g="0" b="0"/>
+        </a:fillRef>
+        <a:effectRef idx="0">
+          <a:scrgbClr r="0" g="0" b="0"/>
+        </a:effectRef>
+        <a:fontRef idx="minor"/>
+      </dsp:style>
+    </dsp:sp>
+    <dsp:sp modelId="{0F8D4D10-07E8-7F4E-8212-B57334DD1280}">
+      <dsp:nvSpPr>
+        <dsp:cNvPr id="0" name=""/>
+        <dsp:cNvSpPr/>
+      </dsp:nvSpPr>
+      <dsp:spPr>
+        <a:xfrm>
+          <a:off x="0" y="2104146"/>
+          <a:ext cx="3405618" cy="956430"/>
+        </a:xfrm>
+        <a:prstGeom prst="roundRect">
+          <a:avLst>
+            <a:gd name="adj" fmla="val 10000"/>
+          </a:avLst>
+        </a:prstGeom>
+        <a:solidFill>
+          <a:schemeClr val="lt1">
+            <a:hueOff val="0"/>
+            <a:satOff val="0"/>
+            <a:lumOff val="0"/>
+            <a:alphaOff val="0"/>
+          </a:schemeClr>
+        </a:solidFill>
+        <a:ln w="19050" cap="flat" cmpd="sng" algn="ctr">
+          <a:solidFill>
+            <a:schemeClr val="accent4">
+              <a:shade val="80000"/>
+              <a:hueOff val="0"/>
+              <a:satOff val="0"/>
+              <a:lumOff val="0"/>
+              <a:alphaOff val="0"/>
+            </a:schemeClr>
+          </a:solidFill>
+          <a:prstDash val="solid"/>
+          <a:miter lim="800000"/>
+        </a:ln>
+        <a:effectLst/>
+      </dsp:spPr>
+      <dsp:style>
+        <a:lnRef idx="2">
+          <a:scrgbClr r="0" g="0" b="0"/>
+        </a:lnRef>
+        <a:fillRef idx="1">
+          <a:scrgbClr r="0" g="0" b="0"/>
+        </a:fillRef>
+        <a:effectRef idx="0">
+          <a:scrgbClr r="0" g="0" b="0"/>
+        </a:effectRef>
+        <a:fontRef idx="minor">
+          <a:schemeClr val="lt1"/>
+        </a:fontRef>
+      </dsp:style>
+      <dsp:txBody>
+        <a:bodyPr spcFirstLastPara="0" vert="horz" wrap="square" lIns="49530" tIns="49530" rIns="49530" bIns="49530" numCol="1" spcCol="1270" anchor="t" anchorCtr="0">
+          <a:noAutofit/>
+        </a:bodyPr>
+        <a:lstStyle/>
+        <a:p>
+          <a:pPr marL="0" lvl="0" indent="0" algn="l" defTabSz="577850">
+            <a:lnSpc>
+              <a:spcPct val="90000"/>
+            </a:lnSpc>
+            <a:spcBef>
+              <a:spcPct val="0"/>
+            </a:spcBef>
+            <a:spcAft>
+              <a:spcPct val="35000"/>
+            </a:spcAft>
+            <a:buNone/>
+          </a:pPr>
+          <a:r>
+            <a:rPr lang="en-GB" sz="1300" kern="1200" dirty="0">
+              <a:latin typeface="Avenir Book" panose="02000503020000020003" pitchFamily="2" charset="0"/>
+            </a:rPr>
+            <a:t>Therapeutics Development</a:t>
+          </a:r>
+        </a:p>
+        <a:p>
+          <a:pPr marL="57150" lvl="1" indent="-57150" algn="l" defTabSz="444500">
+            <a:lnSpc>
+              <a:spcPct val="90000"/>
+            </a:lnSpc>
+            <a:spcBef>
+              <a:spcPct val="0"/>
+            </a:spcBef>
+            <a:spcAft>
+              <a:spcPct val="15000"/>
+            </a:spcAft>
+            <a:buFont typeface="Wingdings" pitchFamily="2" charset="2"/>
+            <a:buChar char="§"/>
+          </a:pPr>
+          <a:r>
+            <a:rPr lang="en-GB" sz="1000" kern="1200" dirty="0">
+              <a:latin typeface="Avenir Book" panose="02000503020000020003" pitchFamily="2" charset="0"/>
+            </a:rPr>
+            <a:t>Targets</a:t>
+          </a:r>
+        </a:p>
+        <a:p>
+          <a:pPr marL="57150" lvl="1" indent="-57150" algn="l" defTabSz="444500">
+            <a:lnSpc>
+              <a:spcPct val="90000"/>
+            </a:lnSpc>
+            <a:spcBef>
+              <a:spcPct val="0"/>
+            </a:spcBef>
+            <a:spcAft>
+              <a:spcPct val="15000"/>
+            </a:spcAft>
+            <a:buFont typeface="Wingdings" pitchFamily="2" charset="2"/>
+            <a:buChar char="§"/>
+          </a:pPr>
+          <a:r>
+            <a:rPr lang="en-GB" sz="1000" kern="1200" dirty="0">
+              <a:latin typeface="Avenir Book" panose="02000503020000020003" pitchFamily="2" charset="0"/>
+            </a:rPr>
+            <a:t>Vectors</a:t>
+          </a:r>
+        </a:p>
+        <a:p>
+          <a:pPr marL="57150" lvl="1" indent="-57150" algn="l" defTabSz="444500">
+            <a:lnSpc>
+              <a:spcPct val="90000"/>
+            </a:lnSpc>
+            <a:spcBef>
+              <a:spcPct val="0"/>
+            </a:spcBef>
+            <a:spcAft>
+              <a:spcPct val="15000"/>
+            </a:spcAft>
+            <a:buFont typeface="Wingdings" pitchFamily="2" charset="2"/>
+            <a:buChar char="§"/>
+          </a:pPr>
+          <a:r>
+            <a:rPr lang="en-GB" sz="1000" kern="1200" dirty="0">
+              <a:latin typeface="Avenir Book" panose="02000503020000020003" pitchFamily="2" charset="0"/>
+            </a:rPr>
+            <a:t>Models</a:t>
+          </a:r>
+        </a:p>
+      </dsp:txBody>
+      <dsp:txXfrm>
+        <a:off x="776766" y="2104146"/>
+        <a:ext cx="2628851" cy="956430"/>
+      </dsp:txXfrm>
+    </dsp:sp>
+    <dsp:sp modelId="{AFB52685-1EA9-114A-8C0A-C40B610D9008}">
+      <dsp:nvSpPr>
+        <dsp:cNvPr id="0" name=""/>
+        <dsp:cNvSpPr/>
+      </dsp:nvSpPr>
+      <dsp:spPr>
+        <a:xfrm>
+          <a:off x="95643" y="2199789"/>
+          <a:ext cx="681123" cy="765144"/>
+        </a:xfrm>
+        <a:prstGeom prst="roundRect">
+          <a:avLst>
+            <a:gd name="adj" fmla="val 10000"/>
+          </a:avLst>
+        </a:prstGeom>
+        <a:blipFill rotWithShape="1">
+          <a:blip xmlns:r="http://schemas.openxmlformats.org/officeDocument/2006/relationships" r:embed="rId5">
+            <a:extLst>
+              <a:ext uri="{96DAC541-7B7A-43D3-8B79-37D633B846F1}">
+                <asvg:svgBlip xmlns:asvg="http://schemas.microsoft.com/office/drawing/2016/SVG/main" r:embed="rId6"/>
+              </a:ext>
+            </a:extLst>
+          </a:blip>
+          <a:srcRect/>
+          <a:stretch>
+            <a:fillRect l="-5000" r="-5000"/>
+          </a:stretch>
+        </a:blipFill>
+        <a:ln w="19050" cap="flat" cmpd="sng" algn="ctr">
+          <a:solidFill>
+            <a:schemeClr val="accent4">
+              <a:shade val="80000"/>
+              <a:hueOff val="0"/>
+              <a:satOff val="0"/>
+              <a:lumOff val="0"/>
+              <a:alphaOff val="0"/>
+            </a:schemeClr>
+          </a:solidFill>
+          <a:prstDash val="solid"/>
+          <a:miter lim="800000"/>
+        </a:ln>
+        <a:effectLst/>
+      </dsp:spPr>
+      <dsp:style>
+        <a:lnRef idx="2">
+          <a:scrgbClr r="0" g="0" b="0"/>
+        </a:lnRef>
+        <a:fillRef idx="1">
+          <a:scrgbClr r="0" g="0" b="0"/>
+        </a:fillRef>
+        <a:effectRef idx="0">
+          <a:scrgbClr r="0" g="0" b="0"/>
+        </a:effectRef>
+        <a:fontRef idx="minor"/>
+      </dsp:style>
+    </dsp:sp>
+  </dsp:spTree>
+</dsp:drawing>
+</file>
+
+<file path=ppt/diagrams/layout1.xml><?xml version="1.0" encoding="utf-8"?>
+<dgm:layoutDef xmlns:dgm="http://schemas.openxmlformats.org/drawingml/2006/diagram" xmlns:a="http://schemas.openxmlformats.org/drawingml/2006/main" uniqueId="urn:microsoft.com/office/officeart/2005/8/layout/vList4">
+  <dgm:title val=""/>
+  <dgm:desc val=""/>
+  <dgm:catLst>
+    <dgm:cat type="list" pri="13000"/>
+    <dgm:cat type="picture" pri="26000"/>
+    <dgm:cat type="pictureconvert" pri="26000"/>
+  </dgm:catLst>
+  <dgm:sampData>
+    <dgm:dataModel>
+      <dgm:ptLst>
+        <dgm:pt modelId="0" type="doc"/>
+        <dgm:pt modelId="1">
+          <dgm:prSet phldr="1"/>
+        </dgm:pt>
+        <dgm:pt modelId="11">
+          <dgm:prSet phldr="1"/>
+        </dgm:pt>
+        <dgm:pt modelId="12">
+          <dgm:prSet phldr="1"/>
+        </dgm:pt>
+        <dgm:pt modelId="2">
+          <dgm:prSet phldr="1"/>
+        </dgm:pt>
+        <dgm:pt modelId="21">
+          <dgm:prSet phldr="1"/>
+        </dgm:pt>
+        <dgm:pt modelId="22">
+          <dgm:prSet phldr="1"/>
+        </dgm:pt>
+        <dgm:pt modelId="3">
+          <dgm:prSet phldr="1"/>
+        </dgm:pt>
+        <dgm:pt modelId="31">
+          <dgm:prSet phldr="1"/>
+        </dgm:pt>
+        <dgm:pt modelId="32">
+          <dgm:prSet phldr="1"/>
+        </dgm:pt>
+      </dgm:ptLst>
+      <dgm:cxnLst>
+        <dgm:cxn modelId="4" srcId="0" destId="1" srcOrd="0" destOrd="0"/>
+        <dgm:cxn modelId="5" srcId="0" destId="2" srcOrd="1" destOrd="0"/>
+        <dgm:cxn modelId="13" srcId="1" destId="11" srcOrd="0" destOrd="0"/>
+        <dgm:cxn modelId="14" srcId="1" destId="12" srcOrd="0" destOrd="0"/>
+        <dgm:cxn modelId="23" srcId="2" destId="21" srcOrd="0" destOrd="0"/>
+        <dgm:cxn modelId="24" srcId="2" destId="22" srcOrd="0" destOrd="0"/>
+        <dgm:cxn modelId="33" srcId="3" destId="31" srcOrd="0" destOrd="0"/>
+        <dgm:cxn modelId="34" srcId="3" destId="32" srcOrd="0" destOrd="0"/>
+      </dgm:cxnLst>
+      <dgm:bg/>
+      <dgm:whole/>
+    </dgm:dataModel>
+  </dgm:sampData>
+  <dgm:styleData>
+    <dgm:dataModel>
+      <dgm:ptLst>
+        <dgm:pt modelId="0" type="doc"/>
+        <dgm:pt modelId="1"/>
+        <dgm:pt modelId="2"/>
+      </dgm:ptLst>
+      <dgm:cxnLst>
+        <dgm:cxn modelId="3" srcId="0" destId="1" srcOrd="0" destOrd="0"/>
+        <dgm:cxn modelId="4" srcId="0" destId="2" srcOrd="1" destOrd="0"/>
+      </dgm:cxnLst>
+      <dgm:bg/>
+      <dgm:whole/>
+    </dgm:dataModel>
+  </dgm:styleData>
+  <dgm:clrData>
+    <dgm:dataModel>
+      <dgm:ptLst>
+        <dgm:pt modelId="0" type="doc"/>
+        <dgm:pt modelId="1"/>
+        <dgm:pt modelId="2"/>
+        <dgm:pt modelId="3"/>
+        <dgm:pt modelId="4"/>
+      </dgm:ptLst>
+      <dgm:cxnLst>
+        <dgm:cxn modelId="5" srcId="0" destId="1" srcOrd="0" destOrd="0"/>
+        <dgm:cxn modelId="6" srcId="0" destId="2" srcOrd="1" destOrd="0"/>
+        <dgm:cxn modelId="7" srcId="0" destId="3" srcOrd="2" destOrd="0"/>
+        <dgm:cxn modelId="8" srcId="0" destId="4" srcOrd="3" destOrd="0"/>
+      </dgm:cxnLst>
+      <dgm:bg/>
+      <dgm:whole/>
+    </dgm:dataModel>
+  </dgm:clrData>
+  <dgm:layoutNode name="linear">
+    <dgm:varLst>
+      <dgm:dir/>
+      <dgm:resizeHandles val="exact"/>
+    </dgm:varLst>
+    <dgm:alg type="lin">
+      <dgm:param type="linDir" val="fromT"/>
+      <dgm:param type="vertAlign" val="t"/>
+    </dgm:alg>
+    <dgm:shape xmlns:r="http://schemas.openxmlformats.org/officeDocument/2006/relationships" r:blip="">
+      <dgm:adjLst/>
+    </dgm:shape>
+    <dgm:presOf/>
+    <dgm:constrLst>
+      <dgm:constr type="w" for="ch" forName="comp" refType="w"/>
+      <dgm:constr type="h" for="ch" forName="comp" refType="h"/>
+      <dgm:constr type="h" for="ch" forName="spacer" refType="h" refFor="ch" refForName="comp" op="equ" fact="0.1"/>
+      <dgm:constr type="primFontSz" for="des" forName="text" op="equ" val="65"/>
+    </dgm:constrLst>
+    <dgm:ruleLst/>
+    <dgm:forEach name="Name0" axis="ch" ptType="node">
+      <dgm:layoutNode name="comp" styleLbl="node1">
+        <dgm:alg type="composite"/>
+        <dgm:shape xmlns:r="http://schemas.openxmlformats.org/officeDocument/2006/relationships" r:blip="">
+          <dgm:adjLst/>
+        </dgm:shape>
+        <dgm:presOf/>
+        <dgm:choose name="Name1">
+          <dgm:if name="Name2" func="var" arg="dir" op="equ" val="norm">
+            <dgm:constrLst>
+              <dgm:constr type="h" for="ch" forName="box" refType="h"/>
+              <dgm:constr type="w" for="ch" forName="box" refType="w"/>
+              <dgm:constr type="w" for="ch" forName="img" refType="w" refFor="ch" refForName="box" fact="0.2"/>
+              <dgm:constr type="h" for="ch" forName="img" refType="h" refFor="ch" refForName="box" fact="0.8"/>
+              <dgm:constr type="t" for="ch" forName="img" refType="h" refFor="ch" refForName="box" fact="0.1"/>
+              <dgm:constr type="l" for="ch" forName="img" refType="h" refFor="ch" refForName="box" fact="0.1"/>
+              <dgm:constr type="h" for="ch" forName="text" refType="h"/>
+              <dgm:constr type="l" for="ch" forName="text" refType="r" refFor="ch" refForName="img"/>
+              <dgm:constr type="r" for="ch" forName="text" refType="w"/>
+            </dgm:constrLst>
+          </dgm:if>
+          <dgm:else name="Name3">
+            <dgm:constrLst>
+              <dgm:constr type="h" for="ch" forName="box" refType="h"/>
+              <dgm:constr type="w" for="ch" forName="box" refType="w"/>
+              <dgm:constr type="w" for="ch" forName="img" refType="w" refFor="ch" refForName="box" fact="0.2"/>
+              <dgm:constr type="h" for="ch" forName="img" refType="h" refFor="ch" refForName="box" fact="0.8"/>
+              <dgm:constr type="t" for="ch" forName="img" refType="h" refFor="ch" refForName="box" fact="0.1"/>
+              <dgm:constr type="r" for="ch" forName="img" refType="w" refFor="ch" refForName="box"/>
+              <dgm:constr type="rOff" for="ch" forName="img" refType="h" refFor="ch" refForName="box" fact="-0.1"/>
+              <dgm:constr type="h" for="ch" forName="text" refType="h"/>
+              <dgm:constr type="r" for="ch" forName="text" refType="l" refFor="ch" refForName="img"/>
+              <dgm:constr type="l" for="ch" forName="text"/>
+            </dgm:constrLst>
+          </dgm:else>
+        </dgm:choose>
+        <dgm:ruleLst/>
+        <dgm:layoutNode name="box" styleLbl="node1">
+          <dgm:alg type="sp"/>
+          <dgm:shape xmlns:r="http://schemas.openxmlformats.org/officeDocument/2006/relationships" type="roundRect" r:blip="">
+            <dgm:adjLst>
+              <dgm:adj idx="1" val="0.1"/>
+            </dgm:adjLst>
+          </dgm:shape>
+          <dgm:presOf axis="desOrSelf" ptType="node"/>
+          <dgm:constrLst/>
+          <dgm:ruleLst/>
+        </dgm:layoutNode>
+        <dgm:layoutNode name="img" styleLbl="fgImgPlace1">
+          <dgm:alg type="sp"/>
+          <dgm:shape xmlns:r="http://schemas.openxmlformats.org/officeDocument/2006/relationships" type="roundRect" r:blip="" blipPhldr="1">
+            <dgm:adjLst>
+              <dgm:adj idx="1" val="0.1"/>
+            </dgm:adjLst>
+          </dgm:shape>
+          <dgm:presOf/>
+          <dgm:constrLst/>
+          <dgm:ruleLst/>
+        </dgm:layoutNode>
+        <dgm:layoutNode name="text">
+          <dgm:varLst>
+            <dgm:bulletEnabled val="1"/>
+          </dgm:varLst>
+          <dgm:alg type="tx">
+            <dgm:param type="parTxLTRAlign" val="l"/>
+            <dgm:param type="parTxRTLAlign" val="r"/>
+          </dgm:alg>
+          <dgm:shape xmlns:r="http://schemas.openxmlformats.org/officeDocument/2006/relationships" type="rect" r:blip="" hideGeom="1">
+            <dgm:adjLst/>
+          </dgm:shape>
+          <dgm:presOf axis="desOrSelf" ptType="node"/>
+          <dgm:constrLst>
+            <dgm:constr type="tMarg" refType="primFontSz" fact="0.3"/>
+            <dgm:constr type="bMarg" refType="primFontSz" fact="0.3"/>
+            <dgm:constr type="lMarg" refType="primFontSz" fact="0.3"/>
+            <dgm:constr type="rMarg" refType="primFontSz" fact="0.3"/>
+          </dgm:constrLst>
+          <dgm:ruleLst>
+            <dgm:rule type="primFontSz" val="5" fact="NaN" max="NaN"/>
+          </dgm:ruleLst>
+        </dgm:layoutNode>
+      </dgm:layoutNode>
+      <dgm:forEach name="Name4" axis="followSib" ptType="sibTrans" cnt="1">
+        <dgm:layoutNode name="spacer">
+          <dgm:alg type="sp"/>
+          <dgm:shape xmlns:r="http://schemas.openxmlformats.org/officeDocument/2006/relationships" r:blip="">
+            <dgm:adjLst/>
+          </dgm:shape>
+          <dgm:presOf axis="self"/>
+          <dgm:constrLst/>
+          <dgm:ruleLst/>
+        </dgm:layoutNode>
+      </dgm:forEach>
+    </dgm:forEach>
+  </dgm:layoutNode>
+</dgm:layoutDef>
+</file>
+
+<file path=ppt/diagrams/quickStyle1.xml><?xml version="1.0" encoding="utf-8"?>
+<dgm:styleDef xmlns:dgm="http://schemas.openxmlformats.org/drawingml/2006/diagram" xmlns:a="http://schemas.openxmlformats.org/drawingml/2006/main" uniqueId="urn:microsoft.com/office/officeart/2005/8/quickstyle/simple1">
+  <dgm:title val=""/>
+  <dgm:desc val=""/>
+  <dgm:catLst>
+    <dgm:cat type="simple" pri="10100"/>
+  </dgm:catLst>
+  <dgm:scene3d>
+    <a:camera prst="orthographicFront"/>
+    <a:lightRig rig="threePt" dir="t"/>
+  </dgm:scene3d>
+  <dgm:styleLbl name="node0">
+    <dgm:scene3d>
+      <a:camera prst="orthographicFront"/>
+      <a:lightRig rig="threePt" dir="t"/>
+    </dgm:scene3d>
+    <dgm:sp3d/>
+    <dgm:txPr/>
+    <dgm:style>
+      <a:lnRef idx="2">
+        <a:scrgbClr r="0" g="0" b="0"/>
+      </a:lnRef>
+      <a:fillRef idx="1">
+        <a:scrgbClr r="0" g="0" b="0"/>
+      </a:fillRef>
+      <a:effectRef idx="0">
+        <a:scrgbClr r="0" g="0" b="0"/>
+      </a:effectRef>
+      <a:fontRef idx="minor">
+        <a:schemeClr val="lt1"/>
+      </a:fontRef>
+    </dgm:style>
+  </dgm:styleLbl>
+  <dgm:styleLbl name="lnNode1">
+    <dgm:scene3d>
+      <a:camera prst="orthographicFront"/>
+      <a:lightRig rig="threePt" dir="t"/>
+    </dgm:scene3d>
+    <dgm:sp3d/>
+    <dgm:txPr/>
+    <dgm:style>
+      <a:lnRef idx="2">
+        <a:scrgbClr r="0" g="0" b="0"/>
+      </a:lnRef>
+      <a:fillRef idx="1">
+        <a:scrgbClr r="0" g="0" b="0"/>
+      </a:fillRef>
+      <a:effectRef idx="0">
+        <a:scrgbClr r="0" g="0" b="0"/>
+      </a:effectRef>
+      <a:fontRef idx="minor">
+        <a:schemeClr val="lt1"/>
+      </a:fontRef>
+    </dgm:style>
+  </dgm:styleLbl>
+  <dgm:styleLbl name="vennNode1">
+    <dgm:scene3d>
+      <a:camera prst="orthographicFront"/>
+      <a:lightRig rig="threePt" dir="t"/>
+    </dgm:scene3d>
+    <dgm:sp3d/>
+    <dgm:txPr/>
+    <dgm:style>
+      <a:lnRef idx="2">
+        <a:scrgbClr r="0" g="0" b="0"/>
+      </a:lnRef>
+      <a:fillRef idx="1">
+        <a:scrgbClr r="0" g="0" b="0"/>
+      </a:fillRef>
+      <a:effectRef idx="0">
+        <a:scrgbClr r="0" g="0" b="0"/>
+      </a:effectRef>
+      <a:fontRef idx="minor">
+        <a:schemeClr val="tx1"/>
+      </a:fontRef>
+    </dgm:style>
+  </dgm:styleLbl>
+  <dgm:styleLbl name="alignNode1">
+    <dgm:scene3d>
+      <a:camera prst="orthographicFront"/>
+      <a:lightRig rig="threePt" dir="t"/>
+    </dgm:scene3d>
+    <dgm:sp3d/>
+    <dgm:txPr/>
+    <dgm:style>
+      <a:lnRef idx="2">
+        <a:scrgbClr r="0" g="0" b="0"/>
+      </a:lnRef>
+      <a:fillRef idx="1">
+        <a:scrgbClr r="0" g="0" b="0"/>
+      </a:fillRef>
+      <a:effectRef idx="0">
+        <a:scrgbClr r="0" g="0" b="0"/>
+      </a:effectRef>
+      <a:fontRef idx="minor">
+        <a:schemeClr val="lt1"/>
+      </a:fontRef>
+    </dgm:style>
+  </dgm:styleLbl>
+  <dgm:styleLbl name="node1">
+    <dgm:scene3d>
+      <a:camera prst="orthographicFront"/>
+      <a:lightRig rig="threePt" dir="t"/>
+    </dgm:scene3d>
+    <dgm:sp3d/>
+    <dgm:txPr/>
+    <dgm:style>
+      <a:lnRef idx="2">
+        <a:scrgbClr r="0" g="0" b="0"/>
+      </a:lnRef>
+      <a:fillRef idx="1">
+        <a:scrgbClr r="0" g="0" b="0"/>
+      </a:fillRef>
+      <a:effectRef idx="0">
+        <a:scrgbClr r="0" g="0" b="0"/>
+      </a:effectRef>
+      <a:fontRef idx="minor">
+        <a:schemeClr val="lt1"/>
+      </a:fontRef>
+    </dgm:style>
+  </dgm:styleLbl>
+  <dgm:styleLbl name="node2">
+    <dgm:scene3d>
+      <a:camera prst="orthographicFront"/>
+      <a:lightRig rig="threePt" dir="t"/>
+    </dgm:scene3d>
+    <dgm:sp3d/>
+    <dgm:txPr/>
+    <dgm:style>
+      <a:lnRef idx="2">
+        <a:scrgbClr r="0" g="0" b="0"/>
+      </a:lnRef>
+      <a:fillRef idx="1">
+        <a:scrgbClr r="0" g="0" b="0"/>
+      </a:fillRef>
+      <a:effectRef idx="0">
+        <a:scrgbClr r="0" g="0" b="0"/>
+      </a:effectRef>
+      <a:fontRef idx="minor">
+        <a:schemeClr val="lt1"/>
+      </a:fontRef>
+    </dgm:style>
+  </dgm:styleLbl>
+  <dgm:styleLbl name="node3">
+    <dgm:scene3d>
+      <a:camera prst="orthographicFront"/>
+      <a:lightRig rig="threePt" dir="t"/>
+    </dgm:scene3d>
+    <dgm:sp3d/>
+    <dgm:txPr/>
+    <dgm:style>
+      <a:lnRef idx="2">
+        <a:scrgbClr r="0" g="0" b="0"/>
+      </a:lnRef>
+      <a:fillRef idx="1">
+        <a:scrgbClr r="0" g="0" b="0"/>
+      </a:fillRef>
+      <a:effectRef idx="0">
+        <a:scrgbClr r="0" g="0" b="0"/>
+      </a:effectRef>
+      <a:fontRef idx="minor">
+        <a:schemeClr val="lt1"/>
+      </a:fontRef>
+    </dgm:style>
+  </dgm:styleLbl>
+  <dgm:styleLbl name="node4">
+    <dgm:scene3d>
+      <a:camera prst="orthographicFront"/>
+      <a:lightRig rig="threePt" dir="t"/>
+    </dgm:scene3d>
+    <dgm:sp3d/>
+    <dgm:txPr/>
+    <dgm:style>
+      <a:lnRef idx="2">
+        <a:scrgbClr r="0" g="0" b="0"/>
+      </a:lnRef>
+      <a:fillRef idx="1">
+        <a:scrgbClr r="0" g="0" b="0"/>
+      </a:fillRef>
+      <a:effectRef idx="0">
+        <a:scrgbClr r="0" g="0" b="0"/>
+      </a:effectRef>
+      <a:fontRef idx="minor">
+        <a:schemeClr val="lt1"/>
+      </a:fontRef>
+    </dgm:style>
+  </dgm:styleLbl>
+  <dgm:styleLbl name="fgImgPlace1">
+    <dgm:scene3d>
+      <a:camera prst="orthographicFront"/>
+      <a:lightRig rig="threePt" dir="t"/>
+    </dgm:scene3d>
+    <dgm:sp3d/>
+    <dgm:txPr/>
+    <dgm:style>
+      <a:lnRef idx="2">
+        <a:scrgbClr r="0" g="0" b="0"/>
+      </a:lnRef>
+      <a:fillRef idx="1">
+        <a:scrgbClr r="0" g="0" b="0"/>
+      </a:fillRef>
+      <a:effectRef idx="0">
+        <a:scrgbClr r="0" g="0" b="0"/>
+      </a:effectRef>
+      <a:fontRef idx="minor"/>
+    </dgm:style>
+  </dgm:styleLbl>
+  <dgm:styleLbl name="alignImgPlace1">
+    <dgm:scene3d>
+      <a:camera prst="orthographicFront"/>
+      <a:lightRig rig="threePt" dir="t"/>
+    </dgm:scene3d>
+    <dgm:sp3d/>
+    <dgm:txPr/>
+    <dgm:style>
+      <a:lnRef idx="2">
+        <a:scrgbClr r="0" g="0" b="0"/>
+      </a:lnRef>
+      <a:fillRef idx="1">
+        <a:scrgbClr r="0" g="0" b="0"/>
+      </a:fillRef>
+      <a:effectRef idx="0">
+        <a:scrgbClr r="0" g="0" b="0"/>
+      </a:effectRef>
+      <a:fontRef idx="minor"/>
+    </dgm:style>
+  </dgm:styleLbl>
+  <dgm:styleLbl name="bgImgPlace1">
+    <dgm:scene3d>
+      <a:camera prst="orthographicFront"/>
+      <a:lightRig rig="threePt" dir="t"/>
+    </dgm:scene3d>
+    <dgm:sp3d/>
+    <dgm:txPr/>
+    <dgm:style>
+      <a:lnRef idx="2">
+        <a:scrgbClr r="0" g="0" b="0"/>
+      </a:lnRef>
+      <a:fillRef idx="1">
+        <a:scrgbClr r="0" g="0" b="0"/>
+      </a:fillRef>
+      <a:effectRef idx="0">
+        <a:scrgbClr r="0" g="0" b="0"/>
+      </a:effectRef>
+      <a:fontRef idx="minor"/>
+    </dgm:style>
+  </dgm:styleLbl>
+  <dgm:styleLbl name="sibTrans2D1">
+    <dgm:scene3d>
+      <a:camera prst="orthographicFront"/>
+      <a:lightRig rig="threePt" dir="t"/>
+    </dgm:scene3d>
+    <dgm:sp3d/>
+    <dgm:txPr/>
+    <dgm:style>
+      <a:lnRef idx="0">
+        <a:scrgbClr r="0" g="0" b="0"/>
+      </a:lnRef>
+      <a:fillRef idx="1">
+        <a:scrgbClr r="0" g="0" b="0"/>
+      </a:fillRef>
+      <a:effectRef idx="0">
+        <a:scrgbClr r="0" g="0" b="0"/>
+      </a:effectRef>
+      <a:fontRef idx="minor">
+        <a:schemeClr val="lt1"/>
+      </a:fontRef>
+    </dgm:style>
+  </dgm:styleLbl>
+  <dgm:styleLbl name="fgSibTrans2D1">
+    <dgm:scene3d>
+      <a:camera prst="orthographicFront"/>
+      <a:lightRig rig="threePt" dir="t"/>
+    </dgm:scene3d>
+    <dgm:sp3d/>
+    <dgm:txPr/>
+    <dgm:style>
+      <a:lnRef idx="0">
+        <a:scrgbClr r="0" g="0" b="0"/>
+      </a:lnRef>
+      <a:fillRef idx="1">
+        <a:scrgbClr r="0" g="0" b="0"/>
+      </a:fillRef>
+      <a:effectRef idx="0">
+        <a:scrgbClr r="0" g="0" b="0"/>
+      </a:effectRef>
+      <a:fontRef idx="minor">
+        <a:schemeClr val="lt1"/>
+      </a:fontRef>
+    </dgm:style>
+  </dgm:styleLbl>
+  <dgm:styleLbl name="bgSibTrans2D1">
+    <dgm:scene3d>
+      <a:camera prst="orthographicFront"/>
+      <a:lightRig rig="threePt" dir="t"/>
+    </dgm:scene3d>
+    <dgm:sp3d/>
+    <dgm:txPr/>
+    <dgm:style>
+      <a:lnRef idx="0">
+        <a:scrgbClr r="0" g="0" b="0"/>
+      </a:lnRef>
+      <a:fillRef idx="1">
+        <a:scrgbClr r="0" g="0" b="0"/>
+      </a:fillRef>
+      <a:effectRef idx="0">
+        <a:scrgbClr r="0" g="0" b="0"/>
+      </a:effectRef>
+      <a:fontRef idx="minor">
+        <a:schemeClr val="lt1"/>
+      </a:fontRef>
+    </dgm:style>
+  </dgm:styleLbl>
+  <dgm:styleLbl name="sibTrans1D1">
+    <dgm:scene3d>
+      <a:camera prst="orthographicFront"/>
+      <a:lightRig rig="threePt" dir="t"/>
+    </dgm:scene3d>
+    <dgm:sp3d/>
+    <dgm:txPr/>
+    <dgm:style>
+      <a:lnRef idx="1">
+        <a:scrgbClr r="0" g="0" b="0"/>
+      </a:lnRef>
+      <a:fillRef idx="0">
+        <a:scrgbClr r="0" g="0" b="0"/>
+      </a:fillRef>
+      <a:effectRef idx="0">
+        <a:scrgbClr r="0" g="0" b="0"/>
+      </a:effectRef>
+      <a:fontRef idx="minor"/>
+    </dgm:style>
+  </dgm:styleLbl>
+  <dgm:styleLbl name="callout">
+    <dgm:scene3d>
+      <a:camera prst="orthographicFront"/>
+      <a:lightRig rig="threePt" dir="t"/>
+    </dgm:scene3d>
+    <dgm:sp3d/>
+    <dgm:txPr/>
+    <dgm:style>
+      <a:lnRef idx="2">
+        <a:scrgbClr r="0" g="0" b="0"/>
+      </a:lnRef>
+      <a:fillRef idx="1">
+        <a:scrgbClr r="0" g="0" b="0"/>
+      </a:fillRef>
+      <a:effectRef idx="0">
+        <a:scrgbClr r="0" g="0" b="0"/>
+      </a:effectRef>
+      <a:fontRef idx="minor"/>
+    </dgm:style>
+  </dgm:styleLbl>
+  <dgm:styleLbl name="asst0">
+    <dgm:scene3d>
+      <a:camera prst="orthographicFront"/>
+      <a:lightRig rig="threePt" dir="t"/>
+    </dgm:scene3d>
+    <dgm:sp3d/>
+    <dgm:txPr/>
+    <dgm:style>
+      <a:lnRef idx="2">
+        <a:scrgbClr r="0" g="0" b="0"/>
+      </a:lnRef>
+      <a:fillRef idx="1">
+        <a:scrgbClr r="0" g="0" b="0"/>
+      </a:fillRef>
+      <a:effectRef idx="0">
+        <a:scrgbClr r="0" g="0" b="0"/>
+      </a:effectRef>
+      <a:fontRef idx="minor">
+        <a:schemeClr val="lt1"/>
+      </a:fontRef>
+    </dgm:style>
+  </dgm:styleLbl>
+  <dgm:styleLbl name="asst1">
+    <dgm:scene3d>
+      <a:camera prst="orthographicFront"/>
+      <a:lightRig rig="threePt" dir="t"/>
+    </dgm:scene3d>
+    <dgm:sp3d/>
+    <dgm:txPr/>
+    <dgm:style>
+      <a:lnRef idx="2">
+        <a:scrgbClr r="0" g="0" b="0"/>
+      </a:lnRef>
+      <a:fillRef idx="1">
+        <a:scrgbClr r="0" g="0" b="0"/>
+      </a:fillRef>
+      <a:effectRef idx="0">
+        <a:scrgbClr r="0" g="0" b="0"/>
+      </a:effectRef>
+      <a:fontRef idx="minor">
+        <a:schemeClr val="lt1"/>
+      </a:fontRef>
+    </dgm:style>
+  </dgm:styleLbl>
+  <dgm:styleLbl name="asst2">
+    <dgm:scene3d>
+      <a:camera prst="orthographicFront"/>
+      <a:lightRig rig="threePt" dir="t"/>
+    </dgm:scene3d>
+    <dgm:sp3d/>
+    <dgm:txPr/>
+    <dgm:style>
+      <a:lnRef idx="2">
+        <a:scrgbClr r="0" g="0" b="0"/>
+      </a:lnRef>
+      <a:fillRef idx="1">
+        <a:scrgbClr r="0" g="0" b="0"/>
+      </a:fillRef>
+      <a:effectRef idx="0">
+        <a:scrgbClr r="0" g="0" b="0"/>
+      </a:effectRef>
+      <a:fontRef idx="minor">
+        <a:schemeClr val="lt1"/>
+      </a:fontRef>
+    </dgm:style>
+  </dgm:styleLbl>
+  <dgm:styleLbl name="asst3">
+    <dgm:scene3d>
+      <a:camera prst="orthographicFront"/>
+      <a:lightRig rig="threePt" dir="t"/>
+    </dgm:scene3d>
+    <dgm:sp3d/>
+    <dgm:txPr/>
+    <dgm:style>
+      <a:lnRef idx="2">
+        <a:scrgbClr r="0" g="0" b="0"/>
+      </a:lnRef>
+      <a:fillRef idx="1">
+        <a:scrgbClr r="0" g="0" b="0"/>
+      </a:fillRef>
+      <a:effectRef idx="0">
+        <a:scrgbClr r="0" g="0" b="0"/>
+      </a:effectRef>
+      <a:fontRef idx="minor">
+        <a:schemeClr val="lt1"/>
+      </a:fontRef>
+    </dgm:style>
+  </dgm:styleLbl>
+  <dgm:styleLbl name="asst4">
+    <dgm:scene3d>
+      <a:camera prst="orthographicFront"/>
+      <a:lightRig rig="threePt" dir="t"/>
+    </dgm:scene3d>
+    <dgm:sp3d/>
+    <dgm:txPr/>
+    <dgm:style>
+      <a:lnRef idx="2">
+        <a:scrgbClr r="0" g="0" b="0"/>
+      </a:lnRef>
+      <a:fillRef idx="1">
+        <a:scrgbClr r="0" g="0" b="0"/>
+      </a:fillRef>
+      <a:effectRef idx="0">
+        <a:scrgbClr r="0" g="0" b="0"/>
+      </a:effectRef>
+      <a:fontRef idx="minor">
+        <a:schemeClr val="lt1"/>
+      </a:fontRef>
+    </dgm:style>
+  </dgm:styleLbl>
+  <dgm:styleLbl name="parChTrans2D1">
+    <dgm:scene3d>
+      <a:camera prst="orthographicFront"/>
+      <a:lightRig rig="threePt" dir="t"/>
+    </dgm:scene3d>
+    <dgm:sp3d/>
+    <dgm:txPr/>
+    <dgm:style>
+      <a:lnRef idx="2">
+        <a:scrgbClr r="0" g="0" b="0"/>
+      </a:lnRef>
+      <a:fillRef idx="1">
+        <a:scrgbClr r="0" g="0" b="0"/>
+      </a:fillRef>
+      <a:effectRef idx="0">
+        <a:scrgbClr r="0" g="0" b="0"/>
+      </a:effectRef>
+      <a:fontRef idx="minor">
+        <a:schemeClr val="lt1"/>
+      </a:fontRef>
+    </dgm:style>
+  </dgm:styleLbl>
+  <dgm:styleLbl name="parChTrans2D2">
+    <dgm:scene3d>
+      <a:camera prst="orthographicFront"/>
+      <a:lightRig rig="threePt" dir="t"/>
+    </dgm:scene3d>
+    <dgm:sp3d/>
+    <dgm:txPr/>
+    <dgm:style>
+      <a:lnRef idx="2">
+        <a:scrgbClr r="0" g="0" b="0"/>
+      </a:lnRef>
+      <a:fillRef idx="1">
+        <a:scrgbClr r="0" g="0" b="0"/>
+      </a:fillRef>
+      <a:effectRef idx="0">
+        <a:scrgbClr r="0" g="0" b="0"/>
+      </a:effectRef>
+      <a:fontRef idx="minor">
+        <a:schemeClr val="lt1"/>
+      </a:fontRef>
+    </dgm:style>
+  </dgm:styleLbl>
+  <dgm:styleLbl name="parChTrans2D3">
+    <dgm:scene3d>
+      <a:camera prst="orthographicFront"/>
+      <a:lightRig rig="threePt" dir="t"/>
+    </dgm:scene3d>
+    <dgm:sp3d/>
+    <dgm:txPr/>
+    <dgm:style>
+      <a:lnRef idx="2">
+        <a:scrgbClr r="0" g="0" b="0"/>
+      </a:lnRef>
+      <a:fillRef idx="1">
+        <a:scrgbClr r="0" g="0" b="0"/>
+      </a:fillRef>
+      <a:effectRef idx="0">
+        <a:scrgbClr r="0" g="0" b="0"/>
+      </a:effectRef>
+      <a:fontRef idx="minor">
+        <a:schemeClr val="lt1"/>
+      </a:fontRef>
+    </dgm:style>
+  </dgm:styleLbl>
+  <dgm:styleLbl name="parChTrans2D4">
+    <dgm:scene3d>
+      <a:camera prst="orthographicFront"/>
+      <a:lightRig rig="threePt" dir="t"/>
+    </dgm:scene3d>
+    <dgm:sp3d/>
+    <dgm:txPr/>
+    <dgm:style>
+      <a:lnRef idx="2">
+        <a:scrgbClr r="0" g="0" b="0"/>
+      </a:lnRef>
+      <a:fillRef idx="1">
+        <a:scrgbClr r="0" g="0" b="0"/>
+      </a:fillRef>
+      <a:effectRef idx="0">
+        <a:scrgbClr r="0" g="0" b="0"/>
+      </a:effectRef>
+      <a:fontRef idx="minor">
+        <a:schemeClr val="lt1"/>
+      </a:fontRef>
+    </dgm:style>
+  </dgm:styleLbl>
+  <dgm:styleLbl name="parChTrans1D1">
+    <dgm:scene3d>
+      <a:camera prst="orthographicFront"/>
+      <a:lightRig rig="threePt" dir="t"/>
+    </dgm:scene3d>
+    <dgm:sp3d/>
+    <dgm:txPr/>
+    <dgm:style>
+      <a:lnRef idx="2">
+        <a:scrgbClr r="0" g="0" b="0"/>
+      </a:lnRef>
+      <a:fillRef idx="0">
+        <a:scrgbClr r="0" g="0" b="0"/>
+      </a:fillRef>
+      <a:effectRef idx="0">
+        <a:scrgbClr r="0" g="0" b="0"/>
+      </a:effectRef>
+      <a:fontRef idx="minor"/>
+    </dgm:style>
+  </dgm:styleLbl>
+  <dgm:styleLbl name="parChTrans1D2">
+    <dgm:scene3d>
+      <a:camera prst="orthographicFront"/>
+      <a:lightRig rig="threePt" dir="t"/>
+    </dgm:scene3d>
+    <dgm:sp3d/>
+    <dgm:txPr/>
+    <dgm:style>
+      <a:lnRef idx="2">
+        <a:scrgbClr r="0" g="0" b="0"/>
+      </a:lnRef>
+      <a:fillRef idx="0">
+        <a:scrgbClr r="0" g="0" b="0"/>
+      </a:fillRef>
+      <a:effectRef idx="0">
+        <a:scrgbClr r="0" g="0" b="0"/>
+      </a:effectRef>
+      <a:fontRef idx="minor"/>
+    </dgm:style>
+  </dgm:styleLbl>
+  <dgm:styleLbl name="parChTrans1D3">
+    <dgm:scene3d>
+      <a:camera prst="orthographicFront"/>
+      <a:lightRig rig="threePt" dir="t"/>
+    </dgm:scene3d>
+    <dgm:sp3d/>
+    <dgm:txPr/>
+    <dgm:style>
+      <a:lnRef idx="2">
+        <a:scrgbClr r="0" g="0" b="0"/>
+      </a:lnRef>
+      <a:fillRef idx="0">
+        <a:scrgbClr r="0" g="0" b="0"/>
+      </a:fillRef>
+      <a:effectRef idx="0">
+        <a:scrgbClr r="0" g="0" b="0"/>
+      </a:effectRef>
+      <a:fontRef idx="minor"/>
+    </dgm:style>
+  </dgm:styleLbl>
+  <dgm:styleLbl name="parChTrans1D4">
+    <dgm:scene3d>
+      <a:camera prst="orthographicFront"/>
+      <a:lightRig rig="threePt" dir="t"/>
+    </dgm:scene3d>
+    <dgm:sp3d/>
+    <dgm:txPr/>
+    <dgm:style>
+      <a:lnRef idx="2">
+        <a:scrgbClr r="0" g="0" b="0"/>
+      </a:lnRef>
+      <a:fillRef idx="0">
+        <a:scrgbClr r="0" g="0" b="0"/>
+      </a:fillRef>
+      <a:effectRef idx="0">
+        <a:scrgbClr r="0" g="0" b="0"/>
+      </a:effectRef>
+      <a:fontRef idx="minor"/>
+    </dgm:style>
+  </dgm:styleLbl>
+  <dgm:styleLbl name="fgAcc1">
+    <dgm:scene3d>
+      <a:camera prst="orthographicFront"/>
+      <a:lightRig rig="threePt" dir="t"/>
+    </dgm:scene3d>
+    <dgm:sp3d/>
+    <dgm:txPr/>
+    <dgm:style>
+      <a:lnRef idx="2">
+        <a:scrgbClr r="0" g="0" b="0"/>
+      </a:lnRef>
+      <a:fillRef idx="1">
+        <a:scrgbClr r="0" g="0" b="0"/>
+      </a:fillRef>
+      <a:effectRef idx="0">
+        <a:scrgbClr r="0" g="0" b="0"/>
+      </a:effectRef>
+      <a:fontRef idx="minor"/>
+    </dgm:style>
+  </dgm:styleLbl>
+  <dgm:styleLbl name="conFgAcc1">
+    <dgm:scene3d>
+      <a:camera prst="orthographicFront"/>
+      <a:lightRig rig="threePt" dir="t"/>
+    </dgm:scene3d>
+    <dgm:sp3d/>
+    <dgm:txPr/>
+    <dgm:style>
+      <a:lnRef idx="2">
+        <a:scrgbClr r="0" g="0" b="0"/>
+      </a:lnRef>
+      <a:fillRef idx="1">
+        <a:scrgbClr r="0" g="0" b="0"/>
+      </a:fillRef>
+      <a:effectRef idx="0">
+        <a:scrgbClr r="0" g="0" b="0"/>
+      </a:effectRef>
+      <a:fontRef idx="minor"/>
+    </dgm:style>
+  </dgm:styleLbl>
+  <dgm:styleLbl name="alignAcc1">
+    <dgm:scene3d>
+      <a:camera prst="orthographicFront"/>
+      <a:lightRig rig="threePt" dir="t"/>
+    </dgm:scene3d>
+    <dgm:sp3d/>
+    <dgm:txPr/>
+    <dgm:style>
+      <a:lnRef idx="2">
+        <a:scrgbClr r="0" g="0" b="0"/>
+      </a:lnRef>
+      <a:fillRef idx="1">
+        <a:scrgbClr r="0" g="0" b="0"/>
+      </a:fillRef>
+      <a:effectRef idx="0">
+        <a:scrgbClr r="0" g="0" b="0"/>
+      </a:effectRef>
+      <a:fontRef idx="minor"/>
+    </dgm:style>
+  </dgm:styleLbl>
+  <dgm:styleLbl name="trAlignAcc1">
+    <dgm:scene3d>
+      <a:camera prst="orthographicFront"/>
+      <a:lightRig rig="threePt" dir="t"/>
+    </dgm:scene3d>
+    <dgm:sp3d/>
+    <dgm:txPr/>
+    <dgm:style>
+      <a:lnRef idx="1">
+        <a:scrgbClr r="0" g="0" b="0"/>
+      </a:lnRef>
+      <a:fillRef idx="1">
+        <a:scrgbClr r="0" g="0" b="0"/>
+      </a:fillRef>
+      <a:effectRef idx="0">
+        <a:scrgbClr r="0" g="0" b="0"/>
+      </a:effectRef>
+      <a:fontRef idx="minor"/>
+    </dgm:style>
+  </dgm:styleLbl>
+  <dgm:styleLbl name="bgAcc1">
+    <dgm:scene3d>
+      <a:camera prst="orthographicFront"/>
+      <a:lightRig rig="threePt" dir="t"/>
+    </dgm:scene3d>
+    <dgm:sp3d/>
+    <dgm:txPr/>
+    <dgm:style>
+      <a:lnRef idx="2">
+        <a:scrgbClr r="0" g="0" b="0"/>
+      </a:lnRef>
+      <a:fillRef idx="1">
+        <a:scrgbClr r="0" g="0" b="0"/>
+      </a:fillRef>
+      <a:effectRef idx="0">
+        <a:scrgbClr r="0" g="0" b="0"/>
+      </a:effectRef>
+      <a:fontRef idx="minor"/>
+    </dgm:style>
+  </dgm:styleLbl>
+  <dgm:styleLbl name="solidFgAcc1">
+    <dgm:scene3d>
+      <a:camera prst="orthographicFront"/>
+      <a:lightRig rig="threePt" dir="t"/>
+    </dgm:scene3d>
+    <dgm:sp3d/>
+    <dgm:txPr/>
+    <dgm:style>
+      <a:lnRef idx="2">
+        <a:scrgbClr r="0" g="0" b="0"/>
+      </a:lnRef>
+      <a:fillRef idx="1">
+        <a:scrgbClr r="0" g="0" b="0"/>
+      </a:fillRef>
+      <a:effectRef idx="0">
+        <a:scrgbClr r="0" g="0" b="0"/>
+      </a:effectRef>
+      <a:fontRef idx="minor"/>
+    </dgm:style>
+  </dgm:styleLbl>
+  <dgm:styleLbl name="solidAlignAcc1">
+    <dgm:scene3d>
+      <a:camera prst="orthographicFront"/>
+      <a:lightRig rig="threePt" dir="t"/>
+    </dgm:scene3d>
+    <dgm:sp3d/>
+    <dgm:txPr/>
+    <dgm:style>
+      <a:lnRef idx="2">
+        <a:scrgbClr r="0" g="0" b="0"/>
+      </a:lnRef>
+      <a:fillRef idx="1">
+        <a:scrgbClr r="0" g="0" b="0"/>
+      </a:fillRef>
+      <a:effectRef idx="0">
+        <a:scrgbClr r="0" g="0" b="0"/>
+      </a:effectRef>
+      <a:fontRef idx="minor"/>
+    </dgm:style>
+  </dgm:styleLbl>
+  <dgm:styleLbl name="solidBgAcc1">
+    <dgm:scene3d>
+      <a:camera prst="orthographicFront"/>
+      <a:lightRig rig="threePt" dir="t"/>
+    </dgm:scene3d>
+    <dgm:sp3d/>
+    <dgm:txPr/>
+    <dgm:style>
+      <a:lnRef idx="2">
+        <a:scrgbClr r="0" g="0" b="0"/>
+      </a:lnRef>
+      <a:fillRef idx="1">
+        <a:scrgbClr r="0" g="0" b="0"/>
+      </a:fillRef>
+      <a:effectRef idx="0">
+        <a:scrgbClr r="0" g="0" b="0"/>
+      </a:effectRef>
+      <a:fontRef idx="minor"/>
+    </dgm:style>
+  </dgm:styleLbl>
+  <dgm:styleLbl name="fgAccFollowNode1">
+    <dgm:scene3d>
+      <a:camera prst="orthographicFront"/>
+      <a:lightRig rig="threePt" dir="t"/>
+    </dgm:scene3d>
+    <dgm:sp3d/>
+    <dgm:txPr/>
+    <dgm:style>
+      <a:lnRef idx="2">
+        <a:scrgbClr r="0" g="0" b="0"/>
+      </a:lnRef>
+      <a:fillRef idx="1">
+        <a:scrgbClr r="0" g="0" b="0"/>
+      </a:fillRef>
+      <a:effectRef idx="0">
+        <a:scrgbClr r="0" g="0" b="0"/>
+      </a:effectRef>
+      <a:fontRef idx="minor"/>
+    </dgm:style>
+  </dgm:styleLbl>
+  <dgm:styleLbl name="alignAccFollowNode1">
+    <dgm:scene3d>
+      <a:camera prst="orthographicFront"/>
+      <a:lightRig rig="threePt" dir="t"/>
+    </dgm:scene3d>
+    <dgm:sp3d/>
+    <dgm:txPr/>
+    <dgm:style>
+      <a:lnRef idx="2">
+        <a:scrgbClr r="0" g="0" b="0"/>
+      </a:lnRef>
+      <a:fillRef idx="1">
+        <a:scrgbClr r="0" g="0" b="0"/>
+      </a:fillRef>
+      <a:effectRef idx="0">
+        <a:scrgbClr r="0" g="0" b="0"/>
+      </a:effectRef>
+      <a:fontRef idx="minor"/>
+    </dgm:style>
+  </dgm:styleLbl>
+  <dgm:styleLbl name="bgAccFollowNode1">
+    <dgm:scene3d>
+      <a:camera prst="orthographicFront"/>
+      <a:lightRig rig="threePt" dir="t"/>
+    </dgm:scene3d>
+    <dgm:sp3d/>
+    <dgm:txPr/>
+    <dgm:style>
+      <a:lnRef idx="2">
+        <a:scrgbClr r="0" g="0" b="0"/>
+      </a:lnRef>
+      <a:fillRef idx="1">
+        <a:scrgbClr r="0" g="0" b="0"/>
+      </a:fillRef>
+      <a:effectRef idx="0">
+        <a:scrgbClr r="0" g="0" b="0"/>
+      </a:effectRef>
+      <a:fontRef idx="minor"/>
+    </dgm:style>
+  </dgm:styleLbl>
+  <dgm:styleLbl name="fgAcc0">
+    <dgm:scene3d>
+      <a:camera prst="orthographicFront"/>
+      <a:lightRig rig="threePt" dir="t"/>
+    </dgm:scene3d>
+    <dgm:sp3d/>
+    <dgm:txPr/>
+    <dgm:style>
+      <a:lnRef idx="2">
+        <a:scrgbClr r="0" g="0" b="0"/>
+      </a:lnRef>
+      <a:fillRef idx="1">
+        <a:scrgbClr r="0" g="0" b="0"/>
+      </a:fillRef>
+      <a:effectRef idx="0">
+        <a:scrgbClr r="0" g="0" b="0"/>
+      </a:effectRef>
+      <a:fontRef idx="minor"/>
+    </dgm:style>
+  </dgm:styleLbl>
+  <dgm:styleLbl name="fgAcc2">
+    <dgm:scene3d>
+      <a:camera prst="orthographicFront"/>
+      <a:lightRig rig="threePt" dir="t"/>
+    </dgm:scene3d>
+    <dgm:sp3d/>
+    <dgm:txPr/>
+    <dgm:style>
+      <a:lnRef idx="2">
+        <a:scrgbClr r="0" g="0" b="0"/>
+      </a:lnRef>
+      <a:fillRef idx="1">
+        <a:scrgbClr r="0" g="0" b="0"/>
+      </a:fillRef>
+      <a:effectRef idx="0">
+        <a:scrgbClr r="0" g="0" b="0"/>
+      </a:effectRef>
+      <a:fontRef idx="minor"/>
+    </dgm:style>
+  </dgm:styleLbl>
+  <dgm:styleLbl name="fgAcc3">
+    <dgm:scene3d>
+      <a:camera prst="orthographicFront"/>
+      <a:lightRig rig="threePt" dir="t"/>
+    </dgm:scene3d>
+    <dgm:sp3d/>
+    <dgm:txPr/>
+    <dgm:style>
+      <a:lnRef idx="2">
+        <a:scrgbClr r="0" g="0" b="0"/>
+      </a:lnRef>
+      <a:fillRef idx="1">
+        <a:scrgbClr r="0" g="0" b="0"/>
+      </a:fillRef>
+      <a:effectRef idx="0">
+        <a:scrgbClr r="0" g="0" b="0"/>
+      </a:effectRef>
+      <a:fontRef idx="minor"/>
+    </dgm:style>
+  </dgm:styleLbl>
+  <dgm:styleLbl name="fgAcc4">
+    <dgm:scene3d>
+      <a:camera prst="orthographicFront"/>
+      <a:lightRig rig="threePt" dir="t"/>
+    </dgm:scene3d>
+    <dgm:sp3d/>
+    <dgm:txPr/>
+    <dgm:style>
+      <a:lnRef idx="2">
+        <a:scrgbClr r="0" g="0" b="0"/>
+      </a:lnRef>
+      <a:fillRef idx="1">
+        <a:scrgbClr r="0" g="0" b="0"/>
+      </a:fillRef>
+      <a:effectRef idx="0">
+        <a:scrgbClr r="0" g="0" b="0"/>
+      </a:effectRef>
+      <a:fontRef idx="minor"/>
+    </dgm:style>
+  </dgm:styleLbl>
+  <dgm:styleLbl name="bgShp">
+    <dgm:scene3d>
+      <a:camera prst="orthographicFront"/>
+      <a:lightRig rig="threePt" dir="t"/>
+    </dgm:scene3d>
+    <dgm:sp3d/>
+    <dgm:txPr/>
+    <dgm:style>
+      <a:lnRef idx="0">
+        <a:scrgbClr r="0" g="0" b="0"/>
+      </a:lnRef>
+      <a:fillRef idx="1">
+        <a:scrgbClr r="0" g="0" b="0"/>
+      </a:fillRef>
+      <a:effectRef idx="0">
+        <a:scrgbClr r="0" g="0" b="0"/>
+      </a:effectRef>
+      <a:fontRef idx="minor"/>
+    </dgm:style>
+  </dgm:styleLbl>
+  <dgm:styleLbl name="dkBgShp">
+    <dgm:scene3d>
+      <a:camera prst="orthographicFront"/>
+      <a:lightRig rig="threePt" dir="t"/>
+    </dgm:scene3d>
+    <dgm:sp3d/>
+    <dgm:txPr/>
+    <dgm:style>
+      <a:lnRef idx="0">
+        <a:scrgbClr r="0" g="0" b="0"/>
+      </a:lnRef>
+      <a:fillRef idx="1">
+        <a:scrgbClr r="0" g="0" b="0"/>
+      </a:fillRef>
+      <a:effectRef idx="0">
+        <a:scrgbClr r="0" g="0" b="0"/>
+      </a:effectRef>
+      <a:fontRef idx="minor"/>
+    </dgm:style>
+  </dgm:styleLbl>
+  <dgm:styleLbl name="trBgShp">
+    <dgm:scene3d>
+      <a:camera prst="orthographicFront"/>
+      <a:lightRig rig="threePt" dir="t"/>
+    </dgm:scene3d>
+    <dgm:sp3d/>
+    <dgm:txPr/>
+    <dgm:style>
+      <a:lnRef idx="0">
+        <a:scrgbClr r="0" g="0" b="0"/>
+      </a:lnRef>
+      <a:fillRef idx="1">
+        <a:scrgbClr r="0" g="0" b="0"/>
+      </a:fillRef>
+      <a:effectRef idx="0">
+        <a:scrgbClr r="0" g="0" b="0"/>
+      </a:effectRef>
+      <a:fontRef idx="minor"/>
+    </dgm:style>
+  </dgm:styleLbl>
+  <dgm:styleLbl name="fgShp">
+    <dgm:scene3d>
+      <a:camera prst="orthographicFront"/>
+      <a:lightRig rig="threePt" dir="t"/>
+    </dgm:scene3d>
+    <dgm:sp3d/>
+    <dgm:txPr/>
+    <dgm:style>
+      <a:lnRef idx="2">
+        <a:scrgbClr r="0" g="0" b="0"/>
+      </a:lnRef>
+      <a:fillRef idx="1">
+        <a:scrgbClr r="0" g="0" b="0"/>
+      </a:fillRef>
+      <a:effectRef idx="0">
+        <a:scrgbClr r="0" g="0" b="0"/>
+      </a:effectRef>
+      <a:fontRef idx="minor"/>
+    </dgm:style>
+  </dgm:styleLbl>
+  <dgm:styleLbl name="revTx">
+    <dgm:scene3d>
+      <a:camera prst="orthographicFront"/>
+      <a:lightRig rig="threePt" dir="t"/>
+    </dgm:scene3d>
+    <dgm:sp3d/>
+    <dgm:txPr/>
+    <dgm:style>
+      <a:lnRef idx="0">
+        <a:scrgbClr r="0" g="0" b="0"/>
+      </a:lnRef>
+      <a:fillRef idx="0">
+        <a:scrgbClr r="0" g="0" b="0"/>
+      </a:fillRef>
+      <a:effectRef idx="0">
+        <a:scrgbClr r="0" g="0" b="0"/>
+      </a:effectRef>
+      <a:fontRef idx="minor"/>
+    </dgm:style>
+  </dgm:styleLbl>
+</dgm:styleDef>
+</file>
+
 <file path=ppt/notesMasters/notesMaster1.xml><?xml version="1.0" encoding="utf-8"?>
 <p:notesMaster xmlns:a="http://schemas.openxmlformats.org/drawingml/2006/main" xmlns:r="http://schemas.openxmlformats.org/officeDocument/2006/relationships" xmlns:p="http://schemas.openxmlformats.org/presentationml/2006/main">
   <p:cSld>
@@ -3507,7 +6789,7 @@
           <a:p>
             <a:fld id="{E4E38EDD-3C76-B444-AFF1-88DDA1DA1047}" type="datetimeFigureOut">
               <a:rPr lang="en-GB" smtClean="0"/>
-              <a:t>02/11/2024</a:t>
+              <a:t>15/07/2025</a:t>
             </a:fld>
             <a:endParaRPr lang="en-GB"/>
           </a:p>
@@ -3858,6 +7140,117 @@
 </p:notes>
 </file>
 
+<file path=ppt/notesSlides/notesSlide2.xml><?xml version="1.0" encoding="utf-8"?>
+<p:notes xmlns:a="http://schemas.openxmlformats.org/drawingml/2006/main" xmlns:r="http://schemas.openxmlformats.org/officeDocument/2006/relationships" xmlns:p="http://schemas.openxmlformats.org/presentationml/2006/main">
+  <p:cSld>
+    <p:spTree>
+      <p:nvGrpSpPr>
+        <p:cNvPr id="1" name="">
+          <a:extLst>
+            <a:ext uri="{FF2B5EF4-FFF2-40B4-BE49-F238E27FC236}">
+              <a16:creationId xmlns:a16="http://schemas.microsoft.com/office/drawing/2014/main" id="{0F6A96E2-E432-93D5-8042-1381334F4844}"/>
+            </a:ext>
+          </a:extLst>
+        </p:cNvPr>
+        <p:cNvGrpSpPr/>
+        <p:nvPr/>
+      </p:nvGrpSpPr>
+      <p:grpSpPr>
+        <a:xfrm>
+          <a:off x="0" y="0"/>
+          <a:ext cx="0" cy="0"/>
+          <a:chOff x="0" y="0"/>
+          <a:chExt cx="0" cy="0"/>
+        </a:xfrm>
+      </p:grpSpPr>
+      <p:sp>
+        <p:nvSpPr>
+          <p:cNvPr id="2" name="Slide Image Placeholder 1">
+            <a:extLst>
+              <a:ext uri="{FF2B5EF4-FFF2-40B4-BE49-F238E27FC236}">
+                <a16:creationId xmlns:a16="http://schemas.microsoft.com/office/drawing/2014/main" id="{80338AAD-0D56-2FE3-579E-41808ED33758}"/>
+              </a:ext>
+            </a:extLst>
+          </p:cNvPr>
+          <p:cNvSpPr>
+            <a:spLocks noGrp="1" noRot="1" noChangeAspect="1"/>
+          </p:cNvSpPr>
+          <p:nvPr>
+            <p:ph type="sldImg"/>
+          </p:nvPr>
+        </p:nvSpPr>
+        <p:spPr/>
+      </p:sp>
+      <p:sp>
+        <p:nvSpPr>
+          <p:cNvPr id="3" name="Notes Placeholder 2">
+            <a:extLst>
+              <a:ext uri="{FF2B5EF4-FFF2-40B4-BE49-F238E27FC236}">
+                <a16:creationId xmlns:a16="http://schemas.microsoft.com/office/drawing/2014/main" id="{D58588E2-4B9B-D982-3B9E-4D49C8F77ED0}"/>
+              </a:ext>
+            </a:extLst>
+          </p:cNvPr>
+          <p:cNvSpPr>
+            <a:spLocks noGrp="1"/>
+          </p:cNvSpPr>
+          <p:nvPr>
+            <p:ph type="body" idx="1"/>
+          </p:nvPr>
+        </p:nvSpPr>
+        <p:spPr/>
+        <p:txBody>
+          <a:bodyPr/>
+          <a:lstStyle/>
+          <a:p>
+            <a:r>
+              <a:rPr lang="en-GB" dirty="0"/>
+              <a:t>Phenome-wide investigation of the </a:t>
+            </a:r>
+          </a:p>
+        </p:txBody>
+      </p:sp>
+      <p:sp>
+        <p:nvSpPr>
+          <p:cNvPr id="4" name="Slide Number Placeholder 3">
+            <a:extLst>
+              <a:ext uri="{FF2B5EF4-FFF2-40B4-BE49-F238E27FC236}">
+                <a16:creationId xmlns:a16="http://schemas.microsoft.com/office/drawing/2014/main" id="{BF1208A3-D612-D44F-0C6B-1E01A3120E07}"/>
+              </a:ext>
+            </a:extLst>
+          </p:cNvPr>
+          <p:cNvSpPr>
+            <a:spLocks noGrp="1"/>
+          </p:cNvSpPr>
+          <p:nvPr>
+            <p:ph type="sldNum" sz="quarter" idx="5"/>
+          </p:nvPr>
+        </p:nvSpPr>
+        <p:spPr/>
+        <p:txBody>
+          <a:bodyPr/>
+          <a:lstStyle/>
+          <a:p>
+            <a:fld id="{46FDE98C-8A87-E14A-A804-7FF0BB7DD6E0}" type="slidenum">
+              <a:rPr lang="en-GB" smtClean="0"/>
+              <a:t>2</a:t>
+            </a:fld>
+            <a:endParaRPr lang="en-GB"/>
+          </a:p>
+        </p:txBody>
+      </p:sp>
+    </p:spTree>
+    <p:extLst>
+      <p:ext uri="{BB962C8B-B14F-4D97-AF65-F5344CB8AC3E}">
+        <p14:creationId xmlns:p14="http://schemas.microsoft.com/office/powerpoint/2010/main" val="4010908539"/>
+      </p:ext>
+    </p:extLst>
+  </p:cSld>
+  <p:clrMapOvr>
+    <a:masterClrMapping/>
+  </p:clrMapOvr>
+</p:notes>
+</file>
+
 <file path=ppt/slideLayouts/slideLayout1.xml><?xml version="1.0" encoding="utf-8"?>
 <p:sldLayout xmlns:a="http://schemas.openxmlformats.org/drawingml/2006/main" xmlns:r="http://schemas.openxmlformats.org/officeDocument/2006/relationships" xmlns:p="http://schemas.openxmlformats.org/presentationml/2006/main" type="title" preserve="1">
   <p:cSld name="Title Slide">
@@ -3989,7 +7382,7 @@
           <a:p>
             <a:fld id="{32004B65-F988-A147-B5C6-3EAC0846CAA1}" type="datetimeFigureOut">
               <a:rPr lang="en-GB" smtClean="0"/>
-              <a:t>02/11/2024</a:t>
+              <a:t>15/07/2025</a:t>
             </a:fld>
             <a:endParaRPr lang="en-GB"/>
           </a:p>
@@ -4159,7 +7552,7 @@
           <a:p>
             <a:fld id="{32004B65-F988-A147-B5C6-3EAC0846CAA1}" type="datetimeFigureOut">
               <a:rPr lang="en-GB" smtClean="0"/>
-              <a:t>02/11/2024</a:t>
+              <a:t>15/07/2025</a:t>
             </a:fld>
             <a:endParaRPr lang="en-GB"/>
           </a:p>
@@ -4339,7 +7732,7 @@
           <a:p>
             <a:fld id="{32004B65-F988-A147-B5C6-3EAC0846CAA1}" type="datetimeFigureOut">
               <a:rPr lang="en-GB" smtClean="0"/>
-              <a:t>02/11/2024</a:t>
+              <a:t>15/07/2025</a:t>
             </a:fld>
             <a:endParaRPr lang="en-GB"/>
           </a:p>
@@ -4509,7 +7902,7 @@
           <a:p>
             <a:fld id="{32004B65-F988-A147-B5C6-3EAC0846CAA1}" type="datetimeFigureOut">
               <a:rPr lang="en-GB" smtClean="0"/>
-              <a:t>02/11/2024</a:t>
+              <a:t>15/07/2025</a:t>
             </a:fld>
             <a:endParaRPr lang="en-GB"/>
           </a:p>
@@ -4755,7 +8148,7 @@
           <a:p>
             <a:fld id="{32004B65-F988-A147-B5C6-3EAC0846CAA1}" type="datetimeFigureOut">
               <a:rPr lang="en-GB" smtClean="0"/>
-              <a:t>02/11/2024</a:t>
+              <a:t>15/07/2025</a:t>
             </a:fld>
             <a:endParaRPr lang="en-GB"/>
           </a:p>
@@ -4987,7 +8380,7 @@
           <a:p>
             <a:fld id="{32004B65-F988-A147-B5C6-3EAC0846CAA1}" type="datetimeFigureOut">
               <a:rPr lang="en-GB" smtClean="0"/>
-              <a:t>02/11/2024</a:t>
+              <a:t>15/07/2025</a:t>
             </a:fld>
             <a:endParaRPr lang="en-GB"/>
           </a:p>
@@ -5354,7 +8747,7 @@
           <a:p>
             <a:fld id="{32004B65-F988-A147-B5C6-3EAC0846CAA1}" type="datetimeFigureOut">
               <a:rPr lang="en-GB" smtClean="0"/>
-              <a:t>02/11/2024</a:t>
+              <a:t>15/07/2025</a:t>
             </a:fld>
             <a:endParaRPr lang="en-GB"/>
           </a:p>
@@ -5472,7 +8865,7 @@
           <a:p>
             <a:fld id="{32004B65-F988-A147-B5C6-3EAC0846CAA1}" type="datetimeFigureOut">
               <a:rPr lang="en-GB" smtClean="0"/>
-              <a:t>02/11/2024</a:t>
+              <a:t>15/07/2025</a:t>
             </a:fld>
             <a:endParaRPr lang="en-GB"/>
           </a:p>
@@ -5567,7 +8960,7 @@
           <a:p>
             <a:fld id="{32004B65-F988-A147-B5C6-3EAC0846CAA1}" type="datetimeFigureOut">
               <a:rPr lang="en-GB" smtClean="0"/>
-              <a:t>02/11/2024</a:t>
+              <a:t>15/07/2025</a:t>
             </a:fld>
             <a:endParaRPr lang="en-GB"/>
           </a:p>
@@ -5844,7 +9237,7 @@
           <a:p>
             <a:fld id="{32004B65-F988-A147-B5C6-3EAC0846CAA1}" type="datetimeFigureOut">
               <a:rPr lang="en-GB" smtClean="0"/>
-              <a:t>02/11/2024</a:t>
+              <a:t>15/07/2025</a:t>
             </a:fld>
             <a:endParaRPr lang="en-GB"/>
           </a:p>
@@ -6101,7 +9494,7 @@
           <a:p>
             <a:fld id="{32004B65-F988-A147-B5C6-3EAC0846CAA1}" type="datetimeFigureOut">
               <a:rPr lang="en-GB" smtClean="0"/>
-              <a:t>02/11/2024</a:t>
+              <a:t>15/07/2025</a:t>
             </a:fld>
             <a:endParaRPr lang="en-GB"/>
           </a:p>
@@ -6314,7 +9707,7 @@
           <a:p>
             <a:fld id="{32004B65-F988-A147-B5C6-3EAC0846CAA1}" type="datetimeFigureOut">
               <a:rPr lang="en-GB" smtClean="0"/>
-              <a:t>02/11/2024</a:t>
+              <a:t>15/07/2025</a:t>
             </a:fld>
             <a:endParaRPr lang="en-GB"/>
           </a:p>
@@ -17447,6 +20840,6127 @@
 <file path=ppt/slides/slide2.xml><?xml version="1.0" encoding="utf-8"?>
 <p:sld xmlns:a="http://schemas.openxmlformats.org/drawingml/2006/main" xmlns:r="http://schemas.openxmlformats.org/officeDocument/2006/relationships" xmlns:p="http://schemas.openxmlformats.org/presentationml/2006/main">
   <p:cSld>
+    <p:bg>
+      <p:bgPr>
+        <a:solidFill>
+          <a:schemeClr val="tx1"/>
+        </a:solidFill>
+        <a:effectLst/>
+      </p:bgPr>
+    </p:bg>
+    <p:spTree>
+      <p:nvGrpSpPr>
+        <p:cNvPr id="1" name="">
+          <a:extLst>
+            <a:ext uri="{FF2B5EF4-FFF2-40B4-BE49-F238E27FC236}">
+              <a16:creationId xmlns:a16="http://schemas.microsoft.com/office/drawing/2014/main" id="{B54C89F2-286B-F4AF-44C8-0C628E41E395}"/>
+            </a:ext>
+          </a:extLst>
+        </p:cNvPr>
+        <p:cNvGrpSpPr/>
+        <p:nvPr/>
+      </p:nvGrpSpPr>
+      <p:grpSpPr>
+        <a:xfrm>
+          <a:off x="0" y="0"/>
+          <a:ext cx="0" cy="0"/>
+          <a:chOff x="0" y="0"/>
+          <a:chExt cx="0" cy="0"/>
+        </a:xfrm>
+      </p:grpSpPr>
+      <p:grpSp>
+        <p:nvGrpSpPr>
+          <p:cNvPr id="39" name="Group 38">
+            <a:extLst>
+              <a:ext uri="{FF2B5EF4-FFF2-40B4-BE49-F238E27FC236}">
+                <a16:creationId xmlns:a16="http://schemas.microsoft.com/office/drawing/2014/main" id="{7827B5CC-BFD3-EE20-59D9-C77EA28DCA13}"/>
+              </a:ext>
+            </a:extLst>
+          </p:cNvPr>
+          <p:cNvGrpSpPr/>
+          <p:nvPr/>
+        </p:nvGrpSpPr>
+        <p:grpSpPr>
+          <a:xfrm>
+            <a:off x="951752" y="8100089"/>
+            <a:ext cx="6173016" cy="3729042"/>
+            <a:chOff x="951752" y="8100089"/>
+            <a:chExt cx="6173016" cy="3729042"/>
+          </a:xfrm>
+        </p:grpSpPr>
+        <p:grpSp>
+          <p:nvGrpSpPr>
+            <p:cNvPr id="12" name="Group 11">
+              <a:extLst>
+                <a:ext uri="{FF2B5EF4-FFF2-40B4-BE49-F238E27FC236}">
+                  <a16:creationId xmlns:a16="http://schemas.microsoft.com/office/drawing/2014/main" id="{9BC56DD9-FC07-5F7F-0D27-C45403871C1C}"/>
+                </a:ext>
+              </a:extLst>
+            </p:cNvPr>
+            <p:cNvGrpSpPr/>
+            <p:nvPr/>
+          </p:nvGrpSpPr>
+          <p:grpSpPr>
+            <a:xfrm>
+              <a:off x="951752" y="8100089"/>
+              <a:ext cx="5233488" cy="3729042"/>
+              <a:chOff x="4020416" y="1605327"/>
+              <a:chExt cx="6772661" cy="4825757"/>
+            </a:xfrm>
+          </p:grpSpPr>
+          <p:pic>
+            <p:nvPicPr>
+              <p:cNvPr id="17" name="Picture 16" descr="A picture containing text&#10;&#10;Description automatically generated">
+                <a:extLst>
+                  <a:ext uri="{FF2B5EF4-FFF2-40B4-BE49-F238E27FC236}">
+                    <a16:creationId xmlns:a16="http://schemas.microsoft.com/office/drawing/2014/main" id="{A9260B08-F69C-7E45-1EC9-DF66C67B95FE}"/>
+                  </a:ext>
+                </a:extLst>
+              </p:cNvPr>
+              <p:cNvPicPr>
+                <a:picLocks noChangeAspect="1"/>
+              </p:cNvPicPr>
+              <p:nvPr/>
+            </p:nvPicPr>
+            <p:blipFill rotWithShape="1">
+              <a:blip r:embed="rId3">
+                <a:extLst>
+                  <a:ext uri="{28A0092B-C50C-407E-A947-70E740481C1C}">
+                    <a14:useLocalDpi xmlns:a14="http://schemas.microsoft.com/office/drawing/2010/main"/>
+                  </a:ext>
+                </a:extLst>
+              </a:blip>
+              <a:srcRect t="15701"/>
+              <a:stretch>
+                <a:fillRect/>
+              </a:stretch>
+            </p:blipFill>
+            <p:spPr>
+              <a:xfrm>
+                <a:off x="4581173" y="1605327"/>
+                <a:ext cx="6211904" cy="4484640"/>
+              </a:xfrm>
+              <a:prstGeom prst="rect">
+                <a:avLst/>
+              </a:prstGeom>
+            </p:spPr>
+          </p:pic>
+          <p:sp>
+            <p:nvSpPr>
+              <p:cNvPr id="19" name="TextBox 18">
+                <a:extLst>
+                  <a:ext uri="{FF2B5EF4-FFF2-40B4-BE49-F238E27FC236}">
+                    <a16:creationId xmlns:a16="http://schemas.microsoft.com/office/drawing/2014/main" id="{688E263B-AAC8-5AEC-B014-3FAAB037F932}"/>
+                  </a:ext>
+                </a:extLst>
+              </p:cNvPr>
+              <p:cNvSpPr txBox="1"/>
+              <p:nvPr/>
+            </p:nvSpPr>
+            <p:spPr>
+              <a:xfrm>
+                <a:off x="7135905" y="6061752"/>
+                <a:ext cx="978153" cy="369332"/>
+              </a:xfrm>
+              <a:prstGeom prst="rect">
+                <a:avLst/>
+              </a:prstGeom>
+              <a:noFill/>
+            </p:spPr>
+            <p:txBody>
+              <a:bodyPr wrap="none" rtlCol="0">
+                <a:spAutoFit/>
+              </a:bodyPr>
+              <a:lstStyle/>
+              <a:p>
+                <a:r>
+                  <a:rPr lang="en-US" dirty="0"/>
+                  <a:t>UMAP 1</a:t>
+                </a:r>
+              </a:p>
+            </p:txBody>
+          </p:sp>
+          <p:sp>
+            <p:nvSpPr>
+              <p:cNvPr id="20" name="TextBox 19">
+                <a:extLst>
+                  <a:ext uri="{FF2B5EF4-FFF2-40B4-BE49-F238E27FC236}">
+                    <a16:creationId xmlns:a16="http://schemas.microsoft.com/office/drawing/2014/main" id="{D6ADEAD2-EF6F-D31A-1F39-94D86D1E89E0}"/>
+                  </a:ext>
+                </a:extLst>
+              </p:cNvPr>
+              <p:cNvSpPr txBox="1"/>
+              <p:nvPr/>
+            </p:nvSpPr>
+            <p:spPr>
+              <a:xfrm rot="16200000">
+                <a:off x="3716005" y="3344512"/>
+                <a:ext cx="978153" cy="369332"/>
+              </a:xfrm>
+              <a:prstGeom prst="rect">
+                <a:avLst/>
+              </a:prstGeom>
+              <a:noFill/>
+            </p:spPr>
+            <p:txBody>
+              <a:bodyPr wrap="none" rtlCol="0">
+                <a:spAutoFit/>
+              </a:bodyPr>
+              <a:lstStyle/>
+              <a:p>
+                <a:r>
+                  <a:rPr lang="en-US" dirty="0"/>
+                  <a:t>UMAP 2</a:t>
+                </a:r>
+              </a:p>
+            </p:txBody>
+          </p:sp>
+        </p:grpSp>
+        <p:grpSp>
+          <p:nvGrpSpPr>
+            <p:cNvPr id="13" name="Group 12">
+              <a:extLst>
+                <a:ext uri="{FF2B5EF4-FFF2-40B4-BE49-F238E27FC236}">
+                  <a16:creationId xmlns:a16="http://schemas.microsoft.com/office/drawing/2014/main" id="{C825703B-5F15-F287-3E86-968FF0AEDA4F}"/>
+                </a:ext>
+              </a:extLst>
+            </p:cNvPr>
+            <p:cNvGrpSpPr/>
+            <p:nvPr/>
+          </p:nvGrpSpPr>
+          <p:grpSpPr>
+            <a:xfrm>
+              <a:off x="4219436" y="10851154"/>
+              <a:ext cx="2905332" cy="516838"/>
+              <a:chOff x="4565484" y="3442839"/>
+              <a:chExt cx="4669389" cy="998674"/>
+            </a:xfrm>
+            <a:effectLst>
+              <a:outerShdw blurRad="50800" dist="38100" dir="13500000" algn="br" rotWithShape="0">
+                <a:prstClr val="black">
+                  <a:alpha val="40000"/>
+                </a:prstClr>
+              </a:outerShdw>
+            </a:effectLst>
+          </p:grpSpPr>
+          <p:sp>
+            <p:nvSpPr>
+              <p:cNvPr id="14" name="Rectangle 13">
+                <a:extLst>
+                  <a:ext uri="{FF2B5EF4-FFF2-40B4-BE49-F238E27FC236}">
+                    <a16:creationId xmlns:a16="http://schemas.microsoft.com/office/drawing/2014/main" id="{B50B3FC7-685B-F51B-9842-B42201D27C9D}"/>
+                  </a:ext>
+                </a:extLst>
+              </p:cNvPr>
+              <p:cNvSpPr/>
+              <p:nvPr/>
+            </p:nvSpPr>
+            <p:spPr>
+              <a:xfrm>
+                <a:off x="4565484" y="3442839"/>
+                <a:ext cx="2911552" cy="998674"/>
+              </a:xfrm>
+              <a:prstGeom prst="rect">
+                <a:avLst/>
+              </a:prstGeom>
+              <a:ln>
+                <a:noFill/>
+              </a:ln>
+            </p:spPr>
+            <p:style>
+              <a:lnRef idx="2">
+                <a:schemeClr val="accent6"/>
+              </a:lnRef>
+              <a:fillRef idx="1">
+                <a:schemeClr val="lt1"/>
+              </a:fillRef>
+              <a:effectRef idx="0">
+                <a:schemeClr val="accent6"/>
+              </a:effectRef>
+              <a:fontRef idx="minor">
+                <a:schemeClr val="dk1"/>
+              </a:fontRef>
+            </p:style>
+            <p:txBody>
+              <a:bodyPr rtlCol="0" anchor="ctr"/>
+              <a:lstStyle/>
+              <a:p>
+                <a:pPr algn="ctr"/>
+                <a:endParaRPr lang="en-US"/>
+              </a:p>
+            </p:txBody>
+          </p:sp>
+          <p:sp>
+            <p:nvSpPr>
+              <p:cNvPr id="15" name="Up Arrow 14">
+                <a:extLst>
+                  <a:ext uri="{FF2B5EF4-FFF2-40B4-BE49-F238E27FC236}">
+                    <a16:creationId xmlns:a16="http://schemas.microsoft.com/office/drawing/2014/main" id="{56D287E1-ED3E-632D-7503-CEC5A2985248}"/>
+                  </a:ext>
+                </a:extLst>
+              </p:cNvPr>
+              <p:cNvSpPr/>
+              <p:nvPr/>
+            </p:nvSpPr>
+            <p:spPr>
+              <a:xfrm rot="5400000">
+                <a:off x="5763694" y="2732918"/>
+                <a:ext cx="512751" cy="2671261"/>
+              </a:xfrm>
+              <a:prstGeom prst="upArrow">
+                <a:avLst/>
+              </a:prstGeom>
+              <a:gradFill>
+                <a:gsLst>
+                  <a:gs pos="34000">
+                    <a:srgbClr val="7030A0"/>
+                  </a:gs>
+                  <a:gs pos="10000">
+                    <a:srgbClr val="002060"/>
+                  </a:gs>
+                  <a:gs pos="10000">
+                    <a:srgbClr val="002060"/>
+                  </a:gs>
+                  <a:gs pos="65000">
+                    <a:srgbClr val="FF0000"/>
+                  </a:gs>
+                  <a:gs pos="100000">
+                    <a:srgbClr val="FFFF00"/>
+                  </a:gs>
+                </a:gsLst>
+                <a:lin ang="16200000" scaled="1"/>
+              </a:gradFill>
+              <a:ln>
+                <a:noFill/>
+              </a:ln>
+            </p:spPr>
+            <p:style>
+              <a:lnRef idx="2">
+                <a:schemeClr val="accent1">
+                  <a:shade val="15000"/>
+                </a:schemeClr>
+              </a:lnRef>
+              <a:fillRef idx="1">
+                <a:schemeClr val="accent1"/>
+              </a:fillRef>
+              <a:effectRef idx="0">
+                <a:schemeClr val="accent1"/>
+              </a:effectRef>
+              <a:fontRef idx="minor">
+                <a:schemeClr val="lt1"/>
+              </a:fontRef>
+            </p:style>
+            <p:txBody>
+              <a:bodyPr rtlCol="0" anchor="ctr"/>
+              <a:lstStyle/>
+              <a:p>
+                <a:pPr algn="ctr"/>
+                <a:endParaRPr lang="en-US" dirty="0"/>
+              </a:p>
+            </p:txBody>
+          </p:sp>
+          <p:sp>
+            <p:nvSpPr>
+              <p:cNvPr id="16" name="TextBox 15">
+                <a:extLst>
+                  <a:ext uri="{FF2B5EF4-FFF2-40B4-BE49-F238E27FC236}">
+                    <a16:creationId xmlns:a16="http://schemas.microsoft.com/office/drawing/2014/main" id="{EAB6A385-11DE-6199-28E3-813166CF2993}"/>
+                  </a:ext>
+                </a:extLst>
+              </p:cNvPr>
+              <p:cNvSpPr txBox="1"/>
+              <p:nvPr/>
+            </p:nvSpPr>
+            <p:spPr>
+              <a:xfrm>
+                <a:off x="4581948" y="3442839"/>
+                <a:ext cx="4652925" cy="475767"/>
+              </a:xfrm>
+              <a:prstGeom prst="rect">
+                <a:avLst/>
+              </a:prstGeom>
+              <a:noFill/>
+              <a:ln>
+                <a:noFill/>
+              </a:ln>
+            </p:spPr>
+            <p:txBody>
+              <a:bodyPr wrap="square" rtlCol="0">
+                <a:spAutoFit/>
+              </a:bodyPr>
+              <a:lstStyle/>
+              <a:p>
+                <a:r>
+                  <a:rPr lang="en-US" sz="1000" dirty="0">
+                    <a:solidFill>
+                      <a:schemeClr val="tx1">
+                        <a:lumMod val="50000"/>
+                      </a:schemeClr>
+                    </a:solidFill>
+                  </a:rPr>
+                  <a:t>Cardiomyocyte enrichment</a:t>
+                </a:r>
+              </a:p>
+            </p:txBody>
+          </p:sp>
+        </p:grpSp>
+      </p:grpSp>
+      <p:pic>
+        <p:nvPicPr>
+          <p:cNvPr id="7" name="Picture 6" descr="A picture containing text&#10;&#10;Description automatically generated">
+            <a:extLst>
+              <a:ext uri="{FF2B5EF4-FFF2-40B4-BE49-F238E27FC236}">
+                <a16:creationId xmlns:a16="http://schemas.microsoft.com/office/drawing/2014/main" id="{F8B97511-891C-B8C2-AF75-F3C098CE60AE}"/>
+              </a:ext>
+            </a:extLst>
+          </p:cNvPr>
+          <p:cNvPicPr>
+            <a:picLocks noChangeAspect="1"/>
+          </p:cNvPicPr>
+          <p:nvPr/>
+        </p:nvPicPr>
+        <p:blipFill rotWithShape="1">
+          <a:blip r:embed="rId4">
+            <a:extLst>
+              <a:ext uri="{28A0092B-C50C-407E-A947-70E740481C1C}">
+                <a14:useLocalDpi xmlns:a14="http://schemas.microsoft.com/office/drawing/2010/main"/>
+              </a:ext>
+            </a:extLst>
+          </a:blip>
+          <a:srcRect l="-1103" t="-933" r="-1515"/>
+          <a:stretch/>
+        </p:blipFill>
+        <p:spPr>
+          <a:xfrm>
+            <a:off x="1634504" y="4723431"/>
+            <a:ext cx="4498064" cy="3464453"/>
+          </a:xfrm>
+          <a:prstGeom prst="rect">
+            <a:avLst/>
+          </a:prstGeom>
+        </p:spPr>
+      </p:pic>
+      <p:sp>
+        <p:nvSpPr>
+          <p:cNvPr id="24" name="Triangle 23">
+            <a:extLst>
+              <a:ext uri="{FF2B5EF4-FFF2-40B4-BE49-F238E27FC236}">
+                <a16:creationId xmlns:a16="http://schemas.microsoft.com/office/drawing/2014/main" id="{5307FAFB-A376-D983-D83D-0DDAD577ED28}"/>
+              </a:ext>
+            </a:extLst>
+          </p:cNvPr>
+          <p:cNvSpPr/>
+          <p:nvPr/>
+        </p:nvSpPr>
+        <p:spPr>
+          <a:xfrm rot="10800000">
+            <a:off x="1685560" y="3178784"/>
+            <a:ext cx="4258914" cy="1574300"/>
+          </a:xfrm>
+          <a:prstGeom prst="triangle">
+            <a:avLst/>
+          </a:prstGeom>
+          <a:ln>
+            <a:prstDash val="sysDot"/>
+          </a:ln>
+        </p:spPr>
+        <p:style>
+          <a:lnRef idx="2">
+            <a:schemeClr val="accent1"/>
+          </a:lnRef>
+          <a:fillRef idx="1">
+            <a:schemeClr val="lt1"/>
+          </a:fillRef>
+          <a:effectRef idx="0">
+            <a:schemeClr val="accent1"/>
+          </a:effectRef>
+          <a:fontRef idx="minor">
+            <a:schemeClr val="dk1"/>
+          </a:fontRef>
+        </p:style>
+        <p:txBody>
+          <a:bodyPr rtlCol="0" anchor="ctr"/>
+          <a:lstStyle/>
+          <a:p>
+            <a:pPr algn="ctr"/>
+            <a:endParaRPr lang="en-US" dirty="0"/>
+          </a:p>
+        </p:txBody>
+      </p:sp>
+      <p:pic>
+        <p:nvPicPr>
+          <p:cNvPr id="83" name="Picture 82" descr="A colorful splattered paint&#10;&#10;Description automatically generated">
+            <a:extLst>
+              <a:ext uri="{FF2B5EF4-FFF2-40B4-BE49-F238E27FC236}">
+                <a16:creationId xmlns:a16="http://schemas.microsoft.com/office/drawing/2014/main" id="{A7638A0E-9A07-093A-A994-29312A05A989}"/>
+              </a:ext>
+            </a:extLst>
+          </p:cNvPr>
+          <p:cNvPicPr>
+            <a:picLocks noChangeAspect="1"/>
+          </p:cNvPicPr>
+          <p:nvPr/>
+        </p:nvPicPr>
+        <p:blipFill>
+          <a:blip r:embed="rId5"/>
+          <a:srcRect l="15552" t="4108" r="16538" b="3236"/>
+          <a:stretch/>
+        </p:blipFill>
+        <p:spPr>
+          <a:xfrm>
+            <a:off x="9015812" y="98832"/>
+            <a:ext cx="1242646" cy="1260609"/>
+          </a:xfrm>
+          <a:prstGeom prst="rect">
+            <a:avLst/>
+          </a:prstGeom>
+        </p:spPr>
+      </p:pic>
+      <p:pic>
+        <p:nvPicPr>
+          <p:cNvPr id="85" name="Picture 84" descr="A close up of a flower&#10;&#10;Description automatically generated">
+            <a:extLst>
+              <a:ext uri="{FF2B5EF4-FFF2-40B4-BE49-F238E27FC236}">
+                <a16:creationId xmlns:a16="http://schemas.microsoft.com/office/drawing/2014/main" id="{D3D292D5-D551-1A9A-C0F9-1843F367B94B}"/>
+              </a:ext>
+            </a:extLst>
+          </p:cNvPr>
+          <p:cNvPicPr>
+            <a:picLocks noChangeAspect="1"/>
+          </p:cNvPicPr>
+          <p:nvPr/>
+        </p:nvPicPr>
+        <p:blipFill>
+          <a:blip r:embed="rId6"/>
+          <a:srcRect l="16254" t="7460" r="15837" b="6987"/>
+          <a:stretch/>
+        </p:blipFill>
+        <p:spPr>
+          <a:xfrm>
+            <a:off x="7213136" y="169167"/>
+            <a:ext cx="1242646" cy="1163958"/>
+          </a:xfrm>
+          <a:prstGeom prst="rect">
+            <a:avLst/>
+          </a:prstGeom>
+        </p:spPr>
+      </p:pic>
+      <p:pic>
+        <p:nvPicPr>
+          <p:cNvPr id="1028" name="Picture 4" descr="GenCC genes with classifications">
+            <a:extLst>
+              <a:ext uri="{FF2B5EF4-FFF2-40B4-BE49-F238E27FC236}">
+                <a16:creationId xmlns:a16="http://schemas.microsoft.com/office/drawing/2014/main" id="{A967C88A-89BE-4ED5-A330-CCF397E76345}"/>
+              </a:ext>
+            </a:extLst>
+          </p:cNvPr>
+          <p:cNvPicPr>
+            <a:picLocks noChangeAspect="1" noChangeArrowheads="1"/>
+          </p:cNvPicPr>
+          <p:nvPr/>
+        </p:nvPicPr>
+        <p:blipFill>
+          <a:blip r:embed="rId7">
+            <a:extLst>
+              <a:ext uri="{28A0092B-C50C-407E-A947-70E740481C1C}">
+                <a14:useLocalDpi xmlns:a14="http://schemas.microsoft.com/office/drawing/2010/main" val="0"/>
+              </a:ext>
+            </a:extLst>
+          </a:blip>
+          <a:srcRect/>
+          <a:stretch>
+            <a:fillRect/>
+          </a:stretch>
+        </p:blipFill>
+        <p:spPr bwMode="auto">
+          <a:xfrm>
+            <a:off x="3834519" y="459627"/>
+            <a:ext cx="2004681" cy="708686"/>
+          </a:xfrm>
+          <a:prstGeom prst="rect">
+            <a:avLst/>
+          </a:prstGeom>
+          <a:noFill/>
+          <a:extLst>
+            <a:ext uri="{909E8E84-426E-40DD-AFC4-6F175D3DCCD1}">
+              <a14:hiddenFill xmlns:a14="http://schemas.microsoft.com/office/drawing/2010/main">
+                <a:solidFill>
+                  <a:srgbClr val="FFFFFF"/>
+                </a:solidFill>
+              </a14:hiddenFill>
+            </a:ext>
+          </a:extLst>
+        </p:spPr>
+      </p:pic>
+      <p:sp>
+        <p:nvSpPr>
+          <p:cNvPr id="30" name="Rounded Rectangle 29">
+            <a:extLst>
+              <a:ext uri="{FF2B5EF4-FFF2-40B4-BE49-F238E27FC236}">
+                <a16:creationId xmlns:a16="http://schemas.microsoft.com/office/drawing/2014/main" id="{98826321-59B3-DF22-E204-24E7455DCEAA}"/>
+              </a:ext>
+            </a:extLst>
+          </p:cNvPr>
+          <p:cNvSpPr/>
+          <p:nvPr/>
+        </p:nvSpPr>
+        <p:spPr>
+          <a:xfrm>
+            <a:off x="1534315" y="93239"/>
+            <a:ext cx="4410159" cy="3035148"/>
+          </a:xfrm>
+          <a:prstGeom prst="roundRect">
+            <a:avLst>
+              <a:gd name="adj" fmla="val 2728"/>
+            </a:avLst>
+          </a:prstGeom>
+          <a:solidFill>
+            <a:schemeClr val="accent1">
+              <a:alpha val="13000"/>
+            </a:schemeClr>
+          </a:solidFill>
+          <a:ln>
+            <a:solidFill>
+              <a:schemeClr val="accent1">
+                <a:shade val="15000"/>
+                <a:alpha val="12881"/>
+              </a:schemeClr>
+            </a:solidFill>
+          </a:ln>
+        </p:spPr>
+        <p:style>
+          <a:lnRef idx="2">
+            <a:schemeClr val="accent1">
+              <a:shade val="15000"/>
+            </a:schemeClr>
+          </a:lnRef>
+          <a:fillRef idx="1">
+            <a:schemeClr val="accent1"/>
+          </a:fillRef>
+          <a:effectRef idx="0">
+            <a:schemeClr val="accent1"/>
+          </a:effectRef>
+          <a:fontRef idx="minor">
+            <a:schemeClr val="lt1"/>
+          </a:fontRef>
+        </p:style>
+        <p:txBody>
+          <a:bodyPr rtlCol="0" anchor="ctr"/>
+          <a:lstStyle/>
+          <a:p>
+            <a:pPr algn="ctr"/>
+            <a:endParaRPr lang="en-GB"/>
+          </a:p>
+        </p:txBody>
+      </p:sp>
+      <p:sp>
+        <p:nvSpPr>
+          <p:cNvPr id="31" name="Rounded Rectangle 30">
+            <a:extLst>
+              <a:ext uri="{FF2B5EF4-FFF2-40B4-BE49-F238E27FC236}">
+                <a16:creationId xmlns:a16="http://schemas.microsoft.com/office/drawing/2014/main" id="{1830FAB3-E3D9-5C19-BD65-BD5E5AD26E24}"/>
+              </a:ext>
+            </a:extLst>
+          </p:cNvPr>
+          <p:cNvSpPr/>
+          <p:nvPr/>
+        </p:nvSpPr>
+        <p:spPr>
+          <a:xfrm>
+            <a:off x="6454710" y="98832"/>
+            <a:ext cx="4390700" cy="3079951"/>
+          </a:xfrm>
+          <a:prstGeom prst="roundRect">
+            <a:avLst>
+              <a:gd name="adj" fmla="val 2728"/>
+            </a:avLst>
+          </a:prstGeom>
+          <a:solidFill>
+            <a:schemeClr val="accent4">
+              <a:alpha val="13000"/>
+            </a:schemeClr>
+          </a:solidFill>
+          <a:ln>
+            <a:solidFill>
+              <a:schemeClr val="accent1">
+                <a:shade val="15000"/>
+                <a:alpha val="12881"/>
+              </a:schemeClr>
+            </a:solidFill>
+          </a:ln>
+        </p:spPr>
+        <p:style>
+          <a:lnRef idx="2">
+            <a:schemeClr val="accent1">
+              <a:shade val="15000"/>
+            </a:schemeClr>
+          </a:lnRef>
+          <a:fillRef idx="1">
+            <a:schemeClr val="accent1"/>
+          </a:fillRef>
+          <a:effectRef idx="0">
+            <a:schemeClr val="accent1"/>
+          </a:effectRef>
+          <a:fontRef idx="minor">
+            <a:schemeClr val="lt1"/>
+          </a:fontRef>
+        </p:style>
+        <p:txBody>
+          <a:bodyPr rtlCol="0" anchor="ctr"/>
+          <a:lstStyle/>
+          <a:p>
+            <a:pPr algn="ctr"/>
+            <a:endParaRPr lang="en-GB"/>
+          </a:p>
+        </p:txBody>
+      </p:sp>
+      <p:pic>
+        <p:nvPicPr>
+          <p:cNvPr id="1026" name="Picture 2" descr="GitHub - obophenotype/human-phenotype-ontology: Ontology for the  description of human clinical features">
+            <a:extLst>
+              <a:ext uri="{FF2B5EF4-FFF2-40B4-BE49-F238E27FC236}">
+                <a16:creationId xmlns:a16="http://schemas.microsoft.com/office/drawing/2014/main" id="{5ABF7A45-62ED-9827-31DE-BA59EDC2FEAC}"/>
+              </a:ext>
+            </a:extLst>
+          </p:cNvPr>
+          <p:cNvPicPr>
+            <a:picLocks noChangeAspect="1" noChangeArrowheads="1"/>
+          </p:cNvPicPr>
+          <p:nvPr/>
+        </p:nvPicPr>
+        <p:blipFill>
+          <a:blip r:embed="rId8">
+            <a:extLst>
+              <a:ext uri="{28A0092B-C50C-407E-A947-70E740481C1C}">
+                <a14:useLocalDpi xmlns:a14="http://schemas.microsoft.com/office/drawing/2010/main" val="0"/>
+              </a:ext>
+            </a:extLst>
+          </a:blip>
+          <a:srcRect/>
+          <a:stretch>
+            <a:fillRect/>
+          </a:stretch>
+        </p:blipFill>
+        <p:spPr bwMode="auto">
+          <a:xfrm>
+            <a:off x="1614269" y="486058"/>
+            <a:ext cx="1749852" cy="656878"/>
+          </a:xfrm>
+          <a:prstGeom prst="rect">
+            <a:avLst/>
+          </a:prstGeom>
+          <a:noFill/>
+          <a:extLst>
+            <a:ext uri="{909E8E84-426E-40DD-AFC4-6F175D3DCCD1}">
+              <a14:hiddenFill xmlns:a14="http://schemas.microsoft.com/office/drawing/2010/main">
+                <a:solidFill>
+                  <a:srgbClr val="FFFFFF"/>
+                </a:solidFill>
+              </a14:hiddenFill>
+            </a:ext>
+          </a:extLst>
+        </p:spPr>
+      </p:pic>
+      <p:sp>
+        <p:nvSpPr>
+          <p:cNvPr id="81" name="TextBox 80">
+            <a:extLst>
+              <a:ext uri="{FF2B5EF4-FFF2-40B4-BE49-F238E27FC236}">
+                <a16:creationId xmlns:a16="http://schemas.microsoft.com/office/drawing/2014/main" id="{3B806963-D522-575E-0675-847CE91A49FB}"/>
+              </a:ext>
+            </a:extLst>
+          </p:cNvPr>
+          <p:cNvSpPr txBox="1"/>
+          <p:nvPr/>
+        </p:nvSpPr>
+        <p:spPr>
+          <a:xfrm>
+            <a:off x="1772201" y="511177"/>
+            <a:ext cx="3643640" cy="707886"/>
+          </a:xfrm>
+          <a:prstGeom prst="rect">
+            <a:avLst/>
+          </a:prstGeom>
+          <a:noFill/>
+        </p:spPr>
+        <p:txBody>
+          <a:bodyPr wrap="square" rtlCol="0">
+            <a:spAutoFit/>
+          </a:bodyPr>
+          <a:lstStyle/>
+          <a:p>
+            <a:pPr algn="ctr"/>
+            <a:r>
+              <a:rPr lang="en-GB" sz="4000" dirty="0">
+                <a:solidFill>
+                  <a:schemeClr val="accent1"/>
+                </a:solidFill>
+              </a:rPr>
+              <a:t>+</a:t>
+            </a:r>
+          </a:p>
+        </p:txBody>
+      </p:sp>
+      <p:grpSp>
+        <p:nvGrpSpPr>
+          <p:cNvPr id="1055" name="Group 1054">
+            <a:extLst>
+              <a:ext uri="{FF2B5EF4-FFF2-40B4-BE49-F238E27FC236}">
+                <a16:creationId xmlns:a16="http://schemas.microsoft.com/office/drawing/2014/main" id="{942F0C8C-9691-9C83-9153-8A7CB38E2166}"/>
+              </a:ext>
+            </a:extLst>
+          </p:cNvPr>
+          <p:cNvGrpSpPr/>
+          <p:nvPr/>
+        </p:nvGrpSpPr>
+        <p:grpSpPr>
+          <a:xfrm flipH="1">
+            <a:off x="2668036" y="2329351"/>
+            <a:ext cx="8058356" cy="1796552"/>
+            <a:chOff x="2485569" y="3726376"/>
+            <a:chExt cx="8058356" cy="1796552"/>
+          </a:xfrm>
+        </p:grpSpPr>
+        <p:grpSp>
+          <p:nvGrpSpPr>
+            <p:cNvPr id="1056" name="Group 1055">
+              <a:extLst>
+                <a:ext uri="{FF2B5EF4-FFF2-40B4-BE49-F238E27FC236}">
+                  <a16:creationId xmlns:a16="http://schemas.microsoft.com/office/drawing/2014/main" id="{D16009DB-925A-62CA-0405-80AF8CBB2B6B}"/>
+                </a:ext>
+              </a:extLst>
+            </p:cNvPr>
+            <p:cNvGrpSpPr/>
+            <p:nvPr/>
+          </p:nvGrpSpPr>
+          <p:grpSpPr>
+            <a:xfrm>
+              <a:off x="2485569" y="3726376"/>
+              <a:ext cx="8058356" cy="1796552"/>
+              <a:chOff x="2485569" y="4188730"/>
+              <a:chExt cx="8058356" cy="791276"/>
+            </a:xfrm>
+          </p:grpSpPr>
+          <p:sp>
+            <p:nvSpPr>
+              <p:cNvPr id="1067" name="Arc 1066">
+                <a:extLst>
+                  <a:ext uri="{FF2B5EF4-FFF2-40B4-BE49-F238E27FC236}">
+                    <a16:creationId xmlns:a16="http://schemas.microsoft.com/office/drawing/2014/main" id="{B7AC82B7-790A-4844-DB8F-0F1BE28DE99A}"/>
+                  </a:ext>
+                </a:extLst>
+              </p:cNvPr>
+              <p:cNvSpPr/>
+              <p:nvPr/>
+            </p:nvSpPr>
+            <p:spPr>
+              <a:xfrm rot="10800000">
+                <a:off x="2485570" y="4188730"/>
+                <a:ext cx="5021218" cy="749752"/>
+              </a:xfrm>
+              <a:prstGeom prst="arc">
+                <a:avLst>
+                  <a:gd name="adj1" fmla="val 10799860"/>
+                  <a:gd name="adj2" fmla="val 0"/>
+                </a:avLst>
+              </a:prstGeom>
+              <a:noFill/>
+              <a:ln w="19050" cap="flat" cmpd="sng" algn="ctr">
+                <a:gradFill flip="none" rotWithShape="1">
+                  <a:gsLst>
+                    <a:gs pos="100000">
+                      <a:schemeClr val="accent1">
+                        <a:alpha val="50000"/>
+                      </a:schemeClr>
+                    </a:gs>
+                    <a:gs pos="0">
+                      <a:schemeClr val="accent4">
+                        <a:alpha val="75000"/>
+                      </a:schemeClr>
+                    </a:gs>
+                  </a:gsLst>
+                  <a:lin ang="10800000" scaled="1"/>
+                  <a:tileRect/>
+                </a:gradFill>
+                <a:prstDash val="solid"/>
+                <a:round/>
+                <a:headEnd type="triangle" w="med" len="med"/>
+                <a:tailEnd type="triangle" w="med" len="med"/>
+              </a:ln>
+            </p:spPr>
+            <p:style>
+              <a:lnRef idx="0">
+                <a:scrgbClr r="0" g="0" b="0"/>
+              </a:lnRef>
+              <a:fillRef idx="0">
+                <a:scrgbClr r="0" g="0" b="0"/>
+              </a:fillRef>
+              <a:effectRef idx="0">
+                <a:scrgbClr r="0" g="0" b="0"/>
+              </a:effectRef>
+              <a:fontRef idx="minor">
+                <a:schemeClr val="tx1"/>
+              </a:fontRef>
+            </p:style>
+            <p:txBody>
+              <a:bodyPr rtlCol="0" anchor="ctr"/>
+              <a:lstStyle/>
+              <a:p>
+                <a:pPr algn="ctr"/>
+                <a:endParaRPr lang="en-GB"/>
+              </a:p>
+            </p:txBody>
+          </p:sp>
+          <p:sp>
+            <p:nvSpPr>
+              <p:cNvPr id="1068" name="Arc 1067">
+                <a:extLst>
+                  <a:ext uri="{FF2B5EF4-FFF2-40B4-BE49-F238E27FC236}">
+                    <a16:creationId xmlns:a16="http://schemas.microsoft.com/office/drawing/2014/main" id="{C063956B-3E2A-9600-0B56-9A16ED9F340E}"/>
+                  </a:ext>
+                </a:extLst>
+              </p:cNvPr>
+              <p:cNvSpPr/>
+              <p:nvPr/>
+            </p:nvSpPr>
+            <p:spPr>
+              <a:xfrm rot="10800000">
+                <a:off x="2485569" y="4202571"/>
+                <a:ext cx="6154939" cy="763594"/>
+              </a:xfrm>
+              <a:prstGeom prst="arc">
+                <a:avLst>
+                  <a:gd name="adj1" fmla="val 10799860"/>
+                  <a:gd name="adj2" fmla="val 0"/>
+                </a:avLst>
+              </a:prstGeom>
+              <a:noFill/>
+              <a:ln w="19050" cap="flat" cmpd="sng" algn="ctr">
+                <a:gradFill flip="none" rotWithShape="1">
+                  <a:gsLst>
+                    <a:gs pos="100000">
+                      <a:schemeClr val="accent1">
+                        <a:alpha val="50000"/>
+                      </a:schemeClr>
+                    </a:gs>
+                    <a:gs pos="0">
+                      <a:schemeClr val="accent4">
+                        <a:alpha val="75000"/>
+                      </a:schemeClr>
+                    </a:gs>
+                  </a:gsLst>
+                  <a:lin ang="10800000" scaled="1"/>
+                  <a:tileRect/>
+                </a:gradFill>
+                <a:prstDash val="solid"/>
+                <a:round/>
+                <a:headEnd type="triangle" w="med" len="med"/>
+                <a:tailEnd type="triangle" w="med" len="med"/>
+              </a:ln>
+            </p:spPr>
+            <p:style>
+              <a:lnRef idx="0">
+                <a:scrgbClr r="0" g="0" b="0"/>
+              </a:lnRef>
+              <a:fillRef idx="0">
+                <a:scrgbClr r="0" g="0" b="0"/>
+              </a:fillRef>
+              <a:effectRef idx="0">
+                <a:scrgbClr r="0" g="0" b="0"/>
+              </a:effectRef>
+              <a:fontRef idx="minor">
+                <a:schemeClr val="tx1"/>
+              </a:fontRef>
+            </p:style>
+            <p:txBody>
+              <a:bodyPr rtlCol="0" anchor="ctr"/>
+              <a:lstStyle/>
+              <a:p>
+                <a:pPr algn="ctr"/>
+                <a:endParaRPr lang="en-GB"/>
+              </a:p>
+            </p:txBody>
+          </p:sp>
+          <p:sp>
+            <p:nvSpPr>
+              <p:cNvPr id="1069" name="Arc 1068">
+                <a:extLst>
+                  <a:ext uri="{FF2B5EF4-FFF2-40B4-BE49-F238E27FC236}">
+                    <a16:creationId xmlns:a16="http://schemas.microsoft.com/office/drawing/2014/main" id="{985C8B60-F37C-1C8D-0EE6-1E33C1ED199E}"/>
+                  </a:ext>
+                </a:extLst>
+              </p:cNvPr>
+              <p:cNvSpPr/>
+              <p:nvPr/>
+            </p:nvSpPr>
+            <p:spPr>
+              <a:xfrm rot="10800000">
+                <a:off x="2485569" y="4216411"/>
+                <a:ext cx="7288659" cy="763595"/>
+              </a:xfrm>
+              <a:prstGeom prst="arc">
+                <a:avLst>
+                  <a:gd name="adj1" fmla="val 10799860"/>
+                  <a:gd name="adj2" fmla="val 0"/>
+                </a:avLst>
+              </a:prstGeom>
+              <a:noFill/>
+              <a:ln w="19050" cap="flat" cmpd="sng" algn="ctr">
+                <a:gradFill flip="none" rotWithShape="1">
+                  <a:gsLst>
+                    <a:gs pos="100000">
+                      <a:schemeClr val="accent1">
+                        <a:alpha val="50000"/>
+                      </a:schemeClr>
+                    </a:gs>
+                    <a:gs pos="0">
+                      <a:schemeClr val="accent4">
+                        <a:alpha val="75000"/>
+                      </a:schemeClr>
+                    </a:gs>
+                  </a:gsLst>
+                  <a:lin ang="10800000" scaled="1"/>
+                  <a:tileRect/>
+                </a:gradFill>
+                <a:prstDash val="solid"/>
+                <a:round/>
+                <a:headEnd type="triangle" w="med" len="med"/>
+                <a:tailEnd type="triangle" w="med" len="med"/>
+              </a:ln>
+            </p:spPr>
+            <p:style>
+              <a:lnRef idx="0">
+                <a:scrgbClr r="0" g="0" b="0"/>
+              </a:lnRef>
+              <a:fillRef idx="0">
+                <a:scrgbClr r="0" g="0" b="0"/>
+              </a:fillRef>
+              <a:effectRef idx="0">
+                <a:scrgbClr r="0" g="0" b="0"/>
+              </a:effectRef>
+              <a:fontRef idx="minor">
+                <a:schemeClr val="tx1"/>
+              </a:fontRef>
+            </p:style>
+            <p:txBody>
+              <a:bodyPr rtlCol="0" anchor="ctr"/>
+              <a:lstStyle/>
+              <a:p>
+                <a:pPr algn="ctr"/>
+                <a:endParaRPr lang="en-GB"/>
+              </a:p>
+            </p:txBody>
+          </p:sp>
+          <p:sp>
+            <p:nvSpPr>
+              <p:cNvPr id="1070" name="Arc 1069">
+                <a:extLst>
+                  <a:ext uri="{FF2B5EF4-FFF2-40B4-BE49-F238E27FC236}">
+                    <a16:creationId xmlns:a16="http://schemas.microsoft.com/office/drawing/2014/main" id="{45B557F4-8502-2C6D-6C4F-8FE70BC0D7AA}"/>
+                  </a:ext>
+                </a:extLst>
+              </p:cNvPr>
+              <p:cNvSpPr/>
+              <p:nvPr/>
+            </p:nvSpPr>
+            <p:spPr>
+              <a:xfrm rot="10800000">
+                <a:off x="2485569" y="4196029"/>
+                <a:ext cx="8058356" cy="742454"/>
+              </a:xfrm>
+              <a:prstGeom prst="arc">
+                <a:avLst>
+                  <a:gd name="adj1" fmla="val 10799860"/>
+                  <a:gd name="adj2" fmla="val 0"/>
+                </a:avLst>
+              </a:prstGeom>
+              <a:noFill/>
+              <a:ln w="19050" cap="flat" cmpd="sng" algn="ctr">
+                <a:gradFill flip="none" rotWithShape="1">
+                  <a:gsLst>
+                    <a:gs pos="100000">
+                      <a:schemeClr val="accent1">
+                        <a:alpha val="50000"/>
+                      </a:schemeClr>
+                    </a:gs>
+                    <a:gs pos="0">
+                      <a:schemeClr val="accent4">
+                        <a:alpha val="75000"/>
+                      </a:schemeClr>
+                    </a:gs>
+                  </a:gsLst>
+                  <a:lin ang="10800000" scaled="1"/>
+                  <a:tileRect/>
+                </a:gradFill>
+                <a:prstDash val="solid"/>
+                <a:round/>
+                <a:headEnd type="triangle" w="med" len="med"/>
+                <a:tailEnd type="triangle" w="med" len="med"/>
+              </a:ln>
+            </p:spPr>
+            <p:style>
+              <a:lnRef idx="0">
+                <a:scrgbClr r="0" g="0" b="0"/>
+              </a:lnRef>
+              <a:fillRef idx="0">
+                <a:scrgbClr r="0" g="0" b="0"/>
+              </a:fillRef>
+              <a:effectRef idx="0">
+                <a:scrgbClr r="0" g="0" b="0"/>
+              </a:effectRef>
+              <a:fontRef idx="minor">
+                <a:schemeClr val="tx1"/>
+              </a:fontRef>
+            </p:style>
+            <p:txBody>
+              <a:bodyPr rtlCol="0" anchor="ctr"/>
+              <a:lstStyle/>
+              <a:p>
+                <a:pPr algn="ctr"/>
+                <a:endParaRPr lang="en-GB"/>
+              </a:p>
+            </p:txBody>
+          </p:sp>
+        </p:grpSp>
+        <p:grpSp>
+          <p:nvGrpSpPr>
+            <p:cNvPr id="1057" name="Group 1056">
+              <a:extLst>
+                <a:ext uri="{FF2B5EF4-FFF2-40B4-BE49-F238E27FC236}">
+                  <a16:creationId xmlns:a16="http://schemas.microsoft.com/office/drawing/2014/main" id="{43F04E95-5143-11D2-2C3D-98C07D820A7E}"/>
+                </a:ext>
+              </a:extLst>
+            </p:cNvPr>
+            <p:cNvGrpSpPr/>
+            <p:nvPr/>
+          </p:nvGrpSpPr>
+          <p:grpSpPr>
+            <a:xfrm>
+              <a:off x="3509516" y="3789223"/>
+              <a:ext cx="7034409" cy="1609464"/>
+              <a:chOff x="2485568" y="4190910"/>
+              <a:chExt cx="8204858" cy="789095"/>
+            </a:xfrm>
+          </p:grpSpPr>
+          <p:sp>
+            <p:nvSpPr>
+              <p:cNvPr id="1063" name="Arc 1062">
+                <a:extLst>
+                  <a:ext uri="{FF2B5EF4-FFF2-40B4-BE49-F238E27FC236}">
+                    <a16:creationId xmlns:a16="http://schemas.microsoft.com/office/drawing/2014/main" id="{7CFCA204-6BED-CD20-9BA0-C04D8B2FA4FA}"/>
+                  </a:ext>
+                </a:extLst>
+              </p:cNvPr>
+              <p:cNvSpPr/>
+              <p:nvPr/>
+            </p:nvSpPr>
+            <p:spPr>
+              <a:xfrm rot="10800000">
+                <a:off x="2485570" y="4196026"/>
+                <a:ext cx="4662372" cy="742455"/>
+              </a:xfrm>
+              <a:prstGeom prst="arc">
+                <a:avLst>
+                  <a:gd name="adj1" fmla="val 10766023"/>
+                  <a:gd name="adj2" fmla="val 0"/>
+                </a:avLst>
+              </a:prstGeom>
+              <a:noFill/>
+              <a:ln w="19050" cap="flat" cmpd="sng" algn="ctr">
+                <a:gradFill flip="none" rotWithShape="1">
+                  <a:gsLst>
+                    <a:gs pos="100000">
+                      <a:schemeClr val="accent1">
+                        <a:alpha val="50000"/>
+                      </a:schemeClr>
+                    </a:gs>
+                    <a:gs pos="0">
+                      <a:schemeClr val="accent4">
+                        <a:alpha val="75000"/>
+                      </a:schemeClr>
+                    </a:gs>
+                  </a:gsLst>
+                  <a:lin ang="10800000" scaled="1"/>
+                  <a:tileRect/>
+                </a:gradFill>
+                <a:prstDash val="solid"/>
+                <a:round/>
+                <a:headEnd type="triangle" w="med" len="med"/>
+                <a:tailEnd type="triangle" w="med" len="med"/>
+              </a:ln>
+            </p:spPr>
+            <p:style>
+              <a:lnRef idx="0">
+                <a:scrgbClr r="0" g="0" b="0"/>
+              </a:lnRef>
+              <a:fillRef idx="0">
+                <a:scrgbClr r="0" g="0" b="0"/>
+              </a:fillRef>
+              <a:effectRef idx="0">
+                <a:scrgbClr r="0" g="0" b="0"/>
+              </a:effectRef>
+              <a:fontRef idx="minor">
+                <a:schemeClr val="tx1"/>
+              </a:fontRef>
+            </p:style>
+            <p:txBody>
+              <a:bodyPr rtlCol="0" anchor="ctr"/>
+              <a:lstStyle/>
+              <a:p>
+                <a:pPr algn="ctr"/>
+                <a:endParaRPr lang="en-GB"/>
+              </a:p>
+            </p:txBody>
+          </p:sp>
+          <p:sp>
+            <p:nvSpPr>
+              <p:cNvPr id="1064" name="Arc 1063">
+                <a:extLst>
+                  <a:ext uri="{FF2B5EF4-FFF2-40B4-BE49-F238E27FC236}">
+                    <a16:creationId xmlns:a16="http://schemas.microsoft.com/office/drawing/2014/main" id="{4DC65FD7-DCD4-F8AF-044E-2D8F13F66F52}"/>
+                  </a:ext>
+                </a:extLst>
+              </p:cNvPr>
+              <p:cNvSpPr/>
+              <p:nvPr/>
+            </p:nvSpPr>
+            <p:spPr>
+              <a:xfrm rot="10800000">
+                <a:off x="2485568" y="4241009"/>
+                <a:ext cx="5984732" cy="725156"/>
+              </a:xfrm>
+              <a:prstGeom prst="arc">
+                <a:avLst>
+                  <a:gd name="adj1" fmla="val 10799860"/>
+                  <a:gd name="adj2" fmla="val 0"/>
+                </a:avLst>
+              </a:prstGeom>
+              <a:noFill/>
+              <a:ln w="19050" cap="flat" cmpd="sng" algn="ctr">
+                <a:gradFill flip="none" rotWithShape="1">
+                  <a:gsLst>
+                    <a:gs pos="100000">
+                      <a:schemeClr val="accent1">
+                        <a:alpha val="50000"/>
+                      </a:schemeClr>
+                    </a:gs>
+                    <a:gs pos="0">
+                      <a:schemeClr val="accent4">
+                        <a:alpha val="75000"/>
+                      </a:schemeClr>
+                    </a:gs>
+                  </a:gsLst>
+                  <a:lin ang="10800000" scaled="1"/>
+                  <a:tileRect/>
+                </a:gradFill>
+                <a:prstDash val="solid"/>
+                <a:round/>
+                <a:headEnd type="triangle" w="med" len="med"/>
+                <a:tailEnd type="triangle" w="med" len="med"/>
+              </a:ln>
+            </p:spPr>
+            <p:style>
+              <a:lnRef idx="0">
+                <a:scrgbClr r="0" g="0" b="0"/>
+              </a:lnRef>
+              <a:fillRef idx="0">
+                <a:scrgbClr r="0" g="0" b="0"/>
+              </a:fillRef>
+              <a:effectRef idx="0">
+                <a:scrgbClr r="0" g="0" b="0"/>
+              </a:effectRef>
+              <a:fontRef idx="minor">
+                <a:schemeClr val="tx1"/>
+              </a:fontRef>
+            </p:style>
+            <p:txBody>
+              <a:bodyPr rtlCol="0" anchor="ctr"/>
+              <a:lstStyle/>
+              <a:p>
+                <a:pPr algn="ctr"/>
+                <a:endParaRPr lang="en-GB"/>
+              </a:p>
+            </p:txBody>
+          </p:sp>
+          <p:sp>
+            <p:nvSpPr>
+              <p:cNvPr id="1065" name="Arc 1064">
+                <a:extLst>
+                  <a:ext uri="{FF2B5EF4-FFF2-40B4-BE49-F238E27FC236}">
+                    <a16:creationId xmlns:a16="http://schemas.microsoft.com/office/drawing/2014/main" id="{BEFEFF5A-60A5-BABD-7798-54678FBD8B2A}"/>
+                  </a:ext>
+                </a:extLst>
+              </p:cNvPr>
+              <p:cNvSpPr/>
+              <p:nvPr/>
+            </p:nvSpPr>
+            <p:spPr>
+              <a:xfrm rot="10800000">
+                <a:off x="2485568" y="4190910"/>
+                <a:ext cx="7307089" cy="789095"/>
+              </a:xfrm>
+              <a:prstGeom prst="arc">
+                <a:avLst>
+                  <a:gd name="adj1" fmla="val 10799860"/>
+                  <a:gd name="adj2" fmla="val 0"/>
+                </a:avLst>
+              </a:prstGeom>
+              <a:noFill/>
+              <a:ln w="19050" cap="flat" cmpd="sng" algn="ctr">
+                <a:gradFill flip="none" rotWithShape="1">
+                  <a:gsLst>
+                    <a:gs pos="100000">
+                      <a:schemeClr val="accent1">
+                        <a:alpha val="50000"/>
+                      </a:schemeClr>
+                    </a:gs>
+                    <a:gs pos="0">
+                      <a:schemeClr val="accent4">
+                        <a:alpha val="75000"/>
+                      </a:schemeClr>
+                    </a:gs>
+                  </a:gsLst>
+                  <a:lin ang="10800000" scaled="1"/>
+                  <a:tileRect/>
+                </a:gradFill>
+                <a:prstDash val="solid"/>
+                <a:round/>
+                <a:headEnd type="triangle" w="med" len="med"/>
+                <a:tailEnd type="triangle" w="med" len="med"/>
+              </a:ln>
+            </p:spPr>
+            <p:style>
+              <a:lnRef idx="0">
+                <a:scrgbClr r="0" g="0" b="0"/>
+              </a:lnRef>
+              <a:fillRef idx="0">
+                <a:scrgbClr r="0" g="0" b="0"/>
+              </a:fillRef>
+              <a:effectRef idx="0">
+                <a:scrgbClr r="0" g="0" b="0"/>
+              </a:effectRef>
+              <a:fontRef idx="minor">
+                <a:schemeClr val="tx1"/>
+              </a:fontRef>
+            </p:style>
+            <p:txBody>
+              <a:bodyPr rtlCol="0" anchor="ctr"/>
+              <a:lstStyle/>
+              <a:p>
+                <a:pPr algn="ctr"/>
+                <a:endParaRPr lang="en-GB"/>
+              </a:p>
+            </p:txBody>
+          </p:sp>
+          <p:sp>
+            <p:nvSpPr>
+              <p:cNvPr id="1066" name="Arc 1065">
+                <a:extLst>
+                  <a:ext uri="{FF2B5EF4-FFF2-40B4-BE49-F238E27FC236}">
+                    <a16:creationId xmlns:a16="http://schemas.microsoft.com/office/drawing/2014/main" id="{87F4151B-F623-BCD4-5849-3823AA6E48C3}"/>
+                  </a:ext>
+                </a:extLst>
+              </p:cNvPr>
+              <p:cNvSpPr/>
+              <p:nvPr/>
+            </p:nvSpPr>
+            <p:spPr>
+              <a:xfrm rot="10800000">
+                <a:off x="2485569" y="4227167"/>
+                <a:ext cx="8204857" cy="711315"/>
+              </a:xfrm>
+              <a:prstGeom prst="arc">
+                <a:avLst>
+                  <a:gd name="adj1" fmla="val 10799860"/>
+                  <a:gd name="adj2" fmla="val 0"/>
+                </a:avLst>
+              </a:prstGeom>
+              <a:noFill/>
+              <a:ln w="19050" cap="flat" cmpd="sng" algn="ctr">
+                <a:gradFill flip="none" rotWithShape="1">
+                  <a:gsLst>
+                    <a:gs pos="100000">
+                      <a:schemeClr val="accent1">
+                        <a:alpha val="50000"/>
+                      </a:schemeClr>
+                    </a:gs>
+                    <a:gs pos="0">
+                      <a:schemeClr val="accent4">
+                        <a:alpha val="75000"/>
+                      </a:schemeClr>
+                    </a:gs>
+                  </a:gsLst>
+                  <a:lin ang="10800000" scaled="1"/>
+                  <a:tileRect/>
+                </a:gradFill>
+                <a:prstDash val="solid"/>
+                <a:round/>
+                <a:headEnd type="triangle" w="med" len="med"/>
+                <a:tailEnd type="triangle" w="med" len="med"/>
+              </a:ln>
+            </p:spPr>
+            <p:style>
+              <a:lnRef idx="0">
+                <a:scrgbClr r="0" g="0" b="0"/>
+              </a:lnRef>
+              <a:fillRef idx="0">
+                <a:scrgbClr r="0" g="0" b="0"/>
+              </a:fillRef>
+              <a:effectRef idx="0">
+                <a:scrgbClr r="0" g="0" b="0"/>
+              </a:effectRef>
+              <a:fontRef idx="minor">
+                <a:schemeClr val="tx1"/>
+              </a:fontRef>
+            </p:style>
+            <p:txBody>
+              <a:bodyPr rtlCol="0" anchor="ctr"/>
+              <a:lstStyle/>
+              <a:p>
+                <a:pPr algn="ctr"/>
+                <a:endParaRPr lang="en-GB"/>
+              </a:p>
+            </p:txBody>
+          </p:sp>
+        </p:grpSp>
+        <p:grpSp>
+          <p:nvGrpSpPr>
+            <p:cNvPr id="1058" name="Group 1057">
+              <a:extLst>
+                <a:ext uri="{FF2B5EF4-FFF2-40B4-BE49-F238E27FC236}">
+                  <a16:creationId xmlns:a16="http://schemas.microsoft.com/office/drawing/2014/main" id="{8A97FEE6-319E-472F-E5A2-916D5FD4863F}"/>
+                </a:ext>
+              </a:extLst>
+            </p:cNvPr>
+            <p:cNvGrpSpPr/>
+            <p:nvPr/>
+          </p:nvGrpSpPr>
+          <p:grpSpPr>
+            <a:xfrm>
+              <a:off x="4556443" y="4222428"/>
+              <a:ext cx="5987482" cy="709209"/>
+              <a:chOff x="2485568" y="4270795"/>
+              <a:chExt cx="6983734" cy="709209"/>
+            </a:xfrm>
+          </p:grpSpPr>
+          <p:sp>
+            <p:nvSpPr>
+              <p:cNvPr id="1059" name="Arc 1058">
+                <a:extLst>
+                  <a:ext uri="{FF2B5EF4-FFF2-40B4-BE49-F238E27FC236}">
+                    <a16:creationId xmlns:a16="http://schemas.microsoft.com/office/drawing/2014/main" id="{D095E6EF-170C-1201-64F0-3A2ED6D5B98E}"/>
+                  </a:ext>
+                </a:extLst>
+              </p:cNvPr>
+              <p:cNvSpPr/>
+              <p:nvPr/>
+            </p:nvSpPr>
+            <p:spPr>
+              <a:xfrm rot="10800000">
+                <a:off x="2485570" y="4270795"/>
+                <a:ext cx="3441248" cy="667685"/>
+              </a:xfrm>
+              <a:prstGeom prst="arc">
+                <a:avLst>
+                  <a:gd name="adj1" fmla="val 10766023"/>
+                  <a:gd name="adj2" fmla="val 0"/>
+                </a:avLst>
+              </a:prstGeom>
+              <a:noFill/>
+              <a:ln w="19050" cap="flat" cmpd="sng" algn="ctr">
+                <a:gradFill flip="none" rotWithShape="1">
+                  <a:gsLst>
+                    <a:gs pos="100000">
+                      <a:schemeClr val="accent1">
+                        <a:alpha val="50000"/>
+                      </a:schemeClr>
+                    </a:gs>
+                    <a:gs pos="0">
+                      <a:schemeClr val="accent4">
+                        <a:alpha val="75000"/>
+                      </a:schemeClr>
+                    </a:gs>
+                  </a:gsLst>
+                  <a:lin ang="10800000" scaled="1"/>
+                  <a:tileRect/>
+                </a:gradFill>
+                <a:prstDash val="solid"/>
+                <a:round/>
+                <a:headEnd type="triangle" w="med" len="med"/>
+                <a:tailEnd type="triangle" w="med" len="med"/>
+              </a:ln>
+            </p:spPr>
+            <p:style>
+              <a:lnRef idx="0">
+                <a:scrgbClr r="0" g="0" b="0"/>
+              </a:lnRef>
+              <a:fillRef idx="0">
+                <a:scrgbClr r="0" g="0" b="0"/>
+              </a:fillRef>
+              <a:effectRef idx="0">
+                <a:scrgbClr r="0" g="0" b="0"/>
+              </a:effectRef>
+              <a:fontRef idx="minor">
+                <a:schemeClr val="tx1"/>
+              </a:fontRef>
+            </p:style>
+            <p:txBody>
+              <a:bodyPr rtlCol="0" anchor="ctr"/>
+              <a:lstStyle/>
+              <a:p>
+                <a:pPr algn="ctr"/>
+                <a:endParaRPr lang="en-GB"/>
+              </a:p>
+            </p:txBody>
+          </p:sp>
+          <p:sp>
+            <p:nvSpPr>
+              <p:cNvPr id="1060" name="Arc 1059">
+                <a:extLst>
+                  <a:ext uri="{FF2B5EF4-FFF2-40B4-BE49-F238E27FC236}">
+                    <a16:creationId xmlns:a16="http://schemas.microsoft.com/office/drawing/2014/main" id="{66AB6AA4-8684-20D6-463E-0010F6B58D60}"/>
+                  </a:ext>
+                </a:extLst>
+              </p:cNvPr>
+              <p:cNvSpPr/>
+              <p:nvPr/>
+            </p:nvSpPr>
+            <p:spPr>
+              <a:xfrm rot="10800000">
+                <a:off x="2485568" y="4322233"/>
+                <a:ext cx="4763608" cy="643931"/>
+              </a:xfrm>
+              <a:prstGeom prst="arc">
+                <a:avLst>
+                  <a:gd name="adj1" fmla="val 10799860"/>
+                  <a:gd name="adj2" fmla="val 0"/>
+                </a:avLst>
+              </a:prstGeom>
+              <a:noFill/>
+              <a:ln w="19050" cap="flat" cmpd="sng" algn="ctr">
+                <a:gradFill flip="none" rotWithShape="1">
+                  <a:gsLst>
+                    <a:gs pos="100000">
+                      <a:schemeClr val="accent1">
+                        <a:alpha val="50000"/>
+                      </a:schemeClr>
+                    </a:gs>
+                    <a:gs pos="0">
+                      <a:schemeClr val="accent4">
+                        <a:alpha val="75000"/>
+                      </a:schemeClr>
+                    </a:gs>
+                  </a:gsLst>
+                  <a:lin ang="10800000" scaled="1"/>
+                  <a:tileRect/>
+                </a:gradFill>
+                <a:prstDash val="solid"/>
+                <a:round/>
+                <a:headEnd type="triangle" w="med" len="med"/>
+                <a:tailEnd type="triangle" w="med" len="med"/>
+              </a:ln>
+            </p:spPr>
+            <p:style>
+              <a:lnRef idx="0">
+                <a:scrgbClr r="0" g="0" b="0"/>
+              </a:lnRef>
+              <a:fillRef idx="0">
+                <a:scrgbClr r="0" g="0" b="0"/>
+              </a:fillRef>
+              <a:effectRef idx="0">
+                <a:scrgbClr r="0" g="0" b="0"/>
+              </a:effectRef>
+              <a:fontRef idx="minor">
+                <a:schemeClr val="tx1"/>
+              </a:fontRef>
+            </p:style>
+            <p:txBody>
+              <a:bodyPr rtlCol="0" anchor="ctr"/>
+              <a:lstStyle/>
+              <a:p>
+                <a:pPr algn="ctr"/>
+                <a:endParaRPr lang="en-GB"/>
+              </a:p>
+            </p:txBody>
+          </p:sp>
+          <p:sp>
+            <p:nvSpPr>
+              <p:cNvPr id="1061" name="Arc 1060">
+                <a:extLst>
+                  <a:ext uri="{FF2B5EF4-FFF2-40B4-BE49-F238E27FC236}">
+                    <a16:creationId xmlns:a16="http://schemas.microsoft.com/office/drawing/2014/main" id="{EBBD8630-F4F5-7486-3EBB-72F8AB5516DE}"/>
+                  </a:ext>
+                </a:extLst>
+              </p:cNvPr>
+              <p:cNvSpPr/>
+              <p:nvPr/>
+            </p:nvSpPr>
+            <p:spPr>
+              <a:xfrm rot="10800000">
+                <a:off x="2485568" y="4334125"/>
+                <a:ext cx="6085965" cy="645879"/>
+              </a:xfrm>
+              <a:prstGeom prst="arc">
+                <a:avLst>
+                  <a:gd name="adj1" fmla="val 10799860"/>
+                  <a:gd name="adj2" fmla="val 0"/>
+                </a:avLst>
+              </a:prstGeom>
+              <a:noFill/>
+              <a:ln w="19050" cap="flat" cmpd="sng" algn="ctr">
+                <a:gradFill flip="none" rotWithShape="1">
+                  <a:gsLst>
+                    <a:gs pos="100000">
+                      <a:schemeClr val="accent1">
+                        <a:alpha val="50000"/>
+                      </a:schemeClr>
+                    </a:gs>
+                    <a:gs pos="0">
+                      <a:schemeClr val="accent4">
+                        <a:alpha val="75000"/>
+                      </a:schemeClr>
+                    </a:gs>
+                  </a:gsLst>
+                  <a:lin ang="10800000" scaled="1"/>
+                  <a:tileRect/>
+                </a:gradFill>
+                <a:prstDash val="solid"/>
+                <a:round/>
+                <a:headEnd type="triangle" w="med" len="med"/>
+                <a:tailEnd type="triangle" w="med" len="med"/>
+              </a:ln>
+            </p:spPr>
+            <p:style>
+              <a:lnRef idx="0">
+                <a:scrgbClr r="0" g="0" b="0"/>
+              </a:lnRef>
+              <a:fillRef idx="0">
+                <a:scrgbClr r="0" g="0" b="0"/>
+              </a:fillRef>
+              <a:effectRef idx="0">
+                <a:scrgbClr r="0" g="0" b="0"/>
+              </a:effectRef>
+              <a:fontRef idx="minor">
+                <a:schemeClr val="tx1"/>
+              </a:fontRef>
+            </p:style>
+            <p:txBody>
+              <a:bodyPr rtlCol="0" anchor="ctr"/>
+              <a:lstStyle/>
+              <a:p>
+                <a:pPr algn="ctr"/>
+                <a:endParaRPr lang="en-GB"/>
+              </a:p>
+            </p:txBody>
+          </p:sp>
+          <p:sp>
+            <p:nvSpPr>
+              <p:cNvPr id="1062" name="Arc 1061">
+                <a:extLst>
+                  <a:ext uri="{FF2B5EF4-FFF2-40B4-BE49-F238E27FC236}">
+                    <a16:creationId xmlns:a16="http://schemas.microsoft.com/office/drawing/2014/main" id="{42519674-E633-2612-2B59-5F3FDEAE394B}"/>
+                  </a:ext>
+                </a:extLst>
+              </p:cNvPr>
+              <p:cNvSpPr/>
+              <p:nvPr/>
+            </p:nvSpPr>
+            <p:spPr>
+              <a:xfrm rot="10800000">
+                <a:off x="2485569" y="4300583"/>
+                <a:ext cx="6983733" cy="637898"/>
+              </a:xfrm>
+              <a:prstGeom prst="arc">
+                <a:avLst>
+                  <a:gd name="adj1" fmla="val 10799860"/>
+                  <a:gd name="adj2" fmla="val 0"/>
+                </a:avLst>
+              </a:prstGeom>
+              <a:noFill/>
+              <a:ln w="19050" cap="flat" cmpd="sng" algn="ctr">
+                <a:gradFill flip="none" rotWithShape="1">
+                  <a:gsLst>
+                    <a:gs pos="100000">
+                      <a:schemeClr val="accent1">
+                        <a:alpha val="50000"/>
+                      </a:schemeClr>
+                    </a:gs>
+                    <a:gs pos="0">
+                      <a:schemeClr val="accent4">
+                        <a:alpha val="75000"/>
+                      </a:schemeClr>
+                    </a:gs>
+                  </a:gsLst>
+                  <a:lin ang="10800000" scaled="1"/>
+                  <a:tileRect/>
+                </a:gradFill>
+                <a:prstDash val="solid"/>
+                <a:round/>
+                <a:headEnd type="triangle" w="med" len="med"/>
+                <a:tailEnd type="triangle" w="med" len="med"/>
+              </a:ln>
+            </p:spPr>
+            <p:style>
+              <a:lnRef idx="0">
+                <a:scrgbClr r="0" g="0" b="0"/>
+              </a:lnRef>
+              <a:fillRef idx="0">
+                <a:scrgbClr r="0" g="0" b="0"/>
+              </a:fillRef>
+              <a:effectRef idx="0">
+                <a:scrgbClr r="0" g="0" b="0"/>
+              </a:effectRef>
+              <a:fontRef idx="minor">
+                <a:schemeClr val="tx1"/>
+              </a:fontRef>
+            </p:style>
+            <p:txBody>
+              <a:bodyPr rtlCol="0" anchor="ctr"/>
+              <a:lstStyle/>
+              <a:p>
+                <a:pPr algn="ctr"/>
+                <a:endParaRPr lang="en-GB"/>
+              </a:p>
+            </p:txBody>
+          </p:sp>
+        </p:grpSp>
+      </p:grpSp>
+      <p:graphicFrame>
+        <p:nvGraphicFramePr>
+          <p:cNvPr id="5" name="Table 4">
+            <a:extLst>
+              <a:ext uri="{FF2B5EF4-FFF2-40B4-BE49-F238E27FC236}">
+                <a16:creationId xmlns:a16="http://schemas.microsoft.com/office/drawing/2014/main" id="{6540B65E-F918-9B8E-58EF-36830646BEFA}"/>
+              </a:ext>
+            </a:extLst>
+          </p:cNvPr>
+          <p:cNvGraphicFramePr>
+            <a:graphicFrameLocks noGrp="1"/>
+          </p:cNvGraphicFramePr>
+          <p:nvPr>
+            <p:extLst>
+              <p:ext uri="{D42A27DB-BD31-4B8C-83A1-F6EECF244321}">
+                <p14:modId xmlns:p14="http://schemas.microsoft.com/office/powerpoint/2010/main" val="233713965"/>
+              </p:ext>
+            </p:extLst>
+          </p:nvPr>
+        </p:nvGraphicFramePr>
+        <p:xfrm>
+          <a:off x="6522685" y="1616918"/>
+          <a:ext cx="4321027" cy="1554480"/>
+        </p:xfrm>
+        <a:graphic>
+          <a:graphicData uri="http://schemas.openxmlformats.org/drawingml/2006/table">
+            <a:tbl>
+              <a:tblPr firstRow="1" firstCol="1">
+                <a:tableStyleId>{00A15C55-8517-42AA-B614-E9B94910E393}</a:tableStyleId>
+              </a:tblPr>
+              <a:tblGrid>
+                <a:gridCol w="679959">
+                  <a:extLst>
+                    <a:ext uri="{9D8B030D-6E8A-4147-A177-3AD203B41FA5}">
+                      <a16:colId xmlns:a16="http://schemas.microsoft.com/office/drawing/2014/main" val="1666150210"/>
+                    </a:ext>
+                  </a:extLst>
+                </a:gridCol>
+                <a:gridCol w="1071928">
+                  <a:extLst>
+                    <a:ext uri="{9D8B030D-6E8A-4147-A177-3AD203B41FA5}">
+                      <a16:colId xmlns:a16="http://schemas.microsoft.com/office/drawing/2014/main" val="645246616"/>
+                    </a:ext>
+                  </a:extLst>
+                </a:gridCol>
+                <a:gridCol w="1071928">
+                  <a:extLst>
+                    <a:ext uri="{9D8B030D-6E8A-4147-A177-3AD203B41FA5}">
+                      <a16:colId xmlns:a16="http://schemas.microsoft.com/office/drawing/2014/main" val="357973742"/>
+                    </a:ext>
+                  </a:extLst>
+                </a:gridCol>
+                <a:gridCol w="1071928">
+                  <a:extLst>
+                    <a:ext uri="{9D8B030D-6E8A-4147-A177-3AD203B41FA5}">
+                      <a16:colId xmlns:a16="http://schemas.microsoft.com/office/drawing/2014/main" val="1702401980"/>
+                    </a:ext>
+                  </a:extLst>
+                </a:gridCol>
+                <a:gridCol w="425284">
+                  <a:extLst>
+                    <a:ext uri="{9D8B030D-6E8A-4147-A177-3AD203B41FA5}">
+                      <a16:colId xmlns:a16="http://schemas.microsoft.com/office/drawing/2014/main" val="1056619018"/>
+                    </a:ext>
+                  </a:extLst>
+                </a:gridCol>
+              </a:tblGrid>
+              <a:tr h="349386">
+                <a:tc>
+                  <a:txBody>
+                    <a:bodyPr/>
+                    <a:lstStyle/>
+                    <a:p>
+                      <a:endParaRPr lang="en-GB" sz="1200" dirty="0"/>
+                    </a:p>
+                  </a:txBody>
+                  <a:tcPr/>
+                </a:tc>
+                <a:tc>
+                  <a:txBody>
+                    <a:bodyPr/>
+                    <a:lstStyle/>
+                    <a:p>
+                      <a:pPr marL="0" marR="0" lvl="0" indent="0" algn="l" defTabSz="914400" rtl="0" eaLnBrk="1" fontAlgn="auto" latinLnBrk="0" hangingPunct="1">
+                        <a:lnSpc>
+                          <a:spcPct val="100000"/>
+                        </a:lnSpc>
+                        <a:spcBef>
+                          <a:spcPts val="0"/>
+                        </a:spcBef>
+                        <a:spcAft>
+                          <a:spcPts val="0"/>
+                        </a:spcAft>
+                        <a:buClrTx/>
+                        <a:buSzTx/>
+                        <a:buFontTx/>
+                        <a:buNone/>
+                        <a:tabLst/>
+                        <a:defRPr/>
+                      </a:pPr>
+                      <a:r>
+                        <a:rPr lang="en-GB" sz="1200" dirty="0"/>
+                        <a:t>Cell type X</a:t>
+                      </a:r>
+                    </a:p>
+                    <a:p>
+                      <a:endParaRPr lang="en-GB" sz="1200" dirty="0"/>
+                    </a:p>
+                  </a:txBody>
+                  <a:tcPr/>
+                </a:tc>
+                <a:tc>
+                  <a:txBody>
+                    <a:bodyPr/>
+                    <a:lstStyle/>
+                    <a:p>
+                      <a:r>
+                        <a:rPr lang="en-GB" sz="1200" dirty="0"/>
+                        <a:t>Cell type Y</a:t>
+                      </a:r>
+                    </a:p>
+                  </a:txBody>
+                  <a:tcPr/>
+                </a:tc>
+                <a:tc>
+                  <a:txBody>
+                    <a:bodyPr/>
+                    <a:lstStyle/>
+                    <a:p>
+                      <a:r>
+                        <a:rPr lang="en-GB" sz="1200" dirty="0"/>
+                        <a:t>Cell type Z</a:t>
+                      </a:r>
+                    </a:p>
+                  </a:txBody>
+                  <a:tcPr/>
+                </a:tc>
+                <a:tc>
+                  <a:txBody>
+                    <a:bodyPr/>
+                    <a:lstStyle/>
+                    <a:p>
+                      <a:r>
+                        <a:rPr lang="en-GB" sz="1200" dirty="0"/>
+                        <a:t>…</a:t>
+                      </a:r>
+                    </a:p>
+                  </a:txBody>
+                  <a:tcPr/>
+                </a:tc>
+                <a:extLst>
+                  <a:ext uri="{0D108BD9-81ED-4DB2-BD59-A6C34878D82A}">
+                    <a16:rowId xmlns:a16="http://schemas.microsoft.com/office/drawing/2014/main" val="1761758748"/>
+                  </a:ext>
+                </a:extLst>
+              </a:tr>
+              <a:tr h="209631">
+                <a:tc>
+                  <a:txBody>
+                    <a:bodyPr/>
+                    <a:lstStyle/>
+                    <a:p>
+                      <a:r>
+                        <a:rPr lang="en-GB" sz="1200" dirty="0"/>
+                        <a:t>Gene 1</a:t>
+                      </a:r>
+                    </a:p>
+                  </a:txBody>
+                  <a:tcPr/>
+                </a:tc>
+                <a:tc>
+                  <a:txBody>
+                    <a:bodyPr/>
+                    <a:lstStyle/>
+                    <a:p>
+                      <a:r>
+                        <a:rPr lang="en-GB" sz="1200" dirty="0">
+                          <a:solidFill>
+                            <a:schemeClr val="tx1">
+                              <a:lumMod val="50000"/>
+                            </a:schemeClr>
+                          </a:solidFill>
+                        </a:rPr>
+                        <a:t>0.50</a:t>
+                      </a:r>
+                    </a:p>
+                  </a:txBody>
+                  <a:tcPr/>
+                </a:tc>
+                <a:tc>
+                  <a:txBody>
+                    <a:bodyPr/>
+                    <a:lstStyle/>
+                    <a:p>
+                      <a:r>
+                        <a:rPr lang="en-GB" sz="1200" dirty="0">
+                          <a:solidFill>
+                            <a:schemeClr val="tx1">
+                              <a:lumMod val="50000"/>
+                            </a:schemeClr>
+                          </a:solidFill>
+                        </a:rPr>
+                        <a:t>0</a:t>
+                      </a:r>
+                    </a:p>
+                  </a:txBody>
+                  <a:tcPr/>
+                </a:tc>
+                <a:tc>
+                  <a:txBody>
+                    <a:bodyPr/>
+                    <a:lstStyle/>
+                    <a:p>
+                      <a:r>
+                        <a:rPr lang="en-GB" sz="1200" dirty="0">
+                          <a:solidFill>
+                            <a:schemeClr val="tx1">
+                              <a:lumMod val="50000"/>
+                            </a:schemeClr>
+                          </a:solidFill>
+                        </a:rPr>
+                        <a:t>0</a:t>
+                      </a:r>
+                    </a:p>
+                  </a:txBody>
+                  <a:tcPr/>
+                </a:tc>
+                <a:tc>
+                  <a:txBody>
+                    <a:bodyPr/>
+                    <a:lstStyle/>
+                    <a:p>
+                      <a:r>
+                        <a:rPr lang="en-GB" sz="1200" dirty="0">
+                          <a:solidFill>
+                            <a:schemeClr val="tx1">
+                              <a:lumMod val="50000"/>
+                            </a:schemeClr>
+                          </a:solidFill>
+                        </a:rPr>
+                        <a:t>…</a:t>
+                      </a:r>
+                    </a:p>
+                  </a:txBody>
+                  <a:tcPr/>
+                </a:tc>
+                <a:extLst>
+                  <a:ext uri="{0D108BD9-81ED-4DB2-BD59-A6C34878D82A}">
+                    <a16:rowId xmlns:a16="http://schemas.microsoft.com/office/drawing/2014/main" val="461565399"/>
+                  </a:ext>
+                </a:extLst>
+              </a:tr>
+              <a:tr h="209631">
+                <a:tc>
+                  <a:txBody>
+                    <a:bodyPr/>
+                    <a:lstStyle/>
+                    <a:p>
+                      <a:r>
+                        <a:rPr lang="en-GB" sz="1200" dirty="0"/>
+                        <a:t>Gene 2</a:t>
+                      </a:r>
+                    </a:p>
+                  </a:txBody>
+                  <a:tcPr/>
+                </a:tc>
+                <a:tc>
+                  <a:txBody>
+                    <a:bodyPr/>
+                    <a:lstStyle/>
+                    <a:p>
+                      <a:r>
+                        <a:rPr lang="en-GB" sz="1200" dirty="0">
+                          <a:solidFill>
+                            <a:schemeClr val="tx1">
+                              <a:lumMod val="50000"/>
+                            </a:schemeClr>
+                          </a:solidFill>
+                        </a:rPr>
+                        <a:t>0</a:t>
+                      </a:r>
+                    </a:p>
+                  </a:txBody>
+                  <a:tcPr/>
+                </a:tc>
+                <a:tc>
+                  <a:txBody>
+                    <a:bodyPr/>
+                    <a:lstStyle/>
+                    <a:p>
+                      <a:r>
+                        <a:rPr lang="en-GB" sz="1200" dirty="0">
+                          <a:solidFill>
+                            <a:schemeClr val="tx1">
+                              <a:lumMod val="50000"/>
+                            </a:schemeClr>
+                          </a:solidFill>
+                        </a:rPr>
+                        <a:t>0.95</a:t>
+                      </a:r>
+                    </a:p>
+                  </a:txBody>
+                  <a:tcPr/>
+                </a:tc>
+                <a:tc>
+                  <a:txBody>
+                    <a:bodyPr/>
+                    <a:lstStyle/>
+                    <a:p>
+                      <a:r>
+                        <a:rPr lang="en-GB" sz="1200" dirty="0">
+                          <a:solidFill>
+                            <a:schemeClr val="tx1">
+                              <a:lumMod val="50000"/>
+                            </a:schemeClr>
+                          </a:solidFill>
+                        </a:rPr>
+                        <a:t>0.01</a:t>
+                      </a:r>
+                    </a:p>
+                  </a:txBody>
+                  <a:tcPr/>
+                </a:tc>
+                <a:tc>
+                  <a:txBody>
+                    <a:bodyPr/>
+                    <a:lstStyle/>
+                    <a:p>
+                      <a:r>
+                        <a:rPr lang="en-GB" sz="1200" dirty="0">
+                          <a:solidFill>
+                            <a:schemeClr val="tx1">
+                              <a:lumMod val="50000"/>
+                            </a:schemeClr>
+                          </a:solidFill>
+                        </a:rPr>
+                        <a:t>…</a:t>
+                      </a:r>
+                    </a:p>
+                  </a:txBody>
+                  <a:tcPr/>
+                </a:tc>
+                <a:extLst>
+                  <a:ext uri="{0D108BD9-81ED-4DB2-BD59-A6C34878D82A}">
+                    <a16:rowId xmlns:a16="http://schemas.microsoft.com/office/drawing/2014/main" val="1278667350"/>
+                  </a:ext>
+                </a:extLst>
+              </a:tr>
+              <a:tr h="209631">
+                <a:tc>
+                  <a:txBody>
+                    <a:bodyPr/>
+                    <a:lstStyle/>
+                    <a:p>
+                      <a:r>
+                        <a:rPr lang="en-GB" sz="1200" dirty="0"/>
+                        <a:t>Gene 3</a:t>
+                      </a:r>
+                    </a:p>
+                  </a:txBody>
+                  <a:tcPr/>
+                </a:tc>
+                <a:tc>
+                  <a:txBody>
+                    <a:bodyPr/>
+                    <a:lstStyle/>
+                    <a:p>
+                      <a:r>
+                        <a:rPr lang="en-GB" sz="1200" dirty="0">
+                          <a:solidFill>
+                            <a:schemeClr val="tx1">
+                              <a:lumMod val="50000"/>
+                            </a:schemeClr>
+                          </a:solidFill>
+                        </a:rPr>
+                        <a:t>0</a:t>
+                      </a:r>
+                    </a:p>
+                  </a:txBody>
+                  <a:tcPr/>
+                </a:tc>
+                <a:tc>
+                  <a:txBody>
+                    <a:bodyPr/>
+                    <a:lstStyle/>
+                    <a:p>
+                      <a:r>
+                        <a:rPr lang="en-GB" sz="1200" dirty="0">
+                          <a:solidFill>
+                            <a:schemeClr val="tx1">
+                              <a:lumMod val="50000"/>
+                            </a:schemeClr>
+                          </a:solidFill>
+                        </a:rPr>
+                        <a:t>0.25</a:t>
+                      </a:r>
+                    </a:p>
+                  </a:txBody>
+                  <a:tcPr/>
+                </a:tc>
+                <a:tc>
+                  <a:txBody>
+                    <a:bodyPr/>
+                    <a:lstStyle/>
+                    <a:p>
+                      <a:r>
+                        <a:rPr lang="en-GB" sz="1200" dirty="0">
+                          <a:solidFill>
+                            <a:schemeClr val="tx1">
+                              <a:lumMod val="50000"/>
+                            </a:schemeClr>
+                          </a:solidFill>
+                        </a:rPr>
+                        <a:t>0.60</a:t>
+                      </a:r>
+                    </a:p>
+                  </a:txBody>
+                  <a:tcPr/>
+                </a:tc>
+                <a:tc>
+                  <a:txBody>
+                    <a:bodyPr/>
+                    <a:lstStyle/>
+                    <a:p>
+                      <a:r>
+                        <a:rPr lang="en-GB" sz="1200" dirty="0">
+                          <a:solidFill>
+                            <a:schemeClr val="tx1">
+                              <a:lumMod val="50000"/>
+                            </a:schemeClr>
+                          </a:solidFill>
+                        </a:rPr>
+                        <a:t>…</a:t>
+                      </a:r>
+                    </a:p>
+                  </a:txBody>
+                  <a:tcPr/>
+                </a:tc>
+                <a:extLst>
+                  <a:ext uri="{0D108BD9-81ED-4DB2-BD59-A6C34878D82A}">
+                    <a16:rowId xmlns:a16="http://schemas.microsoft.com/office/drawing/2014/main" val="4210157601"/>
+                  </a:ext>
+                </a:extLst>
+              </a:tr>
+              <a:tr h="209631">
+                <a:tc>
+                  <a:txBody>
+                    <a:bodyPr/>
+                    <a:lstStyle/>
+                    <a:p>
+                      <a:r>
+                        <a:rPr lang="en-GB" sz="1200" dirty="0"/>
+                        <a:t>…</a:t>
+                      </a:r>
+                    </a:p>
+                  </a:txBody>
+                  <a:tcPr/>
+                </a:tc>
+                <a:tc>
+                  <a:txBody>
+                    <a:bodyPr/>
+                    <a:lstStyle/>
+                    <a:p>
+                      <a:r>
+                        <a:rPr lang="en-GB" sz="1200" dirty="0">
+                          <a:solidFill>
+                            <a:schemeClr val="tx1">
+                              <a:lumMod val="50000"/>
+                            </a:schemeClr>
+                          </a:solidFill>
+                        </a:rPr>
+                        <a:t>…</a:t>
+                      </a:r>
+                    </a:p>
+                  </a:txBody>
+                  <a:tcPr/>
+                </a:tc>
+                <a:tc>
+                  <a:txBody>
+                    <a:bodyPr/>
+                    <a:lstStyle/>
+                    <a:p>
+                      <a:r>
+                        <a:rPr lang="en-GB" sz="1200" dirty="0">
+                          <a:solidFill>
+                            <a:schemeClr val="tx1">
+                              <a:lumMod val="50000"/>
+                            </a:schemeClr>
+                          </a:solidFill>
+                        </a:rPr>
+                        <a:t>…</a:t>
+                      </a:r>
+                    </a:p>
+                  </a:txBody>
+                  <a:tcPr/>
+                </a:tc>
+                <a:tc>
+                  <a:txBody>
+                    <a:bodyPr/>
+                    <a:lstStyle/>
+                    <a:p>
+                      <a:r>
+                        <a:rPr lang="en-GB" sz="1200" dirty="0">
+                          <a:solidFill>
+                            <a:schemeClr val="tx1">
+                              <a:lumMod val="50000"/>
+                            </a:schemeClr>
+                          </a:solidFill>
+                        </a:rPr>
+                        <a:t>…</a:t>
+                      </a:r>
+                    </a:p>
+                  </a:txBody>
+                  <a:tcPr/>
+                </a:tc>
+                <a:tc>
+                  <a:txBody>
+                    <a:bodyPr/>
+                    <a:lstStyle/>
+                    <a:p>
+                      <a:r>
+                        <a:rPr lang="en-GB" sz="1200" dirty="0">
+                          <a:solidFill>
+                            <a:schemeClr val="tx1">
+                              <a:lumMod val="50000"/>
+                            </a:schemeClr>
+                          </a:solidFill>
+                        </a:rPr>
+                        <a:t>…</a:t>
+                      </a:r>
+                    </a:p>
+                  </a:txBody>
+                  <a:tcPr/>
+                </a:tc>
+                <a:extLst>
+                  <a:ext uri="{0D108BD9-81ED-4DB2-BD59-A6C34878D82A}">
+                    <a16:rowId xmlns:a16="http://schemas.microsoft.com/office/drawing/2014/main" val="2174223188"/>
+                  </a:ext>
+                </a:extLst>
+              </a:tr>
+            </a:tbl>
+          </a:graphicData>
+        </a:graphic>
+      </p:graphicFrame>
+      <p:graphicFrame>
+        <p:nvGraphicFramePr>
+          <p:cNvPr id="6" name="Table 5">
+            <a:extLst>
+              <a:ext uri="{FF2B5EF4-FFF2-40B4-BE49-F238E27FC236}">
+                <a16:creationId xmlns:a16="http://schemas.microsoft.com/office/drawing/2014/main" id="{3062DF9C-30FE-8411-E81A-AE5D2F103ADE}"/>
+              </a:ext>
+            </a:extLst>
+          </p:cNvPr>
+          <p:cNvGraphicFramePr>
+            <a:graphicFrameLocks noGrp="1"/>
+          </p:cNvGraphicFramePr>
+          <p:nvPr>
+            <p:extLst>
+              <p:ext uri="{D42A27DB-BD31-4B8C-83A1-F6EECF244321}">
+                <p14:modId xmlns:p14="http://schemas.microsoft.com/office/powerpoint/2010/main" val="530013849"/>
+              </p:ext>
+            </p:extLst>
+          </p:nvPr>
+        </p:nvGraphicFramePr>
+        <p:xfrm>
+          <a:off x="1634505" y="1616918"/>
+          <a:ext cx="4321027" cy="1554480"/>
+        </p:xfrm>
+        <a:graphic>
+          <a:graphicData uri="http://schemas.openxmlformats.org/drawingml/2006/table">
+            <a:tbl>
+              <a:tblPr firstRow="1" firstCol="1">
+                <a:tableStyleId>{5C22544A-7EE6-4342-B048-85BDC9FD1C3A}</a:tableStyleId>
+              </a:tblPr>
+              <a:tblGrid>
+                <a:gridCol w="679959">
+                  <a:extLst>
+                    <a:ext uri="{9D8B030D-6E8A-4147-A177-3AD203B41FA5}">
+                      <a16:colId xmlns:a16="http://schemas.microsoft.com/office/drawing/2014/main" val="1666150210"/>
+                    </a:ext>
+                  </a:extLst>
+                </a:gridCol>
+                <a:gridCol w="1071928">
+                  <a:extLst>
+                    <a:ext uri="{9D8B030D-6E8A-4147-A177-3AD203B41FA5}">
+                      <a16:colId xmlns:a16="http://schemas.microsoft.com/office/drawing/2014/main" val="645246616"/>
+                    </a:ext>
+                  </a:extLst>
+                </a:gridCol>
+                <a:gridCol w="1071928">
+                  <a:extLst>
+                    <a:ext uri="{9D8B030D-6E8A-4147-A177-3AD203B41FA5}">
+                      <a16:colId xmlns:a16="http://schemas.microsoft.com/office/drawing/2014/main" val="357973742"/>
+                    </a:ext>
+                  </a:extLst>
+                </a:gridCol>
+                <a:gridCol w="1071928">
+                  <a:extLst>
+                    <a:ext uri="{9D8B030D-6E8A-4147-A177-3AD203B41FA5}">
+                      <a16:colId xmlns:a16="http://schemas.microsoft.com/office/drawing/2014/main" val="1702401980"/>
+                    </a:ext>
+                  </a:extLst>
+                </a:gridCol>
+                <a:gridCol w="425284">
+                  <a:extLst>
+                    <a:ext uri="{9D8B030D-6E8A-4147-A177-3AD203B41FA5}">
+                      <a16:colId xmlns:a16="http://schemas.microsoft.com/office/drawing/2014/main" val="1056619018"/>
+                    </a:ext>
+                  </a:extLst>
+                </a:gridCol>
+              </a:tblGrid>
+              <a:tr h="349386">
+                <a:tc>
+                  <a:txBody>
+                    <a:bodyPr/>
+                    <a:lstStyle/>
+                    <a:p>
+                      <a:endParaRPr lang="en-GB" sz="1200" dirty="0"/>
+                    </a:p>
+                  </a:txBody>
+                  <a:tcPr/>
+                </a:tc>
+                <a:tc>
+                  <a:txBody>
+                    <a:bodyPr/>
+                    <a:lstStyle/>
+                    <a:p>
+                      <a:pPr marL="0" marR="0" lvl="0" indent="0" algn="l" defTabSz="914400" rtl="0" eaLnBrk="1" fontAlgn="auto" latinLnBrk="0" hangingPunct="1">
+                        <a:lnSpc>
+                          <a:spcPct val="100000"/>
+                        </a:lnSpc>
+                        <a:spcBef>
+                          <a:spcPts val="0"/>
+                        </a:spcBef>
+                        <a:spcAft>
+                          <a:spcPts val="0"/>
+                        </a:spcAft>
+                        <a:buClrTx/>
+                        <a:buSzTx/>
+                        <a:buFontTx/>
+                        <a:buNone/>
+                        <a:tabLst/>
+                        <a:defRPr/>
+                      </a:pPr>
+                      <a:r>
+                        <a:rPr lang="en-GB" sz="1200" dirty="0"/>
+                        <a:t>Phenotype A</a:t>
+                      </a:r>
+                    </a:p>
+                    <a:p>
+                      <a:endParaRPr lang="en-GB" sz="1200" dirty="0"/>
+                    </a:p>
+                  </a:txBody>
+                  <a:tcPr/>
+                </a:tc>
+                <a:tc>
+                  <a:txBody>
+                    <a:bodyPr/>
+                    <a:lstStyle/>
+                    <a:p>
+                      <a:r>
+                        <a:rPr lang="en-GB" sz="1200" dirty="0"/>
+                        <a:t>Phenotype B</a:t>
+                      </a:r>
+                    </a:p>
+                  </a:txBody>
+                  <a:tcPr/>
+                </a:tc>
+                <a:tc>
+                  <a:txBody>
+                    <a:bodyPr/>
+                    <a:lstStyle/>
+                    <a:p>
+                      <a:r>
+                        <a:rPr lang="en-GB" sz="1200" dirty="0"/>
+                        <a:t>Phenotype C</a:t>
+                      </a:r>
+                    </a:p>
+                  </a:txBody>
+                  <a:tcPr/>
+                </a:tc>
+                <a:tc>
+                  <a:txBody>
+                    <a:bodyPr/>
+                    <a:lstStyle/>
+                    <a:p>
+                      <a:r>
+                        <a:rPr lang="en-GB" sz="1200" dirty="0"/>
+                        <a:t>…</a:t>
+                      </a:r>
+                    </a:p>
+                  </a:txBody>
+                  <a:tcPr/>
+                </a:tc>
+                <a:extLst>
+                  <a:ext uri="{0D108BD9-81ED-4DB2-BD59-A6C34878D82A}">
+                    <a16:rowId xmlns:a16="http://schemas.microsoft.com/office/drawing/2014/main" val="1761758748"/>
+                  </a:ext>
+                </a:extLst>
+              </a:tr>
+              <a:tr h="209631">
+                <a:tc>
+                  <a:txBody>
+                    <a:bodyPr/>
+                    <a:lstStyle/>
+                    <a:p>
+                      <a:r>
+                        <a:rPr lang="en-GB" sz="1200" dirty="0"/>
+                        <a:t>Gene 1</a:t>
+                      </a:r>
+                    </a:p>
+                  </a:txBody>
+                  <a:tcPr/>
+                </a:tc>
+                <a:tc>
+                  <a:txBody>
+                    <a:bodyPr/>
+                    <a:lstStyle/>
+                    <a:p>
+                      <a:r>
+                        <a:rPr lang="en-GB" sz="1200" dirty="0">
+                          <a:solidFill>
+                            <a:schemeClr val="tx1">
+                              <a:lumMod val="50000"/>
+                            </a:schemeClr>
+                          </a:solidFill>
+                        </a:rPr>
+                        <a:t>32</a:t>
+                      </a:r>
+                    </a:p>
+                  </a:txBody>
+                  <a:tcPr/>
+                </a:tc>
+                <a:tc>
+                  <a:txBody>
+                    <a:bodyPr/>
+                    <a:lstStyle/>
+                    <a:p>
+                      <a:r>
+                        <a:rPr lang="en-GB" sz="1200" dirty="0">
+                          <a:solidFill>
+                            <a:schemeClr val="tx1">
+                              <a:lumMod val="50000"/>
+                            </a:schemeClr>
+                          </a:solidFill>
+                        </a:rPr>
+                        <a:t>0</a:t>
+                      </a:r>
+                    </a:p>
+                  </a:txBody>
+                  <a:tcPr/>
+                </a:tc>
+                <a:tc>
+                  <a:txBody>
+                    <a:bodyPr/>
+                    <a:lstStyle/>
+                    <a:p>
+                      <a:r>
+                        <a:rPr lang="en-GB" sz="1200" dirty="0">
+                          <a:solidFill>
+                            <a:schemeClr val="tx1">
+                              <a:lumMod val="50000"/>
+                            </a:schemeClr>
+                          </a:solidFill>
+                        </a:rPr>
+                        <a:t>1</a:t>
+                      </a:r>
+                    </a:p>
+                  </a:txBody>
+                  <a:tcPr/>
+                </a:tc>
+                <a:tc>
+                  <a:txBody>
+                    <a:bodyPr/>
+                    <a:lstStyle/>
+                    <a:p>
+                      <a:r>
+                        <a:rPr lang="en-GB" sz="1200" dirty="0">
+                          <a:solidFill>
+                            <a:schemeClr val="tx1">
+                              <a:lumMod val="50000"/>
+                            </a:schemeClr>
+                          </a:solidFill>
+                        </a:rPr>
+                        <a:t>…</a:t>
+                      </a:r>
+                    </a:p>
+                  </a:txBody>
+                  <a:tcPr/>
+                </a:tc>
+                <a:extLst>
+                  <a:ext uri="{0D108BD9-81ED-4DB2-BD59-A6C34878D82A}">
+                    <a16:rowId xmlns:a16="http://schemas.microsoft.com/office/drawing/2014/main" val="461565399"/>
+                  </a:ext>
+                </a:extLst>
+              </a:tr>
+              <a:tr h="209631">
+                <a:tc>
+                  <a:txBody>
+                    <a:bodyPr/>
+                    <a:lstStyle/>
+                    <a:p>
+                      <a:r>
+                        <a:rPr lang="en-GB" sz="1200" dirty="0"/>
+                        <a:t>Gene 2</a:t>
+                      </a:r>
+                    </a:p>
+                  </a:txBody>
+                  <a:tcPr/>
+                </a:tc>
+                <a:tc>
+                  <a:txBody>
+                    <a:bodyPr/>
+                    <a:lstStyle/>
+                    <a:p>
+                      <a:r>
+                        <a:rPr lang="en-GB" sz="1200" dirty="0">
+                          <a:solidFill>
+                            <a:schemeClr val="tx1">
+                              <a:lumMod val="50000"/>
+                            </a:schemeClr>
+                          </a:solidFill>
+                        </a:rPr>
+                        <a:t>0</a:t>
+                      </a:r>
+                    </a:p>
+                  </a:txBody>
+                  <a:tcPr/>
+                </a:tc>
+                <a:tc>
+                  <a:txBody>
+                    <a:bodyPr/>
+                    <a:lstStyle/>
+                    <a:p>
+                      <a:r>
+                        <a:rPr lang="en-GB" sz="1200" dirty="0">
+                          <a:solidFill>
+                            <a:schemeClr val="tx1">
+                              <a:lumMod val="50000"/>
+                            </a:schemeClr>
+                          </a:solidFill>
+                        </a:rPr>
+                        <a:t>16</a:t>
+                      </a:r>
+                    </a:p>
+                  </a:txBody>
+                  <a:tcPr/>
+                </a:tc>
+                <a:tc>
+                  <a:txBody>
+                    <a:bodyPr/>
+                    <a:lstStyle/>
+                    <a:p>
+                      <a:r>
+                        <a:rPr lang="en-GB" sz="1200" dirty="0">
+                          <a:solidFill>
+                            <a:schemeClr val="tx1">
+                              <a:lumMod val="50000"/>
+                            </a:schemeClr>
+                          </a:solidFill>
+                        </a:rPr>
+                        <a:t>0</a:t>
+                      </a:r>
+                    </a:p>
+                  </a:txBody>
+                  <a:tcPr/>
+                </a:tc>
+                <a:tc>
+                  <a:txBody>
+                    <a:bodyPr/>
+                    <a:lstStyle/>
+                    <a:p>
+                      <a:r>
+                        <a:rPr lang="en-GB" sz="1200" dirty="0">
+                          <a:solidFill>
+                            <a:schemeClr val="tx1">
+                              <a:lumMod val="50000"/>
+                            </a:schemeClr>
+                          </a:solidFill>
+                        </a:rPr>
+                        <a:t>…</a:t>
+                      </a:r>
+                    </a:p>
+                  </a:txBody>
+                  <a:tcPr/>
+                </a:tc>
+                <a:extLst>
+                  <a:ext uri="{0D108BD9-81ED-4DB2-BD59-A6C34878D82A}">
+                    <a16:rowId xmlns:a16="http://schemas.microsoft.com/office/drawing/2014/main" val="1278667350"/>
+                  </a:ext>
+                </a:extLst>
+              </a:tr>
+              <a:tr h="209631">
+                <a:tc>
+                  <a:txBody>
+                    <a:bodyPr/>
+                    <a:lstStyle/>
+                    <a:p>
+                      <a:r>
+                        <a:rPr lang="en-GB" sz="1200" dirty="0"/>
+                        <a:t>Gene 3</a:t>
+                      </a:r>
+                    </a:p>
+                  </a:txBody>
+                  <a:tcPr/>
+                </a:tc>
+                <a:tc>
+                  <a:txBody>
+                    <a:bodyPr/>
+                    <a:lstStyle/>
+                    <a:p>
+                      <a:r>
+                        <a:rPr lang="en-GB" sz="1200" dirty="0">
+                          <a:solidFill>
+                            <a:schemeClr val="tx1">
+                              <a:lumMod val="50000"/>
+                            </a:schemeClr>
+                          </a:solidFill>
+                        </a:rPr>
+                        <a:t>2</a:t>
+                      </a:r>
+                    </a:p>
+                  </a:txBody>
+                  <a:tcPr/>
+                </a:tc>
+                <a:tc>
+                  <a:txBody>
+                    <a:bodyPr/>
+                    <a:lstStyle/>
+                    <a:p>
+                      <a:r>
+                        <a:rPr lang="en-GB" sz="1200" dirty="0">
+                          <a:solidFill>
+                            <a:schemeClr val="tx1">
+                              <a:lumMod val="50000"/>
+                            </a:schemeClr>
+                          </a:solidFill>
+                        </a:rPr>
+                        <a:t>12</a:t>
+                      </a:r>
+                    </a:p>
+                  </a:txBody>
+                  <a:tcPr/>
+                </a:tc>
+                <a:tc>
+                  <a:txBody>
+                    <a:bodyPr/>
+                    <a:lstStyle/>
+                    <a:p>
+                      <a:r>
+                        <a:rPr lang="en-GB" sz="1200" dirty="0">
+                          <a:solidFill>
+                            <a:schemeClr val="tx1">
+                              <a:lumMod val="50000"/>
+                            </a:schemeClr>
+                          </a:solidFill>
+                        </a:rPr>
+                        <a:t>10</a:t>
+                      </a:r>
+                    </a:p>
+                  </a:txBody>
+                  <a:tcPr/>
+                </a:tc>
+                <a:tc>
+                  <a:txBody>
+                    <a:bodyPr/>
+                    <a:lstStyle/>
+                    <a:p>
+                      <a:r>
+                        <a:rPr lang="en-GB" sz="1200" dirty="0">
+                          <a:solidFill>
+                            <a:schemeClr val="tx1">
+                              <a:lumMod val="50000"/>
+                            </a:schemeClr>
+                          </a:solidFill>
+                        </a:rPr>
+                        <a:t>…</a:t>
+                      </a:r>
+                    </a:p>
+                  </a:txBody>
+                  <a:tcPr/>
+                </a:tc>
+                <a:extLst>
+                  <a:ext uri="{0D108BD9-81ED-4DB2-BD59-A6C34878D82A}">
+                    <a16:rowId xmlns:a16="http://schemas.microsoft.com/office/drawing/2014/main" val="4210157601"/>
+                  </a:ext>
+                </a:extLst>
+              </a:tr>
+              <a:tr h="209631">
+                <a:tc>
+                  <a:txBody>
+                    <a:bodyPr/>
+                    <a:lstStyle/>
+                    <a:p>
+                      <a:r>
+                        <a:rPr lang="en-GB" sz="1200" dirty="0"/>
+                        <a:t>…</a:t>
+                      </a:r>
+                    </a:p>
+                  </a:txBody>
+                  <a:tcPr/>
+                </a:tc>
+                <a:tc>
+                  <a:txBody>
+                    <a:bodyPr/>
+                    <a:lstStyle/>
+                    <a:p>
+                      <a:r>
+                        <a:rPr lang="en-GB" sz="1200" dirty="0">
+                          <a:solidFill>
+                            <a:schemeClr val="tx1">
+                              <a:lumMod val="50000"/>
+                            </a:schemeClr>
+                          </a:solidFill>
+                        </a:rPr>
+                        <a:t>…</a:t>
+                      </a:r>
+                    </a:p>
+                  </a:txBody>
+                  <a:tcPr/>
+                </a:tc>
+                <a:tc>
+                  <a:txBody>
+                    <a:bodyPr/>
+                    <a:lstStyle/>
+                    <a:p>
+                      <a:r>
+                        <a:rPr lang="en-GB" sz="1200" dirty="0">
+                          <a:solidFill>
+                            <a:schemeClr val="tx1">
+                              <a:lumMod val="50000"/>
+                            </a:schemeClr>
+                          </a:solidFill>
+                        </a:rPr>
+                        <a:t>…</a:t>
+                      </a:r>
+                    </a:p>
+                  </a:txBody>
+                  <a:tcPr/>
+                </a:tc>
+                <a:tc>
+                  <a:txBody>
+                    <a:bodyPr/>
+                    <a:lstStyle/>
+                    <a:p>
+                      <a:r>
+                        <a:rPr lang="en-GB" sz="1200" dirty="0">
+                          <a:solidFill>
+                            <a:schemeClr val="tx1">
+                              <a:lumMod val="50000"/>
+                            </a:schemeClr>
+                          </a:solidFill>
+                        </a:rPr>
+                        <a:t>…</a:t>
+                      </a:r>
+                    </a:p>
+                  </a:txBody>
+                  <a:tcPr/>
+                </a:tc>
+                <a:tc>
+                  <a:txBody>
+                    <a:bodyPr/>
+                    <a:lstStyle/>
+                    <a:p>
+                      <a:r>
+                        <a:rPr lang="en-GB" sz="1200" dirty="0">
+                          <a:solidFill>
+                            <a:schemeClr val="tx1">
+                              <a:lumMod val="50000"/>
+                            </a:schemeClr>
+                          </a:solidFill>
+                        </a:rPr>
+                        <a:t>…</a:t>
+                      </a:r>
+                    </a:p>
+                  </a:txBody>
+                  <a:tcPr/>
+                </a:tc>
+                <a:extLst>
+                  <a:ext uri="{0D108BD9-81ED-4DB2-BD59-A6C34878D82A}">
+                    <a16:rowId xmlns:a16="http://schemas.microsoft.com/office/drawing/2014/main" val="2174223188"/>
+                  </a:ext>
+                </a:extLst>
+              </a:tr>
+            </a:tbl>
+          </a:graphicData>
+        </a:graphic>
+      </p:graphicFrame>
+      <p:graphicFrame>
+        <p:nvGraphicFramePr>
+          <p:cNvPr id="9" name="Table 8">
+            <a:extLst>
+              <a:ext uri="{FF2B5EF4-FFF2-40B4-BE49-F238E27FC236}">
+                <a16:creationId xmlns:a16="http://schemas.microsoft.com/office/drawing/2014/main" id="{A8F0D4F8-5DF3-22A2-49EE-4BFA31E2ECAA}"/>
+              </a:ext>
+            </a:extLst>
+          </p:cNvPr>
+          <p:cNvGraphicFramePr>
+            <a:graphicFrameLocks noGrp="1"/>
+          </p:cNvGraphicFramePr>
+          <p:nvPr>
+            <p:extLst>
+              <p:ext uri="{D42A27DB-BD31-4B8C-83A1-F6EECF244321}">
+                <p14:modId xmlns:p14="http://schemas.microsoft.com/office/powerpoint/2010/main" val="1381567840"/>
+              </p:ext>
+            </p:extLst>
+          </p:nvPr>
+        </p:nvGraphicFramePr>
+        <p:xfrm>
+          <a:off x="6992681" y="4965801"/>
+          <a:ext cx="3909041" cy="3017520"/>
+        </p:xfrm>
+        <a:graphic>
+          <a:graphicData uri="http://schemas.openxmlformats.org/drawingml/2006/table">
+            <a:tbl>
+              <a:tblPr firstRow="1" bandRow="1">
+                <a:tableStyleId>{00A15C55-8517-42AA-B614-E9B94910E393}</a:tableStyleId>
+              </a:tblPr>
+              <a:tblGrid>
+                <a:gridCol w="957580">
+                  <a:extLst>
+                    <a:ext uri="{9D8B030D-6E8A-4147-A177-3AD203B41FA5}">
+                      <a16:colId xmlns:a16="http://schemas.microsoft.com/office/drawing/2014/main" val="645246616"/>
+                    </a:ext>
+                  </a:extLst>
+                </a:gridCol>
+                <a:gridCol w="828993">
+                  <a:extLst>
+                    <a:ext uri="{9D8B030D-6E8A-4147-A177-3AD203B41FA5}">
+                      <a16:colId xmlns:a16="http://schemas.microsoft.com/office/drawing/2014/main" val="357973742"/>
+                    </a:ext>
+                  </a:extLst>
+                </a:gridCol>
+                <a:gridCol w="729805">
+                  <a:extLst>
+                    <a:ext uri="{9D8B030D-6E8A-4147-A177-3AD203B41FA5}">
+                      <a16:colId xmlns:a16="http://schemas.microsoft.com/office/drawing/2014/main" val="1702401980"/>
+                    </a:ext>
+                  </a:extLst>
+                </a:gridCol>
+                <a:gridCol w="652443">
+                  <a:extLst>
+                    <a:ext uri="{9D8B030D-6E8A-4147-A177-3AD203B41FA5}">
+                      <a16:colId xmlns:a16="http://schemas.microsoft.com/office/drawing/2014/main" val="2053910240"/>
+                    </a:ext>
+                  </a:extLst>
+                </a:gridCol>
+                <a:gridCol w="740220">
+                  <a:extLst>
+                    <a:ext uri="{9D8B030D-6E8A-4147-A177-3AD203B41FA5}">
+                      <a16:colId xmlns:a16="http://schemas.microsoft.com/office/drawing/2014/main" val="1965270750"/>
+                    </a:ext>
+                  </a:extLst>
+                </a:gridCol>
+              </a:tblGrid>
+              <a:tr h="232896">
+                <a:tc>
+                  <a:txBody>
+                    <a:bodyPr/>
+                    <a:lstStyle/>
+                    <a:p>
+                      <a:pPr marL="0" marR="0" lvl="0" indent="0" algn="l" defTabSz="914400" rtl="0" eaLnBrk="1" fontAlgn="auto" latinLnBrk="0" hangingPunct="1">
+                        <a:lnSpc>
+                          <a:spcPct val="100000"/>
+                        </a:lnSpc>
+                        <a:spcBef>
+                          <a:spcPts val="0"/>
+                        </a:spcBef>
+                        <a:spcAft>
+                          <a:spcPts val="0"/>
+                        </a:spcAft>
+                        <a:buClrTx/>
+                        <a:buSzTx/>
+                        <a:buFontTx/>
+                        <a:buNone/>
+                        <a:tabLst/>
+                        <a:defRPr/>
+                      </a:pPr>
+                      <a:r>
+                        <a:rPr lang="en-GB" sz="1200" dirty="0">
+                          <a:solidFill>
+                            <a:schemeClr val="tx1"/>
+                          </a:solidFill>
+                        </a:rPr>
+                        <a:t>Phenotype</a:t>
+                      </a:r>
+                    </a:p>
+                  </a:txBody>
+                  <a:tcPr>
+                    <a:solidFill>
+                      <a:srgbClr val="59AAC3"/>
+                    </a:solidFill>
+                  </a:tcPr>
+                </a:tc>
+                <a:tc>
+                  <a:txBody>
+                    <a:bodyPr/>
+                    <a:lstStyle/>
+                    <a:p>
+                      <a:r>
+                        <a:rPr lang="en-GB" sz="1200" dirty="0">
+                          <a:solidFill>
+                            <a:schemeClr val="tx1"/>
+                          </a:solidFill>
+                        </a:rPr>
+                        <a:t>Cell type</a:t>
+                      </a:r>
+                    </a:p>
+                  </a:txBody>
+                  <a:tcPr>
+                    <a:solidFill>
+                      <a:srgbClr val="59AAC3"/>
+                    </a:solidFill>
+                  </a:tcPr>
+                </a:tc>
+                <a:tc>
+                  <a:txBody>
+                    <a:bodyPr/>
+                    <a:lstStyle/>
+                    <a:p>
+                      <a:pPr marL="0" marR="0" lvl="0" indent="0" algn="ctr" defTabSz="914400" rtl="0" eaLnBrk="1" fontAlgn="auto" latinLnBrk="0" hangingPunct="1">
+                        <a:lnSpc>
+                          <a:spcPct val="100000"/>
+                        </a:lnSpc>
+                        <a:spcBef>
+                          <a:spcPts val="0"/>
+                        </a:spcBef>
+                        <a:spcAft>
+                          <a:spcPts val="0"/>
+                        </a:spcAft>
+                        <a:buClrTx/>
+                        <a:buSzTx/>
+                        <a:buFontTx/>
+                        <a:buNone/>
+                        <a:tabLst/>
+                        <a:defRPr/>
+                      </a:pPr>
+                      <a:r>
+                        <a:rPr lang="en-GB" sz="1200" dirty="0">
+                          <a:solidFill>
+                            <a:schemeClr val="tx1"/>
+                          </a:solidFill>
+                        </a:rPr>
+                        <a:t>P-value</a:t>
+                      </a:r>
+                    </a:p>
+                  </a:txBody>
+                  <a:tcPr>
+                    <a:solidFill>
+                      <a:srgbClr val="59AAC3"/>
+                    </a:solidFill>
+                  </a:tcPr>
+                </a:tc>
+                <a:tc>
+                  <a:txBody>
+                    <a:bodyPr/>
+                    <a:lstStyle/>
+                    <a:p>
+                      <a:pPr marL="0" marR="0" lvl="0" indent="0" algn="l" defTabSz="914400" rtl="0" eaLnBrk="1" fontAlgn="auto" latinLnBrk="0" hangingPunct="1">
+                        <a:lnSpc>
+                          <a:spcPct val="100000"/>
+                        </a:lnSpc>
+                        <a:spcBef>
+                          <a:spcPts val="0"/>
+                        </a:spcBef>
+                        <a:spcAft>
+                          <a:spcPts val="0"/>
+                        </a:spcAft>
+                        <a:buClrTx/>
+                        <a:buSzTx/>
+                        <a:buFontTx/>
+                        <a:buNone/>
+                        <a:tabLst/>
+                        <a:defRPr/>
+                      </a:pPr>
+                      <a:r>
+                        <a:rPr lang="en-GB" sz="1200" dirty="0">
+                          <a:solidFill>
+                            <a:schemeClr val="tx1"/>
+                          </a:solidFill>
+                        </a:rPr>
+                        <a:t>FDR</a:t>
+                      </a:r>
+                    </a:p>
+                  </a:txBody>
+                  <a:tcPr>
+                    <a:solidFill>
+                      <a:srgbClr val="59AAC3"/>
+                    </a:solidFill>
+                  </a:tcPr>
+                </a:tc>
+                <a:tc>
+                  <a:txBody>
+                    <a:bodyPr/>
+                    <a:lstStyle/>
+                    <a:p>
+                      <a:r>
+                        <a:rPr lang="en-GB" sz="1200" dirty="0">
+                          <a:solidFill>
+                            <a:schemeClr val="tx1"/>
+                          </a:solidFill>
+                        </a:rPr>
+                        <a:t>Z-score</a:t>
+                      </a:r>
+                    </a:p>
+                  </a:txBody>
+                  <a:tcPr>
+                    <a:solidFill>
+                      <a:srgbClr val="59AAC3"/>
+                    </a:solidFill>
+                  </a:tcPr>
+                </a:tc>
+                <a:extLst>
+                  <a:ext uri="{0D108BD9-81ED-4DB2-BD59-A6C34878D82A}">
+                    <a16:rowId xmlns:a16="http://schemas.microsoft.com/office/drawing/2014/main" val="1761758748"/>
+                  </a:ext>
+                </a:extLst>
+              </a:tr>
+              <a:tr h="232896">
+                <a:tc>
+                  <a:txBody>
+                    <a:bodyPr/>
+                    <a:lstStyle/>
+                    <a:p>
+                      <a:r>
+                        <a:rPr lang="en-GB" sz="1200" dirty="0">
+                          <a:solidFill>
+                            <a:schemeClr val="tx1"/>
+                          </a:solidFill>
+                        </a:rPr>
+                        <a:t>A</a:t>
+                      </a:r>
+                    </a:p>
+                  </a:txBody>
+                  <a:tcPr>
+                    <a:solidFill>
+                      <a:srgbClr val="59AAC3"/>
+                    </a:solidFill>
+                  </a:tcPr>
+                </a:tc>
+                <a:tc>
+                  <a:txBody>
+                    <a:bodyPr/>
+                    <a:lstStyle/>
+                    <a:p>
+                      <a:r>
+                        <a:rPr lang="en-GB" sz="1200" dirty="0">
+                          <a:solidFill>
+                            <a:schemeClr val="tx1"/>
+                          </a:solidFill>
+                        </a:rPr>
+                        <a:t>X</a:t>
+                      </a:r>
+                    </a:p>
+                  </a:txBody>
+                  <a:tcPr>
+                    <a:solidFill>
+                      <a:srgbClr val="59AAC3"/>
+                    </a:solidFill>
+                  </a:tcPr>
+                </a:tc>
+                <a:tc>
+                  <a:txBody>
+                    <a:bodyPr/>
+                    <a:lstStyle/>
+                    <a:p>
+                      <a:r>
+                        <a:rPr lang="en-GB" sz="1200" dirty="0">
+                          <a:solidFill>
+                            <a:schemeClr val="tx1"/>
+                          </a:solidFill>
+                        </a:rPr>
+                        <a:t>0.005</a:t>
+                      </a:r>
+                    </a:p>
+                  </a:txBody>
+                  <a:tcPr>
+                    <a:solidFill>
+                      <a:srgbClr val="59AAC3"/>
+                    </a:solidFill>
+                  </a:tcPr>
+                </a:tc>
+                <a:tc>
+                  <a:txBody>
+                    <a:bodyPr/>
+                    <a:lstStyle/>
+                    <a:p>
+                      <a:r>
+                        <a:rPr lang="en-GB" sz="1200" dirty="0">
+                          <a:solidFill>
+                            <a:schemeClr val="tx1"/>
+                          </a:solidFill>
+                        </a:rPr>
+                        <a:t>0.05</a:t>
+                      </a:r>
+                    </a:p>
+                  </a:txBody>
+                  <a:tcPr>
+                    <a:solidFill>
+                      <a:srgbClr val="59AAC3"/>
+                    </a:solidFill>
+                  </a:tcPr>
+                </a:tc>
+                <a:tc>
+                  <a:txBody>
+                    <a:bodyPr/>
+                    <a:lstStyle/>
+                    <a:p>
+                      <a:r>
+                        <a:rPr lang="en-GB" sz="1200" dirty="0">
+                          <a:solidFill>
+                            <a:schemeClr val="tx1"/>
+                          </a:solidFill>
+                        </a:rPr>
+                        <a:t>0.25</a:t>
+                      </a:r>
+                    </a:p>
+                  </a:txBody>
+                  <a:tcPr>
+                    <a:solidFill>
+                      <a:srgbClr val="59AAC3"/>
+                    </a:solidFill>
+                  </a:tcPr>
+                </a:tc>
+                <a:extLst>
+                  <a:ext uri="{0D108BD9-81ED-4DB2-BD59-A6C34878D82A}">
+                    <a16:rowId xmlns:a16="http://schemas.microsoft.com/office/drawing/2014/main" val="461565399"/>
+                  </a:ext>
+                </a:extLst>
+              </a:tr>
+              <a:tr h="232896">
+                <a:tc>
+                  <a:txBody>
+                    <a:bodyPr/>
+                    <a:lstStyle/>
+                    <a:p>
+                      <a:r>
+                        <a:rPr lang="en-GB" sz="1200" dirty="0">
+                          <a:solidFill>
+                            <a:schemeClr val="tx1"/>
+                          </a:solidFill>
+                        </a:rPr>
+                        <a:t>A</a:t>
+                      </a:r>
+                    </a:p>
+                  </a:txBody>
+                  <a:tcPr>
+                    <a:solidFill>
+                      <a:srgbClr val="59AAC3"/>
+                    </a:solidFill>
+                  </a:tcPr>
+                </a:tc>
+                <a:tc>
+                  <a:txBody>
+                    <a:bodyPr/>
+                    <a:lstStyle/>
+                    <a:p>
+                      <a:r>
+                        <a:rPr lang="en-GB" sz="1200" dirty="0">
+                          <a:solidFill>
+                            <a:schemeClr val="tx1"/>
+                          </a:solidFill>
+                        </a:rPr>
+                        <a:t>Y</a:t>
+                      </a:r>
+                    </a:p>
+                  </a:txBody>
+                  <a:tcPr>
+                    <a:solidFill>
+                      <a:srgbClr val="59AAC3"/>
+                    </a:solidFill>
+                  </a:tcPr>
+                </a:tc>
+                <a:tc>
+                  <a:txBody>
+                    <a:bodyPr/>
+                    <a:lstStyle/>
+                    <a:p>
+                      <a:r>
+                        <a:rPr lang="en-GB" sz="1200" dirty="0">
+                          <a:solidFill>
+                            <a:schemeClr val="tx1"/>
+                          </a:solidFill>
+                        </a:rPr>
+                        <a:t>0.98</a:t>
+                      </a:r>
+                    </a:p>
+                  </a:txBody>
+                  <a:tcPr>
+                    <a:solidFill>
+                      <a:srgbClr val="59AAC3"/>
+                    </a:solidFill>
+                  </a:tcPr>
+                </a:tc>
+                <a:tc>
+                  <a:txBody>
+                    <a:bodyPr/>
+                    <a:lstStyle/>
+                    <a:p>
+                      <a:r>
+                        <a:rPr lang="en-GB" sz="1200" dirty="0">
+                          <a:solidFill>
+                            <a:schemeClr val="tx1"/>
+                          </a:solidFill>
+                        </a:rPr>
+                        <a:t>1</a:t>
+                      </a:r>
+                    </a:p>
+                  </a:txBody>
+                  <a:tcPr>
+                    <a:solidFill>
+                      <a:srgbClr val="59AAC3"/>
+                    </a:solidFill>
+                  </a:tcPr>
+                </a:tc>
+                <a:tc>
+                  <a:txBody>
+                    <a:bodyPr/>
+                    <a:lstStyle/>
+                    <a:p>
+                      <a:r>
+                        <a:rPr lang="en-GB" sz="1200" dirty="0">
+                          <a:solidFill>
+                            <a:schemeClr val="tx1"/>
+                          </a:solidFill>
+                        </a:rPr>
+                        <a:t>0</a:t>
+                      </a:r>
+                    </a:p>
+                  </a:txBody>
+                  <a:tcPr>
+                    <a:solidFill>
+                      <a:srgbClr val="59AAC3"/>
+                    </a:solidFill>
+                  </a:tcPr>
+                </a:tc>
+                <a:extLst>
+                  <a:ext uri="{0D108BD9-81ED-4DB2-BD59-A6C34878D82A}">
+                    <a16:rowId xmlns:a16="http://schemas.microsoft.com/office/drawing/2014/main" val="1278667350"/>
+                  </a:ext>
+                </a:extLst>
+              </a:tr>
+              <a:tr h="232896">
+                <a:tc>
+                  <a:txBody>
+                    <a:bodyPr/>
+                    <a:lstStyle/>
+                    <a:p>
+                      <a:r>
+                        <a:rPr lang="en-GB" sz="1200" dirty="0">
+                          <a:solidFill>
+                            <a:schemeClr val="tx1"/>
+                          </a:solidFill>
+                        </a:rPr>
+                        <a:t>A</a:t>
+                      </a:r>
+                    </a:p>
+                  </a:txBody>
+                  <a:tcPr>
+                    <a:solidFill>
+                      <a:srgbClr val="59AAC3"/>
+                    </a:solidFill>
+                  </a:tcPr>
+                </a:tc>
+                <a:tc>
+                  <a:txBody>
+                    <a:bodyPr/>
+                    <a:lstStyle/>
+                    <a:p>
+                      <a:r>
+                        <a:rPr lang="en-GB" sz="1200" dirty="0">
+                          <a:solidFill>
+                            <a:schemeClr val="tx1"/>
+                          </a:solidFill>
+                        </a:rPr>
+                        <a:t>Z</a:t>
+                      </a:r>
+                    </a:p>
+                  </a:txBody>
+                  <a:tcPr>
+                    <a:solidFill>
+                      <a:srgbClr val="59AAC3"/>
+                    </a:solidFill>
+                  </a:tcPr>
+                </a:tc>
+                <a:tc>
+                  <a:txBody>
+                    <a:bodyPr/>
+                    <a:lstStyle/>
+                    <a:p>
+                      <a:r>
+                        <a:rPr lang="en-GB" sz="1200" dirty="0">
+                          <a:solidFill>
+                            <a:schemeClr val="tx1"/>
+                          </a:solidFill>
+                        </a:rPr>
+                        <a:t>0.001</a:t>
+                      </a:r>
+                    </a:p>
+                  </a:txBody>
+                  <a:tcPr>
+                    <a:solidFill>
+                      <a:srgbClr val="59AAC3"/>
+                    </a:solidFill>
+                  </a:tcPr>
+                </a:tc>
+                <a:tc>
+                  <a:txBody>
+                    <a:bodyPr/>
+                    <a:lstStyle/>
+                    <a:p>
+                      <a:r>
+                        <a:rPr lang="en-GB" sz="1200" dirty="0">
+                          <a:solidFill>
+                            <a:schemeClr val="tx1"/>
+                          </a:solidFill>
+                        </a:rPr>
+                        <a:t>0.01</a:t>
+                      </a:r>
+                    </a:p>
+                  </a:txBody>
+                  <a:tcPr>
+                    <a:solidFill>
+                      <a:srgbClr val="59AAC3"/>
+                    </a:solidFill>
+                  </a:tcPr>
+                </a:tc>
+                <a:tc>
+                  <a:txBody>
+                    <a:bodyPr/>
+                    <a:lstStyle/>
+                    <a:p>
+                      <a:r>
+                        <a:rPr lang="en-GB" sz="1200" dirty="0">
+                          <a:solidFill>
+                            <a:schemeClr val="tx1"/>
+                          </a:solidFill>
+                        </a:rPr>
+                        <a:t>0.90</a:t>
+                      </a:r>
+                    </a:p>
+                  </a:txBody>
+                  <a:tcPr>
+                    <a:solidFill>
+                      <a:srgbClr val="59AAC3"/>
+                    </a:solidFill>
+                  </a:tcPr>
+                </a:tc>
+                <a:extLst>
+                  <a:ext uri="{0D108BD9-81ED-4DB2-BD59-A6C34878D82A}">
+                    <a16:rowId xmlns:a16="http://schemas.microsoft.com/office/drawing/2014/main" val="555122821"/>
+                  </a:ext>
+                </a:extLst>
+              </a:tr>
+              <a:tr h="232896">
+                <a:tc>
+                  <a:txBody>
+                    <a:bodyPr/>
+                    <a:lstStyle/>
+                    <a:p>
+                      <a:r>
+                        <a:rPr lang="en-GB" sz="1200" dirty="0">
+                          <a:solidFill>
+                            <a:schemeClr val="tx1"/>
+                          </a:solidFill>
+                        </a:rPr>
+                        <a:t>B</a:t>
+                      </a:r>
+                    </a:p>
+                  </a:txBody>
+                  <a:tcPr>
+                    <a:solidFill>
+                      <a:srgbClr val="59AAC3"/>
+                    </a:solidFill>
+                  </a:tcPr>
+                </a:tc>
+                <a:tc>
+                  <a:txBody>
+                    <a:bodyPr/>
+                    <a:lstStyle/>
+                    <a:p>
+                      <a:r>
+                        <a:rPr lang="en-GB" sz="1200" dirty="0">
+                          <a:solidFill>
+                            <a:schemeClr val="tx1"/>
+                          </a:solidFill>
+                        </a:rPr>
+                        <a:t>X</a:t>
+                      </a:r>
+                    </a:p>
+                  </a:txBody>
+                  <a:tcPr>
+                    <a:solidFill>
+                      <a:srgbClr val="59AAC3"/>
+                    </a:solidFill>
+                  </a:tcPr>
+                </a:tc>
+                <a:tc>
+                  <a:txBody>
+                    <a:bodyPr/>
+                    <a:lstStyle/>
+                    <a:p>
+                      <a:r>
+                        <a:rPr lang="en-GB" sz="1200" dirty="0">
+                          <a:solidFill>
+                            <a:schemeClr val="tx1"/>
+                          </a:solidFill>
+                        </a:rPr>
+                        <a:t>1</a:t>
+                      </a:r>
+                    </a:p>
+                  </a:txBody>
+                  <a:tcPr>
+                    <a:solidFill>
+                      <a:srgbClr val="59AAC3"/>
+                    </a:solidFill>
+                  </a:tcPr>
+                </a:tc>
+                <a:tc>
+                  <a:txBody>
+                    <a:bodyPr/>
+                    <a:lstStyle/>
+                    <a:p>
+                      <a:r>
+                        <a:rPr lang="en-GB" sz="1200" dirty="0">
+                          <a:solidFill>
+                            <a:schemeClr val="tx1"/>
+                          </a:solidFill>
+                        </a:rPr>
+                        <a:t>1</a:t>
+                      </a:r>
+                    </a:p>
+                  </a:txBody>
+                  <a:tcPr>
+                    <a:solidFill>
+                      <a:srgbClr val="59AAC3"/>
+                    </a:solidFill>
+                  </a:tcPr>
+                </a:tc>
+                <a:tc>
+                  <a:txBody>
+                    <a:bodyPr/>
+                    <a:lstStyle/>
+                    <a:p>
+                      <a:r>
+                        <a:rPr lang="en-GB" sz="1200" dirty="0">
+                          <a:solidFill>
+                            <a:schemeClr val="tx1"/>
+                          </a:solidFill>
+                        </a:rPr>
+                        <a:t>0</a:t>
+                      </a:r>
+                    </a:p>
+                  </a:txBody>
+                  <a:tcPr>
+                    <a:solidFill>
+                      <a:srgbClr val="59AAC3"/>
+                    </a:solidFill>
+                  </a:tcPr>
+                </a:tc>
+                <a:extLst>
+                  <a:ext uri="{0D108BD9-81ED-4DB2-BD59-A6C34878D82A}">
+                    <a16:rowId xmlns:a16="http://schemas.microsoft.com/office/drawing/2014/main" val="213026608"/>
+                  </a:ext>
+                </a:extLst>
+              </a:tr>
+              <a:tr h="232896">
+                <a:tc>
+                  <a:txBody>
+                    <a:bodyPr/>
+                    <a:lstStyle/>
+                    <a:p>
+                      <a:r>
+                        <a:rPr lang="en-GB" sz="1200" dirty="0">
+                          <a:solidFill>
+                            <a:schemeClr val="tx1"/>
+                          </a:solidFill>
+                        </a:rPr>
+                        <a:t>B</a:t>
+                      </a:r>
+                    </a:p>
+                  </a:txBody>
+                  <a:tcPr>
+                    <a:solidFill>
+                      <a:srgbClr val="59AAC3"/>
+                    </a:solidFill>
+                  </a:tcPr>
+                </a:tc>
+                <a:tc>
+                  <a:txBody>
+                    <a:bodyPr/>
+                    <a:lstStyle/>
+                    <a:p>
+                      <a:r>
+                        <a:rPr lang="en-GB" sz="1200" dirty="0">
+                          <a:solidFill>
+                            <a:schemeClr val="tx1"/>
+                          </a:solidFill>
+                        </a:rPr>
+                        <a:t>Y</a:t>
+                      </a:r>
+                    </a:p>
+                  </a:txBody>
+                  <a:tcPr>
+                    <a:solidFill>
+                      <a:srgbClr val="59AAC3"/>
+                    </a:solidFill>
+                  </a:tcPr>
+                </a:tc>
+                <a:tc>
+                  <a:txBody>
+                    <a:bodyPr/>
+                    <a:lstStyle/>
+                    <a:p>
+                      <a:r>
+                        <a:rPr lang="en-GB" sz="1200" dirty="0">
+                          <a:solidFill>
+                            <a:schemeClr val="tx1"/>
+                          </a:solidFill>
+                        </a:rPr>
+                        <a:t>0.0004</a:t>
+                      </a:r>
+                    </a:p>
+                  </a:txBody>
+                  <a:tcPr>
+                    <a:solidFill>
+                      <a:srgbClr val="59AAC3"/>
+                    </a:solidFill>
+                  </a:tcPr>
+                </a:tc>
+                <a:tc>
+                  <a:txBody>
+                    <a:bodyPr/>
+                    <a:lstStyle/>
+                    <a:p>
+                      <a:r>
+                        <a:rPr lang="en-GB" sz="1200" dirty="0">
+                          <a:solidFill>
+                            <a:schemeClr val="tx1"/>
+                          </a:solidFill>
+                        </a:rPr>
+                        <a:t>0.004</a:t>
+                      </a:r>
+                    </a:p>
+                  </a:txBody>
+                  <a:tcPr>
+                    <a:solidFill>
+                      <a:srgbClr val="59AAC3"/>
+                    </a:solidFill>
+                  </a:tcPr>
+                </a:tc>
+                <a:tc>
+                  <a:txBody>
+                    <a:bodyPr/>
+                    <a:lstStyle/>
+                    <a:p>
+                      <a:r>
+                        <a:rPr lang="en-GB" sz="1200" dirty="0">
+                          <a:solidFill>
+                            <a:schemeClr val="tx1"/>
+                          </a:solidFill>
+                        </a:rPr>
+                        <a:t>0.75</a:t>
+                      </a:r>
+                    </a:p>
+                  </a:txBody>
+                  <a:tcPr>
+                    <a:solidFill>
+                      <a:srgbClr val="59AAC3"/>
+                    </a:solidFill>
+                  </a:tcPr>
+                </a:tc>
+                <a:extLst>
+                  <a:ext uri="{0D108BD9-81ED-4DB2-BD59-A6C34878D82A}">
+                    <a16:rowId xmlns:a16="http://schemas.microsoft.com/office/drawing/2014/main" val="141075278"/>
+                  </a:ext>
+                </a:extLst>
+              </a:tr>
+              <a:tr h="232896">
+                <a:tc>
+                  <a:txBody>
+                    <a:bodyPr/>
+                    <a:lstStyle/>
+                    <a:p>
+                      <a:r>
+                        <a:rPr lang="en-GB" sz="1200" dirty="0">
+                          <a:solidFill>
+                            <a:schemeClr val="tx1"/>
+                          </a:solidFill>
+                        </a:rPr>
+                        <a:t>B</a:t>
+                      </a:r>
+                    </a:p>
+                  </a:txBody>
+                  <a:tcPr>
+                    <a:solidFill>
+                      <a:srgbClr val="59AAC3"/>
+                    </a:solidFill>
+                  </a:tcPr>
+                </a:tc>
+                <a:tc>
+                  <a:txBody>
+                    <a:bodyPr/>
+                    <a:lstStyle/>
+                    <a:p>
+                      <a:r>
+                        <a:rPr lang="en-GB" sz="1200" dirty="0">
+                          <a:solidFill>
+                            <a:schemeClr val="tx1"/>
+                          </a:solidFill>
+                        </a:rPr>
+                        <a:t>Z</a:t>
+                      </a:r>
+                    </a:p>
+                  </a:txBody>
+                  <a:tcPr>
+                    <a:solidFill>
+                      <a:srgbClr val="59AAC3"/>
+                    </a:solidFill>
+                  </a:tcPr>
+                </a:tc>
+                <a:tc>
+                  <a:txBody>
+                    <a:bodyPr/>
+                    <a:lstStyle/>
+                    <a:p>
+                      <a:r>
+                        <a:rPr lang="en-GB" sz="1200" dirty="0">
+                          <a:solidFill>
+                            <a:schemeClr val="tx1"/>
+                          </a:solidFill>
+                        </a:rPr>
+                        <a:t>1</a:t>
+                      </a:r>
+                    </a:p>
+                  </a:txBody>
+                  <a:tcPr>
+                    <a:solidFill>
+                      <a:srgbClr val="59AAC3"/>
+                    </a:solidFill>
+                  </a:tcPr>
+                </a:tc>
+                <a:tc>
+                  <a:txBody>
+                    <a:bodyPr/>
+                    <a:lstStyle/>
+                    <a:p>
+                      <a:r>
+                        <a:rPr lang="en-GB" sz="1200" dirty="0">
+                          <a:solidFill>
+                            <a:schemeClr val="tx1"/>
+                          </a:solidFill>
+                        </a:rPr>
+                        <a:t>1</a:t>
+                      </a:r>
+                    </a:p>
+                  </a:txBody>
+                  <a:tcPr>
+                    <a:solidFill>
+                      <a:srgbClr val="59AAC3"/>
+                    </a:solidFill>
+                  </a:tcPr>
+                </a:tc>
+                <a:tc>
+                  <a:txBody>
+                    <a:bodyPr/>
+                    <a:lstStyle/>
+                    <a:p>
+                      <a:r>
+                        <a:rPr lang="en-GB" sz="1200" dirty="0">
+                          <a:solidFill>
+                            <a:schemeClr val="tx1"/>
+                          </a:solidFill>
+                        </a:rPr>
+                        <a:t>0.01</a:t>
+                      </a:r>
+                    </a:p>
+                  </a:txBody>
+                  <a:tcPr>
+                    <a:solidFill>
+                      <a:srgbClr val="59AAC3"/>
+                    </a:solidFill>
+                  </a:tcPr>
+                </a:tc>
+                <a:extLst>
+                  <a:ext uri="{0D108BD9-81ED-4DB2-BD59-A6C34878D82A}">
+                    <a16:rowId xmlns:a16="http://schemas.microsoft.com/office/drawing/2014/main" val="1632737675"/>
+                  </a:ext>
+                </a:extLst>
+              </a:tr>
+              <a:tr h="232896">
+                <a:tc>
+                  <a:txBody>
+                    <a:bodyPr/>
+                    <a:lstStyle/>
+                    <a:p>
+                      <a:r>
+                        <a:rPr lang="en-GB" sz="1200" dirty="0">
+                          <a:solidFill>
+                            <a:schemeClr val="tx1"/>
+                          </a:solidFill>
+                        </a:rPr>
+                        <a:t>C</a:t>
+                      </a:r>
+                    </a:p>
+                  </a:txBody>
+                  <a:tcPr>
+                    <a:solidFill>
+                      <a:srgbClr val="59AAC3"/>
+                    </a:solidFill>
+                  </a:tcPr>
+                </a:tc>
+                <a:tc>
+                  <a:txBody>
+                    <a:bodyPr/>
+                    <a:lstStyle/>
+                    <a:p>
+                      <a:r>
+                        <a:rPr lang="en-GB" sz="1200" dirty="0">
+                          <a:solidFill>
+                            <a:schemeClr val="tx1"/>
+                          </a:solidFill>
+                        </a:rPr>
+                        <a:t>X</a:t>
+                      </a:r>
+                    </a:p>
+                  </a:txBody>
+                  <a:tcPr>
+                    <a:solidFill>
+                      <a:srgbClr val="59AAC3"/>
+                    </a:solidFill>
+                  </a:tcPr>
+                </a:tc>
+                <a:tc>
+                  <a:txBody>
+                    <a:bodyPr/>
+                    <a:lstStyle/>
+                    <a:p>
+                      <a:r>
+                        <a:rPr lang="en-GB" sz="1200" dirty="0">
+                          <a:solidFill>
+                            <a:schemeClr val="tx1"/>
+                          </a:solidFill>
+                        </a:rPr>
+                        <a:t>0.003</a:t>
+                      </a:r>
+                    </a:p>
+                  </a:txBody>
+                  <a:tcPr>
+                    <a:solidFill>
+                      <a:srgbClr val="59AAC3"/>
+                    </a:solidFill>
+                  </a:tcPr>
+                </a:tc>
+                <a:tc>
+                  <a:txBody>
+                    <a:bodyPr/>
+                    <a:lstStyle/>
+                    <a:p>
+                      <a:pPr marL="0" marR="0" lvl="0" indent="0" algn="l" defTabSz="914400" rtl="0" eaLnBrk="1" fontAlgn="auto" latinLnBrk="0" hangingPunct="1">
+                        <a:lnSpc>
+                          <a:spcPct val="100000"/>
+                        </a:lnSpc>
+                        <a:spcBef>
+                          <a:spcPts val="0"/>
+                        </a:spcBef>
+                        <a:spcAft>
+                          <a:spcPts val="0"/>
+                        </a:spcAft>
+                        <a:buClrTx/>
+                        <a:buSzTx/>
+                        <a:buFontTx/>
+                        <a:buNone/>
+                        <a:tabLst/>
+                        <a:defRPr/>
+                      </a:pPr>
+                      <a:r>
+                        <a:rPr lang="en-GB" sz="1200" dirty="0">
+                          <a:solidFill>
+                            <a:schemeClr val="tx1"/>
+                          </a:solidFill>
+                        </a:rPr>
+                        <a:t>0.03</a:t>
+                      </a:r>
+                    </a:p>
+                  </a:txBody>
+                  <a:tcPr>
+                    <a:solidFill>
+                      <a:srgbClr val="59AAC3"/>
+                    </a:solidFill>
+                  </a:tcPr>
+                </a:tc>
+                <a:tc>
+                  <a:txBody>
+                    <a:bodyPr/>
+                    <a:lstStyle/>
+                    <a:p>
+                      <a:r>
+                        <a:rPr lang="en-GB" sz="1200" dirty="0">
+                          <a:solidFill>
+                            <a:schemeClr val="tx1"/>
+                          </a:solidFill>
+                        </a:rPr>
+                        <a:t>0.20</a:t>
+                      </a:r>
+                    </a:p>
+                  </a:txBody>
+                  <a:tcPr>
+                    <a:solidFill>
+                      <a:srgbClr val="59AAC3"/>
+                    </a:solidFill>
+                  </a:tcPr>
+                </a:tc>
+                <a:extLst>
+                  <a:ext uri="{0D108BD9-81ED-4DB2-BD59-A6C34878D82A}">
+                    <a16:rowId xmlns:a16="http://schemas.microsoft.com/office/drawing/2014/main" val="2335596528"/>
+                  </a:ext>
+                </a:extLst>
+              </a:tr>
+              <a:tr h="232896">
+                <a:tc>
+                  <a:txBody>
+                    <a:bodyPr/>
+                    <a:lstStyle/>
+                    <a:p>
+                      <a:r>
+                        <a:rPr lang="en-GB" sz="1200" dirty="0">
+                          <a:solidFill>
+                            <a:schemeClr val="tx1"/>
+                          </a:solidFill>
+                        </a:rPr>
+                        <a:t>C</a:t>
+                      </a:r>
+                    </a:p>
+                  </a:txBody>
+                  <a:tcPr>
+                    <a:solidFill>
+                      <a:srgbClr val="59AAC3"/>
+                    </a:solidFill>
+                  </a:tcPr>
+                </a:tc>
+                <a:tc>
+                  <a:txBody>
+                    <a:bodyPr/>
+                    <a:lstStyle/>
+                    <a:p>
+                      <a:r>
+                        <a:rPr lang="en-GB" sz="1200" dirty="0">
+                          <a:solidFill>
+                            <a:schemeClr val="tx1"/>
+                          </a:solidFill>
+                        </a:rPr>
+                        <a:t>Y</a:t>
+                      </a:r>
+                    </a:p>
+                  </a:txBody>
+                  <a:tcPr>
+                    <a:solidFill>
+                      <a:srgbClr val="59AAC3"/>
+                    </a:solidFill>
+                  </a:tcPr>
+                </a:tc>
+                <a:tc>
+                  <a:txBody>
+                    <a:bodyPr/>
+                    <a:lstStyle/>
+                    <a:p>
+                      <a:r>
+                        <a:rPr lang="en-GB" sz="1200" dirty="0">
+                          <a:solidFill>
+                            <a:schemeClr val="tx1"/>
+                          </a:solidFill>
+                        </a:rPr>
+                        <a:t>1</a:t>
+                      </a:r>
+                    </a:p>
+                  </a:txBody>
+                  <a:tcPr>
+                    <a:solidFill>
+                      <a:srgbClr val="59AAC3"/>
+                    </a:solidFill>
+                  </a:tcPr>
+                </a:tc>
+                <a:tc>
+                  <a:txBody>
+                    <a:bodyPr/>
+                    <a:lstStyle/>
+                    <a:p>
+                      <a:r>
+                        <a:rPr lang="en-GB" sz="1200" dirty="0">
+                          <a:solidFill>
+                            <a:schemeClr val="tx1"/>
+                          </a:solidFill>
+                        </a:rPr>
+                        <a:t>1</a:t>
+                      </a:r>
+                    </a:p>
+                  </a:txBody>
+                  <a:tcPr>
+                    <a:solidFill>
+                      <a:srgbClr val="59AAC3"/>
+                    </a:solidFill>
+                  </a:tcPr>
+                </a:tc>
+                <a:tc>
+                  <a:txBody>
+                    <a:bodyPr/>
+                    <a:lstStyle/>
+                    <a:p>
+                      <a:r>
+                        <a:rPr lang="en-GB" sz="1200" dirty="0">
+                          <a:solidFill>
+                            <a:schemeClr val="tx1"/>
+                          </a:solidFill>
+                        </a:rPr>
+                        <a:t>0</a:t>
+                      </a:r>
+                    </a:p>
+                  </a:txBody>
+                  <a:tcPr>
+                    <a:solidFill>
+                      <a:srgbClr val="59AAC3"/>
+                    </a:solidFill>
+                  </a:tcPr>
+                </a:tc>
+                <a:extLst>
+                  <a:ext uri="{0D108BD9-81ED-4DB2-BD59-A6C34878D82A}">
+                    <a16:rowId xmlns:a16="http://schemas.microsoft.com/office/drawing/2014/main" val="879845809"/>
+                  </a:ext>
+                </a:extLst>
+              </a:tr>
+              <a:tr h="232896">
+                <a:tc>
+                  <a:txBody>
+                    <a:bodyPr/>
+                    <a:lstStyle/>
+                    <a:p>
+                      <a:r>
+                        <a:rPr lang="en-GB" sz="1200" dirty="0">
+                          <a:solidFill>
+                            <a:schemeClr val="tx1"/>
+                          </a:solidFill>
+                        </a:rPr>
+                        <a:t>C</a:t>
+                      </a:r>
+                    </a:p>
+                  </a:txBody>
+                  <a:tcPr>
+                    <a:solidFill>
+                      <a:srgbClr val="59AAC3"/>
+                    </a:solidFill>
+                  </a:tcPr>
+                </a:tc>
+                <a:tc>
+                  <a:txBody>
+                    <a:bodyPr/>
+                    <a:lstStyle/>
+                    <a:p>
+                      <a:r>
+                        <a:rPr lang="en-GB" sz="1200" dirty="0">
+                          <a:solidFill>
+                            <a:schemeClr val="tx1"/>
+                          </a:solidFill>
+                        </a:rPr>
+                        <a:t>Z</a:t>
+                      </a:r>
+                    </a:p>
+                  </a:txBody>
+                  <a:tcPr>
+                    <a:solidFill>
+                      <a:srgbClr val="59AAC3"/>
+                    </a:solidFill>
+                  </a:tcPr>
+                </a:tc>
+                <a:tc>
+                  <a:txBody>
+                    <a:bodyPr/>
+                    <a:lstStyle/>
+                    <a:p>
+                      <a:r>
+                        <a:rPr lang="en-GB" sz="1200" dirty="0">
+                          <a:solidFill>
+                            <a:schemeClr val="tx1"/>
+                          </a:solidFill>
+                        </a:rPr>
+                        <a:t>0.0007</a:t>
+                      </a:r>
+                    </a:p>
+                  </a:txBody>
+                  <a:tcPr>
+                    <a:solidFill>
+                      <a:srgbClr val="59AAC3"/>
+                    </a:solidFill>
+                  </a:tcPr>
+                </a:tc>
+                <a:tc>
+                  <a:txBody>
+                    <a:bodyPr/>
+                    <a:lstStyle/>
+                    <a:p>
+                      <a:r>
+                        <a:rPr lang="en-GB" sz="1200" dirty="0">
+                          <a:solidFill>
+                            <a:schemeClr val="tx1"/>
+                          </a:solidFill>
+                        </a:rPr>
+                        <a:t>0.007</a:t>
+                      </a:r>
+                    </a:p>
+                  </a:txBody>
+                  <a:tcPr>
+                    <a:solidFill>
+                      <a:srgbClr val="59AAC3"/>
+                    </a:solidFill>
+                  </a:tcPr>
+                </a:tc>
+                <a:tc>
+                  <a:txBody>
+                    <a:bodyPr/>
+                    <a:lstStyle/>
+                    <a:p>
+                      <a:r>
+                        <a:rPr lang="en-GB" sz="1200" dirty="0">
+                          <a:solidFill>
+                            <a:schemeClr val="tx1"/>
+                          </a:solidFill>
+                        </a:rPr>
+                        <a:t>0.98</a:t>
+                      </a:r>
+                    </a:p>
+                  </a:txBody>
+                  <a:tcPr>
+                    <a:solidFill>
+                      <a:srgbClr val="59AAC3"/>
+                    </a:solidFill>
+                  </a:tcPr>
+                </a:tc>
+                <a:extLst>
+                  <a:ext uri="{0D108BD9-81ED-4DB2-BD59-A6C34878D82A}">
+                    <a16:rowId xmlns:a16="http://schemas.microsoft.com/office/drawing/2014/main" val="286972806"/>
+                  </a:ext>
+                </a:extLst>
+              </a:tr>
+              <a:tr h="232896">
+                <a:tc>
+                  <a:txBody>
+                    <a:bodyPr/>
+                    <a:lstStyle/>
+                    <a:p>
+                      <a:r>
+                        <a:rPr lang="en-GB" sz="1200" dirty="0">
+                          <a:solidFill>
+                            <a:schemeClr val="tx1"/>
+                          </a:solidFill>
+                        </a:rPr>
+                        <a:t>…</a:t>
+                      </a:r>
+                    </a:p>
+                  </a:txBody>
+                  <a:tcPr>
+                    <a:solidFill>
+                      <a:srgbClr val="59AAC3"/>
+                    </a:solidFill>
+                  </a:tcPr>
+                </a:tc>
+                <a:tc>
+                  <a:txBody>
+                    <a:bodyPr/>
+                    <a:lstStyle/>
+                    <a:p>
+                      <a:r>
+                        <a:rPr lang="en-GB" sz="1200" dirty="0">
+                          <a:solidFill>
+                            <a:schemeClr val="tx1"/>
+                          </a:solidFill>
+                        </a:rPr>
+                        <a:t>…</a:t>
+                      </a:r>
+                    </a:p>
+                  </a:txBody>
+                  <a:tcPr>
+                    <a:solidFill>
+                      <a:srgbClr val="59AAC3"/>
+                    </a:solidFill>
+                  </a:tcPr>
+                </a:tc>
+                <a:tc>
+                  <a:txBody>
+                    <a:bodyPr/>
+                    <a:lstStyle/>
+                    <a:p>
+                      <a:r>
+                        <a:rPr lang="en-GB" sz="1200" dirty="0">
+                          <a:solidFill>
+                            <a:schemeClr val="tx1"/>
+                          </a:solidFill>
+                        </a:rPr>
+                        <a:t>…</a:t>
+                      </a:r>
+                    </a:p>
+                  </a:txBody>
+                  <a:tcPr>
+                    <a:solidFill>
+                      <a:srgbClr val="59AAC3"/>
+                    </a:solidFill>
+                  </a:tcPr>
+                </a:tc>
+                <a:tc>
+                  <a:txBody>
+                    <a:bodyPr/>
+                    <a:lstStyle/>
+                    <a:p>
+                      <a:r>
+                        <a:rPr lang="en-GB" sz="1200" dirty="0">
+                          <a:solidFill>
+                            <a:schemeClr val="tx1"/>
+                          </a:solidFill>
+                        </a:rPr>
+                        <a:t>…</a:t>
+                      </a:r>
+                    </a:p>
+                  </a:txBody>
+                  <a:tcPr>
+                    <a:solidFill>
+                      <a:srgbClr val="59AAC3"/>
+                    </a:solidFill>
+                  </a:tcPr>
+                </a:tc>
+                <a:tc>
+                  <a:txBody>
+                    <a:bodyPr/>
+                    <a:lstStyle/>
+                    <a:p>
+                      <a:r>
+                        <a:rPr lang="en-GB" sz="1200" dirty="0">
+                          <a:solidFill>
+                            <a:schemeClr val="tx1"/>
+                          </a:solidFill>
+                        </a:rPr>
+                        <a:t>…</a:t>
+                      </a:r>
+                    </a:p>
+                  </a:txBody>
+                  <a:tcPr>
+                    <a:solidFill>
+                      <a:srgbClr val="59AAC3"/>
+                    </a:solidFill>
+                  </a:tcPr>
+                </a:tc>
+                <a:extLst>
+                  <a:ext uri="{0D108BD9-81ED-4DB2-BD59-A6C34878D82A}">
+                    <a16:rowId xmlns:a16="http://schemas.microsoft.com/office/drawing/2014/main" val="1076345324"/>
+                  </a:ext>
+                </a:extLst>
+              </a:tr>
+            </a:tbl>
+          </a:graphicData>
+        </a:graphic>
+      </p:graphicFrame>
+      <p:sp>
+        <p:nvSpPr>
+          <p:cNvPr id="76" name="Rounded Rectangle 75">
+            <a:extLst>
+              <a:ext uri="{FF2B5EF4-FFF2-40B4-BE49-F238E27FC236}">
+                <a16:creationId xmlns:a16="http://schemas.microsoft.com/office/drawing/2014/main" id="{92E273BB-1E9E-FB32-D31D-BD3C94AEFEB5}"/>
+              </a:ext>
+            </a:extLst>
+          </p:cNvPr>
+          <p:cNvSpPr/>
+          <p:nvPr/>
+        </p:nvSpPr>
+        <p:spPr>
+          <a:xfrm>
+            <a:off x="1634504" y="1394298"/>
+            <a:ext cx="4321027" cy="222620"/>
+          </a:xfrm>
+          <a:prstGeom prst="roundRect">
+            <a:avLst/>
+          </a:prstGeom>
+        </p:spPr>
+        <p:style>
+          <a:lnRef idx="2">
+            <a:schemeClr val="accent1"/>
+          </a:lnRef>
+          <a:fillRef idx="1">
+            <a:schemeClr val="lt1"/>
+          </a:fillRef>
+          <a:effectRef idx="0">
+            <a:schemeClr val="accent1"/>
+          </a:effectRef>
+          <a:fontRef idx="minor">
+            <a:schemeClr val="dk1"/>
+          </a:fontRef>
+        </p:style>
+        <p:txBody>
+          <a:bodyPr rtlCol="0" anchor="ctr"/>
+          <a:lstStyle/>
+          <a:p>
+            <a:pPr algn="ctr"/>
+            <a:r>
+              <a:rPr lang="en-GB" sz="1200" dirty="0">
+                <a:solidFill>
+                  <a:schemeClr val="accent1">
+                    <a:lumMod val="75000"/>
+                  </a:schemeClr>
+                </a:solidFill>
+              </a:rPr>
+              <a:t>Phenotype x gene evidence score matrix</a:t>
+            </a:r>
+          </a:p>
+        </p:txBody>
+      </p:sp>
+      <p:sp>
+        <p:nvSpPr>
+          <p:cNvPr id="77" name="Rounded Rectangle 76">
+            <a:extLst>
+              <a:ext uri="{FF2B5EF4-FFF2-40B4-BE49-F238E27FC236}">
+                <a16:creationId xmlns:a16="http://schemas.microsoft.com/office/drawing/2014/main" id="{EA1A973D-6EE6-D4C6-25BE-4EE78BEBBB63}"/>
+              </a:ext>
+            </a:extLst>
+          </p:cNvPr>
+          <p:cNvSpPr/>
+          <p:nvPr/>
+        </p:nvSpPr>
+        <p:spPr>
+          <a:xfrm>
+            <a:off x="6522685" y="1395359"/>
+            <a:ext cx="4321027" cy="222620"/>
+          </a:xfrm>
+          <a:prstGeom prst="roundRect">
+            <a:avLst/>
+          </a:prstGeom>
+        </p:spPr>
+        <p:style>
+          <a:lnRef idx="2">
+            <a:schemeClr val="accent4"/>
+          </a:lnRef>
+          <a:fillRef idx="1">
+            <a:schemeClr val="lt1"/>
+          </a:fillRef>
+          <a:effectRef idx="0">
+            <a:schemeClr val="accent4"/>
+          </a:effectRef>
+          <a:fontRef idx="minor">
+            <a:schemeClr val="dk1"/>
+          </a:fontRef>
+        </p:style>
+        <p:txBody>
+          <a:bodyPr rtlCol="0" anchor="ctr"/>
+          <a:lstStyle/>
+          <a:p>
+            <a:pPr algn="ctr"/>
+            <a:r>
+              <a:rPr lang="en-GB" sz="1200" dirty="0">
+                <a:solidFill>
+                  <a:schemeClr val="accent4">
+                    <a:lumMod val="75000"/>
+                  </a:schemeClr>
+                </a:solidFill>
+              </a:rPr>
+              <a:t>Cell type x gene expression specificity matrix</a:t>
+            </a:r>
+          </a:p>
+        </p:txBody>
+      </p:sp>
+      <p:sp>
+        <p:nvSpPr>
+          <p:cNvPr id="78" name="Rounded Rectangle 77">
+            <a:extLst>
+              <a:ext uri="{FF2B5EF4-FFF2-40B4-BE49-F238E27FC236}">
+                <a16:creationId xmlns:a16="http://schemas.microsoft.com/office/drawing/2014/main" id="{DC4D7D11-EF1A-A675-CD30-B1008875BF00}"/>
+              </a:ext>
+            </a:extLst>
+          </p:cNvPr>
+          <p:cNvSpPr/>
+          <p:nvPr/>
+        </p:nvSpPr>
+        <p:spPr>
+          <a:xfrm>
+            <a:off x="6993893" y="4737749"/>
+            <a:ext cx="3907828" cy="234621"/>
+          </a:xfrm>
+          <a:prstGeom prst="roundRect">
+            <a:avLst/>
+          </a:prstGeom>
+          <a:solidFill>
+            <a:schemeClr val="lt1">
+              <a:alpha val="72110"/>
+            </a:schemeClr>
+          </a:solidFill>
+          <a:ln>
+            <a:solidFill>
+              <a:srgbClr val="59AAC3"/>
+            </a:solidFill>
+          </a:ln>
+        </p:spPr>
+        <p:style>
+          <a:lnRef idx="2">
+            <a:schemeClr val="accent2"/>
+          </a:lnRef>
+          <a:fillRef idx="1">
+            <a:schemeClr val="lt1"/>
+          </a:fillRef>
+          <a:effectRef idx="0">
+            <a:schemeClr val="accent2"/>
+          </a:effectRef>
+          <a:fontRef idx="minor">
+            <a:schemeClr val="dk1"/>
+          </a:fontRef>
+        </p:style>
+        <p:txBody>
+          <a:bodyPr rtlCol="0" anchor="ctr"/>
+          <a:lstStyle/>
+          <a:p>
+            <a:pPr algn="ctr"/>
+            <a:r>
+              <a:rPr lang="en-GB" sz="1200" dirty="0">
+                <a:solidFill>
+                  <a:srgbClr val="59AAC3"/>
+                </a:solidFill>
+              </a:rPr>
+              <a:t>Phenotype-cell type association results</a:t>
+            </a:r>
+          </a:p>
+        </p:txBody>
+      </p:sp>
+      <p:sp>
+        <p:nvSpPr>
+          <p:cNvPr id="86" name="TextBox 85">
+            <a:extLst>
+              <a:ext uri="{FF2B5EF4-FFF2-40B4-BE49-F238E27FC236}">
+                <a16:creationId xmlns:a16="http://schemas.microsoft.com/office/drawing/2014/main" id="{045F6210-F274-882E-798C-E4F83C8B949E}"/>
+              </a:ext>
+            </a:extLst>
+          </p:cNvPr>
+          <p:cNvSpPr txBox="1"/>
+          <p:nvPr/>
+        </p:nvSpPr>
+        <p:spPr>
+          <a:xfrm>
+            <a:off x="6580036" y="428696"/>
+            <a:ext cx="4321686" cy="707886"/>
+          </a:xfrm>
+          <a:prstGeom prst="rect">
+            <a:avLst/>
+          </a:prstGeom>
+          <a:noFill/>
+        </p:spPr>
+        <p:txBody>
+          <a:bodyPr wrap="square" rtlCol="0">
+            <a:spAutoFit/>
+          </a:bodyPr>
+          <a:lstStyle/>
+          <a:p>
+            <a:pPr algn="ctr"/>
+            <a:r>
+              <a:rPr lang="en-GB" sz="4000" dirty="0">
+                <a:solidFill>
+                  <a:schemeClr val="accent4"/>
+                </a:solidFill>
+              </a:rPr>
+              <a:t>+</a:t>
+            </a:r>
+          </a:p>
+        </p:txBody>
+      </p:sp>
+      <p:sp>
+        <p:nvSpPr>
+          <p:cNvPr id="87" name="TextBox 86">
+            <a:extLst>
+              <a:ext uri="{FF2B5EF4-FFF2-40B4-BE49-F238E27FC236}">
+                <a16:creationId xmlns:a16="http://schemas.microsoft.com/office/drawing/2014/main" id="{8D95366E-6A65-FC2E-1060-EE29AA05B85A}"/>
+              </a:ext>
+            </a:extLst>
+          </p:cNvPr>
+          <p:cNvSpPr txBox="1"/>
+          <p:nvPr/>
+        </p:nvSpPr>
+        <p:spPr>
+          <a:xfrm rot="16200000">
+            <a:off x="5957776" y="470390"/>
+            <a:ext cx="1934135" cy="461665"/>
+          </a:xfrm>
+          <a:prstGeom prst="rect">
+            <a:avLst/>
+          </a:prstGeom>
+          <a:noFill/>
+        </p:spPr>
+        <p:txBody>
+          <a:bodyPr wrap="square" rtlCol="0">
+            <a:spAutoFit/>
+          </a:bodyPr>
+          <a:lstStyle/>
+          <a:p>
+            <a:pPr algn="ctr"/>
+            <a:r>
+              <a:rPr lang="en-GB" sz="1200" dirty="0">
+                <a:solidFill>
+                  <a:schemeClr val="accent4">
+                    <a:lumMod val="75000"/>
+                  </a:schemeClr>
+                </a:solidFill>
+              </a:rPr>
+              <a:t>Descartes </a:t>
+            </a:r>
+          </a:p>
+          <a:p>
+            <a:pPr algn="ctr"/>
+            <a:r>
+              <a:rPr lang="en-GB" sz="1200" dirty="0">
+                <a:solidFill>
+                  <a:schemeClr val="accent4">
+                    <a:lumMod val="75000"/>
+                  </a:schemeClr>
+                </a:solidFill>
+              </a:rPr>
+              <a:t>Human</a:t>
+            </a:r>
+          </a:p>
+        </p:txBody>
+      </p:sp>
+      <p:sp>
+        <p:nvSpPr>
+          <p:cNvPr id="88" name="TextBox 87">
+            <a:extLst>
+              <a:ext uri="{FF2B5EF4-FFF2-40B4-BE49-F238E27FC236}">
+                <a16:creationId xmlns:a16="http://schemas.microsoft.com/office/drawing/2014/main" id="{AA42B3AC-7AA6-15C9-ED37-A616DDF43252}"/>
+              </a:ext>
+            </a:extLst>
+          </p:cNvPr>
+          <p:cNvSpPr txBox="1"/>
+          <p:nvPr/>
+        </p:nvSpPr>
+        <p:spPr>
+          <a:xfrm rot="16200000">
+            <a:off x="9587689" y="453057"/>
+            <a:ext cx="1803204" cy="461665"/>
+          </a:xfrm>
+          <a:prstGeom prst="rect">
+            <a:avLst/>
+          </a:prstGeom>
+          <a:noFill/>
+        </p:spPr>
+        <p:txBody>
+          <a:bodyPr wrap="square" rtlCol="0">
+            <a:spAutoFit/>
+          </a:bodyPr>
+          <a:lstStyle/>
+          <a:p>
+            <a:pPr algn="ctr"/>
+            <a:r>
+              <a:rPr lang="en-GB" sz="1200" dirty="0">
+                <a:solidFill>
+                  <a:schemeClr val="accent4">
+                    <a:lumMod val="75000"/>
+                  </a:schemeClr>
+                </a:solidFill>
+              </a:rPr>
+              <a:t>Human Cell </a:t>
+            </a:r>
+          </a:p>
+          <a:p>
+            <a:pPr algn="ctr"/>
+            <a:r>
+              <a:rPr lang="en-GB" sz="1200" dirty="0">
+                <a:solidFill>
+                  <a:schemeClr val="accent4">
+                    <a:lumMod val="75000"/>
+                  </a:schemeClr>
+                </a:solidFill>
+              </a:rPr>
+              <a:t>Landscape</a:t>
+            </a:r>
+          </a:p>
+        </p:txBody>
+      </p:sp>
+      <p:grpSp>
+        <p:nvGrpSpPr>
+          <p:cNvPr id="1054" name="Group 1053">
+            <a:extLst>
+              <a:ext uri="{FF2B5EF4-FFF2-40B4-BE49-F238E27FC236}">
+                <a16:creationId xmlns:a16="http://schemas.microsoft.com/office/drawing/2014/main" id="{8FBF2E06-A4D8-2A54-DBE9-FCF34485231F}"/>
+              </a:ext>
+            </a:extLst>
+          </p:cNvPr>
+          <p:cNvGrpSpPr/>
+          <p:nvPr/>
+        </p:nvGrpSpPr>
+        <p:grpSpPr>
+          <a:xfrm>
+            <a:off x="2651823" y="2322865"/>
+            <a:ext cx="8058356" cy="1796552"/>
+            <a:chOff x="2485569" y="3726376"/>
+            <a:chExt cx="8058356" cy="1796552"/>
+          </a:xfrm>
+        </p:grpSpPr>
+        <p:grpSp>
+          <p:nvGrpSpPr>
+            <p:cNvPr id="93" name="Group 92">
+              <a:extLst>
+                <a:ext uri="{FF2B5EF4-FFF2-40B4-BE49-F238E27FC236}">
+                  <a16:creationId xmlns:a16="http://schemas.microsoft.com/office/drawing/2014/main" id="{1109BD30-3FAF-B256-4D2D-3C34A25B65A8}"/>
+                </a:ext>
+              </a:extLst>
+            </p:cNvPr>
+            <p:cNvGrpSpPr/>
+            <p:nvPr/>
+          </p:nvGrpSpPr>
+          <p:grpSpPr>
+            <a:xfrm>
+              <a:off x="2485569" y="3726376"/>
+              <a:ext cx="8058356" cy="1796552"/>
+              <a:chOff x="2485569" y="4188730"/>
+              <a:chExt cx="8058356" cy="791276"/>
+            </a:xfrm>
+          </p:grpSpPr>
+          <p:sp>
+            <p:nvSpPr>
+              <p:cNvPr id="89" name="Arc 88">
+                <a:extLst>
+                  <a:ext uri="{FF2B5EF4-FFF2-40B4-BE49-F238E27FC236}">
+                    <a16:creationId xmlns:a16="http://schemas.microsoft.com/office/drawing/2014/main" id="{83189382-B38C-2BB0-EFB7-3FEB958AFD9F}"/>
+                  </a:ext>
+                </a:extLst>
+              </p:cNvPr>
+              <p:cNvSpPr/>
+              <p:nvPr/>
+            </p:nvSpPr>
+            <p:spPr>
+              <a:xfrm rot="10800000">
+                <a:off x="2485570" y="4188730"/>
+                <a:ext cx="5021218" cy="749752"/>
+              </a:xfrm>
+              <a:prstGeom prst="arc">
+                <a:avLst>
+                  <a:gd name="adj1" fmla="val 10799860"/>
+                  <a:gd name="adj2" fmla="val 0"/>
+                </a:avLst>
+              </a:prstGeom>
+              <a:noFill/>
+              <a:ln w="19050" cap="flat" cmpd="sng" algn="ctr">
+                <a:gradFill flip="none" rotWithShape="1">
+                  <a:gsLst>
+                    <a:gs pos="0">
+                      <a:schemeClr val="accent1">
+                        <a:alpha val="50000"/>
+                      </a:schemeClr>
+                    </a:gs>
+                    <a:gs pos="100000">
+                      <a:schemeClr val="accent4"/>
+                    </a:gs>
+                  </a:gsLst>
+                  <a:lin ang="10800000" scaled="1"/>
+                  <a:tileRect/>
+                </a:gradFill>
+                <a:prstDash val="solid"/>
+                <a:round/>
+                <a:headEnd type="triangle" w="med" len="med"/>
+                <a:tailEnd type="triangle" w="med" len="med"/>
+              </a:ln>
+            </p:spPr>
+            <p:style>
+              <a:lnRef idx="0">
+                <a:scrgbClr r="0" g="0" b="0"/>
+              </a:lnRef>
+              <a:fillRef idx="0">
+                <a:scrgbClr r="0" g="0" b="0"/>
+              </a:fillRef>
+              <a:effectRef idx="0">
+                <a:scrgbClr r="0" g="0" b="0"/>
+              </a:effectRef>
+              <a:fontRef idx="minor">
+                <a:schemeClr val="tx1"/>
+              </a:fontRef>
+            </p:style>
+            <p:txBody>
+              <a:bodyPr rtlCol="0" anchor="ctr"/>
+              <a:lstStyle/>
+              <a:p>
+                <a:pPr algn="ctr"/>
+                <a:endParaRPr lang="en-GB"/>
+              </a:p>
+            </p:txBody>
+          </p:sp>
+          <p:sp>
+            <p:nvSpPr>
+              <p:cNvPr id="90" name="Arc 89">
+                <a:extLst>
+                  <a:ext uri="{FF2B5EF4-FFF2-40B4-BE49-F238E27FC236}">
+                    <a16:creationId xmlns:a16="http://schemas.microsoft.com/office/drawing/2014/main" id="{0718A69C-2297-A30C-6566-5C8EEB387A37}"/>
+                  </a:ext>
+                </a:extLst>
+              </p:cNvPr>
+              <p:cNvSpPr/>
+              <p:nvPr/>
+            </p:nvSpPr>
+            <p:spPr>
+              <a:xfrm rot="10800000">
+                <a:off x="2485569" y="4202571"/>
+                <a:ext cx="6154939" cy="763594"/>
+              </a:xfrm>
+              <a:prstGeom prst="arc">
+                <a:avLst>
+                  <a:gd name="adj1" fmla="val 10799860"/>
+                  <a:gd name="adj2" fmla="val 0"/>
+                </a:avLst>
+              </a:prstGeom>
+              <a:noFill/>
+              <a:ln w="19050" cap="flat" cmpd="sng" algn="ctr">
+                <a:gradFill flip="none" rotWithShape="1">
+                  <a:gsLst>
+                    <a:gs pos="0">
+                      <a:schemeClr val="accent1">
+                        <a:alpha val="50000"/>
+                      </a:schemeClr>
+                    </a:gs>
+                    <a:gs pos="100000">
+                      <a:schemeClr val="accent4"/>
+                    </a:gs>
+                  </a:gsLst>
+                  <a:lin ang="10800000" scaled="1"/>
+                  <a:tileRect/>
+                </a:gradFill>
+                <a:prstDash val="solid"/>
+                <a:round/>
+                <a:headEnd type="triangle" w="med" len="med"/>
+                <a:tailEnd type="triangle" w="med" len="med"/>
+              </a:ln>
+            </p:spPr>
+            <p:style>
+              <a:lnRef idx="0">
+                <a:scrgbClr r="0" g="0" b="0"/>
+              </a:lnRef>
+              <a:fillRef idx="0">
+                <a:scrgbClr r="0" g="0" b="0"/>
+              </a:fillRef>
+              <a:effectRef idx="0">
+                <a:scrgbClr r="0" g="0" b="0"/>
+              </a:effectRef>
+              <a:fontRef idx="minor">
+                <a:schemeClr val="tx1"/>
+              </a:fontRef>
+            </p:style>
+            <p:txBody>
+              <a:bodyPr rtlCol="0" anchor="ctr"/>
+              <a:lstStyle/>
+              <a:p>
+                <a:pPr algn="ctr"/>
+                <a:endParaRPr lang="en-GB"/>
+              </a:p>
+            </p:txBody>
+          </p:sp>
+          <p:sp>
+            <p:nvSpPr>
+              <p:cNvPr id="91" name="Arc 90">
+                <a:extLst>
+                  <a:ext uri="{FF2B5EF4-FFF2-40B4-BE49-F238E27FC236}">
+                    <a16:creationId xmlns:a16="http://schemas.microsoft.com/office/drawing/2014/main" id="{38881B7C-F312-5A27-759E-454EDDF039ED}"/>
+                  </a:ext>
+                </a:extLst>
+              </p:cNvPr>
+              <p:cNvSpPr/>
+              <p:nvPr/>
+            </p:nvSpPr>
+            <p:spPr>
+              <a:xfrm rot="10800000">
+                <a:off x="2485569" y="4216411"/>
+                <a:ext cx="7288659" cy="763595"/>
+              </a:xfrm>
+              <a:prstGeom prst="arc">
+                <a:avLst>
+                  <a:gd name="adj1" fmla="val 10799860"/>
+                  <a:gd name="adj2" fmla="val 0"/>
+                </a:avLst>
+              </a:prstGeom>
+              <a:noFill/>
+              <a:ln w="19050" cap="flat" cmpd="sng" algn="ctr">
+                <a:gradFill flip="none" rotWithShape="1">
+                  <a:gsLst>
+                    <a:gs pos="0">
+                      <a:schemeClr val="accent1">
+                        <a:alpha val="50000"/>
+                      </a:schemeClr>
+                    </a:gs>
+                    <a:gs pos="100000">
+                      <a:schemeClr val="accent4"/>
+                    </a:gs>
+                  </a:gsLst>
+                  <a:lin ang="10800000" scaled="1"/>
+                  <a:tileRect/>
+                </a:gradFill>
+                <a:prstDash val="solid"/>
+                <a:round/>
+                <a:headEnd type="triangle" w="med" len="med"/>
+                <a:tailEnd type="triangle" w="med" len="med"/>
+              </a:ln>
+            </p:spPr>
+            <p:style>
+              <a:lnRef idx="0">
+                <a:scrgbClr r="0" g="0" b="0"/>
+              </a:lnRef>
+              <a:fillRef idx="0">
+                <a:scrgbClr r="0" g="0" b="0"/>
+              </a:fillRef>
+              <a:effectRef idx="0">
+                <a:scrgbClr r="0" g="0" b="0"/>
+              </a:effectRef>
+              <a:fontRef idx="minor">
+                <a:schemeClr val="tx1"/>
+              </a:fontRef>
+            </p:style>
+            <p:txBody>
+              <a:bodyPr rtlCol="0" anchor="ctr"/>
+              <a:lstStyle/>
+              <a:p>
+                <a:pPr algn="ctr"/>
+                <a:endParaRPr lang="en-GB"/>
+              </a:p>
+            </p:txBody>
+          </p:sp>
+          <p:sp>
+            <p:nvSpPr>
+              <p:cNvPr id="92" name="Arc 91">
+                <a:extLst>
+                  <a:ext uri="{FF2B5EF4-FFF2-40B4-BE49-F238E27FC236}">
+                    <a16:creationId xmlns:a16="http://schemas.microsoft.com/office/drawing/2014/main" id="{621C4DB3-3876-955C-ABBC-5A88125F7F0A}"/>
+                  </a:ext>
+                </a:extLst>
+              </p:cNvPr>
+              <p:cNvSpPr/>
+              <p:nvPr/>
+            </p:nvSpPr>
+            <p:spPr>
+              <a:xfrm rot="10800000">
+                <a:off x="2485569" y="4196029"/>
+                <a:ext cx="8058356" cy="742454"/>
+              </a:xfrm>
+              <a:prstGeom prst="arc">
+                <a:avLst>
+                  <a:gd name="adj1" fmla="val 10799860"/>
+                  <a:gd name="adj2" fmla="val 0"/>
+                </a:avLst>
+              </a:prstGeom>
+              <a:noFill/>
+              <a:ln w="19050" cap="flat" cmpd="sng" algn="ctr">
+                <a:gradFill flip="none" rotWithShape="1">
+                  <a:gsLst>
+                    <a:gs pos="0">
+                      <a:schemeClr val="accent1">
+                        <a:alpha val="50000"/>
+                      </a:schemeClr>
+                    </a:gs>
+                    <a:gs pos="100000">
+                      <a:schemeClr val="accent4"/>
+                    </a:gs>
+                  </a:gsLst>
+                  <a:lin ang="10800000" scaled="1"/>
+                  <a:tileRect/>
+                </a:gradFill>
+                <a:prstDash val="solid"/>
+                <a:round/>
+                <a:headEnd type="triangle" w="med" len="med"/>
+                <a:tailEnd type="triangle" w="med" len="med"/>
+              </a:ln>
+            </p:spPr>
+            <p:style>
+              <a:lnRef idx="0">
+                <a:scrgbClr r="0" g="0" b="0"/>
+              </a:lnRef>
+              <a:fillRef idx="0">
+                <a:scrgbClr r="0" g="0" b="0"/>
+              </a:fillRef>
+              <a:effectRef idx="0">
+                <a:scrgbClr r="0" g="0" b="0"/>
+              </a:effectRef>
+              <a:fontRef idx="minor">
+                <a:schemeClr val="tx1"/>
+              </a:fontRef>
+            </p:style>
+            <p:txBody>
+              <a:bodyPr rtlCol="0" anchor="ctr"/>
+              <a:lstStyle/>
+              <a:p>
+                <a:pPr algn="ctr"/>
+                <a:endParaRPr lang="en-GB"/>
+              </a:p>
+            </p:txBody>
+          </p:sp>
+        </p:grpSp>
+        <p:grpSp>
+          <p:nvGrpSpPr>
+            <p:cNvPr id="105" name="Group 104">
+              <a:extLst>
+                <a:ext uri="{FF2B5EF4-FFF2-40B4-BE49-F238E27FC236}">
+                  <a16:creationId xmlns:a16="http://schemas.microsoft.com/office/drawing/2014/main" id="{3E5095FF-2435-57F0-5B4B-BC0359E150F7}"/>
+                </a:ext>
+              </a:extLst>
+            </p:cNvPr>
+            <p:cNvGrpSpPr/>
+            <p:nvPr/>
+          </p:nvGrpSpPr>
+          <p:grpSpPr>
+            <a:xfrm>
+              <a:off x="3509516" y="3789223"/>
+              <a:ext cx="7034409" cy="1609464"/>
+              <a:chOff x="2485568" y="4190910"/>
+              <a:chExt cx="8204858" cy="789095"/>
+            </a:xfrm>
+          </p:grpSpPr>
+          <p:sp>
+            <p:nvSpPr>
+              <p:cNvPr id="106" name="Arc 105">
+                <a:extLst>
+                  <a:ext uri="{FF2B5EF4-FFF2-40B4-BE49-F238E27FC236}">
+                    <a16:creationId xmlns:a16="http://schemas.microsoft.com/office/drawing/2014/main" id="{97A846D3-9490-FA65-7740-484B61673FF9}"/>
+                  </a:ext>
+                </a:extLst>
+              </p:cNvPr>
+              <p:cNvSpPr/>
+              <p:nvPr/>
+            </p:nvSpPr>
+            <p:spPr>
+              <a:xfrm rot="10800000">
+                <a:off x="2485570" y="4196026"/>
+                <a:ext cx="4662372" cy="742455"/>
+              </a:xfrm>
+              <a:prstGeom prst="arc">
+                <a:avLst>
+                  <a:gd name="adj1" fmla="val 10766023"/>
+                  <a:gd name="adj2" fmla="val 0"/>
+                </a:avLst>
+              </a:prstGeom>
+              <a:noFill/>
+              <a:ln w="19050" cap="flat" cmpd="sng" algn="ctr">
+                <a:gradFill flip="none" rotWithShape="1">
+                  <a:gsLst>
+                    <a:gs pos="0">
+                      <a:schemeClr val="accent1">
+                        <a:alpha val="50000"/>
+                      </a:schemeClr>
+                    </a:gs>
+                    <a:gs pos="100000">
+                      <a:schemeClr val="accent4"/>
+                    </a:gs>
+                  </a:gsLst>
+                  <a:lin ang="10800000" scaled="1"/>
+                  <a:tileRect/>
+                </a:gradFill>
+                <a:prstDash val="solid"/>
+                <a:round/>
+                <a:headEnd type="triangle" w="med" len="med"/>
+                <a:tailEnd type="triangle" w="med" len="med"/>
+              </a:ln>
+            </p:spPr>
+            <p:style>
+              <a:lnRef idx="0">
+                <a:scrgbClr r="0" g="0" b="0"/>
+              </a:lnRef>
+              <a:fillRef idx="0">
+                <a:scrgbClr r="0" g="0" b="0"/>
+              </a:fillRef>
+              <a:effectRef idx="0">
+                <a:scrgbClr r="0" g="0" b="0"/>
+              </a:effectRef>
+              <a:fontRef idx="minor">
+                <a:schemeClr val="tx1"/>
+              </a:fontRef>
+            </p:style>
+            <p:txBody>
+              <a:bodyPr rtlCol="0" anchor="ctr"/>
+              <a:lstStyle/>
+              <a:p>
+                <a:pPr algn="ctr"/>
+                <a:endParaRPr lang="en-GB"/>
+              </a:p>
+            </p:txBody>
+          </p:sp>
+          <p:sp>
+            <p:nvSpPr>
+              <p:cNvPr id="107" name="Arc 106">
+                <a:extLst>
+                  <a:ext uri="{FF2B5EF4-FFF2-40B4-BE49-F238E27FC236}">
+                    <a16:creationId xmlns:a16="http://schemas.microsoft.com/office/drawing/2014/main" id="{0AED8E8F-95C5-19B6-5129-1601719ED324}"/>
+                  </a:ext>
+                </a:extLst>
+              </p:cNvPr>
+              <p:cNvSpPr/>
+              <p:nvPr/>
+            </p:nvSpPr>
+            <p:spPr>
+              <a:xfrm rot="10800000">
+                <a:off x="2485568" y="4241009"/>
+                <a:ext cx="5984732" cy="725156"/>
+              </a:xfrm>
+              <a:prstGeom prst="arc">
+                <a:avLst>
+                  <a:gd name="adj1" fmla="val 10799860"/>
+                  <a:gd name="adj2" fmla="val 0"/>
+                </a:avLst>
+              </a:prstGeom>
+              <a:noFill/>
+              <a:ln w="19050" cap="flat" cmpd="sng" algn="ctr">
+                <a:gradFill flip="none" rotWithShape="1">
+                  <a:gsLst>
+                    <a:gs pos="0">
+                      <a:schemeClr val="accent1">
+                        <a:alpha val="50000"/>
+                      </a:schemeClr>
+                    </a:gs>
+                    <a:gs pos="100000">
+                      <a:schemeClr val="accent4"/>
+                    </a:gs>
+                  </a:gsLst>
+                  <a:lin ang="10800000" scaled="1"/>
+                  <a:tileRect/>
+                </a:gradFill>
+                <a:prstDash val="solid"/>
+                <a:round/>
+                <a:headEnd type="triangle" w="med" len="med"/>
+                <a:tailEnd type="triangle" w="med" len="med"/>
+              </a:ln>
+            </p:spPr>
+            <p:style>
+              <a:lnRef idx="0">
+                <a:scrgbClr r="0" g="0" b="0"/>
+              </a:lnRef>
+              <a:fillRef idx="0">
+                <a:scrgbClr r="0" g="0" b="0"/>
+              </a:fillRef>
+              <a:effectRef idx="0">
+                <a:scrgbClr r="0" g="0" b="0"/>
+              </a:effectRef>
+              <a:fontRef idx="minor">
+                <a:schemeClr val="tx1"/>
+              </a:fontRef>
+            </p:style>
+            <p:txBody>
+              <a:bodyPr rtlCol="0" anchor="ctr"/>
+              <a:lstStyle/>
+              <a:p>
+                <a:pPr algn="ctr"/>
+                <a:endParaRPr lang="en-GB"/>
+              </a:p>
+            </p:txBody>
+          </p:sp>
+          <p:sp>
+            <p:nvSpPr>
+              <p:cNvPr id="108" name="Arc 107">
+                <a:extLst>
+                  <a:ext uri="{FF2B5EF4-FFF2-40B4-BE49-F238E27FC236}">
+                    <a16:creationId xmlns:a16="http://schemas.microsoft.com/office/drawing/2014/main" id="{935269BA-DDEC-B0B7-9D8C-1791011C1E46}"/>
+                  </a:ext>
+                </a:extLst>
+              </p:cNvPr>
+              <p:cNvSpPr/>
+              <p:nvPr/>
+            </p:nvSpPr>
+            <p:spPr>
+              <a:xfrm rot="10800000">
+                <a:off x="2485568" y="4190910"/>
+                <a:ext cx="7307089" cy="789095"/>
+              </a:xfrm>
+              <a:prstGeom prst="arc">
+                <a:avLst>
+                  <a:gd name="adj1" fmla="val 10799860"/>
+                  <a:gd name="adj2" fmla="val 0"/>
+                </a:avLst>
+              </a:prstGeom>
+              <a:noFill/>
+              <a:ln w="19050" cap="flat" cmpd="sng" algn="ctr">
+                <a:gradFill flip="none" rotWithShape="1">
+                  <a:gsLst>
+                    <a:gs pos="0">
+                      <a:schemeClr val="accent1">
+                        <a:alpha val="50000"/>
+                      </a:schemeClr>
+                    </a:gs>
+                    <a:gs pos="100000">
+                      <a:schemeClr val="accent4"/>
+                    </a:gs>
+                  </a:gsLst>
+                  <a:lin ang="10800000" scaled="1"/>
+                  <a:tileRect/>
+                </a:gradFill>
+                <a:prstDash val="solid"/>
+                <a:round/>
+                <a:headEnd type="triangle" w="med" len="med"/>
+                <a:tailEnd type="triangle" w="med" len="med"/>
+              </a:ln>
+            </p:spPr>
+            <p:style>
+              <a:lnRef idx="0">
+                <a:scrgbClr r="0" g="0" b="0"/>
+              </a:lnRef>
+              <a:fillRef idx="0">
+                <a:scrgbClr r="0" g="0" b="0"/>
+              </a:fillRef>
+              <a:effectRef idx="0">
+                <a:scrgbClr r="0" g="0" b="0"/>
+              </a:effectRef>
+              <a:fontRef idx="minor">
+                <a:schemeClr val="tx1"/>
+              </a:fontRef>
+            </p:style>
+            <p:txBody>
+              <a:bodyPr rtlCol="0" anchor="ctr"/>
+              <a:lstStyle/>
+              <a:p>
+                <a:pPr algn="ctr"/>
+                <a:endParaRPr lang="en-GB"/>
+              </a:p>
+            </p:txBody>
+          </p:sp>
+          <p:sp>
+            <p:nvSpPr>
+              <p:cNvPr id="109" name="Arc 108">
+                <a:extLst>
+                  <a:ext uri="{FF2B5EF4-FFF2-40B4-BE49-F238E27FC236}">
+                    <a16:creationId xmlns:a16="http://schemas.microsoft.com/office/drawing/2014/main" id="{FED2F4B1-2D0A-98FA-3616-D6F48A727CEE}"/>
+                  </a:ext>
+                </a:extLst>
+              </p:cNvPr>
+              <p:cNvSpPr/>
+              <p:nvPr/>
+            </p:nvSpPr>
+            <p:spPr>
+              <a:xfrm rot="10800000">
+                <a:off x="2485569" y="4227167"/>
+                <a:ext cx="8204857" cy="711315"/>
+              </a:xfrm>
+              <a:prstGeom prst="arc">
+                <a:avLst>
+                  <a:gd name="adj1" fmla="val 10799860"/>
+                  <a:gd name="adj2" fmla="val 0"/>
+                </a:avLst>
+              </a:prstGeom>
+              <a:noFill/>
+              <a:ln w="19050" cap="flat" cmpd="sng" algn="ctr">
+                <a:gradFill flip="none" rotWithShape="1">
+                  <a:gsLst>
+                    <a:gs pos="0">
+                      <a:schemeClr val="accent1">
+                        <a:alpha val="50000"/>
+                      </a:schemeClr>
+                    </a:gs>
+                    <a:gs pos="100000">
+                      <a:schemeClr val="accent4"/>
+                    </a:gs>
+                  </a:gsLst>
+                  <a:lin ang="10800000" scaled="1"/>
+                  <a:tileRect/>
+                </a:gradFill>
+                <a:prstDash val="solid"/>
+                <a:round/>
+                <a:headEnd type="triangle" w="med" len="med"/>
+                <a:tailEnd type="triangle" w="med" len="med"/>
+              </a:ln>
+            </p:spPr>
+            <p:style>
+              <a:lnRef idx="0">
+                <a:scrgbClr r="0" g="0" b="0"/>
+              </a:lnRef>
+              <a:fillRef idx="0">
+                <a:scrgbClr r="0" g="0" b="0"/>
+              </a:fillRef>
+              <a:effectRef idx="0">
+                <a:scrgbClr r="0" g="0" b="0"/>
+              </a:effectRef>
+              <a:fontRef idx="minor">
+                <a:schemeClr val="tx1"/>
+              </a:fontRef>
+            </p:style>
+            <p:txBody>
+              <a:bodyPr rtlCol="0" anchor="ctr"/>
+              <a:lstStyle/>
+              <a:p>
+                <a:pPr algn="ctr"/>
+                <a:endParaRPr lang="en-GB"/>
+              </a:p>
+            </p:txBody>
+          </p:sp>
+        </p:grpSp>
+        <p:grpSp>
+          <p:nvGrpSpPr>
+            <p:cNvPr id="115" name="Group 114">
+              <a:extLst>
+                <a:ext uri="{FF2B5EF4-FFF2-40B4-BE49-F238E27FC236}">
+                  <a16:creationId xmlns:a16="http://schemas.microsoft.com/office/drawing/2014/main" id="{EC678F5E-D173-792B-18EA-35C1D6D8B7CC}"/>
+                </a:ext>
+              </a:extLst>
+            </p:cNvPr>
+            <p:cNvGrpSpPr/>
+            <p:nvPr/>
+          </p:nvGrpSpPr>
+          <p:grpSpPr>
+            <a:xfrm>
+              <a:off x="4556443" y="4222428"/>
+              <a:ext cx="5987482" cy="709209"/>
+              <a:chOff x="2485568" y="4270795"/>
+              <a:chExt cx="6983734" cy="709209"/>
+            </a:xfrm>
+          </p:grpSpPr>
+          <p:sp>
+            <p:nvSpPr>
+              <p:cNvPr id="116" name="Arc 115">
+                <a:extLst>
+                  <a:ext uri="{FF2B5EF4-FFF2-40B4-BE49-F238E27FC236}">
+                    <a16:creationId xmlns:a16="http://schemas.microsoft.com/office/drawing/2014/main" id="{F8895BFB-4590-A129-4F7F-37F4914B9BC5}"/>
+                  </a:ext>
+                </a:extLst>
+              </p:cNvPr>
+              <p:cNvSpPr/>
+              <p:nvPr/>
+            </p:nvSpPr>
+            <p:spPr>
+              <a:xfrm rot="10800000">
+                <a:off x="2485570" y="4270795"/>
+                <a:ext cx="3441248" cy="667685"/>
+              </a:xfrm>
+              <a:prstGeom prst="arc">
+                <a:avLst>
+                  <a:gd name="adj1" fmla="val 10766023"/>
+                  <a:gd name="adj2" fmla="val 0"/>
+                </a:avLst>
+              </a:prstGeom>
+              <a:noFill/>
+              <a:ln w="19050" cap="flat" cmpd="sng" algn="ctr">
+                <a:gradFill flip="none" rotWithShape="1">
+                  <a:gsLst>
+                    <a:gs pos="0">
+                      <a:schemeClr val="accent1">
+                        <a:alpha val="50000"/>
+                      </a:schemeClr>
+                    </a:gs>
+                    <a:gs pos="100000">
+                      <a:schemeClr val="accent4"/>
+                    </a:gs>
+                  </a:gsLst>
+                  <a:lin ang="10800000" scaled="1"/>
+                  <a:tileRect/>
+                </a:gradFill>
+                <a:prstDash val="solid"/>
+                <a:round/>
+                <a:headEnd type="triangle" w="med" len="med"/>
+                <a:tailEnd type="triangle" w="med" len="med"/>
+              </a:ln>
+            </p:spPr>
+            <p:style>
+              <a:lnRef idx="0">
+                <a:scrgbClr r="0" g="0" b="0"/>
+              </a:lnRef>
+              <a:fillRef idx="0">
+                <a:scrgbClr r="0" g="0" b="0"/>
+              </a:fillRef>
+              <a:effectRef idx="0">
+                <a:scrgbClr r="0" g="0" b="0"/>
+              </a:effectRef>
+              <a:fontRef idx="minor">
+                <a:schemeClr val="tx1"/>
+              </a:fontRef>
+            </p:style>
+            <p:txBody>
+              <a:bodyPr rtlCol="0" anchor="ctr"/>
+              <a:lstStyle/>
+              <a:p>
+                <a:pPr algn="ctr"/>
+                <a:endParaRPr lang="en-GB"/>
+              </a:p>
+            </p:txBody>
+          </p:sp>
+          <p:sp>
+            <p:nvSpPr>
+              <p:cNvPr id="117" name="Arc 116">
+                <a:extLst>
+                  <a:ext uri="{FF2B5EF4-FFF2-40B4-BE49-F238E27FC236}">
+                    <a16:creationId xmlns:a16="http://schemas.microsoft.com/office/drawing/2014/main" id="{92E2FB02-42E7-6C8A-59B4-24B57977926E}"/>
+                  </a:ext>
+                </a:extLst>
+              </p:cNvPr>
+              <p:cNvSpPr/>
+              <p:nvPr/>
+            </p:nvSpPr>
+            <p:spPr>
+              <a:xfrm rot="10800000">
+                <a:off x="2485568" y="4322233"/>
+                <a:ext cx="4763608" cy="643931"/>
+              </a:xfrm>
+              <a:prstGeom prst="arc">
+                <a:avLst>
+                  <a:gd name="adj1" fmla="val 10799860"/>
+                  <a:gd name="adj2" fmla="val 0"/>
+                </a:avLst>
+              </a:prstGeom>
+              <a:noFill/>
+              <a:ln w="19050" cap="flat" cmpd="sng" algn="ctr">
+                <a:gradFill flip="none" rotWithShape="1">
+                  <a:gsLst>
+                    <a:gs pos="0">
+                      <a:schemeClr val="accent1">
+                        <a:alpha val="50000"/>
+                      </a:schemeClr>
+                    </a:gs>
+                    <a:gs pos="100000">
+                      <a:schemeClr val="accent4"/>
+                    </a:gs>
+                  </a:gsLst>
+                  <a:lin ang="10800000" scaled="1"/>
+                  <a:tileRect/>
+                </a:gradFill>
+                <a:prstDash val="solid"/>
+                <a:round/>
+                <a:headEnd type="triangle" w="med" len="med"/>
+                <a:tailEnd type="triangle" w="med" len="med"/>
+              </a:ln>
+            </p:spPr>
+            <p:style>
+              <a:lnRef idx="0">
+                <a:scrgbClr r="0" g="0" b="0"/>
+              </a:lnRef>
+              <a:fillRef idx="0">
+                <a:scrgbClr r="0" g="0" b="0"/>
+              </a:fillRef>
+              <a:effectRef idx="0">
+                <a:scrgbClr r="0" g="0" b="0"/>
+              </a:effectRef>
+              <a:fontRef idx="minor">
+                <a:schemeClr val="tx1"/>
+              </a:fontRef>
+            </p:style>
+            <p:txBody>
+              <a:bodyPr rtlCol="0" anchor="ctr"/>
+              <a:lstStyle/>
+              <a:p>
+                <a:pPr algn="ctr"/>
+                <a:endParaRPr lang="en-GB"/>
+              </a:p>
+            </p:txBody>
+          </p:sp>
+          <p:sp>
+            <p:nvSpPr>
+              <p:cNvPr id="118" name="Arc 117">
+                <a:extLst>
+                  <a:ext uri="{FF2B5EF4-FFF2-40B4-BE49-F238E27FC236}">
+                    <a16:creationId xmlns:a16="http://schemas.microsoft.com/office/drawing/2014/main" id="{7BDAA2EA-3E82-637F-6CCE-689421A0AB1D}"/>
+                  </a:ext>
+                </a:extLst>
+              </p:cNvPr>
+              <p:cNvSpPr/>
+              <p:nvPr/>
+            </p:nvSpPr>
+            <p:spPr>
+              <a:xfrm rot="10800000">
+                <a:off x="2485568" y="4334125"/>
+                <a:ext cx="6085965" cy="645879"/>
+              </a:xfrm>
+              <a:prstGeom prst="arc">
+                <a:avLst>
+                  <a:gd name="adj1" fmla="val 10799860"/>
+                  <a:gd name="adj2" fmla="val 0"/>
+                </a:avLst>
+              </a:prstGeom>
+              <a:noFill/>
+              <a:ln w="19050" cap="flat" cmpd="sng" algn="ctr">
+                <a:gradFill flip="none" rotWithShape="1">
+                  <a:gsLst>
+                    <a:gs pos="0">
+                      <a:schemeClr val="accent1">
+                        <a:alpha val="50000"/>
+                      </a:schemeClr>
+                    </a:gs>
+                    <a:gs pos="100000">
+                      <a:schemeClr val="accent4"/>
+                    </a:gs>
+                  </a:gsLst>
+                  <a:lin ang="10800000" scaled="1"/>
+                  <a:tileRect/>
+                </a:gradFill>
+                <a:prstDash val="solid"/>
+                <a:round/>
+                <a:headEnd type="triangle" w="med" len="med"/>
+                <a:tailEnd type="triangle" w="med" len="med"/>
+              </a:ln>
+            </p:spPr>
+            <p:style>
+              <a:lnRef idx="0">
+                <a:scrgbClr r="0" g="0" b="0"/>
+              </a:lnRef>
+              <a:fillRef idx="0">
+                <a:scrgbClr r="0" g="0" b="0"/>
+              </a:fillRef>
+              <a:effectRef idx="0">
+                <a:scrgbClr r="0" g="0" b="0"/>
+              </a:effectRef>
+              <a:fontRef idx="minor">
+                <a:schemeClr val="tx1"/>
+              </a:fontRef>
+            </p:style>
+            <p:txBody>
+              <a:bodyPr rtlCol="0" anchor="ctr"/>
+              <a:lstStyle/>
+              <a:p>
+                <a:pPr algn="ctr"/>
+                <a:endParaRPr lang="en-GB"/>
+              </a:p>
+            </p:txBody>
+          </p:sp>
+          <p:sp>
+            <p:nvSpPr>
+              <p:cNvPr id="119" name="Arc 118">
+                <a:extLst>
+                  <a:ext uri="{FF2B5EF4-FFF2-40B4-BE49-F238E27FC236}">
+                    <a16:creationId xmlns:a16="http://schemas.microsoft.com/office/drawing/2014/main" id="{B8AF68C3-DB77-6AF7-3854-3B67496A72D9}"/>
+                  </a:ext>
+                </a:extLst>
+              </p:cNvPr>
+              <p:cNvSpPr/>
+              <p:nvPr/>
+            </p:nvSpPr>
+            <p:spPr>
+              <a:xfrm rot="10800000">
+                <a:off x="2485569" y="4300583"/>
+                <a:ext cx="6983733" cy="637898"/>
+              </a:xfrm>
+              <a:prstGeom prst="arc">
+                <a:avLst>
+                  <a:gd name="adj1" fmla="val 10799860"/>
+                  <a:gd name="adj2" fmla="val 0"/>
+                </a:avLst>
+              </a:prstGeom>
+              <a:noFill/>
+              <a:ln w="19050" cap="flat" cmpd="sng" algn="ctr">
+                <a:gradFill flip="none" rotWithShape="1">
+                  <a:gsLst>
+                    <a:gs pos="0">
+                      <a:schemeClr val="accent1">
+                        <a:alpha val="50000"/>
+                      </a:schemeClr>
+                    </a:gs>
+                    <a:gs pos="100000">
+                      <a:schemeClr val="accent4"/>
+                    </a:gs>
+                  </a:gsLst>
+                  <a:lin ang="10800000" scaled="1"/>
+                  <a:tileRect/>
+                </a:gradFill>
+                <a:prstDash val="solid"/>
+                <a:round/>
+                <a:headEnd type="triangle" w="med" len="med"/>
+                <a:tailEnd type="triangle" w="med" len="med"/>
+              </a:ln>
+            </p:spPr>
+            <p:style>
+              <a:lnRef idx="0">
+                <a:scrgbClr r="0" g="0" b="0"/>
+              </a:lnRef>
+              <a:fillRef idx="0">
+                <a:scrgbClr r="0" g="0" b="0"/>
+              </a:fillRef>
+              <a:effectRef idx="0">
+                <a:scrgbClr r="0" g="0" b="0"/>
+              </a:effectRef>
+              <a:fontRef idx="minor">
+                <a:schemeClr val="tx1"/>
+              </a:fontRef>
+            </p:style>
+            <p:txBody>
+              <a:bodyPr rtlCol="0" anchor="ctr"/>
+              <a:lstStyle/>
+              <a:p>
+                <a:pPr algn="ctr"/>
+                <a:endParaRPr lang="en-GB"/>
+              </a:p>
+            </p:txBody>
+          </p:sp>
+        </p:grpSp>
+      </p:grpSp>
+      <p:sp>
+        <p:nvSpPr>
+          <p:cNvPr id="4" name="Bent-Up Arrow 3">
+            <a:extLst>
+              <a:ext uri="{FF2B5EF4-FFF2-40B4-BE49-F238E27FC236}">
+                <a16:creationId xmlns:a16="http://schemas.microsoft.com/office/drawing/2014/main" id="{1B2E0B0A-A153-BC37-3C55-7FA1DE838097}"/>
+              </a:ext>
+            </a:extLst>
+          </p:cNvPr>
+          <p:cNvSpPr/>
+          <p:nvPr/>
+        </p:nvSpPr>
+        <p:spPr>
+          <a:xfrm flipH="1" flipV="1">
+            <a:off x="3702466" y="4284267"/>
+            <a:ext cx="1697375" cy="446644"/>
+          </a:xfrm>
+          <a:prstGeom prst="bentUpArrow">
+            <a:avLst>
+              <a:gd name="adj1" fmla="val 25000"/>
+              <a:gd name="adj2" fmla="val 25000"/>
+              <a:gd name="adj3" fmla="val 19683"/>
+            </a:avLst>
+          </a:prstGeom>
+          <a:solidFill>
+            <a:schemeClr val="tx1">
+              <a:alpha val="90350"/>
+            </a:schemeClr>
+          </a:solidFill>
+          <a:ln>
+            <a:solidFill>
+              <a:srgbClr val="59AAC3"/>
+            </a:solidFill>
+          </a:ln>
+        </p:spPr>
+        <p:style>
+          <a:lnRef idx="2">
+            <a:schemeClr val="accent2"/>
+          </a:lnRef>
+          <a:fillRef idx="1">
+            <a:schemeClr val="lt1"/>
+          </a:fillRef>
+          <a:effectRef idx="0">
+            <a:schemeClr val="accent2"/>
+          </a:effectRef>
+          <a:fontRef idx="minor">
+            <a:schemeClr val="dk1"/>
+          </a:fontRef>
+        </p:style>
+        <p:txBody>
+          <a:bodyPr rtlCol="0" anchor="ctr"/>
+          <a:lstStyle/>
+          <a:p>
+            <a:pPr algn="ctr"/>
+            <a:endParaRPr lang="en-GB" b="1" dirty="0">
+              <a:ln w="22225">
+                <a:solidFill>
+                  <a:schemeClr val="accent2"/>
+                </a:solidFill>
+                <a:prstDash val="solid"/>
+              </a:ln>
+              <a:solidFill>
+                <a:schemeClr val="accent2">
+                  <a:lumMod val="40000"/>
+                  <a:lumOff val="60000"/>
+                </a:schemeClr>
+              </a:solidFill>
+            </a:endParaRPr>
+          </a:p>
+        </p:txBody>
+      </p:sp>
+      <p:cxnSp>
+        <p:nvCxnSpPr>
+          <p:cNvPr id="21" name="Elbow Connector 20">
+            <a:extLst>
+              <a:ext uri="{FF2B5EF4-FFF2-40B4-BE49-F238E27FC236}">
+                <a16:creationId xmlns:a16="http://schemas.microsoft.com/office/drawing/2014/main" id="{A9CB3F93-97E8-911E-A7A4-C2843DF35470}"/>
+              </a:ext>
+            </a:extLst>
+          </p:cNvPr>
+          <p:cNvCxnSpPr>
+            <a:cxnSpLocks/>
+            <a:stCxn id="22" idx="1"/>
+            <a:endCxn id="66" idx="1"/>
+          </p:cNvCxnSpPr>
+          <p:nvPr/>
+        </p:nvCxnSpPr>
+        <p:spPr>
+          <a:xfrm rot="10800000" flipH="1" flipV="1">
+            <a:off x="1634502" y="5186867"/>
+            <a:ext cx="22121" cy="3483468"/>
+          </a:xfrm>
+          <a:prstGeom prst="bentConnector3">
+            <a:avLst>
+              <a:gd name="adj1" fmla="val -1033407"/>
+            </a:avLst>
+          </a:prstGeom>
+          <a:ln w="28575">
+            <a:solidFill>
+              <a:schemeClr val="tx1">
+                <a:lumMod val="50000"/>
+              </a:schemeClr>
+            </a:solidFill>
+            <a:prstDash val="dash"/>
+            <a:tailEnd type="triangle"/>
+          </a:ln>
+        </p:spPr>
+        <p:style>
+          <a:lnRef idx="2">
+            <a:schemeClr val="accent1"/>
+          </a:lnRef>
+          <a:fillRef idx="0">
+            <a:schemeClr val="accent1"/>
+          </a:fillRef>
+          <a:effectRef idx="1">
+            <a:schemeClr val="accent1"/>
+          </a:effectRef>
+          <a:fontRef idx="minor">
+            <a:schemeClr val="tx1"/>
+          </a:fontRef>
+        </p:style>
+      </p:cxnSp>
+      <p:sp>
+        <p:nvSpPr>
+          <p:cNvPr id="22" name="Rounded Rectangle 21">
+            <a:extLst>
+              <a:ext uri="{FF2B5EF4-FFF2-40B4-BE49-F238E27FC236}">
+                <a16:creationId xmlns:a16="http://schemas.microsoft.com/office/drawing/2014/main" id="{154CE0F1-810B-96DC-C862-20AA985A82D7}"/>
+              </a:ext>
+            </a:extLst>
+          </p:cNvPr>
+          <p:cNvSpPr/>
+          <p:nvPr/>
+        </p:nvSpPr>
+        <p:spPr>
+          <a:xfrm>
+            <a:off x="1634503" y="4786280"/>
+            <a:ext cx="1033533" cy="801173"/>
+          </a:xfrm>
+          <a:prstGeom prst="roundRect">
+            <a:avLst>
+              <a:gd name="adj" fmla="val 1935"/>
+            </a:avLst>
+          </a:prstGeom>
+          <a:noFill/>
+          <a:ln w="28575">
+            <a:solidFill>
+              <a:schemeClr val="tx1">
+                <a:lumMod val="50000"/>
+              </a:schemeClr>
+            </a:solidFill>
+            <a:prstDash val="dash"/>
+          </a:ln>
+        </p:spPr>
+        <p:style>
+          <a:lnRef idx="2">
+            <a:schemeClr val="accent1">
+              <a:shade val="15000"/>
+            </a:schemeClr>
+          </a:lnRef>
+          <a:fillRef idx="1">
+            <a:schemeClr val="accent1"/>
+          </a:fillRef>
+          <a:effectRef idx="0">
+            <a:schemeClr val="accent1"/>
+          </a:effectRef>
+          <a:fontRef idx="minor">
+            <a:schemeClr val="lt1"/>
+          </a:fontRef>
+        </p:style>
+        <p:txBody>
+          <a:bodyPr rtlCol="0" anchor="ctr"/>
+          <a:lstStyle/>
+          <a:p>
+            <a:pPr algn="ctr"/>
+            <a:endParaRPr lang="en-US"/>
+          </a:p>
+        </p:txBody>
+      </p:sp>
+      <p:sp>
+        <p:nvSpPr>
+          <p:cNvPr id="26" name="Rounded Rectangle 25">
+            <a:extLst>
+              <a:ext uri="{FF2B5EF4-FFF2-40B4-BE49-F238E27FC236}">
+                <a16:creationId xmlns:a16="http://schemas.microsoft.com/office/drawing/2014/main" id="{AA655EB3-B48D-0924-8203-5780414533D4}"/>
+              </a:ext>
+            </a:extLst>
+          </p:cNvPr>
+          <p:cNvSpPr/>
+          <p:nvPr/>
+        </p:nvSpPr>
+        <p:spPr>
+          <a:xfrm>
+            <a:off x="1756140" y="3797722"/>
+            <a:ext cx="1251310" cy="489082"/>
+          </a:xfrm>
+          <a:prstGeom prst="roundRect">
+            <a:avLst/>
+          </a:prstGeom>
+          <a:ln/>
+        </p:spPr>
+        <p:style>
+          <a:lnRef idx="2">
+            <a:schemeClr val="accent1"/>
+          </a:lnRef>
+          <a:fillRef idx="1">
+            <a:schemeClr val="lt1"/>
+          </a:fillRef>
+          <a:effectRef idx="0">
+            <a:schemeClr val="accent1"/>
+          </a:effectRef>
+          <a:fontRef idx="minor">
+            <a:schemeClr val="dk1"/>
+          </a:fontRef>
+        </p:style>
+        <p:txBody>
+          <a:bodyPr rtlCol="0" anchor="t"/>
+          <a:lstStyle/>
+          <a:p>
+            <a:pPr algn="ctr"/>
+            <a:r>
+              <a:rPr lang="en-GB" sz="1200" dirty="0">
+                <a:solidFill>
+                  <a:schemeClr val="accent1"/>
+                </a:solidFill>
+              </a:rPr>
+              <a:t>Dimensionality Reduction</a:t>
+            </a:r>
+          </a:p>
+        </p:txBody>
+      </p:sp>
+      <p:graphicFrame>
+        <p:nvGraphicFramePr>
+          <p:cNvPr id="35" name="Diagram 34">
+            <a:extLst>
+              <a:ext uri="{FF2B5EF4-FFF2-40B4-BE49-F238E27FC236}">
+                <a16:creationId xmlns:a16="http://schemas.microsoft.com/office/drawing/2014/main" id="{9C39B0E3-4A1E-A3C8-B960-E81F1C37A9A3}"/>
+              </a:ext>
+            </a:extLst>
+          </p:cNvPr>
+          <p:cNvGraphicFramePr/>
+          <p:nvPr>
+            <p:extLst>
+              <p:ext uri="{D42A27DB-BD31-4B8C-83A1-F6EECF244321}">
+                <p14:modId xmlns:p14="http://schemas.microsoft.com/office/powerpoint/2010/main" val="364260983"/>
+              </p:ext>
+            </p:extLst>
+          </p:nvPr>
+        </p:nvGraphicFramePr>
+        <p:xfrm>
+          <a:off x="7534288" y="8301004"/>
+          <a:ext cx="3405618" cy="3060577"/>
+        </p:xfrm>
+        <a:graphic>
+          <a:graphicData uri="http://schemas.openxmlformats.org/drawingml/2006/diagram">
+            <dgm:relIds xmlns:dgm="http://schemas.openxmlformats.org/drawingml/2006/diagram" xmlns:r="http://schemas.openxmlformats.org/officeDocument/2006/relationships" r:dm="rId9" r:lo="rId10" r:qs="rId11" r:cs="rId12"/>
+          </a:graphicData>
+        </a:graphic>
+      </p:graphicFrame>
+      <p:sp>
+        <p:nvSpPr>
+          <p:cNvPr id="50" name="TextBox 49">
+            <a:extLst>
+              <a:ext uri="{FF2B5EF4-FFF2-40B4-BE49-F238E27FC236}">
+                <a16:creationId xmlns:a16="http://schemas.microsoft.com/office/drawing/2014/main" id="{81F66017-0FBA-21C5-8F7B-7B2F0598620E}"/>
+              </a:ext>
+            </a:extLst>
+          </p:cNvPr>
+          <p:cNvSpPr txBox="1"/>
+          <p:nvPr/>
+        </p:nvSpPr>
+        <p:spPr>
+          <a:xfrm rot="16200000">
+            <a:off x="5702760" y="9424645"/>
+            <a:ext cx="2955168" cy="707886"/>
+          </a:xfrm>
+          <a:prstGeom prst="rect">
+            <a:avLst/>
+          </a:prstGeom>
+          <a:noFill/>
+        </p:spPr>
+        <p:txBody>
+          <a:bodyPr wrap="none" rtlCol="0">
+            <a:spAutoFit/>
+          </a:bodyPr>
+          <a:lstStyle/>
+          <a:p>
+            <a:r>
+              <a:rPr lang="en-US" sz="4000" dirty="0">
+                <a:solidFill>
+                  <a:schemeClr val="tx1">
+                    <a:lumMod val="50000"/>
+                  </a:schemeClr>
+                </a:solidFill>
+              </a:rPr>
+              <a:t>Applications</a:t>
+            </a:r>
+          </a:p>
+        </p:txBody>
+      </p:sp>
+      <p:sp>
+        <p:nvSpPr>
+          <p:cNvPr id="51" name="Bent-Up Arrow 50">
+            <a:extLst>
+              <a:ext uri="{FF2B5EF4-FFF2-40B4-BE49-F238E27FC236}">
+                <a16:creationId xmlns:a16="http://schemas.microsoft.com/office/drawing/2014/main" id="{E72B0A04-FDBC-3BB3-08AD-905A8AA78F55}"/>
+              </a:ext>
+            </a:extLst>
+          </p:cNvPr>
+          <p:cNvSpPr/>
+          <p:nvPr/>
+        </p:nvSpPr>
+        <p:spPr>
+          <a:xfrm flipV="1">
+            <a:off x="7973289" y="4283720"/>
+            <a:ext cx="1697375" cy="446644"/>
+          </a:xfrm>
+          <a:prstGeom prst="bentUpArrow">
+            <a:avLst>
+              <a:gd name="adj1" fmla="val 25000"/>
+              <a:gd name="adj2" fmla="val 25000"/>
+              <a:gd name="adj3" fmla="val 19683"/>
+            </a:avLst>
+          </a:prstGeom>
+          <a:solidFill>
+            <a:schemeClr val="tx1">
+              <a:alpha val="90350"/>
+            </a:schemeClr>
+          </a:solidFill>
+          <a:ln>
+            <a:solidFill>
+              <a:srgbClr val="59AAC3"/>
+            </a:solidFill>
+          </a:ln>
+        </p:spPr>
+        <p:style>
+          <a:lnRef idx="2">
+            <a:schemeClr val="accent2"/>
+          </a:lnRef>
+          <a:fillRef idx="1">
+            <a:schemeClr val="lt1"/>
+          </a:fillRef>
+          <a:effectRef idx="0">
+            <a:schemeClr val="accent2"/>
+          </a:effectRef>
+          <a:fontRef idx="minor">
+            <a:schemeClr val="dk1"/>
+          </a:fontRef>
+        </p:style>
+        <p:txBody>
+          <a:bodyPr rtlCol="0" anchor="ctr"/>
+          <a:lstStyle/>
+          <a:p>
+            <a:pPr algn="ctr"/>
+            <a:endParaRPr lang="en-GB" b="1" dirty="0">
+              <a:ln w="22225">
+                <a:solidFill>
+                  <a:schemeClr val="accent2"/>
+                </a:solidFill>
+                <a:prstDash val="solid"/>
+              </a:ln>
+              <a:solidFill>
+                <a:schemeClr val="accent2">
+                  <a:lumMod val="40000"/>
+                  <a:lumOff val="60000"/>
+                </a:schemeClr>
+              </a:solidFill>
+            </a:endParaRPr>
+          </a:p>
+        </p:txBody>
+      </p:sp>
+      <p:sp>
+        <p:nvSpPr>
+          <p:cNvPr id="25" name="Rounded Rectangle 24">
+            <a:extLst>
+              <a:ext uri="{FF2B5EF4-FFF2-40B4-BE49-F238E27FC236}">
+                <a16:creationId xmlns:a16="http://schemas.microsoft.com/office/drawing/2014/main" id="{B9A26E9F-D757-71F3-DB33-08C08694C05D}"/>
+              </a:ext>
+            </a:extLst>
+          </p:cNvPr>
+          <p:cNvSpPr/>
+          <p:nvPr/>
+        </p:nvSpPr>
+        <p:spPr>
+          <a:xfrm>
+            <a:off x="5266627" y="4005612"/>
+            <a:ext cx="2895088" cy="513376"/>
+          </a:xfrm>
+          <a:prstGeom prst="roundRect">
+            <a:avLst/>
+          </a:prstGeom>
+          <a:solidFill>
+            <a:schemeClr val="tx1">
+              <a:alpha val="90350"/>
+            </a:schemeClr>
+          </a:solidFill>
+          <a:ln>
+            <a:solidFill>
+              <a:srgbClr val="59AAC3"/>
+            </a:solidFill>
+          </a:ln>
+        </p:spPr>
+        <p:style>
+          <a:lnRef idx="2">
+            <a:schemeClr val="accent2"/>
+          </a:lnRef>
+          <a:fillRef idx="1">
+            <a:schemeClr val="lt1"/>
+          </a:fillRef>
+          <a:effectRef idx="0">
+            <a:schemeClr val="accent2"/>
+          </a:effectRef>
+          <a:fontRef idx="minor">
+            <a:schemeClr val="dk1"/>
+          </a:fontRef>
+        </p:style>
+        <p:txBody>
+          <a:bodyPr rtlCol="0" anchor="ctr"/>
+          <a:lstStyle/>
+          <a:p>
+            <a:pPr algn="ctr"/>
+            <a:r>
+              <a:rPr lang="en-GB" sz="1200" dirty="0">
+                <a:solidFill>
+                  <a:srgbClr val="59AAC3"/>
+                </a:solidFill>
+              </a:rPr>
+              <a:t>Generalized Linear Regression Models</a:t>
+            </a:r>
+          </a:p>
+        </p:txBody>
+      </p:sp>
+      <p:sp>
+        <p:nvSpPr>
+          <p:cNvPr id="52" name="TextBox 51">
+            <a:extLst>
+              <a:ext uri="{FF2B5EF4-FFF2-40B4-BE49-F238E27FC236}">
+                <a16:creationId xmlns:a16="http://schemas.microsoft.com/office/drawing/2014/main" id="{CE74506A-CFA6-C930-437B-D35B7C62BBC3}"/>
+              </a:ext>
+            </a:extLst>
+          </p:cNvPr>
+          <p:cNvSpPr txBox="1"/>
+          <p:nvPr/>
+        </p:nvSpPr>
+        <p:spPr>
+          <a:xfrm>
+            <a:off x="1151794" y="14626"/>
+            <a:ext cx="373820" cy="477054"/>
+          </a:xfrm>
+          <a:prstGeom prst="rect">
+            <a:avLst/>
+          </a:prstGeom>
+          <a:noFill/>
+        </p:spPr>
+        <p:txBody>
+          <a:bodyPr wrap="none" rtlCol="0">
+            <a:spAutoFit/>
+          </a:bodyPr>
+          <a:lstStyle/>
+          <a:p>
+            <a:r>
+              <a:rPr lang="en-US" sz="2500" dirty="0">
+                <a:solidFill>
+                  <a:schemeClr val="bg1"/>
+                </a:solidFill>
+              </a:rPr>
+              <a:t>A</a:t>
+            </a:r>
+          </a:p>
+        </p:txBody>
+      </p:sp>
+      <p:sp>
+        <p:nvSpPr>
+          <p:cNvPr id="56" name="TextBox 55">
+            <a:extLst>
+              <a:ext uri="{FF2B5EF4-FFF2-40B4-BE49-F238E27FC236}">
+                <a16:creationId xmlns:a16="http://schemas.microsoft.com/office/drawing/2014/main" id="{2C26768B-9347-E9A2-D861-E62BD53CF86E}"/>
+              </a:ext>
+            </a:extLst>
+          </p:cNvPr>
+          <p:cNvSpPr txBox="1"/>
+          <p:nvPr/>
+        </p:nvSpPr>
+        <p:spPr>
+          <a:xfrm>
+            <a:off x="6132568" y="17768"/>
+            <a:ext cx="378630" cy="477054"/>
+          </a:xfrm>
+          <a:prstGeom prst="rect">
+            <a:avLst/>
+          </a:prstGeom>
+          <a:noFill/>
+        </p:spPr>
+        <p:txBody>
+          <a:bodyPr wrap="none" rtlCol="0">
+            <a:spAutoFit/>
+          </a:bodyPr>
+          <a:lstStyle/>
+          <a:p>
+            <a:r>
+              <a:rPr lang="en-US" sz="2500" dirty="0">
+                <a:solidFill>
+                  <a:schemeClr val="bg1"/>
+                </a:solidFill>
+              </a:rPr>
+              <a:t>B</a:t>
+            </a:r>
+          </a:p>
+        </p:txBody>
+      </p:sp>
+      <p:sp>
+        <p:nvSpPr>
+          <p:cNvPr id="61" name="TextBox 60">
+            <a:extLst>
+              <a:ext uri="{FF2B5EF4-FFF2-40B4-BE49-F238E27FC236}">
+                <a16:creationId xmlns:a16="http://schemas.microsoft.com/office/drawing/2014/main" id="{11DCB9E1-67A0-B9CB-7984-CB0BA2C9AD0F}"/>
+              </a:ext>
+            </a:extLst>
+          </p:cNvPr>
+          <p:cNvSpPr txBox="1"/>
+          <p:nvPr/>
+        </p:nvSpPr>
+        <p:spPr>
+          <a:xfrm>
+            <a:off x="1207226" y="4373182"/>
+            <a:ext cx="405880" cy="477054"/>
+          </a:xfrm>
+          <a:prstGeom prst="rect">
+            <a:avLst/>
+          </a:prstGeom>
+          <a:noFill/>
+        </p:spPr>
+        <p:txBody>
+          <a:bodyPr wrap="none" rtlCol="0">
+            <a:spAutoFit/>
+          </a:bodyPr>
+          <a:lstStyle/>
+          <a:p>
+            <a:r>
+              <a:rPr lang="en-US" sz="2500" dirty="0">
+                <a:solidFill>
+                  <a:schemeClr val="bg1"/>
+                </a:solidFill>
+              </a:rPr>
+              <a:t>C</a:t>
+            </a:r>
+          </a:p>
+        </p:txBody>
+      </p:sp>
+      <p:sp>
+        <p:nvSpPr>
+          <p:cNvPr id="66" name="TextBox 65">
+            <a:extLst>
+              <a:ext uri="{FF2B5EF4-FFF2-40B4-BE49-F238E27FC236}">
+                <a16:creationId xmlns:a16="http://schemas.microsoft.com/office/drawing/2014/main" id="{24DCB5FE-0C13-2F5F-EF1A-A7022D40B790}"/>
+              </a:ext>
+            </a:extLst>
+          </p:cNvPr>
+          <p:cNvSpPr txBox="1"/>
+          <p:nvPr/>
+        </p:nvSpPr>
+        <p:spPr>
+          <a:xfrm>
+            <a:off x="1656624" y="8485669"/>
+            <a:ext cx="231154" cy="369332"/>
+          </a:xfrm>
+          <a:prstGeom prst="rect">
+            <a:avLst/>
+          </a:prstGeom>
+          <a:noFill/>
+        </p:spPr>
+        <p:txBody>
+          <a:bodyPr wrap="none" rtlCol="0">
+            <a:spAutoFit/>
+          </a:bodyPr>
+          <a:lstStyle/>
+          <a:p>
+            <a:r>
+              <a:rPr lang="en-US" dirty="0"/>
+              <a:t> </a:t>
+            </a:r>
+          </a:p>
+        </p:txBody>
+      </p:sp>
+      <p:sp>
+        <p:nvSpPr>
+          <p:cNvPr id="71" name="TextBox 70">
+            <a:extLst>
+              <a:ext uri="{FF2B5EF4-FFF2-40B4-BE49-F238E27FC236}">
+                <a16:creationId xmlns:a16="http://schemas.microsoft.com/office/drawing/2014/main" id="{09E33B3D-18C6-034A-FE96-8329F9805B4D}"/>
+              </a:ext>
+            </a:extLst>
+          </p:cNvPr>
+          <p:cNvSpPr txBox="1"/>
+          <p:nvPr/>
+        </p:nvSpPr>
+        <p:spPr>
+          <a:xfrm>
+            <a:off x="3633199" y="11512668"/>
+            <a:ext cx="963725" cy="369332"/>
+          </a:xfrm>
+          <a:prstGeom prst="rect">
+            <a:avLst/>
+          </a:prstGeom>
+          <a:noFill/>
+        </p:spPr>
+        <p:txBody>
+          <a:bodyPr wrap="none" rtlCol="0">
+            <a:spAutoFit/>
+          </a:bodyPr>
+          <a:lstStyle/>
+          <a:p>
+            <a:r>
+              <a:rPr lang="en-US" dirty="0">
+                <a:solidFill>
+                  <a:schemeClr val="tx1">
+                    <a:lumMod val="50000"/>
+                  </a:schemeClr>
+                </a:solidFill>
+              </a:rPr>
+              <a:t>UMAP 1</a:t>
+            </a:r>
+          </a:p>
+        </p:txBody>
+      </p:sp>
+      <p:sp>
+        <p:nvSpPr>
+          <p:cNvPr id="72" name="TextBox 71">
+            <a:extLst>
+              <a:ext uri="{FF2B5EF4-FFF2-40B4-BE49-F238E27FC236}">
+                <a16:creationId xmlns:a16="http://schemas.microsoft.com/office/drawing/2014/main" id="{6AE87563-67AF-441B-F940-5DE524263A4A}"/>
+              </a:ext>
+            </a:extLst>
+          </p:cNvPr>
+          <p:cNvSpPr txBox="1"/>
+          <p:nvPr/>
+        </p:nvSpPr>
+        <p:spPr>
+          <a:xfrm rot="16200000">
+            <a:off x="996531" y="9354821"/>
+            <a:ext cx="963725" cy="369332"/>
+          </a:xfrm>
+          <a:prstGeom prst="rect">
+            <a:avLst/>
+          </a:prstGeom>
+          <a:noFill/>
+        </p:spPr>
+        <p:txBody>
+          <a:bodyPr wrap="none" rtlCol="0">
+            <a:spAutoFit/>
+          </a:bodyPr>
+          <a:lstStyle/>
+          <a:p>
+            <a:r>
+              <a:rPr lang="en-US" dirty="0">
+                <a:solidFill>
+                  <a:schemeClr val="tx1">
+                    <a:lumMod val="50000"/>
+                  </a:schemeClr>
+                </a:solidFill>
+              </a:rPr>
+              <a:t>UMAP 2</a:t>
+            </a:r>
+          </a:p>
+        </p:txBody>
+      </p:sp>
+      <p:sp>
+        <p:nvSpPr>
+          <p:cNvPr id="74" name="TextBox 73">
+            <a:extLst>
+              <a:ext uri="{FF2B5EF4-FFF2-40B4-BE49-F238E27FC236}">
+                <a16:creationId xmlns:a16="http://schemas.microsoft.com/office/drawing/2014/main" id="{68D06DB5-F0E4-3EC0-6E1D-67BB6D57AF85}"/>
+              </a:ext>
+            </a:extLst>
+          </p:cNvPr>
+          <p:cNvSpPr txBox="1"/>
+          <p:nvPr/>
+        </p:nvSpPr>
+        <p:spPr>
+          <a:xfrm>
+            <a:off x="6570090" y="4550799"/>
+            <a:ext cx="404278" cy="477054"/>
+          </a:xfrm>
+          <a:prstGeom prst="rect">
+            <a:avLst/>
+          </a:prstGeom>
+          <a:noFill/>
+        </p:spPr>
+        <p:txBody>
+          <a:bodyPr wrap="none" rtlCol="0">
+            <a:spAutoFit/>
+          </a:bodyPr>
+          <a:lstStyle/>
+          <a:p>
+            <a:r>
+              <a:rPr lang="en-US" sz="2500" dirty="0">
+                <a:solidFill>
+                  <a:schemeClr val="bg1"/>
+                </a:solidFill>
+              </a:rPr>
+              <a:t>D</a:t>
+            </a:r>
+          </a:p>
+        </p:txBody>
+      </p:sp>
+      <p:sp>
+        <p:nvSpPr>
+          <p:cNvPr id="79" name="TextBox 78">
+            <a:extLst>
+              <a:ext uri="{FF2B5EF4-FFF2-40B4-BE49-F238E27FC236}">
+                <a16:creationId xmlns:a16="http://schemas.microsoft.com/office/drawing/2014/main" id="{642E3A52-4EF6-1517-7141-02BCFBA68920}"/>
+              </a:ext>
+            </a:extLst>
+          </p:cNvPr>
+          <p:cNvSpPr txBox="1"/>
+          <p:nvPr/>
+        </p:nvSpPr>
+        <p:spPr>
+          <a:xfrm>
+            <a:off x="6631634" y="7957066"/>
+            <a:ext cx="362600" cy="477054"/>
+          </a:xfrm>
+          <a:prstGeom prst="rect">
+            <a:avLst/>
+          </a:prstGeom>
+          <a:noFill/>
+        </p:spPr>
+        <p:txBody>
+          <a:bodyPr wrap="none" rtlCol="0">
+            <a:spAutoFit/>
+          </a:bodyPr>
+          <a:lstStyle/>
+          <a:p>
+            <a:r>
+              <a:rPr lang="en-US" sz="2500" dirty="0">
+                <a:solidFill>
+                  <a:schemeClr val="bg1"/>
+                </a:solidFill>
+              </a:rPr>
+              <a:t>E</a:t>
+            </a:r>
+          </a:p>
+        </p:txBody>
+      </p:sp>
+    </p:spTree>
+    <p:extLst>
+      <p:ext uri="{BB962C8B-B14F-4D97-AF65-F5344CB8AC3E}">
+        <p14:creationId xmlns:p14="http://schemas.microsoft.com/office/powerpoint/2010/main" val="279152386"/>
+      </p:ext>
+    </p:extLst>
+  </p:cSld>
+  <p:clrMapOvr>
+    <a:masterClrMapping/>
+  </p:clrMapOvr>
+</p:sld>
+</file>
+
+<file path=ppt/slides/slide3.xml><?xml version="1.0" encoding="utf-8"?>
+<p:sld xmlns:a="http://schemas.openxmlformats.org/drawingml/2006/main" xmlns:r="http://schemas.openxmlformats.org/officeDocument/2006/relationships" xmlns:p="http://schemas.openxmlformats.org/presentationml/2006/main">
+  <p:cSld>
     <p:spTree>
       <p:nvGrpSpPr>
         <p:cNvPr id="1" name=""/>

--- a/manuscript/img/study_design.pptx
+++ b/manuscript/img/study_design.pptx
@@ -600,6 +600,7 @@
     </c:plotArea>
     <c:plotVisOnly val="1"/>
     <c:dispBlanksAs val="gap"/>
+    <c:showDLblsOverMax val="0"/>
     <c:extLst>
       <c:ext xmlns:c16r3="http://schemas.microsoft.com/office/drawing/2017/03/chart" uri="{56B9EC1D-385E-4148-901F-78D8002777C0}">
         <c16r3:dataDisplayOptions16>
@@ -607,7 +608,6 @@
         </c16r3:dataDisplayOptions16>
       </c:ext>
     </c:extLst>
-    <c:showDLblsOverMax val="0"/>
   </c:chart>
   <c:spPr>
     <a:solidFill>
@@ -1102,6 +1102,7 @@
     </c:plotArea>
     <c:plotVisOnly val="1"/>
     <c:dispBlanksAs val="gap"/>
+    <c:showDLblsOverMax val="0"/>
     <c:extLst>
       <c:ext xmlns:c16r3="http://schemas.microsoft.com/office/drawing/2017/03/chart" uri="{56B9EC1D-385E-4148-901F-78D8002777C0}">
         <c16r3:dataDisplayOptions16>
@@ -1109,7 +1110,6 @@
         </c16r3:dataDisplayOptions16>
       </c:ext>
     </c:extLst>
-    <c:showDLblsOverMax val="0"/>
   </c:chart>
   <c:spPr>
     <a:solidFill>
@@ -1619,6 +1619,7 @@
     </c:plotArea>
     <c:plotVisOnly val="1"/>
     <c:dispBlanksAs val="gap"/>
+    <c:showDLblsOverMax val="0"/>
     <c:extLst>
       <c:ext xmlns:c16r3="http://schemas.microsoft.com/office/drawing/2017/03/chart" uri="{56B9EC1D-385E-4148-901F-78D8002777C0}">
         <c16r3:dataDisplayOptions16>
@@ -1626,7 +1627,6 @@
         </c16r3:dataDisplayOptions16>
       </c:ext>
     </c:extLst>
-    <c:showDLblsOverMax val="0"/>
   </c:chart>
   <c:spPr>
     <a:solidFill>
@@ -6789,7 +6789,7 @@
           <a:p>
             <a:fld id="{E4E38EDD-3C76-B444-AFF1-88DDA1DA1047}" type="datetimeFigureOut">
               <a:rPr lang="en-GB" smtClean="0"/>
-              <a:t>15/07/2025</a:t>
+              <a:t>13/08/2025</a:t>
             </a:fld>
             <a:endParaRPr lang="en-GB"/>
           </a:p>
@@ -7382,7 +7382,7 @@
           <a:p>
             <a:fld id="{32004B65-F988-A147-B5C6-3EAC0846CAA1}" type="datetimeFigureOut">
               <a:rPr lang="en-GB" smtClean="0"/>
-              <a:t>15/07/2025</a:t>
+              <a:t>13/08/2025</a:t>
             </a:fld>
             <a:endParaRPr lang="en-GB"/>
           </a:p>
@@ -7552,7 +7552,7 @@
           <a:p>
             <a:fld id="{32004B65-F988-A147-B5C6-3EAC0846CAA1}" type="datetimeFigureOut">
               <a:rPr lang="en-GB" smtClean="0"/>
-              <a:t>15/07/2025</a:t>
+              <a:t>13/08/2025</a:t>
             </a:fld>
             <a:endParaRPr lang="en-GB"/>
           </a:p>
@@ -7732,7 +7732,7 @@
           <a:p>
             <a:fld id="{32004B65-F988-A147-B5C6-3EAC0846CAA1}" type="datetimeFigureOut">
               <a:rPr lang="en-GB" smtClean="0"/>
-              <a:t>15/07/2025</a:t>
+              <a:t>13/08/2025</a:t>
             </a:fld>
             <a:endParaRPr lang="en-GB"/>
           </a:p>
@@ -7902,7 +7902,7 @@
           <a:p>
             <a:fld id="{32004B65-F988-A147-B5C6-3EAC0846CAA1}" type="datetimeFigureOut">
               <a:rPr lang="en-GB" smtClean="0"/>
-              <a:t>15/07/2025</a:t>
+              <a:t>13/08/2025</a:t>
             </a:fld>
             <a:endParaRPr lang="en-GB"/>
           </a:p>
@@ -8148,7 +8148,7 @@
           <a:p>
             <a:fld id="{32004B65-F988-A147-B5C6-3EAC0846CAA1}" type="datetimeFigureOut">
               <a:rPr lang="en-GB" smtClean="0"/>
-              <a:t>15/07/2025</a:t>
+              <a:t>13/08/2025</a:t>
             </a:fld>
             <a:endParaRPr lang="en-GB"/>
           </a:p>
@@ -8380,7 +8380,7 @@
           <a:p>
             <a:fld id="{32004B65-F988-A147-B5C6-3EAC0846CAA1}" type="datetimeFigureOut">
               <a:rPr lang="en-GB" smtClean="0"/>
-              <a:t>15/07/2025</a:t>
+              <a:t>13/08/2025</a:t>
             </a:fld>
             <a:endParaRPr lang="en-GB"/>
           </a:p>
@@ -8747,7 +8747,7 @@
           <a:p>
             <a:fld id="{32004B65-F988-A147-B5C6-3EAC0846CAA1}" type="datetimeFigureOut">
               <a:rPr lang="en-GB" smtClean="0"/>
-              <a:t>15/07/2025</a:t>
+              <a:t>13/08/2025</a:t>
             </a:fld>
             <a:endParaRPr lang="en-GB"/>
           </a:p>
@@ -8865,7 +8865,7 @@
           <a:p>
             <a:fld id="{32004B65-F988-A147-B5C6-3EAC0846CAA1}" type="datetimeFigureOut">
               <a:rPr lang="en-GB" smtClean="0"/>
-              <a:t>15/07/2025</a:t>
+              <a:t>13/08/2025</a:t>
             </a:fld>
             <a:endParaRPr lang="en-GB"/>
           </a:p>
@@ -8960,7 +8960,7 @@
           <a:p>
             <a:fld id="{32004B65-F988-A147-B5C6-3EAC0846CAA1}" type="datetimeFigureOut">
               <a:rPr lang="en-GB" smtClean="0"/>
-              <a:t>15/07/2025</a:t>
+              <a:t>13/08/2025</a:t>
             </a:fld>
             <a:endParaRPr lang="en-GB"/>
           </a:p>
@@ -9237,7 +9237,7 @@
           <a:p>
             <a:fld id="{32004B65-F988-A147-B5C6-3EAC0846CAA1}" type="datetimeFigureOut">
               <a:rPr lang="en-GB" smtClean="0"/>
-              <a:t>15/07/2025</a:t>
+              <a:t>13/08/2025</a:t>
             </a:fld>
             <a:endParaRPr lang="en-GB"/>
           </a:p>
@@ -9494,7 +9494,7 @@
           <a:p>
             <a:fld id="{32004B65-F988-A147-B5C6-3EAC0846CAA1}" type="datetimeFigureOut">
               <a:rPr lang="en-GB" smtClean="0"/>
-              <a:t>15/07/2025</a:t>
+              <a:t>13/08/2025</a:t>
             </a:fld>
             <a:endParaRPr lang="en-GB"/>
           </a:p>
@@ -9707,7 +9707,7 @@
           <a:p>
             <a:fld id="{32004B65-F988-A147-B5C6-3EAC0846CAA1}" type="datetimeFigureOut">
               <a:rPr lang="en-GB" smtClean="0"/>
-              <a:t>15/07/2025</a:t>
+              <a:t>13/08/2025</a:t>
             </a:fld>
             <a:endParaRPr lang="en-GB"/>
           </a:p>
@@ -11373,7 +11373,7 @@
           <p:nvPr>
             <p:extLst>
               <p:ext uri="{D42A27DB-BD31-4B8C-83A1-F6EECF244321}">
-                <p14:modId xmlns:p14="http://schemas.microsoft.com/office/powerpoint/2010/main" val="3339245625"/>
+                <p14:modId xmlns:p14="http://schemas.microsoft.com/office/powerpoint/2010/main" val="3870636375"/>
               </p:ext>
             </p:extLst>
           </p:nvPr>
@@ -11752,7 +11752,7 @@
                             </a:schemeClr>
                           </a:solidFill>
                         </a:rPr>
-                        <a:t>0.25</a:t>
+                        <a:t>0.02</a:t>
                       </a:r>
                     </a:p>
                   </a:txBody>
@@ -11771,7 +11771,7 @@
                             </a:schemeClr>
                           </a:solidFill>
                         </a:rPr>
-                        <a:t>0.60</a:t>
+                        <a:t>0.90</a:t>
                       </a:r>
                     </a:p>
                   </a:txBody>
@@ -11917,7 +11917,7 @@
           <p:nvPr>
             <p:extLst>
               <p:ext uri="{D42A27DB-BD31-4B8C-83A1-F6EECF244321}">
-                <p14:modId xmlns:p14="http://schemas.microsoft.com/office/powerpoint/2010/main" val="3717833126"/>
+                <p14:modId xmlns:p14="http://schemas.microsoft.com/office/powerpoint/2010/main" val="3905348110"/>
               </p:ext>
             </p:extLst>
           </p:nvPr>
@@ -12461,7 +12461,7 @@
           <p:nvPr>
             <p:extLst>
               <p:ext uri="{D42A27DB-BD31-4B8C-83A1-F6EECF244321}">
-                <p14:modId xmlns:p14="http://schemas.microsoft.com/office/powerpoint/2010/main" val="1221877660"/>
+                <p14:modId xmlns:p14="http://schemas.microsoft.com/office/powerpoint/2010/main" val="2251895125"/>
               </p:ext>
             </p:extLst>
           </p:nvPr>
@@ -15206,7 +15206,7 @@
           <p:nvPr>
             <p:extLst>
               <p:ext uri="{D42A27DB-BD31-4B8C-83A1-F6EECF244321}">
-                <p14:modId xmlns:p14="http://schemas.microsoft.com/office/powerpoint/2010/main" val="462632121"/>
+                <p14:modId xmlns:p14="http://schemas.microsoft.com/office/powerpoint/2010/main" val="1756802799"/>
               </p:ext>
             </p:extLst>
           </p:nvPr>
@@ -19548,14 +19548,14 @@
           <p:nvPr>
             <p:extLst>
               <p:ext uri="{D42A27DB-BD31-4B8C-83A1-F6EECF244321}">
-                <p14:modId xmlns:p14="http://schemas.microsoft.com/office/powerpoint/2010/main" val="1075576443"/>
+                <p14:modId xmlns:p14="http://schemas.microsoft.com/office/powerpoint/2010/main" val="4241131326"/>
               </p:ext>
             </p:extLst>
           </p:nvPr>
         </p:nvGraphicFramePr>
         <p:xfrm>
           <a:off x="6479076" y="2098527"/>
-          <a:ext cx="3452058" cy="1280160"/>
+          <a:ext cx="4133189" cy="1417320"/>
         </p:xfrm>
         <a:graphic>
           <a:graphicData uri="http://schemas.openxmlformats.org/drawingml/2006/table">
@@ -19564,42 +19564,56 @@
                 <a:tableStyleId>{00A15C55-8517-42AA-B614-E9B94910E393}</a:tableStyleId>
               </a:tblPr>
               <a:tblGrid>
-                <a:gridCol w="635519">
+                <a:gridCol w="570397">
                   <a:extLst>
                     <a:ext uri="{9D8B030D-6E8A-4147-A177-3AD203B41FA5}">
                       <a16:colId xmlns:a16="http://schemas.microsoft.com/office/drawing/2014/main" val="1666150210"/>
                     </a:ext>
                   </a:extLst>
                 </a:gridCol>
-                <a:gridCol w="518596">
+                <a:gridCol w="465454">
                   <a:extLst>
                     <a:ext uri="{9D8B030D-6E8A-4147-A177-3AD203B41FA5}">
                       <a16:colId xmlns:a16="http://schemas.microsoft.com/office/drawing/2014/main" val="645246616"/>
                     </a:ext>
                   </a:extLst>
                 </a:gridCol>
-                <a:gridCol w="518596">
+                <a:gridCol w="465454">
                   <a:extLst>
                     <a:ext uri="{9D8B030D-6E8A-4147-A177-3AD203B41FA5}">
                       <a16:colId xmlns:a16="http://schemas.microsoft.com/office/drawing/2014/main" val="357973742"/>
                     </a:ext>
                   </a:extLst>
                 </a:gridCol>
-                <a:gridCol w="518596">
+                <a:gridCol w="465454">
                   <a:extLst>
                     <a:ext uri="{9D8B030D-6E8A-4147-A177-3AD203B41FA5}">
                       <a16:colId xmlns:a16="http://schemas.microsoft.com/office/drawing/2014/main" val="1702401980"/>
                     </a:ext>
                   </a:extLst>
                 </a:gridCol>
-                <a:gridCol w="511717">
+                <a:gridCol w="493709">
                   <a:extLst>
                     <a:ext uri="{9D8B030D-6E8A-4147-A177-3AD203B41FA5}">
                       <a16:colId xmlns:a16="http://schemas.microsoft.com/office/drawing/2014/main" val="3092555947"/>
                     </a:ext>
                   </a:extLst>
                 </a:gridCol>
-                <a:gridCol w="749034">
+                <a:gridCol w="233159">
+                  <a:extLst>
+                    <a:ext uri="{9D8B030D-6E8A-4147-A177-3AD203B41FA5}">
+                      <a16:colId xmlns:a16="http://schemas.microsoft.com/office/drawing/2014/main" val="2327679021"/>
+                    </a:ext>
+                  </a:extLst>
+                </a:gridCol>
+                <a:gridCol w="680912">
+                  <a:extLst>
+                    <a:ext uri="{9D8B030D-6E8A-4147-A177-3AD203B41FA5}">
+                      <a16:colId xmlns:a16="http://schemas.microsoft.com/office/drawing/2014/main" val="1118095746"/>
+                    </a:ext>
+                  </a:extLst>
+                </a:gridCol>
+                <a:gridCol w="758650">
                   <a:extLst>
                     <a:ext uri="{9D8B030D-6E8A-4147-A177-3AD203B41FA5}">
                       <a16:colId xmlns:a16="http://schemas.microsoft.com/office/drawing/2014/main" val="1138272950"/>
@@ -19642,7 +19656,7 @@
                       </a:pPr>
                       <a:r>
                         <a:rPr lang="en-GB" sz="900" dirty="0"/>
-                        <a:t>Cell 1</a:t>
+                        <a:t>Cell Z1</a:t>
                       </a:r>
                     </a:p>
                     <a:p>
@@ -19658,7 +19672,7 @@
                     <a:p>
                       <a:r>
                         <a:rPr lang="en-GB" sz="900" dirty="0"/>
-                        <a:t>Cell 2</a:t>
+                        <a:t>Cell Z2</a:t>
                       </a:r>
                     </a:p>
                   </a:txBody>
@@ -19671,7 +19685,7 @@
                     <a:p>
                       <a:r>
                         <a:rPr lang="en-GB" sz="900" dirty="0"/>
-                        <a:t>Cell 3</a:t>
+                        <a:t>Cell Z3</a:t>
                       </a:r>
                     </a:p>
                   </a:txBody>
@@ -19751,13 +19765,16 @@
                     <a:bodyPr/>
                     <a:lstStyle/>
                     <a:p>
+                      <a:pPr algn="ctr"/>
                       <a:r>
                         <a:rPr lang="en-GB" sz="900" dirty="0">
                           <a:solidFill>
-                            <a:schemeClr val="bg1"/>
+                            <a:schemeClr val="tx1">
+                              <a:lumMod val="50000"/>
+                            </a:schemeClr>
                           </a:solidFill>
                         </a:rPr>
-                        <a:t>Specificity</a:t>
+                        <a:t>…</a:t>
                       </a:r>
                     </a:p>
                   </a:txBody>
@@ -19803,6 +19820,146 @@
                     </a:solidFill>
                   </a:tcPr>
                 </a:tc>
+                <a:tc>
+                  <a:txBody>
+                    <a:bodyPr/>
+                    <a:lstStyle/>
+                    <a:p>
+                      <a:r>
+                        <a:rPr lang="en-GB" sz="900" dirty="0">
+                          <a:solidFill>
+                            <a:schemeClr val="tx1">
+                              <a:lumMod val="50000"/>
+                            </a:schemeClr>
+                          </a:solidFill>
+                        </a:rPr>
+                        <a:t>Sum</a:t>
+                      </a:r>
+                    </a:p>
+                    <a:p>
+                      <a:r>
+                        <a:rPr lang="en-GB" sz="700" b="0" i="1" dirty="0">
+                          <a:solidFill>
+                            <a:schemeClr val="tx1">
+                              <a:lumMod val="50000"/>
+                            </a:schemeClr>
+                          </a:solidFill>
+                        </a:rPr>
+                        <a:t>(all </a:t>
+                      </a:r>
+                    </a:p>
+                    <a:p>
+                      <a:r>
+                        <a:rPr lang="en-GB" sz="700" b="0" i="1" dirty="0">
+                          <a:solidFill>
+                            <a:schemeClr val="tx1">
+                              <a:lumMod val="50000"/>
+                            </a:schemeClr>
+                          </a:solidFill>
+                        </a:rPr>
+                        <a:t>cell types)</a:t>
+                      </a:r>
+                    </a:p>
+                  </a:txBody>
+                  <a:tcPr>
+                    <a:lnL w="12700" cap="flat" cmpd="sng" algn="ctr">
+                      <a:solidFill>
+                        <a:schemeClr val="accent4"/>
+                      </a:solidFill>
+                      <a:prstDash val="solid"/>
+                      <a:round/>
+                      <a:headEnd type="none" w="med" len="med"/>
+                      <a:tailEnd type="none" w="med" len="med"/>
+                    </a:lnL>
+                    <a:lnR w="12700" cap="flat" cmpd="sng" algn="ctr">
+                      <a:solidFill>
+                        <a:schemeClr val="accent4"/>
+                      </a:solidFill>
+                      <a:prstDash val="solid"/>
+                      <a:round/>
+                      <a:headEnd type="none" w="med" len="med"/>
+                      <a:tailEnd type="none" w="med" len="med"/>
+                    </a:lnR>
+                    <a:lnT w="12700" cap="flat" cmpd="sng" algn="ctr">
+                      <a:solidFill>
+                        <a:schemeClr val="accent4"/>
+                      </a:solidFill>
+                      <a:prstDash val="solid"/>
+                      <a:round/>
+                      <a:headEnd type="none" w="med" len="med"/>
+                      <a:tailEnd type="none" w="med" len="med"/>
+                    </a:lnT>
+                    <a:lnB w="12700" cap="flat" cmpd="sng" algn="ctr">
+                      <a:solidFill>
+                        <a:schemeClr val="accent4"/>
+                      </a:solidFill>
+                      <a:prstDash val="solid"/>
+                      <a:round/>
+                      <a:headEnd type="none" w="med" len="med"/>
+                      <a:tailEnd type="none" w="med" len="med"/>
+                    </a:lnB>
+                    <a:solidFill>
+                      <a:schemeClr val="tx1"/>
+                    </a:solidFill>
+                  </a:tcPr>
+                </a:tc>
+                <a:tc>
+                  <a:txBody>
+                    <a:bodyPr/>
+                    <a:lstStyle/>
+                    <a:p>
+                      <a:r>
+                        <a:rPr lang="en-GB" sz="900" dirty="0">
+                          <a:solidFill>
+                            <a:schemeClr val="bg1"/>
+                          </a:solidFill>
+                        </a:rPr>
+                        <a:t>Specificity</a:t>
+                      </a:r>
+                    </a:p>
+                  </a:txBody>
+                  <a:tcPr>
+                    <a:lnL w="12700" cap="flat" cmpd="sng" algn="ctr">
+                      <a:solidFill>
+                        <a:schemeClr val="accent4"/>
+                      </a:solidFill>
+                      <a:prstDash val="solid"/>
+                      <a:round/>
+                      <a:headEnd type="none" w="med" len="med"/>
+                      <a:tailEnd type="none" w="med" len="med"/>
+                    </a:lnL>
+                    <a:lnR w="12700" cap="flat" cmpd="sng" algn="ctr">
+                      <a:solidFill>
+                        <a:schemeClr val="accent4"/>
+                      </a:solidFill>
+                      <a:prstDash val="solid"/>
+                      <a:round/>
+                      <a:headEnd type="none" w="med" len="med"/>
+                      <a:tailEnd type="none" w="med" len="med"/>
+                    </a:lnR>
+                    <a:lnT w="12700" cap="flat" cmpd="sng" algn="ctr">
+                      <a:solidFill>
+                        <a:schemeClr val="accent4"/>
+                      </a:solidFill>
+                      <a:prstDash val="solid"/>
+                      <a:round/>
+                      <a:headEnd type="none" w="med" len="med"/>
+                      <a:tailEnd type="none" w="med" len="med"/>
+                    </a:lnT>
+                    <a:lnB w="12700" cap="flat" cmpd="sng" algn="ctr">
+                      <a:solidFill>
+                        <a:schemeClr val="accent4"/>
+                      </a:solidFill>
+                      <a:prstDash val="solid"/>
+                      <a:round/>
+                      <a:headEnd type="none" w="med" len="med"/>
+                      <a:tailEnd type="none" w="med" len="med"/>
+                    </a:lnB>
+                    <a:solidFill>
+                      <a:schemeClr val="tx1"/>
+                    </a:solidFill>
+                  </a:tcPr>
+                </a:tc>
                 <a:extLst>
                   <a:ext uri="{0D108BD9-81ED-4DB2-BD59-A6C34878D82A}">
                     <a16:rowId xmlns:a16="http://schemas.microsoft.com/office/drawing/2014/main" val="1761758748"/>
@@ -19929,13 +20086,32 @@
                     <a:bodyPr/>
                     <a:lstStyle/>
                     <a:p>
-                      <a:r>
-                        <a:rPr lang="en-GB" sz="900" b="0" dirty="0">
+                      <a:pPr marL="0" marR="0" lvl="0" indent="0" algn="l" defTabSz="1219170" rtl="0" eaLnBrk="1" fontAlgn="auto" latinLnBrk="0" hangingPunct="1">
+                        <a:lnSpc>
+                          <a:spcPct val="100000"/>
+                        </a:lnSpc>
+                        <a:spcBef>
+                          <a:spcPts val="0"/>
+                        </a:spcBef>
+                        <a:spcAft>
+                          <a:spcPts val="0"/>
+                        </a:spcAft>
+                        <a:buClrTx/>
+                        <a:buSzTx/>
+                        <a:buFontTx/>
+                        <a:buNone/>
+                        <a:tabLst/>
+                        <a:defRPr/>
+                      </a:pPr>
+                      <a:r>
+                        <a:rPr lang="en-GB" sz="900" dirty="0">
                           <a:solidFill>
-                            <a:schemeClr val="bg1"/>
+                            <a:schemeClr val="tx1">
+                              <a:lumMod val="50000"/>
+                            </a:schemeClr>
                           </a:solidFill>
                         </a:rPr>
-                        <a:t>0</a:t>
+                        <a:t>…</a:t>
                       </a:r>
                     </a:p>
                   </a:txBody>
@@ -19954,6 +20130,68 @@
                     </a:solidFill>
                   </a:tcPr>
                 </a:tc>
+                <a:tc>
+                  <a:txBody>
+                    <a:bodyPr/>
+                    <a:lstStyle/>
+                    <a:p>
+                      <a:r>
+                        <a:rPr lang="en-GB" sz="900" b="0" dirty="0">
+                          <a:solidFill>
+                            <a:schemeClr val="tx1">
+                              <a:lumMod val="50000"/>
+                            </a:schemeClr>
+                          </a:solidFill>
+                        </a:rPr>
+                        <a:t> / 5</a:t>
+                      </a:r>
+                    </a:p>
+                  </a:txBody>
+                  <a:tcPr>
+                    <a:lnT w="12700" cap="flat" cmpd="sng" algn="ctr">
+                      <a:solidFill>
+                        <a:schemeClr val="accent4"/>
+                      </a:solidFill>
+                      <a:prstDash val="solid"/>
+                      <a:round/>
+                      <a:headEnd type="none" w="med" len="med"/>
+                      <a:tailEnd type="none" w="med" len="med"/>
+                    </a:lnT>
+                    <a:solidFill>
+                      <a:schemeClr val="tx1"/>
+                    </a:solidFill>
+                  </a:tcPr>
+                </a:tc>
+                <a:tc>
+                  <a:txBody>
+                    <a:bodyPr/>
+                    <a:lstStyle/>
+                    <a:p>
+                      <a:r>
+                        <a:rPr lang="en-GB" sz="900" b="0" dirty="0">
+                          <a:solidFill>
+                            <a:schemeClr val="bg1"/>
+                          </a:solidFill>
+                        </a:rPr>
+                        <a:t>= 0</a:t>
+                      </a:r>
+                    </a:p>
+                  </a:txBody>
+                  <a:tcPr>
+                    <a:lnT w="12700" cap="flat" cmpd="sng" algn="ctr">
+                      <a:solidFill>
+                        <a:schemeClr val="accent4"/>
+                      </a:solidFill>
+                      <a:prstDash val="solid"/>
+                      <a:round/>
+                      <a:headEnd type="none" w="med" len="med"/>
+                      <a:tailEnd type="none" w="med" len="med"/>
+                    </a:lnT>
+                    <a:solidFill>
+                      <a:schemeClr val="tx1"/>
+                    </a:solidFill>
+                  </a:tcPr>
+                </a:tc>
                 <a:extLst>
                   <a:ext uri="{0D108BD9-81ED-4DB2-BD59-A6C34878D82A}">
                     <a16:rowId xmlns:a16="http://schemas.microsoft.com/office/drawing/2014/main" val="461565399"/>
@@ -20071,180 +20309,23 @@
                     <a:bodyPr/>
                     <a:lstStyle/>
                     <a:p>
-                      <a:r>
-                        <a:rPr lang="en-GB" sz="900" b="0" dirty="0">
-                          <a:solidFill>
-                            <a:schemeClr val="bg1"/>
-                          </a:solidFill>
-                        </a:rPr>
-                        <a:t>0.01</a:t>
-                      </a:r>
-                    </a:p>
-                  </a:txBody>
-                  <a:tcPr>
-                    <a:solidFill>
-                      <a:schemeClr val="tx1"/>
-                    </a:solidFill>
-                  </a:tcPr>
-                </a:tc>
-                <a:extLst>
-                  <a:ext uri="{0D108BD9-81ED-4DB2-BD59-A6C34878D82A}">
-                    <a16:rowId xmlns:a16="http://schemas.microsoft.com/office/drawing/2014/main" val="1278667350"/>
-                  </a:ext>
-                </a:extLst>
-              </a:tr>
-              <a:tr h="177507">
-                <a:tc>
-                  <a:txBody>
-                    <a:bodyPr/>
-                    <a:lstStyle/>
-                    <a:p>
-                      <a:r>
-                        <a:rPr lang="en-GB" sz="900" dirty="0"/>
-                        <a:t>Gene 3</a:t>
-                      </a:r>
-                    </a:p>
-                  </a:txBody>
-                  <a:tcPr/>
-                </a:tc>
-                <a:tc>
-                  <a:txBody>
-                    <a:bodyPr/>
-                    <a:lstStyle/>
-                    <a:p>
-                      <a:r>
-                        <a:rPr lang="en-GB" sz="900" dirty="0">
-                          <a:solidFill>
-                            <a:schemeClr val="tx1">
-                              <a:lumMod val="50000"/>
-                            </a:schemeClr>
-                          </a:solidFill>
-                        </a:rPr>
-                        <a:t>10</a:t>
-                      </a:r>
-                    </a:p>
-                  </a:txBody>
-                  <a:tcPr>
-                    <a:solidFill>
-                      <a:schemeClr val="tx1"/>
-                    </a:solidFill>
-                  </a:tcPr>
-                </a:tc>
-                <a:tc>
-                  <a:txBody>
-                    <a:bodyPr/>
-                    <a:lstStyle/>
-                    <a:p>
-                      <a:r>
-                        <a:rPr lang="en-GB" sz="900" dirty="0">
-                          <a:solidFill>
-                            <a:schemeClr val="tx1">
-                              <a:lumMod val="50000"/>
-                            </a:schemeClr>
-                          </a:solidFill>
-                        </a:rPr>
-                        <a:t>8</a:t>
-                      </a:r>
-                    </a:p>
-                  </a:txBody>
-                  <a:tcPr>
-                    <a:solidFill>
-                      <a:schemeClr val="tx1"/>
-                    </a:solidFill>
-                  </a:tcPr>
-                </a:tc>
-                <a:tc>
-                  <a:txBody>
-                    <a:bodyPr/>
-                    <a:lstStyle/>
-                    <a:p>
-                      <a:r>
-                        <a:rPr lang="en-GB" sz="900" dirty="0">
-                          <a:solidFill>
-                            <a:schemeClr val="tx1">
-                              <a:lumMod val="50000"/>
-                            </a:schemeClr>
-                          </a:solidFill>
-                        </a:rPr>
-                        <a:t>12</a:t>
-                      </a:r>
-                    </a:p>
-                  </a:txBody>
-                  <a:tcPr>
-                    <a:solidFill>
-                      <a:schemeClr val="tx1"/>
-                    </a:solidFill>
-                  </a:tcPr>
-                </a:tc>
-                <a:tc>
-                  <a:txBody>
-                    <a:bodyPr/>
-                    <a:lstStyle/>
-                    <a:p>
-                      <a:r>
-                        <a:rPr lang="en-GB" sz="900" b="0" dirty="0">
-                          <a:solidFill>
-                            <a:schemeClr val="tx1">
-                              <a:lumMod val="50000"/>
-                            </a:schemeClr>
-                          </a:solidFill>
-                        </a:rPr>
-                        <a:t>10</a:t>
-                      </a:r>
-                    </a:p>
-                  </a:txBody>
-                  <a:tcPr>
-                    <a:solidFill>
-                      <a:schemeClr val="tx1"/>
-                    </a:solidFill>
-                  </a:tcPr>
-                </a:tc>
-                <a:tc>
-                  <a:txBody>
-                    <a:bodyPr/>
-                    <a:lstStyle/>
-                    <a:p>
-                      <a:r>
-                        <a:rPr lang="en-GB" sz="900" b="0" dirty="0">
-                          <a:solidFill>
-                            <a:schemeClr val="bg1"/>
-                          </a:solidFill>
-                        </a:rPr>
-                        <a:t>0.60</a:t>
-                      </a:r>
-                    </a:p>
-                  </a:txBody>
-                  <a:tcPr>
-                    <a:solidFill>
-                      <a:schemeClr val="tx1"/>
-                    </a:solidFill>
-                  </a:tcPr>
-                </a:tc>
-                <a:extLst>
-                  <a:ext uri="{0D108BD9-81ED-4DB2-BD59-A6C34878D82A}">
-                    <a16:rowId xmlns:a16="http://schemas.microsoft.com/office/drawing/2014/main" val="4210157601"/>
-                  </a:ext>
-                </a:extLst>
-              </a:tr>
-              <a:tr h="177507">
-                <a:tc>
-                  <a:txBody>
-                    <a:bodyPr/>
-                    <a:lstStyle/>
-                    <a:p>
-                      <a:r>
-                        <a:rPr lang="en-GB" sz="900" dirty="0"/>
-                        <a:t>…</a:t>
-                      </a:r>
-                    </a:p>
-                  </a:txBody>
-                  <a:tcPr/>
-                </a:tc>
-                <a:tc>
-                  <a:txBody>
-                    <a:bodyPr/>
-                    <a:lstStyle/>
-                    <a:p>
+                      <a:pPr marL="0" marR="0" lvl="0" indent="0" algn="l" defTabSz="1219170" rtl="0" eaLnBrk="1" fontAlgn="auto" latinLnBrk="0" hangingPunct="1">
+                        <a:lnSpc>
+                          <a:spcPct val="100000"/>
+                        </a:lnSpc>
+                        <a:spcBef>
+                          <a:spcPts val="0"/>
+                        </a:spcBef>
+                        <a:spcAft>
+                          <a:spcPts val="0"/>
+                        </a:spcAft>
+                        <a:buClrTx/>
+                        <a:buSzTx/>
+                        <a:buFontTx/>
+                        <a:buNone/>
+                        <a:tabLst/>
+                        <a:defRPr/>
+                      </a:pPr>
                       <a:r>
                         <a:rPr lang="en-GB" sz="900" dirty="0">
                           <a:solidFill>
@@ -20269,6 +20350,162 @@
                     <a:lstStyle/>
                     <a:p>
                       <a:r>
+                        <a:rPr lang="en-GB" sz="900" b="0" dirty="0">
+                          <a:solidFill>
+                            <a:schemeClr val="tx1">
+                              <a:lumMod val="50000"/>
+                            </a:schemeClr>
+                          </a:solidFill>
+                        </a:rPr>
+                        <a:t>/ 33</a:t>
+                      </a:r>
+                    </a:p>
+                  </a:txBody>
+                  <a:tcPr>
+                    <a:solidFill>
+                      <a:schemeClr val="tx1"/>
+                    </a:solidFill>
+                  </a:tcPr>
+                </a:tc>
+                <a:tc>
+                  <a:txBody>
+                    <a:bodyPr/>
+                    <a:lstStyle/>
+                    <a:p>
+                      <a:r>
+                        <a:rPr lang="en-GB" sz="900" b="0" dirty="0">
+                          <a:solidFill>
+                            <a:schemeClr val="bg1"/>
+                          </a:solidFill>
+                        </a:rPr>
+                        <a:t>= 0.01</a:t>
+                      </a:r>
+                    </a:p>
+                  </a:txBody>
+                  <a:tcPr>
+                    <a:solidFill>
+                      <a:schemeClr val="tx1"/>
+                    </a:solidFill>
+                  </a:tcPr>
+                </a:tc>
+                <a:extLst>
+                  <a:ext uri="{0D108BD9-81ED-4DB2-BD59-A6C34878D82A}">
+                    <a16:rowId xmlns:a16="http://schemas.microsoft.com/office/drawing/2014/main" val="1278667350"/>
+                  </a:ext>
+                </a:extLst>
+              </a:tr>
+              <a:tr h="177507">
+                <a:tc>
+                  <a:txBody>
+                    <a:bodyPr/>
+                    <a:lstStyle/>
+                    <a:p>
+                      <a:r>
+                        <a:rPr lang="en-GB" sz="900" dirty="0"/>
+                        <a:t>Gene 3</a:t>
+                      </a:r>
+                    </a:p>
+                  </a:txBody>
+                  <a:tcPr/>
+                </a:tc>
+                <a:tc>
+                  <a:txBody>
+                    <a:bodyPr/>
+                    <a:lstStyle/>
+                    <a:p>
+                      <a:r>
+                        <a:rPr lang="en-GB" sz="900" dirty="0">
+                          <a:solidFill>
+                            <a:schemeClr val="tx1">
+                              <a:lumMod val="50000"/>
+                            </a:schemeClr>
+                          </a:solidFill>
+                        </a:rPr>
+                        <a:t>9</a:t>
+                      </a:r>
+                    </a:p>
+                  </a:txBody>
+                  <a:tcPr>
+                    <a:solidFill>
+                      <a:schemeClr val="tx1"/>
+                    </a:solidFill>
+                  </a:tcPr>
+                </a:tc>
+                <a:tc>
+                  <a:txBody>
+                    <a:bodyPr/>
+                    <a:lstStyle/>
+                    <a:p>
+                      <a:r>
+                        <a:rPr lang="en-GB" sz="900" dirty="0">
+                          <a:solidFill>
+                            <a:schemeClr val="tx1">
+                              <a:lumMod val="50000"/>
+                            </a:schemeClr>
+                          </a:solidFill>
+                        </a:rPr>
+                        <a:t>7</a:t>
+                      </a:r>
+                    </a:p>
+                  </a:txBody>
+                  <a:tcPr>
+                    <a:solidFill>
+                      <a:schemeClr val="tx1"/>
+                    </a:solidFill>
+                  </a:tcPr>
+                </a:tc>
+                <a:tc>
+                  <a:txBody>
+                    <a:bodyPr/>
+                    <a:lstStyle/>
+                    <a:p>
+                      <a:r>
+                        <a:rPr lang="en-GB" sz="900" dirty="0">
+                          <a:solidFill>
+                            <a:schemeClr val="tx1">
+                              <a:lumMod val="50000"/>
+                            </a:schemeClr>
+                          </a:solidFill>
+                        </a:rPr>
+                        <a:t>11</a:t>
+                      </a:r>
+                    </a:p>
+                  </a:txBody>
+                  <a:tcPr>
+                    <a:solidFill>
+                      <a:schemeClr val="tx1"/>
+                    </a:solidFill>
+                  </a:tcPr>
+                </a:tc>
+                <a:tc>
+                  <a:txBody>
+                    <a:bodyPr/>
+                    <a:lstStyle/>
+                    <a:p>
+                      <a:r>
+                        <a:rPr lang="en-GB" sz="900" b="0" dirty="0">
+                          <a:solidFill>
+                            <a:schemeClr val="tx1">
+                              <a:lumMod val="50000"/>
+                            </a:schemeClr>
+                          </a:solidFill>
+                        </a:rPr>
+                        <a:t>9</a:t>
+                      </a:r>
+                    </a:p>
+                  </a:txBody>
+                  <a:tcPr>
+                    <a:solidFill>
+                      <a:schemeClr val="tx1"/>
+                    </a:solidFill>
+                  </a:tcPr>
+                </a:tc>
+                <a:tc>
+                  <a:txBody>
+                    <a:bodyPr/>
+                    <a:lstStyle/>
+                    <a:p>
+                      <a:r>
                         <a:rPr lang="en-GB" sz="900" dirty="0">
                           <a:solidFill>
                             <a:schemeClr val="tx1">
@@ -20278,6 +20515,13 @@
                         </a:rPr>
                         <a:t>…</a:t>
                       </a:r>
+                      <a:endParaRPr lang="en-GB" sz="900" b="0" dirty="0">
+                        <a:solidFill>
+                          <a:schemeClr val="tx1">
+                            <a:lumMod val="50000"/>
+                          </a:schemeClr>
+                        </a:solidFill>
+                      </a:endParaRPr>
                     </a:p>
                   </a:txBody>
                   <a:tcPr>
@@ -20285,6 +20529,70 @@
                       <a:schemeClr val="tx1"/>
                     </a:solidFill>
                   </a:tcPr>
+                </a:tc>
+                <a:tc>
+                  <a:txBody>
+                    <a:bodyPr/>
+                    <a:lstStyle/>
+                    <a:p>
+                      <a:r>
+                        <a:rPr lang="en-GB" sz="900" b="0" dirty="0">
+                          <a:solidFill>
+                            <a:schemeClr val="tx1">
+                              <a:lumMod val="50000"/>
+                            </a:schemeClr>
+                          </a:solidFill>
+                        </a:rPr>
+                        <a:t>/ 10</a:t>
+                      </a:r>
+                    </a:p>
+                  </a:txBody>
+                  <a:tcPr>
+                    <a:solidFill>
+                      <a:schemeClr val="tx1"/>
+                    </a:solidFill>
+                  </a:tcPr>
+                </a:tc>
+                <a:tc>
+                  <a:txBody>
+                    <a:bodyPr/>
+                    <a:lstStyle/>
+                    <a:p>
+                      <a:r>
+                        <a:rPr lang="en-GB" sz="900" b="0" dirty="0">
+                          <a:solidFill>
+                            <a:schemeClr val="bg1"/>
+                          </a:solidFill>
+                        </a:rPr>
+                        <a:t>= 0.90</a:t>
+                      </a:r>
+                    </a:p>
+                  </a:txBody>
+                  <a:tcPr>
+                    <a:solidFill>
+                      <a:schemeClr val="tx1"/>
+                    </a:solidFill>
+                  </a:tcPr>
+                </a:tc>
+                <a:extLst>
+                  <a:ext uri="{0D108BD9-81ED-4DB2-BD59-A6C34878D82A}">
+                    <a16:rowId xmlns:a16="http://schemas.microsoft.com/office/drawing/2014/main" val="4210157601"/>
+                  </a:ext>
+                </a:extLst>
+              </a:tr>
+              <a:tr h="177507">
+                <a:tc>
+                  <a:txBody>
+                    <a:bodyPr/>
+                    <a:lstStyle/>
+                    <a:p>
+                      <a:r>
+                        <a:rPr lang="en-GB" sz="900" dirty="0"/>
+                        <a:t>…</a:t>
+                      </a:r>
+                    </a:p>
+                  </a:txBody>
+                  <a:tcPr/>
                 </a:tc>
                 <a:tc>
                   <a:txBody>
@@ -20315,6 +20623,52 @@
                     <a:lstStyle/>
                     <a:p>
                       <a:r>
+                        <a:rPr lang="en-GB" sz="900" dirty="0">
+                          <a:solidFill>
+                            <a:schemeClr val="tx1">
+                              <a:lumMod val="50000"/>
+                            </a:schemeClr>
+                          </a:solidFill>
+                        </a:rPr>
+                        <a:t>…</a:t>
+                      </a:r>
+                    </a:p>
+                  </a:txBody>
+                  <a:tcPr>
+                    <a:solidFill>
+                      <a:schemeClr val="tx1"/>
+                    </a:solidFill>
+                  </a:tcPr>
+                </a:tc>
+                <a:tc>
+                  <a:txBody>
+                    <a:bodyPr/>
+                    <a:lstStyle/>
+                    <a:p>
+                      <a:r>
+                        <a:rPr lang="en-GB" sz="900" dirty="0">
+                          <a:solidFill>
+                            <a:schemeClr val="tx1">
+                              <a:lumMod val="50000"/>
+                            </a:schemeClr>
+                          </a:solidFill>
+                        </a:rPr>
+                        <a:t>…</a:t>
+                      </a:r>
+                    </a:p>
+                  </a:txBody>
+                  <a:tcPr>
+                    <a:solidFill>
+                      <a:schemeClr val="tx1"/>
+                    </a:solidFill>
+                  </a:tcPr>
+                </a:tc>
+                <a:tc>
+                  <a:txBody>
+                    <a:bodyPr/>
+                    <a:lstStyle/>
+                    <a:p>
+                      <a:r>
                         <a:rPr lang="en-GB" sz="900" b="0" dirty="0">
                           <a:solidFill>
                             <a:schemeClr val="tx1">
@@ -20324,6 +20678,56 @@
                         </a:rPr>
                         <a:t>…</a:t>
                       </a:r>
+                    </a:p>
+                  </a:txBody>
+                  <a:tcPr>
+                    <a:solidFill>
+                      <a:schemeClr val="tx1"/>
+                    </a:solidFill>
+                  </a:tcPr>
+                </a:tc>
+                <a:tc>
+                  <a:txBody>
+                    <a:bodyPr/>
+                    <a:lstStyle/>
+                    <a:p>
+                      <a:r>
+                        <a:rPr lang="en-GB" sz="900" dirty="0">
+                          <a:solidFill>
+                            <a:schemeClr val="tx1">
+                              <a:lumMod val="50000"/>
+                            </a:schemeClr>
+                          </a:solidFill>
+                        </a:rPr>
+                        <a:t>…</a:t>
+                      </a:r>
+                      <a:endParaRPr lang="en-GB" sz="900" b="0" dirty="0">
+                        <a:solidFill>
+                          <a:schemeClr val="tx1">
+                            <a:lumMod val="50000"/>
+                          </a:schemeClr>
+                        </a:solidFill>
+                      </a:endParaRPr>
+                    </a:p>
+                  </a:txBody>
+                  <a:tcPr>
+                    <a:solidFill>
+                      <a:schemeClr val="tx1"/>
+                    </a:solidFill>
+                  </a:tcPr>
+                </a:tc>
+                <a:tc>
+                  <a:txBody>
+                    <a:bodyPr/>
+                    <a:lstStyle/>
+                    <a:p>
+                      <a:endParaRPr lang="en-GB" sz="900" b="0" dirty="0">
+                        <a:solidFill>
+                          <a:schemeClr val="tx1">
+                            <a:lumMod val="50000"/>
+                          </a:schemeClr>
+                        </a:solidFill>
+                      </a:endParaRPr>
                     </a:p>
                   </a:txBody>
                   <a:tcPr>
@@ -20629,8 +21033,8 @@
         </p:nvSpPr>
         <p:spPr>
           <a:xfrm>
-            <a:off x="9183662" y="2486223"/>
-            <a:ext cx="502006" cy="912682"/>
+            <a:off x="9840079" y="2615368"/>
+            <a:ext cx="772186" cy="912682"/>
           </a:xfrm>
           <a:prstGeom prst="rect">
             <a:avLst/>
@@ -20670,7 +21074,7 @@
           <a:lstStyle/>
           <a:p>
             <a:pPr algn="ctr"/>
-            <a:endParaRPr lang="en-GB"/>
+            <a:endParaRPr lang="en-GB" dirty="0"/>
           </a:p>
         </p:txBody>
       </p:sp>
@@ -20685,20 +21089,19 @@
           </p:cNvPr>
           <p:cNvCxnSpPr>
             <a:cxnSpLocks/>
-            <a:stCxn id="58" idx="2"/>
+            <a:stCxn id="53" idx="3"/>
             <a:endCxn id="57" idx="3"/>
           </p:cNvCxnSpPr>
           <p:nvPr/>
         </p:nvCxnSpPr>
         <p:spPr>
-          <a:xfrm rot="16200000" flipH="1">
-            <a:off x="9114494" y="3719075"/>
-            <a:ext cx="1453052" cy="812711"/>
+          <a:xfrm flipH="1">
+            <a:off x="10247376" y="2807187"/>
+            <a:ext cx="364889" cy="2044770"/>
           </a:xfrm>
-          <a:prstGeom prst="bentConnector4">
+          <a:prstGeom prst="bentConnector3">
             <a:avLst>
-              <a:gd name="adj1" fmla="val 10196"/>
-              <a:gd name="adj2" fmla="val 175349"/>
+              <a:gd name="adj1" fmla="val -62649"/>
             </a:avLst>
           </a:prstGeom>
           <a:ln>
@@ -20770,8 +21173,8 @@
         </p:nvSpPr>
         <p:spPr>
           <a:xfrm>
-            <a:off x="6479073" y="1872531"/>
-            <a:ext cx="3463135" cy="222620"/>
+            <a:off x="6479072" y="1872531"/>
+            <a:ext cx="4110843" cy="222620"/>
           </a:xfrm>
           <a:prstGeom prst="roundRect">
             <a:avLst/>
